--- a/posts/jp/ppt/n5.pptx
+++ b/posts/jp/ppt/n5.pptx
@@ -7,6 +7,25 @@
   <p:sldIdLst>
     <p:sldId id="256" r:id="rId2"/>
     <p:sldId id="257" r:id="rId3"/>
+    <p:sldId id="259" r:id="rId4"/>
+    <p:sldId id="260" r:id="rId5"/>
+    <p:sldId id="261" r:id="rId6"/>
+    <p:sldId id="262" r:id="rId7"/>
+    <p:sldId id="263" r:id="rId8"/>
+    <p:sldId id="264" r:id="rId9"/>
+    <p:sldId id="265" r:id="rId10"/>
+    <p:sldId id="266" r:id="rId11"/>
+    <p:sldId id="267" r:id="rId12"/>
+    <p:sldId id="268" r:id="rId13"/>
+    <p:sldId id="269" r:id="rId14"/>
+    <p:sldId id="270" r:id="rId15"/>
+    <p:sldId id="271" r:id="rId16"/>
+    <p:sldId id="272" r:id="rId17"/>
+    <p:sldId id="273" r:id="rId18"/>
+    <p:sldId id="274" r:id="rId19"/>
+    <p:sldId id="275" r:id="rId20"/>
+    <p:sldId id="276" r:id="rId21"/>
+    <p:sldId id="277" r:id="rId22"/>
   </p:sldIdLst>
   <p:sldSz cx="12192000" cy="6858000"/>
   <p:notesSz cx="6858000" cy="9144000"/>
@@ -117,6 +136,8 @@
 <p1510:revInfo xmlns:a="http://schemas.openxmlformats.org/drawingml/2006/main" xmlns:r="http://schemas.openxmlformats.org/officeDocument/2006/relationships" xmlns:p1510="http://schemas.microsoft.com/office/powerpoint/2015/10/main">
   <p1510:revLst>
     <p1510:client id="{6470D550-8D96-49BE-9AA8-2FF641904DE1}" v="42" dt="2023-04-01T08:32:37.181"/>
+    <p1510:client id="{A2D50F63-F9E7-443E-A022-655F6724E045}" v="1609" dt="2023-04-01T14:08:36.248"/>
+    <p1510:client id="{BD23D012-CDA3-46BB-84F3-77914A912609}" v="3247" dt="2023-04-01T18:59:16.908"/>
   </p1510:revLst>
 </p1510:revInfo>
 </file>
@@ -510,7 +531,6 @@
               <a:rPr lang="en-US"/>
               <a:t>Click to edit Master title style</a:t>
             </a:r>
-            <a:endParaRPr lang="en-US" dirty="0"/>
           </a:p>
         </p:txBody>
       </p:sp>
@@ -580,7 +600,7 @@
           </a:lstStyle>
           <a:p>
             <a:r>
-              <a:rPr lang="en-US" dirty="0"/>
+              <a:rPr lang="en-US"/>
               <a:t>Click to edit Master subtitle style</a:t>
             </a:r>
           </a:p>
@@ -611,7 +631,7 @@
               <a:rPr lang="en-US" smtClean="0"/>
               <a:t>4/1/2023</a:t>
             </a:fld>
-            <a:endParaRPr lang="en-US" dirty="0"/>
+            <a:endParaRPr lang="en-US"/>
           </a:p>
         </p:txBody>
       </p:sp>
@@ -750,35 +770,35 @@
           <a:p>
             <a:pPr lvl="0"/>
             <a:r>
-              <a:rPr lang="en-US" dirty="0"/>
+              <a:rPr lang="en-US"/>
               <a:t>Click to edit Master text styles</a:t>
             </a:r>
           </a:p>
           <a:p>
             <a:pPr lvl="1"/>
             <a:r>
-              <a:rPr lang="en-US" dirty="0"/>
+              <a:rPr lang="en-US"/>
               <a:t>Second level</a:t>
             </a:r>
           </a:p>
           <a:p>
             <a:pPr lvl="2"/>
             <a:r>
-              <a:rPr lang="en-US" dirty="0"/>
+              <a:rPr lang="en-US"/>
               <a:t>Third level</a:t>
             </a:r>
           </a:p>
           <a:p>
             <a:pPr lvl="3"/>
             <a:r>
-              <a:rPr lang="en-US" dirty="0"/>
+              <a:rPr lang="en-US"/>
               <a:t>Fourth level</a:t>
             </a:r>
           </a:p>
           <a:p>
             <a:pPr lvl="4"/>
             <a:r>
-              <a:rPr lang="en-US" dirty="0"/>
+              <a:rPr lang="en-US"/>
               <a:t>Fifth level</a:t>
             </a:r>
           </a:p>
@@ -958,35 +978,35 @@
           <a:p>
             <a:pPr lvl="0"/>
             <a:r>
-              <a:rPr lang="en-US" dirty="0"/>
+              <a:rPr lang="en-US"/>
               <a:t>Click to edit Master text styles</a:t>
             </a:r>
           </a:p>
           <a:p>
             <a:pPr lvl="1"/>
             <a:r>
-              <a:rPr lang="en-US" dirty="0"/>
+              <a:rPr lang="en-US"/>
               <a:t>Second level</a:t>
             </a:r>
           </a:p>
           <a:p>
             <a:pPr lvl="2"/>
             <a:r>
-              <a:rPr lang="en-US" dirty="0"/>
+              <a:rPr lang="en-US"/>
               <a:t>Third level</a:t>
             </a:r>
           </a:p>
           <a:p>
             <a:pPr lvl="3"/>
             <a:r>
-              <a:rPr lang="en-US" dirty="0"/>
+              <a:rPr lang="en-US"/>
               <a:t>Fourth level</a:t>
             </a:r>
           </a:p>
           <a:p>
             <a:pPr lvl="4"/>
             <a:r>
-              <a:rPr lang="en-US" dirty="0"/>
+              <a:rPr lang="en-US"/>
               <a:t>Fifth level</a:t>
             </a:r>
           </a:p>
@@ -1130,7 +1150,6 @@
               <a:rPr lang="en-US"/>
               <a:t>Click to edit Master title style</a:t>
             </a:r>
-            <a:endParaRPr lang="en-US" dirty="0"/>
           </a:p>
         </p:txBody>
       </p:sp>
@@ -1180,35 +1199,35 @@
           <a:p>
             <a:pPr lvl="0"/>
             <a:r>
-              <a:rPr lang="en-US" dirty="0"/>
+              <a:rPr lang="en-US"/>
               <a:t>Click to edit Master text styles</a:t>
             </a:r>
           </a:p>
           <a:p>
             <a:pPr lvl="1"/>
             <a:r>
-              <a:rPr lang="en-US" dirty="0"/>
+              <a:rPr lang="en-US"/>
               <a:t>Second level</a:t>
             </a:r>
           </a:p>
           <a:p>
             <a:pPr lvl="2"/>
             <a:r>
-              <a:rPr lang="en-US" dirty="0"/>
+              <a:rPr lang="en-US"/>
               <a:t>Third level</a:t>
             </a:r>
           </a:p>
           <a:p>
             <a:pPr lvl="3"/>
             <a:r>
-              <a:rPr lang="en-US" dirty="0"/>
+              <a:rPr lang="en-US"/>
               <a:t>Fourth level</a:t>
             </a:r>
           </a:p>
           <a:p>
             <a:pPr lvl="4"/>
             <a:r>
-              <a:rPr lang="en-US" dirty="0"/>
+              <a:rPr lang="en-US"/>
               <a:t>Fifth level</a:t>
             </a:r>
           </a:p>
@@ -1994,7 +2013,6 @@
               <a:rPr lang="en-US"/>
               <a:t>Click to edit Master title style</a:t>
             </a:r>
-            <a:endParaRPr lang="en-US" dirty="0"/>
           </a:p>
         </p:txBody>
       </p:sp>
@@ -2599,7 +2617,6 @@
               <a:rPr lang="en-US"/>
               <a:t>Click to edit Master title style</a:t>
             </a:r>
-            <a:endParaRPr lang="en-US" dirty="0"/>
           </a:p>
         </p:txBody>
       </p:sp>
@@ -2631,35 +2648,35 @@
           <a:p>
             <a:pPr lvl="0"/>
             <a:r>
-              <a:rPr lang="en-US" dirty="0"/>
+              <a:rPr lang="en-US"/>
               <a:t>Click to edit Master text styles</a:t>
             </a:r>
           </a:p>
           <a:p>
             <a:pPr lvl="1"/>
             <a:r>
-              <a:rPr lang="en-US" dirty="0"/>
+              <a:rPr lang="en-US"/>
               <a:t>Second level</a:t>
             </a:r>
           </a:p>
           <a:p>
             <a:pPr lvl="2"/>
             <a:r>
-              <a:rPr lang="en-US" dirty="0"/>
+              <a:rPr lang="en-US"/>
               <a:t>Third level</a:t>
             </a:r>
           </a:p>
           <a:p>
             <a:pPr lvl="3"/>
             <a:r>
-              <a:rPr lang="en-US" dirty="0"/>
+              <a:rPr lang="en-US"/>
               <a:t>Fourth level</a:t>
             </a:r>
           </a:p>
           <a:p>
             <a:pPr lvl="4"/>
             <a:r>
-              <a:rPr lang="en-US" dirty="0"/>
+              <a:rPr lang="en-US"/>
               <a:t>Fifth level</a:t>
             </a:r>
           </a:p>
@@ -2724,7 +2741,6 @@
               <a:rPr lang="en-US"/>
               <a:t>Fifth level</a:t>
             </a:r>
-            <a:endParaRPr lang="en-US" dirty="0"/>
           </a:p>
         </p:txBody>
       </p:sp>
@@ -3606,35 +3622,35 @@
           <a:p>
             <a:pPr lvl="0"/>
             <a:r>
-              <a:rPr lang="en-US" dirty="0"/>
+              <a:rPr lang="en-US"/>
               <a:t>Click to edit Master text styles</a:t>
             </a:r>
           </a:p>
           <a:p>
             <a:pPr lvl="1"/>
             <a:r>
-              <a:rPr lang="en-US" dirty="0"/>
+              <a:rPr lang="en-US"/>
               <a:t>Second level</a:t>
             </a:r>
           </a:p>
           <a:p>
             <a:pPr lvl="2"/>
             <a:r>
-              <a:rPr lang="en-US" dirty="0"/>
+              <a:rPr lang="en-US"/>
               <a:t>Third level</a:t>
             </a:r>
           </a:p>
           <a:p>
             <a:pPr lvl="3"/>
             <a:r>
-              <a:rPr lang="en-US" dirty="0"/>
+              <a:rPr lang="en-US"/>
               <a:t>Fourth level</a:t>
             </a:r>
           </a:p>
           <a:p>
             <a:pPr lvl="4"/>
             <a:r>
-              <a:rPr lang="en-US" dirty="0"/>
+              <a:rPr lang="en-US"/>
               <a:t>Fifth level</a:t>
             </a:r>
           </a:p>
@@ -3772,7 +3788,6 @@
               <a:rPr lang="en-US"/>
               <a:t>Fifth level</a:t>
             </a:r>
-            <a:endParaRPr lang="en-US" dirty="0"/>
           </a:p>
         </p:txBody>
       </p:sp>
@@ -4556,7 +4571,6 @@
               <a:rPr lang="en-US"/>
               <a:t>Click to edit Master title style</a:t>
             </a:r>
-            <a:endParaRPr lang="en-US" dirty="0"/>
           </a:p>
         </p:txBody>
       </p:sp>
@@ -5158,7 +5172,6 @@
               <a:rPr lang="en-US"/>
               <a:t>Click to edit Master title style</a:t>
             </a:r>
-            <a:endParaRPr lang="en-US" dirty="0"/>
           </a:p>
         </p:txBody>
       </p:sp>
@@ -5249,7 +5262,6 @@
               <a:rPr lang="en-US"/>
               <a:t>Fifth level</a:t>
             </a:r>
-            <a:endParaRPr lang="en-US" dirty="0"/>
           </a:p>
         </p:txBody>
       </p:sp>
@@ -5320,7 +5332,7 @@
           <a:p>
             <a:pPr lvl="0"/>
             <a:r>
-              <a:rPr lang="en-US" dirty="0"/>
+              <a:rPr lang="en-US"/>
               <a:t>Click to edit Master text styles</a:t>
             </a:r>
           </a:p>
@@ -5807,7 +5819,6 @@
               <a:rPr lang="en-US"/>
               <a:t>Click to edit Master title style</a:t>
             </a:r>
-            <a:endParaRPr lang="en-US" dirty="0"/>
           </a:p>
         </p:txBody>
       </p:sp>
@@ -5948,7 +5959,7 @@
           <a:p>
             <a:pPr lvl="0"/>
             <a:r>
-              <a:rPr lang="en-US" dirty="0"/>
+              <a:rPr lang="en-US"/>
               <a:t>Click to edit Master text styles</a:t>
             </a:r>
           </a:p>
@@ -6436,7 +6447,7 @@
           <a:lstStyle/>
           <a:p>
             <a:r>
-              <a:rPr lang="en-US" dirty="0"/>
+              <a:rPr lang="en-US"/>
               <a:t>Click to edit Master title style</a:t>
             </a:r>
           </a:p>
@@ -6475,35 +6486,35 @@
           <a:p>
             <a:pPr lvl="0"/>
             <a:r>
-              <a:rPr lang="en-US" dirty="0"/>
+              <a:rPr lang="en-US"/>
               <a:t>Click to edit Master text styles</a:t>
             </a:r>
           </a:p>
           <a:p>
             <a:pPr lvl="1"/>
             <a:r>
-              <a:rPr lang="en-US" dirty="0"/>
+              <a:rPr lang="en-US"/>
               <a:t>Second level</a:t>
             </a:r>
           </a:p>
           <a:p>
             <a:pPr lvl="2"/>
             <a:r>
-              <a:rPr lang="en-US" dirty="0"/>
+              <a:rPr lang="en-US"/>
               <a:t>Third level</a:t>
             </a:r>
           </a:p>
           <a:p>
             <a:pPr lvl="3"/>
             <a:r>
-              <a:rPr lang="en-US" dirty="0"/>
+              <a:rPr lang="en-US"/>
               <a:t>Fourth level</a:t>
             </a:r>
           </a:p>
           <a:p>
             <a:pPr lvl="4"/>
             <a:r>
-              <a:rPr lang="en-US" dirty="0"/>
+              <a:rPr lang="en-US"/>
               <a:t>Fifth level</a:t>
             </a:r>
           </a:p>
@@ -6552,7 +6563,7 @@
               <a:rPr lang="en-US" smtClean="0"/>
               <a:t>4/1/2023</a:t>
             </a:fld>
-            <a:endParaRPr lang="en-US" dirty="0"/>
+            <a:endParaRPr lang="en-US"/>
           </a:p>
         </p:txBody>
       </p:sp>
@@ -6595,7 +6606,7 @@
             </a:lvl1pPr>
           </a:lstStyle>
           <a:p>
-            <a:endParaRPr lang="en-US" dirty="0"/>
+            <a:endParaRPr lang="en-US"/>
           </a:p>
         </p:txBody>
       </p:sp>
@@ -6642,7 +6653,7 @@
               <a:rPr lang="en-US" smtClean="0"/>
               <a:t>‹#›</a:t>
             </a:fld>
-            <a:endParaRPr lang="en-US" dirty="0"/>
+            <a:endParaRPr lang="en-US"/>
           </a:p>
         </p:txBody>
       </p:sp>
@@ -7336,7 +7347,7 @@
           <a:lstStyle/>
           <a:p>
             <a:pPr algn="ctr"/>
-            <a:endParaRPr lang="en-US" dirty="0"/>
+            <a:endParaRPr lang="en-US"/>
           </a:p>
         </p:txBody>
       </p:sp>
@@ -7837,11 +7848,6 @@
               </a:rPr>
               <a:t>日本語文法</a:t>
             </a:r>
-            <a:endParaRPr lang="zh-TW" altLang="en-US" sz="8800" dirty="0">
-              <a:solidFill>
-                <a:srgbClr val="FFFFFF"/>
-              </a:solidFill>
-            </a:endParaRPr>
           </a:p>
         </p:txBody>
       </p:sp>
@@ -7874,9 +7880,13 @@
                   <a:srgbClr val="FFFFFF"/>
                 </a:solidFill>
               </a:rPr>
-              <a:t>N5</a:t>
-            </a:r>
-            <a:endParaRPr lang="zh-TW" sz="4800"/>
+              <a:t>N5 </a:t>
+            </a:r>
+            <a:endParaRPr lang="zh-TW" sz="4800">
+              <a:solidFill>
+                <a:srgbClr val="000000"/>
+              </a:solidFill>
+            </a:endParaRPr>
           </a:p>
         </p:txBody>
       </p:sp>
@@ -8223,10 +8233,4486 @@
           </a:p>
         </p:txBody>
       </p:sp>
+      <p:sp>
+        <p:nvSpPr>
+          <p:cNvPr id="4" name="文字方塊 3">
+            <a:extLst>
+              <a:ext uri="{FF2B5EF4-FFF2-40B4-BE49-F238E27FC236}">
+                <a16:creationId xmlns:a16="http://schemas.microsoft.com/office/drawing/2014/main" id="{49A7C73E-D4C9-9496-0CF7-CB2BEA6160FD}"/>
+              </a:ext>
+            </a:extLst>
+          </p:cNvPr>
+          <p:cNvSpPr txBox="1"/>
+          <p:nvPr/>
+        </p:nvSpPr>
+        <p:spPr>
+          <a:xfrm>
+            <a:off x="4687677" y="5816906"/>
+            <a:ext cx="2743200" cy="646331"/>
+          </a:xfrm>
+          <a:prstGeom prst="rect">
+            <a:avLst/>
+          </a:prstGeom>
+          <a:noFill/>
+        </p:spPr>
+        <p:txBody>
+          <a:bodyPr rot="0" spcFirstLastPara="0" vertOverflow="overflow" horzOverflow="overflow" vert="horz" wrap="square" lIns="91440" tIns="45720" rIns="91440" bIns="45720" numCol="1" spcCol="0" rtlCol="0" fromWordArt="0" anchor="t" anchorCtr="0" forceAA="0" compatLnSpc="1">
+            <a:prstTxWarp prst="textNoShape">
+              <a:avLst/>
+            </a:prstTxWarp>
+            <a:spAutoFit/>
+          </a:bodyPr>
+          <a:lstStyle/>
+          <a:p>
+            <a:pPr algn="ctr"/>
+            <a:r>
+              <a:rPr lang="zh-TW" sz="3600">
+                <a:solidFill>
+                  <a:srgbClr val="FFFFFF"/>
+                </a:solidFill>
+                <a:latin typeface="Calibri"/>
+                <a:cs typeface="Calibri"/>
+              </a:rPr>
+              <a:t>Rain Hu</a:t>
+            </a:r>
+            <a:endParaRPr lang="zh-TW" altLang="en-US" sz="3600">
+              <a:latin typeface="Calibri"/>
+              <a:cs typeface="Calibri"/>
+            </a:endParaRPr>
+          </a:p>
+        </p:txBody>
+      </p:sp>
     </p:spTree>
     <p:extLst>
       <p:ext uri="{BB962C8B-B14F-4D97-AF65-F5344CB8AC3E}">
         <p14:creationId xmlns:p14="http://schemas.microsoft.com/office/powerpoint/2010/main" val="2592129946"/>
+      </p:ext>
+    </p:extLst>
+  </p:cSld>
+  <p:clrMapOvr>
+    <a:masterClrMapping/>
+  </p:clrMapOvr>
+</p:sld>
+</file>
+
+<file path=ppt/slides/slide10.xml><?xml version="1.0" encoding="utf-8"?>
+<p:sld xmlns:a="http://schemas.openxmlformats.org/drawingml/2006/main" xmlns:r="http://schemas.openxmlformats.org/officeDocument/2006/relationships" xmlns:p="http://schemas.openxmlformats.org/presentationml/2006/main">
+  <p:cSld>
+    <p:spTree>
+      <p:nvGrpSpPr>
+        <p:cNvPr id="1" name=""/>
+        <p:cNvGrpSpPr/>
+        <p:nvPr/>
+      </p:nvGrpSpPr>
+      <p:grpSpPr>
+        <a:xfrm>
+          <a:off x="0" y="0"/>
+          <a:ext cx="0" cy="0"/>
+          <a:chOff x="0" y="0"/>
+          <a:chExt cx="0" cy="0"/>
+        </a:xfrm>
+      </p:grpSpPr>
+      <p:sp>
+        <p:nvSpPr>
+          <p:cNvPr id="2" name="標題 1">
+            <a:extLst>
+              <a:ext uri="{FF2B5EF4-FFF2-40B4-BE49-F238E27FC236}">
+                <a16:creationId xmlns:a16="http://schemas.microsoft.com/office/drawing/2014/main" id="{37A17A5C-282D-9A06-2BB9-7608E2DA7C30}"/>
+              </a:ext>
+            </a:extLst>
+          </p:cNvPr>
+          <p:cNvSpPr>
+            <a:spLocks noGrp="1"/>
+          </p:cNvSpPr>
+          <p:nvPr>
+            <p:ph type="title"/>
+          </p:nvPr>
+        </p:nvSpPr>
+        <p:spPr/>
+        <p:txBody>
+          <a:bodyPr>
+            <a:noAutofit/>
+          </a:bodyPr>
+          <a:lstStyle/>
+          <a:p>
+            <a:r>
+              <a:rPr lang="zh-TW" altLang="en-US" sz="3600"/>
+              <a:t>〜でした、じゃありませんでした（名詞過去）</a:t>
+            </a:r>
+            <a:endParaRPr lang="zh-TW" altLang="en-US" sz="3600" dirty="0"/>
+          </a:p>
+        </p:txBody>
+      </p:sp>
+      <p:sp>
+        <p:nvSpPr>
+          <p:cNvPr id="3" name="內容版面配置區 2">
+            <a:extLst>
+              <a:ext uri="{FF2B5EF4-FFF2-40B4-BE49-F238E27FC236}">
+                <a16:creationId xmlns:a16="http://schemas.microsoft.com/office/drawing/2014/main" id="{1EE82732-1F5A-20AC-9707-24B2A32B3AB7}"/>
+              </a:ext>
+            </a:extLst>
+          </p:cNvPr>
+          <p:cNvSpPr>
+            <a:spLocks noGrp="1"/>
+          </p:cNvSpPr>
+          <p:nvPr>
+            <p:ph idx="1"/>
+          </p:nvPr>
+        </p:nvSpPr>
+        <p:spPr>
+          <a:xfrm>
+            <a:off x="838200" y="1929384"/>
+            <a:ext cx="10515600" cy="4654526"/>
+          </a:xfrm>
+        </p:spPr>
+        <p:txBody>
+          <a:bodyPr vert="horz" lIns="91440" tIns="45720" rIns="91440" bIns="45720" rtlCol="0" anchor="t">
+            <a:normAutofit/>
+          </a:bodyPr>
+          <a:lstStyle/>
+          <a:p>
+            <a:r>
+              <a:rPr lang="zh-TW" altLang="en-US"/>
+              <a:t>名詞＋でした。（[過去]是）</a:t>
+            </a:r>
+            <a:endParaRPr lang="zh-TW" altLang="en-US" dirty="0"/>
+          </a:p>
+          <a:p>
+            <a:r>
+              <a:rPr lang="zh-TW" altLang="en-US"/>
+              <a:t>名詞＋じゃありませんでした（[過去]不是）</a:t>
+            </a:r>
+            <a:endParaRPr lang="zh-TW" altLang="en-US" dirty="0"/>
+          </a:p>
+          <a:p>
+            <a:endParaRPr lang="zh-TW" altLang="en-US" sz="2200"/>
+          </a:p>
+          <a:p>
+            <a:r>
+              <a:rPr lang="zh-TW" altLang="en-US" sz="2600"/>
+              <a:t>肯定形</a:t>
+            </a:r>
+            <a:endParaRPr lang="zh-TW" altLang="en-US" sz="2600" dirty="0"/>
+          </a:p>
+          <a:p>
+            <a:pPr lvl="1"/>
+            <a:r>
+              <a:rPr lang="zh-TW" altLang="en-US" sz="2200"/>
+              <a:t>現在：学生です。</a:t>
+            </a:r>
+          </a:p>
+          <a:p>
+            <a:pPr lvl="1"/>
+            <a:r>
+              <a:rPr lang="zh-TW" altLang="en-US" sz="2200"/>
+              <a:t>過去：学生</a:t>
+            </a:r>
+            <a:r>
+              <a:rPr lang="zh-TW" altLang="en-US" sz="2200">
+                <a:solidFill>
+                  <a:srgbClr val="FF0000"/>
+                </a:solidFill>
+              </a:rPr>
+              <a:t>でした</a:t>
+            </a:r>
+            <a:r>
+              <a:rPr lang="zh-TW" altLang="en-US" sz="2200"/>
+              <a:t>。</a:t>
+            </a:r>
+          </a:p>
+          <a:p>
+            <a:r>
+              <a:rPr lang="zh-TW" altLang="en-US" sz="2600"/>
+              <a:t>否定形</a:t>
+            </a:r>
+          </a:p>
+          <a:p>
+            <a:pPr lvl="1"/>
+            <a:r>
+              <a:rPr lang="zh-TW" sz="2200">
+                <a:ea typeface="+mn-lt"/>
+                <a:cs typeface="+mn-lt"/>
+              </a:rPr>
+              <a:t>現在：学生じゃありません。</a:t>
+            </a:r>
+            <a:endParaRPr lang="zh-TW" altLang="en-US" sz="2200">
+              <a:ea typeface="+mn-lt"/>
+              <a:cs typeface="+mn-lt"/>
+            </a:endParaRPr>
+          </a:p>
+          <a:p>
+            <a:pPr lvl="1"/>
+            <a:r>
+              <a:rPr lang="zh-TW" sz="2200">
+                <a:ea typeface="+mn-lt"/>
+                <a:cs typeface="+mn-lt"/>
+              </a:rPr>
+              <a:t>過去：学生</a:t>
+            </a:r>
+            <a:r>
+              <a:rPr lang="zh-TW" sz="2200">
+                <a:solidFill>
+                  <a:srgbClr val="FF0000"/>
+                </a:solidFill>
+                <a:ea typeface="+mn-lt"/>
+                <a:cs typeface="+mn-lt"/>
+              </a:rPr>
+              <a:t>じゃありませんでした。</a:t>
+            </a:r>
+            <a:endParaRPr lang="zh-TW" altLang="en-US" sz="2200">
+              <a:solidFill>
+                <a:srgbClr val="FF0000"/>
+              </a:solidFill>
+              <a:ea typeface="+mn-lt"/>
+              <a:cs typeface="+mn-lt"/>
+            </a:endParaRPr>
+          </a:p>
+          <a:p>
+            <a:pPr lvl="1"/>
+            <a:endParaRPr lang="zh-TW" altLang="en-US" sz="2200" dirty="0"/>
+          </a:p>
+          <a:p>
+            <a:endParaRPr lang="zh-TW" altLang="en-US" sz="2000"/>
+          </a:p>
+        </p:txBody>
+      </p:sp>
+      <p:sp>
+        <p:nvSpPr>
+          <p:cNvPr id="6" name="內容版面配置區 2">
+            <a:extLst>
+              <a:ext uri="{FF2B5EF4-FFF2-40B4-BE49-F238E27FC236}">
+                <a16:creationId xmlns:a16="http://schemas.microsoft.com/office/drawing/2014/main" id="{48C6A82B-2859-6441-1E05-E4BBBEF4F87D}"/>
+              </a:ext>
+            </a:extLst>
+          </p:cNvPr>
+          <p:cNvSpPr txBox="1">
+            <a:spLocks/>
+          </p:cNvSpPr>
+          <p:nvPr/>
+        </p:nvSpPr>
+        <p:spPr>
+          <a:xfrm>
+            <a:off x="5277997" y="3468073"/>
+            <a:ext cx="6852492" cy="2819768"/>
+          </a:xfrm>
+          <a:prstGeom prst="rect">
+            <a:avLst/>
+          </a:prstGeom>
+        </p:spPr>
+        <p:txBody>
+          <a:bodyPr vert="horz" lIns="91440" tIns="45720" rIns="91440" bIns="45720" rtlCol="0" anchor="t">
+            <a:noAutofit/>
+          </a:bodyPr>
+          <a:lstStyle>
+            <a:lvl1pPr marL="228600" indent="-228600" algn="l" defTabSz="914400" rtl="0" eaLnBrk="1" latinLnBrk="0" hangingPunct="1">
+              <a:lnSpc>
+                <a:spcPct val="110000"/>
+              </a:lnSpc>
+              <a:spcBef>
+                <a:spcPts val="1000"/>
+              </a:spcBef>
+              <a:buFont typeface="Arial" panose="020B0604020202020204" pitchFamily="34" charset="0"/>
+              <a:buChar char="•"/>
+              <a:defRPr sz="2800" kern="1200">
+                <a:solidFill>
+                  <a:schemeClr val="tx1"/>
+                </a:solidFill>
+                <a:latin typeface="+mn-lt"/>
+                <a:ea typeface="+mn-ea"/>
+                <a:cs typeface="+mn-cs"/>
+              </a:defRPr>
+            </a:lvl1pPr>
+            <a:lvl2pPr marL="685800" indent="-228600" algn="l" defTabSz="914400" rtl="0" eaLnBrk="1" latinLnBrk="0" hangingPunct="1">
+              <a:lnSpc>
+                <a:spcPct val="110000"/>
+              </a:lnSpc>
+              <a:spcBef>
+                <a:spcPts val="500"/>
+              </a:spcBef>
+              <a:buFont typeface="Arial" panose="020B0604020202020204" pitchFamily="34" charset="0"/>
+              <a:buChar char="•"/>
+              <a:defRPr sz="2400" kern="1200">
+                <a:solidFill>
+                  <a:schemeClr val="tx1"/>
+                </a:solidFill>
+                <a:latin typeface="+mn-lt"/>
+                <a:ea typeface="+mn-ea"/>
+                <a:cs typeface="+mn-cs"/>
+              </a:defRPr>
+            </a:lvl2pPr>
+            <a:lvl3pPr marL="1143000" indent="-228600" algn="l" defTabSz="914400" rtl="0" eaLnBrk="1" latinLnBrk="0" hangingPunct="1">
+              <a:lnSpc>
+                <a:spcPct val="110000"/>
+              </a:lnSpc>
+              <a:spcBef>
+                <a:spcPts val="500"/>
+              </a:spcBef>
+              <a:buFont typeface="Arial" panose="020B0604020202020204" pitchFamily="34" charset="0"/>
+              <a:buChar char="•"/>
+              <a:defRPr sz="2000" kern="1200">
+                <a:solidFill>
+                  <a:schemeClr val="tx1"/>
+                </a:solidFill>
+                <a:latin typeface="+mn-lt"/>
+                <a:ea typeface="+mn-ea"/>
+                <a:cs typeface="+mn-cs"/>
+              </a:defRPr>
+            </a:lvl3pPr>
+            <a:lvl4pPr marL="1600200" indent="-228600" algn="l" defTabSz="914400" rtl="0" eaLnBrk="1" latinLnBrk="0" hangingPunct="1">
+              <a:lnSpc>
+                <a:spcPct val="110000"/>
+              </a:lnSpc>
+              <a:spcBef>
+                <a:spcPts val="500"/>
+              </a:spcBef>
+              <a:buFont typeface="Arial" panose="020B0604020202020204" pitchFamily="34" charset="0"/>
+              <a:buChar char="•"/>
+              <a:defRPr sz="1800" kern="1200">
+                <a:solidFill>
+                  <a:schemeClr val="tx1"/>
+                </a:solidFill>
+                <a:latin typeface="+mn-lt"/>
+                <a:ea typeface="+mn-ea"/>
+                <a:cs typeface="+mn-cs"/>
+              </a:defRPr>
+            </a:lvl4pPr>
+            <a:lvl5pPr marL="2057400" indent="-228600" algn="l" defTabSz="914400" rtl="0" eaLnBrk="1" latinLnBrk="0" hangingPunct="1">
+              <a:lnSpc>
+                <a:spcPct val="110000"/>
+              </a:lnSpc>
+              <a:spcBef>
+                <a:spcPts val="500"/>
+              </a:spcBef>
+              <a:buFont typeface="Arial" panose="020B0604020202020204" pitchFamily="34" charset="0"/>
+              <a:buChar char="•"/>
+              <a:defRPr sz="1800" kern="1200">
+                <a:solidFill>
+                  <a:schemeClr val="tx1"/>
+                </a:solidFill>
+                <a:latin typeface="+mn-lt"/>
+                <a:ea typeface="+mn-ea"/>
+                <a:cs typeface="+mn-cs"/>
+              </a:defRPr>
+            </a:lvl5pPr>
+            <a:lvl6pPr marL="2514600" indent="-228600" algn="l" defTabSz="914400" rtl="0" eaLnBrk="1" latinLnBrk="0" hangingPunct="1">
+              <a:lnSpc>
+                <a:spcPct val="90000"/>
+              </a:lnSpc>
+              <a:spcBef>
+                <a:spcPts val="500"/>
+              </a:spcBef>
+              <a:buFont typeface="Arial" panose="020B0604020202020204" pitchFamily="34" charset="0"/>
+              <a:buChar char="•"/>
+              <a:defRPr sz="1800" kern="1200">
+                <a:solidFill>
+                  <a:schemeClr val="tx1"/>
+                </a:solidFill>
+                <a:latin typeface="+mn-lt"/>
+                <a:ea typeface="+mn-ea"/>
+                <a:cs typeface="+mn-cs"/>
+              </a:defRPr>
+            </a:lvl6pPr>
+            <a:lvl7pPr marL="2971800" indent="-228600" algn="l" defTabSz="914400" rtl="0" eaLnBrk="1" latinLnBrk="0" hangingPunct="1">
+              <a:lnSpc>
+                <a:spcPct val="90000"/>
+              </a:lnSpc>
+              <a:spcBef>
+                <a:spcPts val="500"/>
+              </a:spcBef>
+              <a:buFont typeface="Arial" panose="020B0604020202020204" pitchFamily="34" charset="0"/>
+              <a:buChar char="•"/>
+              <a:defRPr sz="1800" kern="1200">
+                <a:solidFill>
+                  <a:schemeClr val="tx1"/>
+                </a:solidFill>
+                <a:latin typeface="+mn-lt"/>
+                <a:ea typeface="+mn-ea"/>
+                <a:cs typeface="+mn-cs"/>
+              </a:defRPr>
+            </a:lvl7pPr>
+            <a:lvl8pPr marL="3429000" indent="-228600" algn="l" defTabSz="914400" rtl="0" eaLnBrk="1" latinLnBrk="0" hangingPunct="1">
+              <a:lnSpc>
+                <a:spcPct val="90000"/>
+              </a:lnSpc>
+              <a:spcBef>
+                <a:spcPts val="500"/>
+              </a:spcBef>
+              <a:buFont typeface="Arial" panose="020B0604020202020204" pitchFamily="34" charset="0"/>
+              <a:buChar char="•"/>
+              <a:defRPr sz="1800" kern="1200">
+                <a:solidFill>
+                  <a:schemeClr val="tx1"/>
+                </a:solidFill>
+                <a:latin typeface="+mn-lt"/>
+                <a:ea typeface="+mn-ea"/>
+                <a:cs typeface="+mn-cs"/>
+              </a:defRPr>
+            </a:lvl8pPr>
+            <a:lvl9pPr marL="3886200" indent="-228600" algn="l" defTabSz="914400" rtl="0" eaLnBrk="1" latinLnBrk="0" hangingPunct="1">
+              <a:lnSpc>
+                <a:spcPct val="90000"/>
+              </a:lnSpc>
+              <a:spcBef>
+                <a:spcPts val="500"/>
+              </a:spcBef>
+              <a:buFont typeface="Arial" panose="020B0604020202020204" pitchFamily="34" charset="0"/>
+              <a:buChar char="•"/>
+              <a:defRPr sz="1800" kern="1200">
+                <a:solidFill>
+                  <a:schemeClr val="tx1"/>
+                </a:solidFill>
+                <a:latin typeface="+mn-lt"/>
+                <a:ea typeface="+mn-ea"/>
+                <a:cs typeface="+mn-cs"/>
+              </a:defRPr>
+            </a:lvl9pPr>
+          </a:lstStyle>
+          <a:p>
+            <a:r>
+              <a:rPr lang="zh-TW" altLang="en-US" sz="2600"/>
+              <a:t>例文</a:t>
+            </a:r>
+          </a:p>
+          <a:p>
+            <a:pPr lvl="1"/>
+            <a:r>
+              <a:rPr lang="zh-TW" altLang="en-US" sz="2200"/>
+              <a:t>山口さんは昔、歌手でした。</a:t>
+            </a:r>
+            <a:endParaRPr lang="zh-TW" altLang="en-US" sz="2200" dirty="0"/>
+          </a:p>
+          <a:p>
+            <a:pPr lvl="1"/>
+            <a:r>
+              <a:rPr lang="zh-TW" altLang="en-US" sz="2200"/>
+              <a:t>私は去年まで大学生でした。</a:t>
+            </a:r>
+            <a:endParaRPr lang="zh-TW" altLang="en-US" sz="2200" dirty="0"/>
+          </a:p>
+          <a:p>
+            <a:pPr lvl="1"/>
+            <a:r>
+              <a:rPr lang="zh-TW" altLang="en-US" sz="2200"/>
+              <a:t>この公園は以前、飛行場でした。</a:t>
+            </a:r>
+            <a:endParaRPr lang="zh-TW" altLang="en-US" sz="2200" dirty="0"/>
+          </a:p>
+          <a:p>
+            <a:pPr lvl="1"/>
+            <a:r>
+              <a:rPr lang="zh-TW" altLang="en-US" sz="2200"/>
+              <a:t>昨日は雨じゃありませんでした。</a:t>
+            </a:r>
+            <a:endParaRPr lang="zh-TW" altLang="en-US" sz="2200" dirty="0"/>
+          </a:p>
+          <a:p>
+            <a:pPr lvl="1"/>
+            <a:endParaRPr lang="zh-TW" altLang="en-US" sz="2200"/>
+          </a:p>
+          <a:p>
+            <a:pPr lvl="1"/>
+            <a:endParaRPr lang="zh-TW" altLang="en-US" sz="2200"/>
+          </a:p>
+          <a:p>
+            <a:pPr lvl="1"/>
+            <a:endParaRPr lang="zh-TW" altLang="en-US" sz="2200"/>
+          </a:p>
+          <a:p>
+            <a:pPr lvl="1"/>
+            <a:endParaRPr lang="zh-TW" altLang="en-US" sz="2600"/>
+          </a:p>
+        </p:txBody>
+      </p:sp>
+    </p:spTree>
+    <p:extLst>
+      <p:ext uri="{BB962C8B-B14F-4D97-AF65-F5344CB8AC3E}">
+        <p14:creationId xmlns:p14="http://schemas.microsoft.com/office/powerpoint/2010/main" val="2206038136"/>
+      </p:ext>
+    </p:extLst>
+  </p:cSld>
+  <p:clrMapOvr>
+    <a:masterClrMapping/>
+  </p:clrMapOvr>
+</p:sld>
+</file>
+
+<file path=ppt/slides/slide11.xml><?xml version="1.0" encoding="utf-8"?>
+<p:sld xmlns:a="http://schemas.openxmlformats.org/drawingml/2006/main" xmlns:r="http://schemas.openxmlformats.org/officeDocument/2006/relationships" xmlns:p="http://schemas.openxmlformats.org/presentationml/2006/main">
+  <p:cSld>
+    <p:spTree>
+      <p:nvGrpSpPr>
+        <p:cNvPr id="1" name=""/>
+        <p:cNvGrpSpPr/>
+        <p:nvPr/>
+      </p:nvGrpSpPr>
+      <p:grpSpPr>
+        <a:xfrm>
+          <a:off x="0" y="0"/>
+          <a:ext cx="0" cy="0"/>
+          <a:chOff x="0" y="0"/>
+          <a:chExt cx="0" cy="0"/>
+        </a:xfrm>
+      </p:grpSpPr>
+      <p:sp>
+        <p:nvSpPr>
+          <p:cNvPr id="2" name="標題 1">
+            <a:extLst>
+              <a:ext uri="{FF2B5EF4-FFF2-40B4-BE49-F238E27FC236}">
+                <a16:creationId xmlns:a16="http://schemas.microsoft.com/office/drawing/2014/main" id="{37A17A5C-282D-9A06-2BB9-7608E2DA7C30}"/>
+              </a:ext>
+            </a:extLst>
+          </p:cNvPr>
+          <p:cNvSpPr>
+            <a:spLocks noGrp="1"/>
+          </p:cNvSpPr>
+          <p:nvPr>
+            <p:ph type="title"/>
+          </p:nvPr>
+        </p:nvSpPr>
+        <p:spPr/>
+        <p:txBody>
+          <a:bodyPr>
+            <a:noAutofit/>
+          </a:bodyPr>
+          <a:lstStyle/>
+          <a:p>
+            <a:r>
+              <a:rPr lang="zh-TW" altLang="en-US" sz="3600"/>
+              <a:t>〜ました、ませんでした（動詞過去）</a:t>
+            </a:r>
+            <a:endParaRPr lang="zh-TW" altLang="en-US" sz="3600" dirty="0"/>
+          </a:p>
+        </p:txBody>
+      </p:sp>
+      <p:sp>
+        <p:nvSpPr>
+          <p:cNvPr id="3" name="內容版面配置區 2">
+            <a:extLst>
+              <a:ext uri="{FF2B5EF4-FFF2-40B4-BE49-F238E27FC236}">
+                <a16:creationId xmlns:a16="http://schemas.microsoft.com/office/drawing/2014/main" id="{1EE82732-1F5A-20AC-9707-24B2A32B3AB7}"/>
+              </a:ext>
+            </a:extLst>
+          </p:cNvPr>
+          <p:cNvSpPr>
+            <a:spLocks noGrp="1"/>
+          </p:cNvSpPr>
+          <p:nvPr>
+            <p:ph idx="1"/>
+          </p:nvPr>
+        </p:nvSpPr>
+        <p:spPr>
+          <a:xfrm>
+            <a:off x="838200" y="1929384"/>
+            <a:ext cx="10515600" cy="4654526"/>
+          </a:xfrm>
+        </p:spPr>
+        <p:txBody>
+          <a:bodyPr vert="horz" lIns="91440" tIns="45720" rIns="91440" bIns="45720" rtlCol="0" anchor="t">
+            <a:normAutofit fontScale="92500" lnSpcReduction="20000"/>
+          </a:bodyPr>
+          <a:lstStyle/>
+          <a:p>
+            <a:r>
+              <a:rPr lang="zh-TW" altLang="en-US"/>
+              <a:t>〜ました（[過去]做～了）</a:t>
+            </a:r>
+            <a:endParaRPr lang="zh-TW" altLang="en-US" dirty="0"/>
+          </a:p>
+          <a:p>
+            <a:r>
+              <a:rPr lang="zh-TW" altLang="en-US"/>
+              <a:t>〜ませんでした（[過去]沒做～了）</a:t>
+            </a:r>
+            <a:endParaRPr lang="zh-TW" altLang="en-US" dirty="0"/>
+          </a:p>
+          <a:p>
+            <a:endParaRPr lang="zh-TW" altLang="en-US" sz="2200"/>
+          </a:p>
+          <a:p>
+            <a:r>
+              <a:rPr lang="zh-TW" altLang="en-US" sz="2600">
+                <a:ea typeface="+mn-lt"/>
+                <a:cs typeface="+mn-lt"/>
+              </a:rPr>
+              <a:t>過去動作</a:t>
+            </a:r>
+            <a:endParaRPr lang="zh-TW" altLang="en-US" sz="2600" dirty="0">
+              <a:ea typeface="+mn-lt"/>
+              <a:cs typeface="+mn-lt"/>
+            </a:endParaRPr>
+          </a:p>
+          <a:p>
+            <a:pPr lvl="1"/>
+            <a:r>
+              <a:rPr lang="zh-TW" altLang="en-US" sz="2200"/>
+              <a:t>昨日、映画を見</a:t>
+            </a:r>
+            <a:r>
+              <a:rPr lang="zh-TW" altLang="en-US" sz="2200">
+                <a:solidFill>
+                  <a:srgbClr val="FF0000"/>
+                </a:solidFill>
+              </a:rPr>
+              <a:t>ました</a:t>
+            </a:r>
+            <a:r>
+              <a:rPr lang="zh-TW" altLang="en-US" sz="2200"/>
+              <a:t>。</a:t>
+            </a:r>
+            <a:endParaRPr lang="zh-TW" altLang="en-US" sz="2200" dirty="0"/>
+          </a:p>
+          <a:p>
+            <a:r>
+              <a:rPr lang="zh-TW" altLang="en-US" sz="2600"/>
+              <a:t>事物完成</a:t>
+            </a:r>
+            <a:endParaRPr lang="zh-TW" altLang="en-US" sz="2600" dirty="0"/>
+          </a:p>
+          <a:p>
+            <a:pPr lvl="1"/>
+            <a:r>
+              <a:rPr lang="zh-TW" altLang="en-US" sz="2200"/>
+              <a:t>料理ができ</a:t>
+            </a:r>
+            <a:r>
+              <a:rPr lang="zh-TW" altLang="en-US" sz="2200">
+                <a:solidFill>
+                  <a:srgbClr val="FF0000"/>
+                </a:solidFill>
+              </a:rPr>
+              <a:t>ました</a:t>
+            </a:r>
+            <a:r>
+              <a:rPr lang="zh-TW" altLang="en-US" sz="2200"/>
+              <a:t>。</a:t>
+            </a:r>
+            <a:endParaRPr lang="zh-TW" altLang="en-US" sz="2200" dirty="0"/>
+          </a:p>
+          <a:p>
+            <a:r>
+              <a:rPr lang="zh-TW" altLang="en-US" sz="2600"/>
+              <a:t>未來動作</a:t>
+            </a:r>
+            <a:endParaRPr lang="zh-TW" altLang="en-US" sz="2600" dirty="0"/>
+          </a:p>
+          <a:p>
+            <a:pPr lvl="1"/>
+            <a:r>
+              <a:rPr lang="zh-TW" altLang="en-US" sz="2200"/>
+              <a:t>明日、病院へ行きます。</a:t>
+            </a:r>
+            <a:endParaRPr lang="zh-TW" altLang="en-US" sz="2200" dirty="0"/>
+          </a:p>
+          <a:p>
+            <a:r>
+              <a:rPr lang="zh-TW" altLang="en-US" sz="2600"/>
+              <a:t>習慣動作</a:t>
+            </a:r>
+            <a:endParaRPr lang="zh-TW" altLang="en-US" sz="2600" dirty="0"/>
+          </a:p>
+          <a:p>
+            <a:pPr lvl="1"/>
+            <a:r>
+              <a:rPr lang="zh-TW" altLang="en-US" sz="2200"/>
+              <a:t>毎日、七時に起きます。</a:t>
+            </a:r>
+            <a:endParaRPr lang="zh-TW" altLang="en-US" sz="2200" dirty="0"/>
+          </a:p>
+          <a:p>
+            <a:pPr lvl="1"/>
+            <a:endParaRPr lang="zh-TW" altLang="en-US" sz="2200" dirty="0"/>
+          </a:p>
+          <a:p>
+            <a:endParaRPr lang="zh-TW" altLang="en-US" sz="2000"/>
+          </a:p>
+        </p:txBody>
+      </p:sp>
+      <p:sp>
+        <p:nvSpPr>
+          <p:cNvPr id="6" name="內容版面配置區 2">
+            <a:extLst>
+              <a:ext uri="{FF2B5EF4-FFF2-40B4-BE49-F238E27FC236}">
+                <a16:creationId xmlns:a16="http://schemas.microsoft.com/office/drawing/2014/main" id="{48C6A82B-2859-6441-1E05-E4BBBEF4F87D}"/>
+              </a:ext>
+            </a:extLst>
+          </p:cNvPr>
+          <p:cNvSpPr txBox="1">
+            <a:spLocks/>
+          </p:cNvSpPr>
+          <p:nvPr/>
+        </p:nvSpPr>
+        <p:spPr>
+          <a:xfrm>
+            <a:off x="5277997" y="3468073"/>
+            <a:ext cx="6852492" cy="2819768"/>
+          </a:xfrm>
+          <a:prstGeom prst="rect">
+            <a:avLst/>
+          </a:prstGeom>
+        </p:spPr>
+        <p:txBody>
+          <a:bodyPr vert="horz" lIns="91440" tIns="45720" rIns="91440" bIns="45720" rtlCol="0" anchor="t">
+            <a:noAutofit/>
+          </a:bodyPr>
+          <a:lstStyle>
+            <a:lvl1pPr marL="228600" indent="-228600" algn="l" defTabSz="914400" rtl="0" eaLnBrk="1" latinLnBrk="0" hangingPunct="1">
+              <a:lnSpc>
+                <a:spcPct val="110000"/>
+              </a:lnSpc>
+              <a:spcBef>
+                <a:spcPts val="1000"/>
+              </a:spcBef>
+              <a:buFont typeface="Arial" panose="020B0604020202020204" pitchFamily="34" charset="0"/>
+              <a:buChar char="•"/>
+              <a:defRPr sz="2800" kern="1200">
+                <a:solidFill>
+                  <a:schemeClr val="tx1"/>
+                </a:solidFill>
+                <a:latin typeface="+mn-lt"/>
+                <a:ea typeface="+mn-ea"/>
+                <a:cs typeface="+mn-cs"/>
+              </a:defRPr>
+            </a:lvl1pPr>
+            <a:lvl2pPr marL="685800" indent="-228600" algn="l" defTabSz="914400" rtl="0" eaLnBrk="1" latinLnBrk="0" hangingPunct="1">
+              <a:lnSpc>
+                <a:spcPct val="110000"/>
+              </a:lnSpc>
+              <a:spcBef>
+                <a:spcPts val="500"/>
+              </a:spcBef>
+              <a:buFont typeface="Arial" panose="020B0604020202020204" pitchFamily="34" charset="0"/>
+              <a:buChar char="•"/>
+              <a:defRPr sz="2400" kern="1200">
+                <a:solidFill>
+                  <a:schemeClr val="tx1"/>
+                </a:solidFill>
+                <a:latin typeface="+mn-lt"/>
+                <a:ea typeface="+mn-ea"/>
+                <a:cs typeface="+mn-cs"/>
+              </a:defRPr>
+            </a:lvl2pPr>
+            <a:lvl3pPr marL="1143000" indent="-228600" algn="l" defTabSz="914400" rtl="0" eaLnBrk="1" latinLnBrk="0" hangingPunct="1">
+              <a:lnSpc>
+                <a:spcPct val="110000"/>
+              </a:lnSpc>
+              <a:spcBef>
+                <a:spcPts val="500"/>
+              </a:spcBef>
+              <a:buFont typeface="Arial" panose="020B0604020202020204" pitchFamily="34" charset="0"/>
+              <a:buChar char="•"/>
+              <a:defRPr sz="2000" kern="1200">
+                <a:solidFill>
+                  <a:schemeClr val="tx1"/>
+                </a:solidFill>
+                <a:latin typeface="+mn-lt"/>
+                <a:ea typeface="+mn-ea"/>
+                <a:cs typeface="+mn-cs"/>
+              </a:defRPr>
+            </a:lvl3pPr>
+            <a:lvl4pPr marL="1600200" indent="-228600" algn="l" defTabSz="914400" rtl="0" eaLnBrk="1" latinLnBrk="0" hangingPunct="1">
+              <a:lnSpc>
+                <a:spcPct val="110000"/>
+              </a:lnSpc>
+              <a:spcBef>
+                <a:spcPts val="500"/>
+              </a:spcBef>
+              <a:buFont typeface="Arial" panose="020B0604020202020204" pitchFamily="34" charset="0"/>
+              <a:buChar char="•"/>
+              <a:defRPr sz="1800" kern="1200">
+                <a:solidFill>
+                  <a:schemeClr val="tx1"/>
+                </a:solidFill>
+                <a:latin typeface="+mn-lt"/>
+                <a:ea typeface="+mn-ea"/>
+                <a:cs typeface="+mn-cs"/>
+              </a:defRPr>
+            </a:lvl4pPr>
+            <a:lvl5pPr marL="2057400" indent="-228600" algn="l" defTabSz="914400" rtl="0" eaLnBrk="1" latinLnBrk="0" hangingPunct="1">
+              <a:lnSpc>
+                <a:spcPct val="110000"/>
+              </a:lnSpc>
+              <a:spcBef>
+                <a:spcPts val="500"/>
+              </a:spcBef>
+              <a:buFont typeface="Arial" panose="020B0604020202020204" pitchFamily="34" charset="0"/>
+              <a:buChar char="•"/>
+              <a:defRPr sz="1800" kern="1200">
+                <a:solidFill>
+                  <a:schemeClr val="tx1"/>
+                </a:solidFill>
+                <a:latin typeface="+mn-lt"/>
+                <a:ea typeface="+mn-ea"/>
+                <a:cs typeface="+mn-cs"/>
+              </a:defRPr>
+            </a:lvl5pPr>
+            <a:lvl6pPr marL="2514600" indent="-228600" algn="l" defTabSz="914400" rtl="0" eaLnBrk="1" latinLnBrk="0" hangingPunct="1">
+              <a:lnSpc>
+                <a:spcPct val="90000"/>
+              </a:lnSpc>
+              <a:spcBef>
+                <a:spcPts val="500"/>
+              </a:spcBef>
+              <a:buFont typeface="Arial" panose="020B0604020202020204" pitchFamily="34" charset="0"/>
+              <a:buChar char="•"/>
+              <a:defRPr sz="1800" kern="1200">
+                <a:solidFill>
+                  <a:schemeClr val="tx1"/>
+                </a:solidFill>
+                <a:latin typeface="+mn-lt"/>
+                <a:ea typeface="+mn-ea"/>
+                <a:cs typeface="+mn-cs"/>
+              </a:defRPr>
+            </a:lvl6pPr>
+            <a:lvl7pPr marL="2971800" indent="-228600" algn="l" defTabSz="914400" rtl="0" eaLnBrk="1" latinLnBrk="0" hangingPunct="1">
+              <a:lnSpc>
+                <a:spcPct val="90000"/>
+              </a:lnSpc>
+              <a:spcBef>
+                <a:spcPts val="500"/>
+              </a:spcBef>
+              <a:buFont typeface="Arial" panose="020B0604020202020204" pitchFamily="34" charset="0"/>
+              <a:buChar char="•"/>
+              <a:defRPr sz="1800" kern="1200">
+                <a:solidFill>
+                  <a:schemeClr val="tx1"/>
+                </a:solidFill>
+                <a:latin typeface="+mn-lt"/>
+                <a:ea typeface="+mn-ea"/>
+                <a:cs typeface="+mn-cs"/>
+              </a:defRPr>
+            </a:lvl7pPr>
+            <a:lvl8pPr marL="3429000" indent="-228600" algn="l" defTabSz="914400" rtl="0" eaLnBrk="1" latinLnBrk="0" hangingPunct="1">
+              <a:lnSpc>
+                <a:spcPct val="90000"/>
+              </a:lnSpc>
+              <a:spcBef>
+                <a:spcPts val="500"/>
+              </a:spcBef>
+              <a:buFont typeface="Arial" panose="020B0604020202020204" pitchFamily="34" charset="0"/>
+              <a:buChar char="•"/>
+              <a:defRPr sz="1800" kern="1200">
+                <a:solidFill>
+                  <a:schemeClr val="tx1"/>
+                </a:solidFill>
+                <a:latin typeface="+mn-lt"/>
+                <a:ea typeface="+mn-ea"/>
+                <a:cs typeface="+mn-cs"/>
+              </a:defRPr>
+            </a:lvl8pPr>
+            <a:lvl9pPr marL="3886200" indent="-228600" algn="l" defTabSz="914400" rtl="0" eaLnBrk="1" latinLnBrk="0" hangingPunct="1">
+              <a:lnSpc>
+                <a:spcPct val="90000"/>
+              </a:lnSpc>
+              <a:spcBef>
+                <a:spcPts val="500"/>
+              </a:spcBef>
+              <a:buFont typeface="Arial" panose="020B0604020202020204" pitchFamily="34" charset="0"/>
+              <a:buChar char="•"/>
+              <a:defRPr sz="1800" kern="1200">
+                <a:solidFill>
+                  <a:schemeClr val="tx1"/>
+                </a:solidFill>
+                <a:latin typeface="+mn-lt"/>
+                <a:ea typeface="+mn-ea"/>
+                <a:cs typeface="+mn-cs"/>
+              </a:defRPr>
+            </a:lvl9pPr>
+          </a:lstStyle>
+          <a:p>
+            <a:r>
+              <a:rPr lang="zh-TW" altLang="en-US" sz="2600"/>
+              <a:t>例文</a:t>
+            </a:r>
+          </a:p>
+          <a:p>
+            <a:pPr lvl="1"/>
+            <a:r>
+              <a:rPr lang="zh-TW" altLang="en-US" sz="2200"/>
+              <a:t>昨日、病院へ行きました。</a:t>
+            </a:r>
+            <a:endParaRPr lang="zh-TW" altLang="en-US" sz="2200" dirty="0"/>
+          </a:p>
+          <a:p>
+            <a:pPr lvl="1"/>
+            <a:r>
+              <a:rPr lang="zh-TW" altLang="en-US" sz="2200"/>
+              <a:t>もう昼ご飯を食べましたか。</a:t>
+            </a:r>
+            <a:endParaRPr lang="zh-TW" altLang="en-US" sz="2200" dirty="0"/>
+          </a:p>
+          <a:p>
+            <a:pPr lvl="1"/>
+            <a:r>
+              <a:rPr lang="zh-TW" altLang="en-US" sz="2200"/>
+              <a:t>休みの日は何もしませんでした。</a:t>
+            </a:r>
+            <a:endParaRPr lang="zh-TW" altLang="en-US" sz="2200" dirty="0"/>
+          </a:p>
+          <a:p>
+            <a:pPr lvl="1"/>
+            <a:r>
+              <a:rPr lang="zh-TW" altLang="en-US" sz="2200"/>
+              <a:t>井上さんはパーティーに来ませんでした。</a:t>
+            </a:r>
+            <a:endParaRPr lang="zh-TW" altLang="en-US" sz="2200" dirty="0"/>
+          </a:p>
+          <a:p>
+            <a:pPr lvl="1"/>
+            <a:endParaRPr lang="zh-TW" altLang="en-US" sz="2200"/>
+          </a:p>
+          <a:p>
+            <a:pPr lvl="1"/>
+            <a:endParaRPr lang="zh-TW" altLang="en-US" sz="2200"/>
+          </a:p>
+          <a:p>
+            <a:pPr lvl="1"/>
+            <a:endParaRPr lang="zh-TW" altLang="en-US" sz="2200"/>
+          </a:p>
+          <a:p>
+            <a:pPr lvl="1"/>
+            <a:endParaRPr lang="zh-TW" altLang="en-US" sz="2600"/>
+          </a:p>
+        </p:txBody>
+      </p:sp>
+    </p:spTree>
+    <p:extLst>
+      <p:ext uri="{BB962C8B-B14F-4D97-AF65-F5344CB8AC3E}">
+        <p14:creationId xmlns:p14="http://schemas.microsoft.com/office/powerpoint/2010/main" val="2629939134"/>
+      </p:ext>
+    </p:extLst>
+  </p:cSld>
+  <p:clrMapOvr>
+    <a:masterClrMapping/>
+  </p:clrMapOvr>
+</p:sld>
+</file>
+
+<file path=ppt/slides/slide12.xml><?xml version="1.0" encoding="utf-8"?>
+<p:sld xmlns:a="http://schemas.openxmlformats.org/drawingml/2006/main" xmlns:r="http://schemas.openxmlformats.org/officeDocument/2006/relationships" xmlns:p="http://schemas.openxmlformats.org/presentationml/2006/main">
+  <p:cSld>
+    <p:spTree>
+      <p:nvGrpSpPr>
+        <p:cNvPr id="1" name=""/>
+        <p:cNvGrpSpPr/>
+        <p:nvPr/>
+      </p:nvGrpSpPr>
+      <p:grpSpPr>
+        <a:xfrm>
+          <a:off x="0" y="0"/>
+          <a:ext cx="0" cy="0"/>
+          <a:chOff x="0" y="0"/>
+          <a:chExt cx="0" cy="0"/>
+        </a:xfrm>
+      </p:grpSpPr>
+      <p:sp>
+        <p:nvSpPr>
+          <p:cNvPr id="10" name="內容版面配置區 2">
+            <a:extLst>
+              <a:ext uri="{FF2B5EF4-FFF2-40B4-BE49-F238E27FC236}">
+                <a16:creationId xmlns:a16="http://schemas.microsoft.com/office/drawing/2014/main" id="{84288266-7418-F062-C7F6-61460431B37A}"/>
+              </a:ext>
+            </a:extLst>
+          </p:cNvPr>
+          <p:cNvSpPr>
+            <a:spLocks noGrp="1"/>
+          </p:cNvSpPr>
+          <p:nvPr>
+            <p:ph idx="1"/>
+          </p:nvPr>
+        </p:nvSpPr>
+        <p:spPr>
+          <a:xfrm>
+            <a:off x="838200" y="1929384"/>
+            <a:ext cx="10515600" cy="4654526"/>
+          </a:xfrm>
+        </p:spPr>
+        <p:txBody>
+          <a:bodyPr vert="horz" lIns="91440" tIns="45720" rIns="91440" bIns="45720" rtlCol="0" anchor="t">
+            <a:normAutofit/>
+          </a:bodyPr>
+          <a:lstStyle/>
+          <a:p>
+            <a:r>
+              <a:rPr lang="zh-TW" altLang="en-US"/>
+              <a:t>な形容詞＋</a:t>
+            </a:r>
+            <a:r>
+              <a:rPr lang="zh-TW" altLang="en-US">
+                <a:solidFill>
+                  <a:srgbClr val="FF0000"/>
+                </a:solidFill>
+              </a:rPr>
+              <a:t>でした</a:t>
+            </a:r>
+            <a:r>
+              <a:rPr lang="zh-TW" altLang="en-US"/>
+              <a:t>。（[過去]很〜）</a:t>
+            </a:r>
+            <a:endParaRPr lang="zh-TW" altLang="en-US" dirty="0"/>
+          </a:p>
+          <a:p>
+            <a:r>
+              <a:rPr lang="zh-TW" altLang="en-US"/>
+              <a:t>な形容詞＋</a:t>
+            </a:r>
+            <a:r>
+              <a:rPr lang="zh-TW" altLang="en-US">
+                <a:solidFill>
+                  <a:srgbClr val="FF0000"/>
+                </a:solidFill>
+              </a:rPr>
+              <a:t>じゃありませんでした</a:t>
+            </a:r>
+            <a:r>
+              <a:rPr lang="zh-TW" altLang="en-US"/>
+              <a:t>（[過去]不〜）</a:t>
+            </a:r>
+            <a:endParaRPr lang="zh-TW" altLang="en-US" dirty="0"/>
+          </a:p>
+          <a:p>
+            <a:endParaRPr lang="zh-TW" altLang="en-US" sz="2200"/>
+          </a:p>
+          <a:p>
+            <a:r>
+              <a:rPr lang="zh-TW" altLang="en-US" sz="2600"/>
+              <a:t>過去事象</a:t>
+            </a:r>
+            <a:endParaRPr lang="zh-TW" altLang="en-US" sz="2600" dirty="0"/>
+          </a:p>
+          <a:p>
+            <a:pPr lvl="1"/>
+            <a:r>
+              <a:rPr lang="zh-TW" altLang="en-US" sz="2200"/>
+              <a:t>この川は昔、とても綺麗</a:t>
+            </a:r>
+            <a:r>
+              <a:rPr lang="zh-TW" altLang="en-US" sz="2200">
+                <a:solidFill>
+                  <a:srgbClr val="FF0000"/>
+                </a:solidFill>
+              </a:rPr>
+              <a:t>でした</a:t>
+            </a:r>
+            <a:r>
+              <a:rPr lang="zh-TW" altLang="en-US" sz="2200"/>
+              <a:t>。</a:t>
+            </a:r>
+          </a:p>
+          <a:p>
+            <a:r>
+              <a:rPr lang="zh-TW" altLang="en-US" sz="2600"/>
+              <a:t>過去感想</a:t>
+            </a:r>
+          </a:p>
+          <a:p>
+            <a:pPr lvl="1"/>
+            <a:r>
+              <a:rPr lang="zh-TW" altLang="en-US" sz="2200">
+                <a:ea typeface="+mn-lt"/>
+                <a:cs typeface="+mn-lt"/>
+              </a:rPr>
+              <a:t>昨日、お花見をしました。</a:t>
+            </a:r>
+            <a:br>
+              <a:rPr lang="zh-TW" altLang="en-US" sz="2200" dirty="0">
+                <a:ea typeface="+mn-lt"/>
+                <a:cs typeface="+mn-lt"/>
+              </a:rPr>
+            </a:br>
+            <a:r>
+              <a:rPr lang="zh-TW" altLang="en-US" sz="2200">
+                <a:ea typeface="+mn-lt"/>
+                <a:cs typeface="+mn-lt"/>
+              </a:rPr>
+              <a:t>とてもとても綺麗</a:t>
+            </a:r>
+            <a:r>
+              <a:rPr lang="zh-TW" altLang="en-US" sz="2200">
+                <a:solidFill>
+                  <a:srgbClr val="FF0000"/>
+                </a:solidFill>
+                <a:ea typeface="+mn-lt"/>
+                <a:cs typeface="+mn-lt"/>
+              </a:rPr>
+              <a:t>でした</a:t>
+            </a:r>
+            <a:r>
+              <a:rPr lang="zh-TW" altLang="en-US" sz="2200">
+                <a:ea typeface="+mn-lt"/>
+                <a:cs typeface="+mn-lt"/>
+              </a:rPr>
+              <a:t>。</a:t>
+            </a:r>
+            <a:endParaRPr lang="zh-TW" altLang="en-US" sz="2200" dirty="0">
+              <a:ea typeface="+mn-lt"/>
+              <a:cs typeface="+mn-lt"/>
+            </a:endParaRPr>
+          </a:p>
+          <a:p>
+            <a:pPr lvl="1"/>
+            <a:endParaRPr lang="zh-TW" altLang="en-US" sz="2200" dirty="0">
+              <a:solidFill>
+                <a:srgbClr val="000000"/>
+              </a:solidFill>
+              <a:ea typeface="+mn-lt"/>
+              <a:cs typeface="+mn-lt"/>
+            </a:endParaRPr>
+          </a:p>
+          <a:p>
+            <a:endParaRPr lang="zh-TW" altLang="en-US" sz="2000"/>
+          </a:p>
+        </p:txBody>
+      </p:sp>
+      <p:sp>
+        <p:nvSpPr>
+          <p:cNvPr id="2" name="標題 1">
+            <a:extLst>
+              <a:ext uri="{FF2B5EF4-FFF2-40B4-BE49-F238E27FC236}">
+                <a16:creationId xmlns:a16="http://schemas.microsoft.com/office/drawing/2014/main" id="{37A17A5C-282D-9A06-2BB9-7608E2DA7C30}"/>
+              </a:ext>
+            </a:extLst>
+          </p:cNvPr>
+          <p:cNvSpPr>
+            <a:spLocks noGrp="1"/>
+          </p:cNvSpPr>
+          <p:nvPr>
+            <p:ph type="title"/>
+          </p:nvPr>
+        </p:nvSpPr>
+        <p:spPr>
+          <a:xfrm>
+            <a:off x="838200" y="365125"/>
+            <a:ext cx="10903788" cy="1339940"/>
+          </a:xfrm>
+        </p:spPr>
+        <p:txBody>
+          <a:bodyPr>
+            <a:noAutofit/>
+          </a:bodyPr>
+          <a:lstStyle/>
+          <a:p>
+            <a:r>
+              <a:rPr lang="zh-TW" altLang="en-US" sz="3600"/>
+              <a:t>〜でした、じゃありませんでした（な形容詞過去）</a:t>
+            </a:r>
+            <a:endParaRPr lang="zh-TW" altLang="en-US" sz="3600" dirty="0"/>
+          </a:p>
+        </p:txBody>
+      </p:sp>
+      <p:sp>
+        <p:nvSpPr>
+          <p:cNvPr id="6" name="內容版面配置區 2">
+            <a:extLst>
+              <a:ext uri="{FF2B5EF4-FFF2-40B4-BE49-F238E27FC236}">
+                <a16:creationId xmlns:a16="http://schemas.microsoft.com/office/drawing/2014/main" id="{48C6A82B-2859-6441-1E05-E4BBBEF4F87D}"/>
+              </a:ext>
+            </a:extLst>
+          </p:cNvPr>
+          <p:cNvSpPr txBox="1">
+            <a:spLocks/>
+          </p:cNvSpPr>
+          <p:nvPr/>
+        </p:nvSpPr>
+        <p:spPr>
+          <a:xfrm>
+            <a:off x="5277997" y="3468073"/>
+            <a:ext cx="6852492" cy="2819768"/>
+          </a:xfrm>
+          <a:prstGeom prst="rect">
+            <a:avLst/>
+          </a:prstGeom>
+        </p:spPr>
+        <p:txBody>
+          <a:bodyPr vert="horz" lIns="91440" tIns="45720" rIns="91440" bIns="45720" rtlCol="0" anchor="t">
+            <a:noAutofit/>
+          </a:bodyPr>
+          <a:lstStyle>
+            <a:lvl1pPr marL="228600" indent="-228600" algn="l" defTabSz="914400" rtl="0" eaLnBrk="1" latinLnBrk="0" hangingPunct="1">
+              <a:lnSpc>
+                <a:spcPct val="110000"/>
+              </a:lnSpc>
+              <a:spcBef>
+                <a:spcPts val="1000"/>
+              </a:spcBef>
+              <a:buFont typeface="Arial" panose="020B0604020202020204" pitchFamily="34" charset="0"/>
+              <a:buChar char="•"/>
+              <a:defRPr sz="2800" kern="1200">
+                <a:solidFill>
+                  <a:schemeClr val="tx1"/>
+                </a:solidFill>
+                <a:latin typeface="+mn-lt"/>
+                <a:ea typeface="+mn-ea"/>
+                <a:cs typeface="+mn-cs"/>
+              </a:defRPr>
+            </a:lvl1pPr>
+            <a:lvl2pPr marL="685800" indent="-228600" algn="l" defTabSz="914400" rtl="0" eaLnBrk="1" latinLnBrk="0" hangingPunct="1">
+              <a:lnSpc>
+                <a:spcPct val="110000"/>
+              </a:lnSpc>
+              <a:spcBef>
+                <a:spcPts val="500"/>
+              </a:spcBef>
+              <a:buFont typeface="Arial" panose="020B0604020202020204" pitchFamily="34" charset="0"/>
+              <a:buChar char="•"/>
+              <a:defRPr sz="2400" kern="1200">
+                <a:solidFill>
+                  <a:schemeClr val="tx1"/>
+                </a:solidFill>
+                <a:latin typeface="+mn-lt"/>
+                <a:ea typeface="+mn-ea"/>
+                <a:cs typeface="+mn-cs"/>
+              </a:defRPr>
+            </a:lvl2pPr>
+            <a:lvl3pPr marL="1143000" indent="-228600" algn="l" defTabSz="914400" rtl="0" eaLnBrk="1" latinLnBrk="0" hangingPunct="1">
+              <a:lnSpc>
+                <a:spcPct val="110000"/>
+              </a:lnSpc>
+              <a:spcBef>
+                <a:spcPts val="500"/>
+              </a:spcBef>
+              <a:buFont typeface="Arial" panose="020B0604020202020204" pitchFamily="34" charset="0"/>
+              <a:buChar char="•"/>
+              <a:defRPr sz="2000" kern="1200">
+                <a:solidFill>
+                  <a:schemeClr val="tx1"/>
+                </a:solidFill>
+                <a:latin typeface="+mn-lt"/>
+                <a:ea typeface="+mn-ea"/>
+                <a:cs typeface="+mn-cs"/>
+              </a:defRPr>
+            </a:lvl3pPr>
+            <a:lvl4pPr marL="1600200" indent="-228600" algn="l" defTabSz="914400" rtl="0" eaLnBrk="1" latinLnBrk="0" hangingPunct="1">
+              <a:lnSpc>
+                <a:spcPct val="110000"/>
+              </a:lnSpc>
+              <a:spcBef>
+                <a:spcPts val="500"/>
+              </a:spcBef>
+              <a:buFont typeface="Arial" panose="020B0604020202020204" pitchFamily="34" charset="0"/>
+              <a:buChar char="•"/>
+              <a:defRPr sz="1800" kern="1200">
+                <a:solidFill>
+                  <a:schemeClr val="tx1"/>
+                </a:solidFill>
+                <a:latin typeface="+mn-lt"/>
+                <a:ea typeface="+mn-ea"/>
+                <a:cs typeface="+mn-cs"/>
+              </a:defRPr>
+            </a:lvl4pPr>
+            <a:lvl5pPr marL="2057400" indent="-228600" algn="l" defTabSz="914400" rtl="0" eaLnBrk="1" latinLnBrk="0" hangingPunct="1">
+              <a:lnSpc>
+                <a:spcPct val="110000"/>
+              </a:lnSpc>
+              <a:spcBef>
+                <a:spcPts val="500"/>
+              </a:spcBef>
+              <a:buFont typeface="Arial" panose="020B0604020202020204" pitchFamily="34" charset="0"/>
+              <a:buChar char="•"/>
+              <a:defRPr sz="1800" kern="1200">
+                <a:solidFill>
+                  <a:schemeClr val="tx1"/>
+                </a:solidFill>
+                <a:latin typeface="+mn-lt"/>
+                <a:ea typeface="+mn-ea"/>
+                <a:cs typeface="+mn-cs"/>
+              </a:defRPr>
+            </a:lvl5pPr>
+            <a:lvl6pPr marL="2514600" indent="-228600" algn="l" defTabSz="914400" rtl="0" eaLnBrk="1" latinLnBrk="0" hangingPunct="1">
+              <a:lnSpc>
+                <a:spcPct val="90000"/>
+              </a:lnSpc>
+              <a:spcBef>
+                <a:spcPts val="500"/>
+              </a:spcBef>
+              <a:buFont typeface="Arial" panose="020B0604020202020204" pitchFamily="34" charset="0"/>
+              <a:buChar char="•"/>
+              <a:defRPr sz="1800" kern="1200">
+                <a:solidFill>
+                  <a:schemeClr val="tx1"/>
+                </a:solidFill>
+                <a:latin typeface="+mn-lt"/>
+                <a:ea typeface="+mn-ea"/>
+                <a:cs typeface="+mn-cs"/>
+              </a:defRPr>
+            </a:lvl6pPr>
+            <a:lvl7pPr marL="2971800" indent="-228600" algn="l" defTabSz="914400" rtl="0" eaLnBrk="1" latinLnBrk="0" hangingPunct="1">
+              <a:lnSpc>
+                <a:spcPct val="90000"/>
+              </a:lnSpc>
+              <a:spcBef>
+                <a:spcPts val="500"/>
+              </a:spcBef>
+              <a:buFont typeface="Arial" panose="020B0604020202020204" pitchFamily="34" charset="0"/>
+              <a:buChar char="•"/>
+              <a:defRPr sz="1800" kern="1200">
+                <a:solidFill>
+                  <a:schemeClr val="tx1"/>
+                </a:solidFill>
+                <a:latin typeface="+mn-lt"/>
+                <a:ea typeface="+mn-ea"/>
+                <a:cs typeface="+mn-cs"/>
+              </a:defRPr>
+            </a:lvl7pPr>
+            <a:lvl8pPr marL="3429000" indent="-228600" algn="l" defTabSz="914400" rtl="0" eaLnBrk="1" latinLnBrk="0" hangingPunct="1">
+              <a:lnSpc>
+                <a:spcPct val="90000"/>
+              </a:lnSpc>
+              <a:spcBef>
+                <a:spcPts val="500"/>
+              </a:spcBef>
+              <a:buFont typeface="Arial" panose="020B0604020202020204" pitchFamily="34" charset="0"/>
+              <a:buChar char="•"/>
+              <a:defRPr sz="1800" kern="1200">
+                <a:solidFill>
+                  <a:schemeClr val="tx1"/>
+                </a:solidFill>
+                <a:latin typeface="+mn-lt"/>
+                <a:ea typeface="+mn-ea"/>
+                <a:cs typeface="+mn-cs"/>
+              </a:defRPr>
+            </a:lvl8pPr>
+            <a:lvl9pPr marL="3886200" indent="-228600" algn="l" defTabSz="914400" rtl="0" eaLnBrk="1" latinLnBrk="0" hangingPunct="1">
+              <a:lnSpc>
+                <a:spcPct val="90000"/>
+              </a:lnSpc>
+              <a:spcBef>
+                <a:spcPts val="500"/>
+              </a:spcBef>
+              <a:buFont typeface="Arial" panose="020B0604020202020204" pitchFamily="34" charset="0"/>
+              <a:buChar char="•"/>
+              <a:defRPr sz="1800" kern="1200">
+                <a:solidFill>
+                  <a:schemeClr val="tx1"/>
+                </a:solidFill>
+                <a:latin typeface="+mn-lt"/>
+                <a:ea typeface="+mn-ea"/>
+                <a:cs typeface="+mn-cs"/>
+              </a:defRPr>
+            </a:lvl9pPr>
+          </a:lstStyle>
+          <a:p>
+            <a:r>
+              <a:rPr lang="zh-TW" altLang="en-US" sz="2600"/>
+              <a:t>例文</a:t>
+            </a:r>
+          </a:p>
+          <a:p>
+            <a:pPr lvl="1"/>
+            <a:r>
+              <a:rPr lang="zh-TW" altLang="en-US" sz="2200"/>
+              <a:t>昔、この川は綺麗でした。</a:t>
+            </a:r>
+            <a:endParaRPr lang="zh-TW" altLang="en-US" sz="2200" dirty="0"/>
+          </a:p>
+          <a:p>
+            <a:pPr lvl="1"/>
+            <a:r>
+              <a:rPr lang="zh-TW" altLang="en-US" sz="2200"/>
+              <a:t>先週、初めて原宿へ行きました。</a:t>
+            </a:r>
+            <a:br>
+              <a:rPr lang="zh-TW" altLang="en-US" sz="2200" dirty="0"/>
+            </a:br>
+            <a:r>
+              <a:rPr lang="zh-TW" altLang="en-US" sz="2200"/>
+              <a:t>ととても賑やかでした。</a:t>
+            </a:r>
+            <a:endParaRPr lang="zh-TW" altLang="en-US" sz="2200" dirty="0"/>
+          </a:p>
+          <a:p>
+            <a:pPr lvl="1"/>
+            <a:r>
+              <a:rPr lang="zh-TW" altLang="en-US" sz="2200"/>
+              <a:t>駅ができる前、ここは交通が便利じゃありませんでした。</a:t>
+            </a:r>
+            <a:endParaRPr lang="zh-TW" altLang="en-US" sz="2200" dirty="0"/>
+          </a:p>
+          <a:p>
+            <a:pPr lvl="1"/>
+            <a:r>
+              <a:rPr lang="zh-TW" altLang="en-US" sz="2200"/>
+              <a:t>私の大学は以前、あまり有名じゃありませんでした。</a:t>
+            </a:r>
+            <a:endParaRPr lang="zh-TW" altLang="en-US" sz="2200" dirty="0"/>
+          </a:p>
+          <a:p>
+            <a:pPr lvl="1"/>
+            <a:endParaRPr lang="zh-TW" altLang="en-US" sz="2200"/>
+          </a:p>
+          <a:p>
+            <a:pPr lvl="1"/>
+            <a:endParaRPr lang="zh-TW" altLang="en-US" sz="2200"/>
+          </a:p>
+          <a:p>
+            <a:pPr lvl="1"/>
+            <a:endParaRPr lang="zh-TW" altLang="en-US" sz="2200"/>
+          </a:p>
+          <a:p>
+            <a:pPr lvl="1"/>
+            <a:endParaRPr lang="zh-TW" altLang="en-US" sz="2600"/>
+          </a:p>
+        </p:txBody>
+      </p:sp>
+    </p:spTree>
+    <p:extLst>
+      <p:ext uri="{BB962C8B-B14F-4D97-AF65-F5344CB8AC3E}">
+        <p14:creationId xmlns:p14="http://schemas.microsoft.com/office/powerpoint/2010/main" val="2781026894"/>
+      </p:ext>
+    </p:extLst>
+  </p:cSld>
+  <p:clrMapOvr>
+    <a:masterClrMapping/>
+  </p:clrMapOvr>
+</p:sld>
+</file>
+
+<file path=ppt/slides/slide13.xml><?xml version="1.0" encoding="utf-8"?>
+<p:sld xmlns:a="http://schemas.openxmlformats.org/drawingml/2006/main" xmlns:r="http://schemas.openxmlformats.org/officeDocument/2006/relationships" xmlns:p="http://schemas.openxmlformats.org/presentationml/2006/main">
+  <p:cSld>
+    <p:spTree>
+      <p:nvGrpSpPr>
+        <p:cNvPr id="1" name=""/>
+        <p:cNvGrpSpPr/>
+        <p:nvPr/>
+      </p:nvGrpSpPr>
+      <p:grpSpPr>
+        <a:xfrm>
+          <a:off x="0" y="0"/>
+          <a:ext cx="0" cy="0"/>
+          <a:chOff x="0" y="0"/>
+          <a:chExt cx="0" cy="0"/>
+        </a:xfrm>
+      </p:grpSpPr>
+      <p:sp>
+        <p:nvSpPr>
+          <p:cNvPr id="10" name="內容版面配置區 2">
+            <a:extLst>
+              <a:ext uri="{FF2B5EF4-FFF2-40B4-BE49-F238E27FC236}">
+                <a16:creationId xmlns:a16="http://schemas.microsoft.com/office/drawing/2014/main" id="{84288266-7418-F062-C7F6-61460431B37A}"/>
+              </a:ext>
+            </a:extLst>
+          </p:cNvPr>
+          <p:cNvSpPr>
+            <a:spLocks noGrp="1"/>
+          </p:cNvSpPr>
+          <p:nvPr>
+            <p:ph idx="1"/>
+          </p:nvPr>
+        </p:nvSpPr>
+        <p:spPr>
+          <a:xfrm>
+            <a:off x="838200" y="1929384"/>
+            <a:ext cx="10515600" cy="4654526"/>
+          </a:xfrm>
+        </p:spPr>
+        <p:txBody>
+          <a:bodyPr vert="horz" lIns="91440" tIns="45720" rIns="91440" bIns="45720" rtlCol="0" anchor="t">
+            <a:normAutofit/>
+          </a:bodyPr>
+          <a:lstStyle/>
+          <a:p>
+            <a:r>
+              <a:rPr lang="zh-TW" altLang="en-US"/>
+              <a:t>い形容詞＋</a:t>
+            </a:r>
+            <a:r>
+              <a:rPr lang="zh-TW" altLang="en-US">
+                <a:solidFill>
+                  <a:srgbClr val="FF0000"/>
+                </a:solidFill>
+              </a:rPr>
+              <a:t>かったです</a:t>
+            </a:r>
+            <a:r>
+              <a:rPr lang="zh-TW" altLang="en-US"/>
+              <a:t>。（[過去]很〜）</a:t>
+            </a:r>
+            <a:endParaRPr lang="zh-TW" altLang="en-US" dirty="0"/>
+          </a:p>
+          <a:p>
+            <a:r>
+              <a:rPr lang="zh-TW" altLang="en-US"/>
+              <a:t>い形容詞＋</a:t>
+            </a:r>
+            <a:r>
+              <a:rPr lang="zh-TW" altLang="en-US">
+                <a:solidFill>
+                  <a:srgbClr val="FF0000"/>
+                </a:solidFill>
+              </a:rPr>
+              <a:t>くなかったです</a:t>
+            </a:r>
+            <a:r>
+              <a:rPr lang="zh-TW" altLang="en-US"/>
+              <a:t>（[過去]不〜）</a:t>
+            </a:r>
+            <a:endParaRPr lang="zh-TW" altLang="en-US" dirty="0"/>
+          </a:p>
+          <a:p>
+            <a:endParaRPr lang="zh-TW" altLang="en-US" sz="2200"/>
+          </a:p>
+          <a:p>
+            <a:r>
+              <a:rPr lang="zh-TW" altLang="en-US" sz="2400"/>
+              <a:t>過去事象</a:t>
+            </a:r>
+          </a:p>
+          <a:p>
+            <a:pPr lvl="1"/>
+            <a:r>
+              <a:rPr lang="zh-TW" altLang="en-US" sz="2000"/>
+              <a:t>うなぎは昔、とても安</a:t>
+            </a:r>
+            <a:r>
+              <a:rPr lang="zh-TW" altLang="en-US" sz="2000">
+                <a:solidFill>
+                  <a:srgbClr val="FF0000"/>
+                </a:solidFill>
+              </a:rPr>
+              <a:t>かったです</a:t>
+            </a:r>
+            <a:r>
+              <a:rPr lang="zh-TW" altLang="en-US" sz="2000"/>
+              <a:t>。</a:t>
+            </a:r>
+          </a:p>
+          <a:p>
+            <a:r>
+              <a:rPr lang="zh-TW" altLang="en-US" sz="2400"/>
+              <a:t>過去感想</a:t>
+            </a:r>
+          </a:p>
+          <a:p>
+            <a:pPr lvl="1"/>
+            <a:r>
+              <a:rPr lang="zh-TW" altLang="en-US" sz="2000">
+                <a:ea typeface="+mn-lt"/>
+                <a:cs typeface="+mn-lt"/>
+              </a:rPr>
+              <a:t>昨日、うなぎを食べました。</a:t>
+            </a:r>
+            <a:br>
+              <a:rPr lang="zh-TW" altLang="en-US" sz="2000" dirty="0">
+                <a:ea typeface="+mn-lt"/>
+                <a:cs typeface="+mn-lt"/>
+              </a:rPr>
+            </a:br>
+            <a:r>
+              <a:rPr lang="zh-TW" altLang="en-US" sz="2000">
+                <a:ea typeface="+mn-lt"/>
+                <a:cs typeface="+mn-lt"/>
+              </a:rPr>
+              <a:t>ととても美味し</a:t>
+            </a:r>
+            <a:r>
+              <a:rPr lang="zh-TW" altLang="en-US" sz="2000">
+                <a:solidFill>
+                  <a:srgbClr val="FF0000"/>
+                </a:solidFill>
+                <a:ea typeface="+mn-lt"/>
+                <a:cs typeface="+mn-lt"/>
+              </a:rPr>
+              <a:t>かったです</a:t>
+            </a:r>
+            <a:r>
+              <a:rPr lang="zh-TW" altLang="en-US" sz="2000">
+                <a:ea typeface="+mn-lt"/>
+                <a:cs typeface="+mn-lt"/>
+              </a:rPr>
+              <a:t>。</a:t>
+            </a:r>
+            <a:endParaRPr lang="zh-TW" altLang="en-US" sz="2000" dirty="0">
+              <a:ea typeface="+mn-lt"/>
+              <a:cs typeface="+mn-lt"/>
+            </a:endParaRPr>
+          </a:p>
+          <a:p>
+            <a:pPr lvl="1"/>
+            <a:endParaRPr lang="zh-TW" altLang="en-US" sz="2200" dirty="0">
+              <a:solidFill>
+                <a:srgbClr val="000000"/>
+              </a:solidFill>
+              <a:ea typeface="+mn-lt"/>
+              <a:cs typeface="+mn-lt"/>
+            </a:endParaRPr>
+          </a:p>
+        </p:txBody>
+      </p:sp>
+      <p:sp>
+        <p:nvSpPr>
+          <p:cNvPr id="2" name="標題 1">
+            <a:extLst>
+              <a:ext uri="{FF2B5EF4-FFF2-40B4-BE49-F238E27FC236}">
+                <a16:creationId xmlns:a16="http://schemas.microsoft.com/office/drawing/2014/main" id="{37A17A5C-282D-9A06-2BB9-7608E2DA7C30}"/>
+              </a:ext>
+            </a:extLst>
+          </p:cNvPr>
+          <p:cNvSpPr>
+            <a:spLocks noGrp="1"/>
+          </p:cNvSpPr>
+          <p:nvPr>
+            <p:ph type="title"/>
+          </p:nvPr>
+        </p:nvSpPr>
+        <p:spPr>
+          <a:xfrm>
+            <a:off x="838200" y="365125"/>
+            <a:ext cx="10903788" cy="1339940"/>
+          </a:xfrm>
+        </p:spPr>
+        <p:txBody>
+          <a:bodyPr>
+            <a:noAutofit/>
+          </a:bodyPr>
+          <a:lstStyle/>
+          <a:p>
+            <a:r>
+              <a:rPr lang="zh-TW" altLang="en-US" sz="3600"/>
+              <a:t>〜かったです、くなかったです（い形容詞過去）</a:t>
+            </a:r>
+            <a:endParaRPr lang="zh-TW" altLang="en-US" sz="3600" dirty="0"/>
+          </a:p>
+        </p:txBody>
+      </p:sp>
+      <p:sp>
+        <p:nvSpPr>
+          <p:cNvPr id="6" name="內容版面配置區 2">
+            <a:extLst>
+              <a:ext uri="{FF2B5EF4-FFF2-40B4-BE49-F238E27FC236}">
+                <a16:creationId xmlns:a16="http://schemas.microsoft.com/office/drawing/2014/main" id="{48C6A82B-2859-6441-1E05-E4BBBEF4F87D}"/>
+              </a:ext>
+            </a:extLst>
+          </p:cNvPr>
+          <p:cNvSpPr txBox="1">
+            <a:spLocks/>
+          </p:cNvSpPr>
+          <p:nvPr/>
+        </p:nvSpPr>
+        <p:spPr>
+          <a:xfrm>
+            <a:off x="5277997" y="3468073"/>
+            <a:ext cx="6852492" cy="2819768"/>
+          </a:xfrm>
+          <a:prstGeom prst="rect">
+            <a:avLst/>
+          </a:prstGeom>
+        </p:spPr>
+        <p:txBody>
+          <a:bodyPr vert="horz" lIns="91440" tIns="45720" rIns="91440" bIns="45720" rtlCol="0" anchor="t">
+            <a:noAutofit/>
+          </a:bodyPr>
+          <a:lstStyle>
+            <a:lvl1pPr marL="228600" indent="-228600" algn="l" defTabSz="914400" rtl="0" eaLnBrk="1" latinLnBrk="0" hangingPunct="1">
+              <a:lnSpc>
+                <a:spcPct val="110000"/>
+              </a:lnSpc>
+              <a:spcBef>
+                <a:spcPts val="1000"/>
+              </a:spcBef>
+              <a:buFont typeface="Arial" panose="020B0604020202020204" pitchFamily="34" charset="0"/>
+              <a:buChar char="•"/>
+              <a:defRPr sz="2800" kern="1200">
+                <a:solidFill>
+                  <a:schemeClr val="tx1"/>
+                </a:solidFill>
+                <a:latin typeface="+mn-lt"/>
+                <a:ea typeface="+mn-ea"/>
+                <a:cs typeface="+mn-cs"/>
+              </a:defRPr>
+            </a:lvl1pPr>
+            <a:lvl2pPr marL="685800" indent="-228600" algn="l" defTabSz="914400" rtl="0" eaLnBrk="1" latinLnBrk="0" hangingPunct="1">
+              <a:lnSpc>
+                <a:spcPct val="110000"/>
+              </a:lnSpc>
+              <a:spcBef>
+                <a:spcPts val="500"/>
+              </a:spcBef>
+              <a:buFont typeface="Arial" panose="020B0604020202020204" pitchFamily="34" charset="0"/>
+              <a:buChar char="•"/>
+              <a:defRPr sz="2400" kern="1200">
+                <a:solidFill>
+                  <a:schemeClr val="tx1"/>
+                </a:solidFill>
+                <a:latin typeface="+mn-lt"/>
+                <a:ea typeface="+mn-ea"/>
+                <a:cs typeface="+mn-cs"/>
+              </a:defRPr>
+            </a:lvl2pPr>
+            <a:lvl3pPr marL="1143000" indent="-228600" algn="l" defTabSz="914400" rtl="0" eaLnBrk="1" latinLnBrk="0" hangingPunct="1">
+              <a:lnSpc>
+                <a:spcPct val="110000"/>
+              </a:lnSpc>
+              <a:spcBef>
+                <a:spcPts val="500"/>
+              </a:spcBef>
+              <a:buFont typeface="Arial" panose="020B0604020202020204" pitchFamily="34" charset="0"/>
+              <a:buChar char="•"/>
+              <a:defRPr sz="2000" kern="1200">
+                <a:solidFill>
+                  <a:schemeClr val="tx1"/>
+                </a:solidFill>
+                <a:latin typeface="+mn-lt"/>
+                <a:ea typeface="+mn-ea"/>
+                <a:cs typeface="+mn-cs"/>
+              </a:defRPr>
+            </a:lvl3pPr>
+            <a:lvl4pPr marL="1600200" indent="-228600" algn="l" defTabSz="914400" rtl="0" eaLnBrk="1" latinLnBrk="0" hangingPunct="1">
+              <a:lnSpc>
+                <a:spcPct val="110000"/>
+              </a:lnSpc>
+              <a:spcBef>
+                <a:spcPts val="500"/>
+              </a:spcBef>
+              <a:buFont typeface="Arial" panose="020B0604020202020204" pitchFamily="34" charset="0"/>
+              <a:buChar char="•"/>
+              <a:defRPr sz="1800" kern="1200">
+                <a:solidFill>
+                  <a:schemeClr val="tx1"/>
+                </a:solidFill>
+                <a:latin typeface="+mn-lt"/>
+                <a:ea typeface="+mn-ea"/>
+                <a:cs typeface="+mn-cs"/>
+              </a:defRPr>
+            </a:lvl4pPr>
+            <a:lvl5pPr marL="2057400" indent="-228600" algn="l" defTabSz="914400" rtl="0" eaLnBrk="1" latinLnBrk="0" hangingPunct="1">
+              <a:lnSpc>
+                <a:spcPct val="110000"/>
+              </a:lnSpc>
+              <a:spcBef>
+                <a:spcPts val="500"/>
+              </a:spcBef>
+              <a:buFont typeface="Arial" panose="020B0604020202020204" pitchFamily="34" charset="0"/>
+              <a:buChar char="•"/>
+              <a:defRPr sz="1800" kern="1200">
+                <a:solidFill>
+                  <a:schemeClr val="tx1"/>
+                </a:solidFill>
+                <a:latin typeface="+mn-lt"/>
+                <a:ea typeface="+mn-ea"/>
+                <a:cs typeface="+mn-cs"/>
+              </a:defRPr>
+            </a:lvl5pPr>
+            <a:lvl6pPr marL="2514600" indent="-228600" algn="l" defTabSz="914400" rtl="0" eaLnBrk="1" latinLnBrk="0" hangingPunct="1">
+              <a:lnSpc>
+                <a:spcPct val="90000"/>
+              </a:lnSpc>
+              <a:spcBef>
+                <a:spcPts val="500"/>
+              </a:spcBef>
+              <a:buFont typeface="Arial" panose="020B0604020202020204" pitchFamily="34" charset="0"/>
+              <a:buChar char="•"/>
+              <a:defRPr sz="1800" kern="1200">
+                <a:solidFill>
+                  <a:schemeClr val="tx1"/>
+                </a:solidFill>
+                <a:latin typeface="+mn-lt"/>
+                <a:ea typeface="+mn-ea"/>
+                <a:cs typeface="+mn-cs"/>
+              </a:defRPr>
+            </a:lvl6pPr>
+            <a:lvl7pPr marL="2971800" indent="-228600" algn="l" defTabSz="914400" rtl="0" eaLnBrk="1" latinLnBrk="0" hangingPunct="1">
+              <a:lnSpc>
+                <a:spcPct val="90000"/>
+              </a:lnSpc>
+              <a:spcBef>
+                <a:spcPts val="500"/>
+              </a:spcBef>
+              <a:buFont typeface="Arial" panose="020B0604020202020204" pitchFamily="34" charset="0"/>
+              <a:buChar char="•"/>
+              <a:defRPr sz="1800" kern="1200">
+                <a:solidFill>
+                  <a:schemeClr val="tx1"/>
+                </a:solidFill>
+                <a:latin typeface="+mn-lt"/>
+                <a:ea typeface="+mn-ea"/>
+                <a:cs typeface="+mn-cs"/>
+              </a:defRPr>
+            </a:lvl7pPr>
+            <a:lvl8pPr marL="3429000" indent="-228600" algn="l" defTabSz="914400" rtl="0" eaLnBrk="1" latinLnBrk="0" hangingPunct="1">
+              <a:lnSpc>
+                <a:spcPct val="90000"/>
+              </a:lnSpc>
+              <a:spcBef>
+                <a:spcPts val="500"/>
+              </a:spcBef>
+              <a:buFont typeface="Arial" panose="020B0604020202020204" pitchFamily="34" charset="0"/>
+              <a:buChar char="•"/>
+              <a:defRPr sz="1800" kern="1200">
+                <a:solidFill>
+                  <a:schemeClr val="tx1"/>
+                </a:solidFill>
+                <a:latin typeface="+mn-lt"/>
+                <a:ea typeface="+mn-ea"/>
+                <a:cs typeface="+mn-cs"/>
+              </a:defRPr>
+            </a:lvl8pPr>
+            <a:lvl9pPr marL="3886200" indent="-228600" algn="l" defTabSz="914400" rtl="0" eaLnBrk="1" latinLnBrk="0" hangingPunct="1">
+              <a:lnSpc>
+                <a:spcPct val="90000"/>
+              </a:lnSpc>
+              <a:spcBef>
+                <a:spcPts val="500"/>
+              </a:spcBef>
+              <a:buFont typeface="Arial" panose="020B0604020202020204" pitchFamily="34" charset="0"/>
+              <a:buChar char="•"/>
+              <a:defRPr sz="1800" kern="1200">
+                <a:solidFill>
+                  <a:schemeClr val="tx1"/>
+                </a:solidFill>
+                <a:latin typeface="+mn-lt"/>
+                <a:ea typeface="+mn-ea"/>
+                <a:cs typeface="+mn-cs"/>
+              </a:defRPr>
+            </a:lvl9pPr>
+          </a:lstStyle>
+          <a:p>
+            <a:r>
+              <a:rPr lang="zh-TW" altLang="en-US" sz="2600"/>
+              <a:t>例文</a:t>
+            </a:r>
+          </a:p>
+          <a:p>
+            <a:pPr lvl="1"/>
+            <a:r>
+              <a:rPr lang="zh-TW" altLang="en-US" sz="2200"/>
+              <a:t>昨日はとても寒かったです。</a:t>
+            </a:r>
+          </a:p>
+          <a:p>
+            <a:pPr lvl="1"/>
+            <a:r>
+              <a:rPr lang="zh-TW" altLang="en-US" sz="2200"/>
+              <a:t>パーティーの料理は美味しくなかったです。</a:t>
+            </a:r>
+            <a:endParaRPr lang="zh-TW" altLang="en-US" sz="2200" dirty="0"/>
+          </a:p>
+          <a:p>
+            <a:pPr lvl="1"/>
+            <a:r>
+              <a:rPr lang="zh-TW" altLang="en-US" sz="2200"/>
+              <a:t>先週は忙しかったですから、どこも行きませんでした。</a:t>
+            </a:r>
+            <a:endParaRPr lang="zh-TW" altLang="en-US" sz="2200" dirty="0"/>
+          </a:p>
+          <a:p>
+            <a:pPr lvl="1"/>
+            <a:r>
+              <a:rPr lang="zh-TW" altLang="en-US" sz="2200"/>
+              <a:t>テストの点数はあまりよくなかったです。</a:t>
+            </a:r>
+            <a:endParaRPr lang="zh-TW" altLang="en-US" sz="2200" dirty="0"/>
+          </a:p>
+          <a:p>
+            <a:pPr lvl="1"/>
+            <a:endParaRPr lang="zh-TW" altLang="en-US" sz="2200"/>
+          </a:p>
+          <a:p>
+            <a:pPr lvl="1"/>
+            <a:endParaRPr lang="zh-TW" altLang="en-US" sz="2200"/>
+          </a:p>
+          <a:p>
+            <a:pPr lvl="1"/>
+            <a:endParaRPr lang="zh-TW" altLang="en-US" sz="2600"/>
+          </a:p>
+        </p:txBody>
+      </p:sp>
+    </p:spTree>
+    <p:extLst>
+      <p:ext uri="{BB962C8B-B14F-4D97-AF65-F5344CB8AC3E}">
+        <p14:creationId xmlns:p14="http://schemas.microsoft.com/office/powerpoint/2010/main" val="1622313813"/>
+      </p:ext>
+    </p:extLst>
+  </p:cSld>
+  <p:clrMapOvr>
+    <a:masterClrMapping/>
+  </p:clrMapOvr>
+</p:sld>
+</file>
+
+<file path=ppt/slides/slide14.xml><?xml version="1.0" encoding="utf-8"?>
+<p:sld xmlns:a="http://schemas.openxmlformats.org/drawingml/2006/main" xmlns:r="http://schemas.openxmlformats.org/officeDocument/2006/relationships" xmlns:p="http://schemas.openxmlformats.org/presentationml/2006/main">
+  <p:cSld>
+    <p:spTree>
+      <p:nvGrpSpPr>
+        <p:cNvPr id="1" name=""/>
+        <p:cNvGrpSpPr/>
+        <p:nvPr/>
+      </p:nvGrpSpPr>
+      <p:grpSpPr>
+        <a:xfrm>
+          <a:off x="0" y="0"/>
+          <a:ext cx="0" cy="0"/>
+          <a:chOff x="0" y="0"/>
+          <a:chExt cx="0" cy="0"/>
+        </a:xfrm>
+      </p:grpSpPr>
+      <p:sp>
+        <p:nvSpPr>
+          <p:cNvPr id="10" name="內容版面配置區 2">
+            <a:extLst>
+              <a:ext uri="{FF2B5EF4-FFF2-40B4-BE49-F238E27FC236}">
+                <a16:creationId xmlns:a16="http://schemas.microsoft.com/office/drawing/2014/main" id="{84288266-7418-F062-C7F6-61460431B37A}"/>
+              </a:ext>
+            </a:extLst>
+          </p:cNvPr>
+          <p:cNvSpPr>
+            <a:spLocks noGrp="1"/>
+          </p:cNvSpPr>
+          <p:nvPr>
+            <p:ph idx="1"/>
+          </p:nvPr>
+        </p:nvSpPr>
+        <p:spPr>
+          <a:xfrm>
+            <a:off x="838200" y="1929384"/>
+            <a:ext cx="10515600" cy="4654526"/>
+          </a:xfrm>
+        </p:spPr>
+        <p:txBody>
+          <a:bodyPr vert="horz" lIns="91440" tIns="45720" rIns="91440" bIns="45720" rtlCol="0" anchor="t">
+            <a:normAutofit fontScale="70000" lnSpcReduction="20000"/>
+          </a:bodyPr>
+          <a:lstStyle/>
+          <a:p>
+            <a:r>
+              <a:rPr lang="zh-TW" altLang="en-US"/>
+              <a:t>名詞＋</a:t>
+            </a:r>
+            <a:r>
+              <a:rPr lang="zh-TW" altLang="en-US">
+                <a:solidFill>
+                  <a:srgbClr val="FF0000"/>
+                </a:solidFill>
+              </a:rPr>
+              <a:t>に</a:t>
+            </a:r>
+            <a:r>
+              <a:rPr lang="zh-TW" altLang="en-US"/>
+              <a:t>（在～時做～）</a:t>
+            </a:r>
+            <a:endParaRPr lang="zh-TW" altLang="en-US" dirty="0"/>
+          </a:p>
+          <a:p>
+            <a:endParaRPr lang="zh-TW" altLang="en-US" sz="2200"/>
+          </a:p>
+          <a:p>
+            <a:r>
+              <a:rPr lang="zh-TW" altLang="en-US" sz="2600"/>
+              <a:t>相對時間</a:t>
+            </a:r>
+            <a:endParaRPr lang="zh-TW" altLang="en-US" sz="2600" dirty="0"/>
+          </a:p>
+          <a:p>
+            <a:pPr lvl="1"/>
+            <a:r>
+              <a:rPr lang="zh-TW" altLang="en-US" sz="2200"/>
+              <a:t>明日病院へ行きます。</a:t>
+            </a:r>
+            <a:endParaRPr lang="zh-TW" altLang="en-US" sz="2200" dirty="0"/>
+          </a:p>
+          <a:p>
+            <a:r>
+              <a:rPr lang="zh-TW" altLang="en-US" sz="2600"/>
+              <a:t>不特定時間</a:t>
+            </a:r>
+            <a:endParaRPr lang="zh-TW" altLang="en-US" sz="2600" dirty="0"/>
+          </a:p>
+          <a:p>
+            <a:pPr lvl="1"/>
+            <a:r>
+              <a:rPr lang="zh-TW" altLang="en-US" sz="2200"/>
+              <a:t>朝シャワーを浴びます。</a:t>
+            </a:r>
+            <a:endParaRPr lang="zh-TW" altLang="en-US" sz="2200" dirty="0"/>
+          </a:p>
+          <a:p>
+            <a:r>
+              <a:rPr lang="zh-TW" altLang="en-US" sz="2600"/>
+              <a:t>絕對時間</a:t>
+            </a:r>
+            <a:endParaRPr lang="zh-TW" altLang="en-US" sz="2600" dirty="0"/>
+          </a:p>
+          <a:p>
+            <a:pPr lvl="1"/>
+            <a:r>
+              <a:rPr lang="zh-TW" altLang="en-US" sz="2200"/>
+              <a:t>七時</a:t>
+            </a:r>
+            <a:r>
+              <a:rPr lang="zh-TW" altLang="en-US" sz="2200">
+                <a:solidFill>
+                  <a:srgbClr val="FF0000"/>
+                </a:solidFill>
+              </a:rPr>
+              <a:t>に</a:t>
+            </a:r>
+            <a:r>
+              <a:rPr lang="zh-TW" altLang="en-US" sz="2200"/>
+              <a:t>起きます。</a:t>
+            </a:r>
+            <a:endParaRPr lang="zh-TW" altLang="en-US" sz="2200" dirty="0"/>
+          </a:p>
+          <a:p>
+            <a:r>
+              <a:rPr lang="zh-TW" altLang="en-US" sz="2600"/>
+              <a:t>不特定＋絕對</a:t>
+            </a:r>
+            <a:endParaRPr lang="zh-TW" altLang="en-US" sz="2600" dirty="0"/>
+          </a:p>
+          <a:p>
+            <a:pPr lvl="1"/>
+            <a:r>
+              <a:rPr lang="zh-TW" altLang="en-US" sz="2200"/>
+              <a:t>朝八時</a:t>
+            </a:r>
+            <a:r>
+              <a:rPr lang="zh-TW" altLang="en-US" sz="2200">
+                <a:solidFill>
+                  <a:srgbClr val="FF0000"/>
+                </a:solidFill>
+              </a:rPr>
+              <a:t>に</a:t>
+            </a:r>
+            <a:r>
+              <a:rPr lang="zh-TW" altLang="en-US" sz="2200"/>
+              <a:t>家を出ます。</a:t>
+            </a:r>
+            <a:endParaRPr lang="zh-TW" altLang="en-US" sz="2200" dirty="0"/>
+          </a:p>
+          <a:p>
+            <a:r>
+              <a:rPr lang="zh-TW" altLang="en-US" sz="2600"/>
+              <a:t>曜日</a:t>
+            </a:r>
+            <a:endParaRPr lang="zh-TW" altLang="en-US" sz="2600" dirty="0"/>
+          </a:p>
+          <a:p>
+            <a:pPr lvl="1"/>
+            <a:r>
+              <a:rPr lang="zh-TW" altLang="en-US" sz="2200"/>
+              <a:t>月曜日</a:t>
+            </a:r>
+            <a:r>
+              <a:rPr lang="zh-TW" altLang="en-US" sz="2200">
+                <a:solidFill>
+                  <a:srgbClr val="FF0000"/>
+                </a:solidFill>
+              </a:rPr>
+              <a:t>[に]</a:t>
+            </a:r>
+            <a:r>
+              <a:rPr lang="zh-TW" altLang="en-US" sz="2200"/>
+              <a:t>国へ帰ります。</a:t>
+            </a:r>
+            <a:endParaRPr lang="zh-TW" altLang="en-US" sz="2200" dirty="0"/>
+          </a:p>
+          <a:p>
+            <a:r>
+              <a:rPr lang="zh-TW" altLang="en-US" sz="2600"/>
+              <a:t>其它</a:t>
+            </a:r>
+          </a:p>
+          <a:p>
+            <a:pPr lvl="1"/>
+            <a:r>
+              <a:rPr lang="zh-TW" altLang="en-US" sz="2200"/>
+              <a:t>クリスマス</a:t>
+            </a:r>
+            <a:r>
+              <a:rPr lang="zh-TW" altLang="en-US" sz="2200">
+                <a:solidFill>
+                  <a:srgbClr val="FF0000"/>
+                </a:solidFill>
+              </a:rPr>
+              <a:t>に</a:t>
+            </a:r>
+            <a:r>
+              <a:rPr lang="zh-TW" altLang="en-US" sz="2200"/>
+              <a:t>彼女と食事します。</a:t>
+            </a:r>
+            <a:endParaRPr lang="zh-TW" altLang="en-US" sz="2200" dirty="0"/>
+          </a:p>
+        </p:txBody>
+      </p:sp>
+      <p:sp>
+        <p:nvSpPr>
+          <p:cNvPr id="2" name="標題 1">
+            <a:extLst>
+              <a:ext uri="{FF2B5EF4-FFF2-40B4-BE49-F238E27FC236}">
+                <a16:creationId xmlns:a16="http://schemas.microsoft.com/office/drawing/2014/main" id="{37A17A5C-282D-9A06-2BB9-7608E2DA7C30}"/>
+              </a:ext>
+            </a:extLst>
+          </p:cNvPr>
+          <p:cNvSpPr>
+            <a:spLocks noGrp="1"/>
+          </p:cNvSpPr>
+          <p:nvPr>
+            <p:ph type="title"/>
+          </p:nvPr>
+        </p:nvSpPr>
+        <p:spPr>
+          <a:xfrm>
+            <a:off x="838200" y="365125"/>
+            <a:ext cx="10903788" cy="1339940"/>
+          </a:xfrm>
+        </p:spPr>
+        <p:txBody>
+          <a:bodyPr>
+            <a:noAutofit/>
+          </a:bodyPr>
+          <a:lstStyle/>
+          <a:p>
+            <a:r>
+              <a:rPr lang="zh-TW" altLang="en-US" sz="3600"/>
+              <a:t>動作進行時「に」</a:t>
+            </a:r>
+            <a:endParaRPr lang="zh-TW" altLang="en-US" sz="3600" dirty="0"/>
+          </a:p>
+        </p:txBody>
+      </p:sp>
+      <p:sp>
+        <p:nvSpPr>
+          <p:cNvPr id="6" name="內容版面配置區 2">
+            <a:extLst>
+              <a:ext uri="{FF2B5EF4-FFF2-40B4-BE49-F238E27FC236}">
+                <a16:creationId xmlns:a16="http://schemas.microsoft.com/office/drawing/2014/main" id="{48C6A82B-2859-6441-1E05-E4BBBEF4F87D}"/>
+              </a:ext>
+            </a:extLst>
+          </p:cNvPr>
+          <p:cNvSpPr txBox="1">
+            <a:spLocks/>
+          </p:cNvSpPr>
+          <p:nvPr/>
+        </p:nvSpPr>
+        <p:spPr>
+          <a:xfrm>
+            <a:off x="5277997" y="3468073"/>
+            <a:ext cx="6852492" cy="2819768"/>
+          </a:xfrm>
+          <a:prstGeom prst="rect">
+            <a:avLst/>
+          </a:prstGeom>
+        </p:spPr>
+        <p:txBody>
+          <a:bodyPr vert="horz" lIns="91440" tIns="45720" rIns="91440" bIns="45720" rtlCol="0" anchor="t">
+            <a:noAutofit/>
+          </a:bodyPr>
+          <a:lstStyle>
+            <a:lvl1pPr marL="228600" indent="-228600" algn="l" defTabSz="914400" rtl="0" eaLnBrk="1" latinLnBrk="0" hangingPunct="1">
+              <a:lnSpc>
+                <a:spcPct val="110000"/>
+              </a:lnSpc>
+              <a:spcBef>
+                <a:spcPts val="1000"/>
+              </a:spcBef>
+              <a:buFont typeface="Arial" panose="020B0604020202020204" pitchFamily="34" charset="0"/>
+              <a:buChar char="•"/>
+              <a:defRPr sz="2800" kern="1200">
+                <a:solidFill>
+                  <a:schemeClr val="tx1"/>
+                </a:solidFill>
+                <a:latin typeface="+mn-lt"/>
+                <a:ea typeface="+mn-ea"/>
+                <a:cs typeface="+mn-cs"/>
+              </a:defRPr>
+            </a:lvl1pPr>
+            <a:lvl2pPr marL="685800" indent="-228600" algn="l" defTabSz="914400" rtl="0" eaLnBrk="1" latinLnBrk="0" hangingPunct="1">
+              <a:lnSpc>
+                <a:spcPct val="110000"/>
+              </a:lnSpc>
+              <a:spcBef>
+                <a:spcPts val="500"/>
+              </a:spcBef>
+              <a:buFont typeface="Arial" panose="020B0604020202020204" pitchFamily="34" charset="0"/>
+              <a:buChar char="•"/>
+              <a:defRPr sz="2400" kern="1200">
+                <a:solidFill>
+                  <a:schemeClr val="tx1"/>
+                </a:solidFill>
+                <a:latin typeface="+mn-lt"/>
+                <a:ea typeface="+mn-ea"/>
+                <a:cs typeface="+mn-cs"/>
+              </a:defRPr>
+            </a:lvl2pPr>
+            <a:lvl3pPr marL="1143000" indent="-228600" algn="l" defTabSz="914400" rtl="0" eaLnBrk="1" latinLnBrk="0" hangingPunct="1">
+              <a:lnSpc>
+                <a:spcPct val="110000"/>
+              </a:lnSpc>
+              <a:spcBef>
+                <a:spcPts val="500"/>
+              </a:spcBef>
+              <a:buFont typeface="Arial" panose="020B0604020202020204" pitchFamily="34" charset="0"/>
+              <a:buChar char="•"/>
+              <a:defRPr sz="2000" kern="1200">
+                <a:solidFill>
+                  <a:schemeClr val="tx1"/>
+                </a:solidFill>
+                <a:latin typeface="+mn-lt"/>
+                <a:ea typeface="+mn-ea"/>
+                <a:cs typeface="+mn-cs"/>
+              </a:defRPr>
+            </a:lvl3pPr>
+            <a:lvl4pPr marL="1600200" indent="-228600" algn="l" defTabSz="914400" rtl="0" eaLnBrk="1" latinLnBrk="0" hangingPunct="1">
+              <a:lnSpc>
+                <a:spcPct val="110000"/>
+              </a:lnSpc>
+              <a:spcBef>
+                <a:spcPts val="500"/>
+              </a:spcBef>
+              <a:buFont typeface="Arial" panose="020B0604020202020204" pitchFamily="34" charset="0"/>
+              <a:buChar char="•"/>
+              <a:defRPr sz="1800" kern="1200">
+                <a:solidFill>
+                  <a:schemeClr val="tx1"/>
+                </a:solidFill>
+                <a:latin typeface="+mn-lt"/>
+                <a:ea typeface="+mn-ea"/>
+                <a:cs typeface="+mn-cs"/>
+              </a:defRPr>
+            </a:lvl4pPr>
+            <a:lvl5pPr marL="2057400" indent="-228600" algn="l" defTabSz="914400" rtl="0" eaLnBrk="1" latinLnBrk="0" hangingPunct="1">
+              <a:lnSpc>
+                <a:spcPct val="110000"/>
+              </a:lnSpc>
+              <a:spcBef>
+                <a:spcPts val="500"/>
+              </a:spcBef>
+              <a:buFont typeface="Arial" panose="020B0604020202020204" pitchFamily="34" charset="0"/>
+              <a:buChar char="•"/>
+              <a:defRPr sz="1800" kern="1200">
+                <a:solidFill>
+                  <a:schemeClr val="tx1"/>
+                </a:solidFill>
+                <a:latin typeface="+mn-lt"/>
+                <a:ea typeface="+mn-ea"/>
+                <a:cs typeface="+mn-cs"/>
+              </a:defRPr>
+            </a:lvl5pPr>
+            <a:lvl6pPr marL="2514600" indent="-228600" algn="l" defTabSz="914400" rtl="0" eaLnBrk="1" latinLnBrk="0" hangingPunct="1">
+              <a:lnSpc>
+                <a:spcPct val="90000"/>
+              </a:lnSpc>
+              <a:spcBef>
+                <a:spcPts val="500"/>
+              </a:spcBef>
+              <a:buFont typeface="Arial" panose="020B0604020202020204" pitchFamily="34" charset="0"/>
+              <a:buChar char="•"/>
+              <a:defRPr sz="1800" kern="1200">
+                <a:solidFill>
+                  <a:schemeClr val="tx1"/>
+                </a:solidFill>
+                <a:latin typeface="+mn-lt"/>
+                <a:ea typeface="+mn-ea"/>
+                <a:cs typeface="+mn-cs"/>
+              </a:defRPr>
+            </a:lvl6pPr>
+            <a:lvl7pPr marL="2971800" indent="-228600" algn="l" defTabSz="914400" rtl="0" eaLnBrk="1" latinLnBrk="0" hangingPunct="1">
+              <a:lnSpc>
+                <a:spcPct val="90000"/>
+              </a:lnSpc>
+              <a:spcBef>
+                <a:spcPts val="500"/>
+              </a:spcBef>
+              <a:buFont typeface="Arial" panose="020B0604020202020204" pitchFamily="34" charset="0"/>
+              <a:buChar char="•"/>
+              <a:defRPr sz="1800" kern="1200">
+                <a:solidFill>
+                  <a:schemeClr val="tx1"/>
+                </a:solidFill>
+                <a:latin typeface="+mn-lt"/>
+                <a:ea typeface="+mn-ea"/>
+                <a:cs typeface="+mn-cs"/>
+              </a:defRPr>
+            </a:lvl7pPr>
+            <a:lvl8pPr marL="3429000" indent="-228600" algn="l" defTabSz="914400" rtl="0" eaLnBrk="1" latinLnBrk="0" hangingPunct="1">
+              <a:lnSpc>
+                <a:spcPct val="90000"/>
+              </a:lnSpc>
+              <a:spcBef>
+                <a:spcPts val="500"/>
+              </a:spcBef>
+              <a:buFont typeface="Arial" panose="020B0604020202020204" pitchFamily="34" charset="0"/>
+              <a:buChar char="•"/>
+              <a:defRPr sz="1800" kern="1200">
+                <a:solidFill>
+                  <a:schemeClr val="tx1"/>
+                </a:solidFill>
+                <a:latin typeface="+mn-lt"/>
+                <a:ea typeface="+mn-ea"/>
+                <a:cs typeface="+mn-cs"/>
+              </a:defRPr>
+            </a:lvl8pPr>
+            <a:lvl9pPr marL="3886200" indent="-228600" algn="l" defTabSz="914400" rtl="0" eaLnBrk="1" latinLnBrk="0" hangingPunct="1">
+              <a:lnSpc>
+                <a:spcPct val="90000"/>
+              </a:lnSpc>
+              <a:spcBef>
+                <a:spcPts val="500"/>
+              </a:spcBef>
+              <a:buFont typeface="Arial" panose="020B0604020202020204" pitchFamily="34" charset="0"/>
+              <a:buChar char="•"/>
+              <a:defRPr sz="1800" kern="1200">
+                <a:solidFill>
+                  <a:schemeClr val="tx1"/>
+                </a:solidFill>
+                <a:latin typeface="+mn-lt"/>
+                <a:ea typeface="+mn-ea"/>
+                <a:cs typeface="+mn-cs"/>
+              </a:defRPr>
+            </a:lvl9pPr>
+          </a:lstStyle>
+          <a:p>
+            <a:r>
+              <a:rPr lang="zh-TW" altLang="en-US" sz="2600"/>
+              <a:t>例文</a:t>
+            </a:r>
+          </a:p>
+          <a:p>
+            <a:pPr lvl="1"/>
+            <a:r>
+              <a:rPr lang="zh-TW" altLang="en-US" sz="2200"/>
+              <a:t>毎朝七時に起きます。</a:t>
+            </a:r>
+          </a:p>
+          <a:p>
+            <a:pPr lvl="1"/>
+            <a:r>
+              <a:rPr lang="zh-TW" altLang="en-US" sz="2200"/>
+              <a:t>授業は11時30分に終わります。</a:t>
+            </a:r>
+          </a:p>
+          <a:p>
+            <a:pPr lvl="1"/>
+            <a:r>
+              <a:rPr lang="zh-TW" altLang="en-US" sz="2200"/>
+              <a:t>明日、朝8時に出発します。</a:t>
+            </a:r>
+          </a:p>
+          <a:p>
+            <a:pPr lvl="1"/>
+            <a:r>
+              <a:rPr lang="zh-TW" altLang="en-US" sz="2200"/>
+              <a:t>クリスマスに何をしますか。</a:t>
+            </a:r>
+          </a:p>
+          <a:p>
+            <a:pPr lvl="1"/>
+            <a:endParaRPr lang="zh-TW" altLang="en-US" sz="2200"/>
+          </a:p>
+          <a:p>
+            <a:pPr lvl="1"/>
+            <a:endParaRPr lang="zh-TW" altLang="en-US" sz="2600"/>
+          </a:p>
+        </p:txBody>
+      </p:sp>
+    </p:spTree>
+    <p:extLst>
+      <p:ext uri="{BB962C8B-B14F-4D97-AF65-F5344CB8AC3E}">
+        <p14:creationId xmlns:p14="http://schemas.microsoft.com/office/powerpoint/2010/main" val="3522286798"/>
+      </p:ext>
+    </p:extLst>
+  </p:cSld>
+  <p:clrMapOvr>
+    <a:masterClrMapping/>
+  </p:clrMapOvr>
+</p:sld>
+</file>
+
+<file path=ppt/slides/slide15.xml><?xml version="1.0" encoding="utf-8"?>
+<p:sld xmlns:a="http://schemas.openxmlformats.org/drawingml/2006/main" xmlns:r="http://schemas.openxmlformats.org/officeDocument/2006/relationships" xmlns:p="http://schemas.openxmlformats.org/presentationml/2006/main">
+  <p:cSld>
+    <p:spTree>
+      <p:nvGrpSpPr>
+        <p:cNvPr id="1" name=""/>
+        <p:cNvGrpSpPr/>
+        <p:nvPr/>
+      </p:nvGrpSpPr>
+      <p:grpSpPr>
+        <a:xfrm>
+          <a:off x="0" y="0"/>
+          <a:ext cx="0" cy="0"/>
+          <a:chOff x="0" y="0"/>
+          <a:chExt cx="0" cy="0"/>
+        </a:xfrm>
+      </p:grpSpPr>
+      <p:sp>
+        <p:nvSpPr>
+          <p:cNvPr id="10" name="內容版面配置區 2">
+            <a:extLst>
+              <a:ext uri="{FF2B5EF4-FFF2-40B4-BE49-F238E27FC236}">
+                <a16:creationId xmlns:a16="http://schemas.microsoft.com/office/drawing/2014/main" id="{84288266-7418-F062-C7F6-61460431B37A}"/>
+              </a:ext>
+            </a:extLst>
+          </p:cNvPr>
+          <p:cNvSpPr>
+            <a:spLocks noGrp="1"/>
+          </p:cNvSpPr>
+          <p:nvPr>
+            <p:ph idx="1"/>
+          </p:nvPr>
+        </p:nvSpPr>
+        <p:spPr>
+          <a:xfrm>
+            <a:off x="838200" y="1929384"/>
+            <a:ext cx="10515600" cy="4654526"/>
+          </a:xfrm>
+        </p:spPr>
+        <p:txBody>
+          <a:bodyPr vert="horz" lIns="91440" tIns="45720" rIns="91440" bIns="45720" rtlCol="0" anchor="t">
+            <a:normAutofit/>
+          </a:bodyPr>
+          <a:lstStyle/>
+          <a:p>
+            <a:r>
+              <a:rPr lang="zh-TW" altLang="en-US"/>
+              <a:t>名詞＋</a:t>
+            </a:r>
+            <a:r>
+              <a:rPr lang="zh-TW" altLang="en-US">
+                <a:solidFill>
+                  <a:srgbClr val="FF0000"/>
+                </a:solidFill>
+              </a:rPr>
+              <a:t>と</a:t>
+            </a:r>
+            <a:r>
+              <a:rPr lang="zh-TW" altLang="en-US"/>
+              <a:t>（和～、跟～）</a:t>
+            </a:r>
+            <a:endParaRPr lang="zh-TW" altLang="en-US" dirty="0"/>
+          </a:p>
+          <a:p>
+            <a:endParaRPr lang="zh-TW" altLang="en-US" dirty="0"/>
+          </a:p>
+          <a:p>
+            <a:r>
+              <a:rPr lang="zh-TW" altLang="en-US"/>
+              <a:t>友達</a:t>
+            </a:r>
+            <a:r>
+              <a:rPr lang="zh-TW" altLang="en-US">
+                <a:solidFill>
+                  <a:srgbClr val="FF0000"/>
+                </a:solidFill>
+              </a:rPr>
+              <a:t>と</a:t>
+            </a:r>
+            <a:r>
+              <a:rPr lang="zh-TW" altLang="en-US"/>
+              <a:t>一緒に映画を見ます。</a:t>
+            </a:r>
+            <a:endParaRPr lang="zh-TW" altLang="en-US" dirty="0"/>
+          </a:p>
+          <a:p>
+            <a:endParaRPr lang="zh-TW" altLang="en-US" dirty="0"/>
+          </a:p>
+        </p:txBody>
+      </p:sp>
+      <p:sp>
+        <p:nvSpPr>
+          <p:cNvPr id="2" name="標題 1">
+            <a:extLst>
+              <a:ext uri="{FF2B5EF4-FFF2-40B4-BE49-F238E27FC236}">
+                <a16:creationId xmlns:a16="http://schemas.microsoft.com/office/drawing/2014/main" id="{37A17A5C-282D-9A06-2BB9-7608E2DA7C30}"/>
+              </a:ext>
+            </a:extLst>
+          </p:cNvPr>
+          <p:cNvSpPr>
+            <a:spLocks noGrp="1"/>
+          </p:cNvSpPr>
+          <p:nvPr>
+            <p:ph type="title"/>
+          </p:nvPr>
+        </p:nvSpPr>
+        <p:spPr>
+          <a:xfrm>
+            <a:off x="838200" y="365125"/>
+            <a:ext cx="10903788" cy="1339940"/>
+          </a:xfrm>
+        </p:spPr>
+        <p:txBody>
+          <a:bodyPr>
+            <a:noAutofit/>
+          </a:bodyPr>
+          <a:lstStyle/>
+          <a:p>
+            <a:r>
+              <a:rPr lang="zh-TW" altLang="en-US" sz="3600"/>
+              <a:t>動作夥伴「と」</a:t>
+            </a:r>
+            <a:endParaRPr lang="zh-TW" altLang="en-US" sz="3600" dirty="0"/>
+          </a:p>
+        </p:txBody>
+      </p:sp>
+      <p:sp>
+        <p:nvSpPr>
+          <p:cNvPr id="6" name="內容版面配置區 2">
+            <a:extLst>
+              <a:ext uri="{FF2B5EF4-FFF2-40B4-BE49-F238E27FC236}">
+                <a16:creationId xmlns:a16="http://schemas.microsoft.com/office/drawing/2014/main" id="{48C6A82B-2859-6441-1E05-E4BBBEF4F87D}"/>
+              </a:ext>
+            </a:extLst>
+          </p:cNvPr>
+          <p:cNvSpPr txBox="1">
+            <a:spLocks/>
+          </p:cNvSpPr>
+          <p:nvPr/>
+        </p:nvSpPr>
+        <p:spPr>
+          <a:xfrm>
+            <a:off x="5536789" y="3424941"/>
+            <a:ext cx="6852492" cy="2819768"/>
+          </a:xfrm>
+          <a:prstGeom prst="rect">
+            <a:avLst/>
+          </a:prstGeom>
+        </p:spPr>
+        <p:txBody>
+          <a:bodyPr vert="horz" lIns="91440" tIns="45720" rIns="91440" bIns="45720" rtlCol="0" anchor="t">
+            <a:noAutofit/>
+          </a:bodyPr>
+          <a:lstStyle>
+            <a:lvl1pPr marL="228600" indent="-228600" algn="l" defTabSz="914400" rtl="0" eaLnBrk="1" latinLnBrk="0" hangingPunct="1">
+              <a:lnSpc>
+                <a:spcPct val="110000"/>
+              </a:lnSpc>
+              <a:spcBef>
+                <a:spcPts val="1000"/>
+              </a:spcBef>
+              <a:buFont typeface="Arial" panose="020B0604020202020204" pitchFamily="34" charset="0"/>
+              <a:buChar char="•"/>
+              <a:defRPr sz="2800" kern="1200">
+                <a:solidFill>
+                  <a:schemeClr val="tx1"/>
+                </a:solidFill>
+                <a:latin typeface="+mn-lt"/>
+                <a:ea typeface="+mn-ea"/>
+                <a:cs typeface="+mn-cs"/>
+              </a:defRPr>
+            </a:lvl1pPr>
+            <a:lvl2pPr marL="685800" indent="-228600" algn="l" defTabSz="914400" rtl="0" eaLnBrk="1" latinLnBrk="0" hangingPunct="1">
+              <a:lnSpc>
+                <a:spcPct val="110000"/>
+              </a:lnSpc>
+              <a:spcBef>
+                <a:spcPts val="500"/>
+              </a:spcBef>
+              <a:buFont typeface="Arial" panose="020B0604020202020204" pitchFamily="34" charset="0"/>
+              <a:buChar char="•"/>
+              <a:defRPr sz="2400" kern="1200">
+                <a:solidFill>
+                  <a:schemeClr val="tx1"/>
+                </a:solidFill>
+                <a:latin typeface="+mn-lt"/>
+                <a:ea typeface="+mn-ea"/>
+                <a:cs typeface="+mn-cs"/>
+              </a:defRPr>
+            </a:lvl2pPr>
+            <a:lvl3pPr marL="1143000" indent="-228600" algn="l" defTabSz="914400" rtl="0" eaLnBrk="1" latinLnBrk="0" hangingPunct="1">
+              <a:lnSpc>
+                <a:spcPct val="110000"/>
+              </a:lnSpc>
+              <a:spcBef>
+                <a:spcPts val="500"/>
+              </a:spcBef>
+              <a:buFont typeface="Arial" panose="020B0604020202020204" pitchFamily="34" charset="0"/>
+              <a:buChar char="•"/>
+              <a:defRPr sz="2000" kern="1200">
+                <a:solidFill>
+                  <a:schemeClr val="tx1"/>
+                </a:solidFill>
+                <a:latin typeface="+mn-lt"/>
+                <a:ea typeface="+mn-ea"/>
+                <a:cs typeface="+mn-cs"/>
+              </a:defRPr>
+            </a:lvl3pPr>
+            <a:lvl4pPr marL="1600200" indent="-228600" algn="l" defTabSz="914400" rtl="0" eaLnBrk="1" latinLnBrk="0" hangingPunct="1">
+              <a:lnSpc>
+                <a:spcPct val="110000"/>
+              </a:lnSpc>
+              <a:spcBef>
+                <a:spcPts val="500"/>
+              </a:spcBef>
+              <a:buFont typeface="Arial" panose="020B0604020202020204" pitchFamily="34" charset="0"/>
+              <a:buChar char="•"/>
+              <a:defRPr sz="1800" kern="1200">
+                <a:solidFill>
+                  <a:schemeClr val="tx1"/>
+                </a:solidFill>
+                <a:latin typeface="+mn-lt"/>
+                <a:ea typeface="+mn-ea"/>
+                <a:cs typeface="+mn-cs"/>
+              </a:defRPr>
+            </a:lvl4pPr>
+            <a:lvl5pPr marL="2057400" indent="-228600" algn="l" defTabSz="914400" rtl="0" eaLnBrk="1" latinLnBrk="0" hangingPunct="1">
+              <a:lnSpc>
+                <a:spcPct val="110000"/>
+              </a:lnSpc>
+              <a:spcBef>
+                <a:spcPts val="500"/>
+              </a:spcBef>
+              <a:buFont typeface="Arial" panose="020B0604020202020204" pitchFamily="34" charset="0"/>
+              <a:buChar char="•"/>
+              <a:defRPr sz="1800" kern="1200">
+                <a:solidFill>
+                  <a:schemeClr val="tx1"/>
+                </a:solidFill>
+                <a:latin typeface="+mn-lt"/>
+                <a:ea typeface="+mn-ea"/>
+                <a:cs typeface="+mn-cs"/>
+              </a:defRPr>
+            </a:lvl5pPr>
+            <a:lvl6pPr marL="2514600" indent="-228600" algn="l" defTabSz="914400" rtl="0" eaLnBrk="1" latinLnBrk="0" hangingPunct="1">
+              <a:lnSpc>
+                <a:spcPct val="90000"/>
+              </a:lnSpc>
+              <a:spcBef>
+                <a:spcPts val="500"/>
+              </a:spcBef>
+              <a:buFont typeface="Arial" panose="020B0604020202020204" pitchFamily="34" charset="0"/>
+              <a:buChar char="•"/>
+              <a:defRPr sz="1800" kern="1200">
+                <a:solidFill>
+                  <a:schemeClr val="tx1"/>
+                </a:solidFill>
+                <a:latin typeface="+mn-lt"/>
+                <a:ea typeface="+mn-ea"/>
+                <a:cs typeface="+mn-cs"/>
+              </a:defRPr>
+            </a:lvl6pPr>
+            <a:lvl7pPr marL="2971800" indent="-228600" algn="l" defTabSz="914400" rtl="0" eaLnBrk="1" latinLnBrk="0" hangingPunct="1">
+              <a:lnSpc>
+                <a:spcPct val="90000"/>
+              </a:lnSpc>
+              <a:spcBef>
+                <a:spcPts val="500"/>
+              </a:spcBef>
+              <a:buFont typeface="Arial" panose="020B0604020202020204" pitchFamily="34" charset="0"/>
+              <a:buChar char="•"/>
+              <a:defRPr sz="1800" kern="1200">
+                <a:solidFill>
+                  <a:schemeClr val="tx1"/>
+                </a:solidFill>
+                <a:latin typeface="+mn-lt"/>
+                <a:ea typeface="+mn-ea"/>
+                <a:cs typeface="+mn-cs"/>
+              </a:defRPr>
+            </a:lvl7pPr>
+            <a:lvl8pPr marL="3429000" indent="-228600" algn="l" defTabSz="914400" rtl="0" eaLnBrk="1" latinLnBrk="0" hangingPunct="1">
+              <a:lnSpc>
+                <a:spcPct val="90000"/>
+              </a:lnSpc>
+              <a:spcBef>
+                <a:spcPts val="500"/>
+              </a:spcBef>
+              <a:buFont typeface="Arial" panose="020B0604020202020204" pitchFamily="34" charset="0"/>
+              <a:buChar char="•"/>
+              <a:defRPr sz="1800" kern="1200">
+                <a:solidFill>
+                  <a:schemeClr val="tx1"/>
+                </a:solidFill>
+                <a:latin typeface="+mn-lt"/>
+                <a:ea typeface="+mn-ea"/>
+                <a:cs typeface="+mn-cs"/>
+              </a:defRPr>
+            </a:lvl8pPr>
+            <a:lvl9pPr marL="3886200" indent="-228600" algn="l" defTabSz="914400" rtl="0" eaLnBrk="1" latinLnBrk="0" hangingPunct="1">
+              <a:lnSpc>
+                <a:spcPct val="90000"/>
+              </a:lnSpc>
+              <a:spcBef>
+                <a:spcPts val="500"/>
+              </a:spcBef>
+              <a:buFont typeface="Arial" panose="020B0604020202020204" pitchFamily="34" charset="0"/>
+              <a:buChar char="•"/>
+              <a:defRPr sz="1800" kern="1200">
+                <a:solidFill>
+                  <a:schemeClr val="tx1"/>
+                </a:solidFill>
+                <a:latin typeface="+mn-lt"/>
+                <a:ea typeface="+mn-ea"/>
+                <a:cs typeface="+mn-cs"/>
+              </a:defRPr>
+            </a:lvl9pPr>
+          </a:lstStyle>
+          <a:p>
+            <a:r>
+              <a:rPr lang="zh-TW" altLang="en-US" sz="2600"/>
+              <a:t>例文</a:t>
+            </a:r>
+          </a:p>
+          <a:p>
+            <a:pPr lvl="1">
+              <a:buFont typeface="Arial"/>
+            </a:pPr>
+            <a:r>
+              <a:rPr lang="zh-TW" altLang="en-US" sz="2200"/>
+              <a:t>今日は誰とここへ来ましたか。</a:t>
+            </a:r>
+            <a:endParaRPr lang="zh-TW" altLang="en-US" sz="2200" dirty="0"/>
+          </a:p>
+          <a:p>
+            <a:pPr lvl="1">
+              <a:buFont typeface="Arial"/>
+            </a:pPr>
+            <a:r>
+              <a:rPr lang="zh-TW" altLang="en-US" sz="2200"/>
+              <a:t>齋藤さんは彼女とハワイへ行きました。</a:t>
+            </a:r>
+            <a:endParaRPr lang="zh-TW" altLang="en-US" sz="2200" dirty="0"/>
+          </a:p>
+          <a:p>
+            <a:pPr lvl="1">
+              <a:buFont typeface="Arial"/>
+            </a:pPr>
+            <a:r>
+              <a:rPr lang="zh-TW" altLang="en-US" sz="2200"/>
+              <a:t>冬休みに友達とスキーをします。</a:t>
+            </a:r>
+            <a:endParaRPr lang="zh-TW" altLang="en-US" sz="2200" dirty="0"/>
+          </a:p>
+          <a:p>
+            <a:pPr lvl="1">
+              <a:buFont typeface="Arial"/>
+            </a:pPr>
+            <a:r>
+              <a:rPr lang="zh-TW" altLang="en-US" sz="2200"/>
+              <a:t>母と一緒に公園を散歩しました。</a:t>
+            </a:r>
+            <a:endParaRPr lang="zh-TW" altLang="en-US" sz="2200" dirty="0"/>
+          </a:p>
+          <a:p>
+            <a:pPr lvl="1"/>
+            <a:endParaRPr lang="zh-TW" altLang="en-US" sz="2600"/>
+          </a:p>
+        </p:txBody>
+      </p:sp>
+    </p:spTree>
+    <p:extLst>
+      <p:ext uri="{BB962C8B-B14F-4D97-AF65-F5344CB8AC3E}">
+        <p14:creationId xmlns:p14="http://schemas.microsoft.com/office/powerpoint/2010/main" val="3249238018"/>
+      </p:ext>
+    </p:extLst>
+  </p:cSld>
+  <p:clrMapOvr>
+    <a:masterClrMapping/>
+  </p:clrMapOvr>
+</p:sld>
+</file>
+
+<file path=ppt/slides/slide16.xml><?xml version="1.0" encoding="utf-8"?>
+<p:sld xmlns:a="http://schemas.openxmlformats.org/drawingml/2006/main" xmlns:r="http://schemas.openxmlformats.org/officeDocument/2006/relationships" xmlns:p="http://schemas.openxmlformats.org/presentationml/2006/main">
+  <p:cSld>
+    <p:spTree>
+      <p:nvGrpSpPr>
+        <p:cNvPr id="1" name=""/>
+        <p:cNvGrpSpPr/>
+        <p:nvPr/>
+      </p:nvGrpSpPr>
+      <p:grpSpPr>
+        <a:xfrm>
+          <a:off x="0" y="0"/>
+          <a:ext cx="0" cy="0"/>
+          <a:chOff x="0" y="0"/>
+          <a:chExt cx="0" cy="0"/>
+        </a:xfrm>
+      </p:grpSpPr>
+      <p:sp>
+        <p:nvSpPr>
+          <p:cNvPr id="10" name="內容版面配置區 2">
+            <a:extLst>
+              <a:ext uri="{FF2B5EF4-FFF2-40B4-BE49-F238E27FC236}">
+                <a16:creationId xmlns:a16="http://schemas.microsoft.com/office/drawing/2014/main" id="{84288266-7418-F062-C7F6-61460431B37A}"/>
+              </a:ext>
+            </a:extLst>
+          </p:cNvPr>
+          <p:cNvSpPr>
+            <a:spLocks noGrp="1"/>
+          </p:cNvSpPr>
+          <p:nvPr>
+            <p:ph idx="1"/>
+          </p:nvPr>
+        </p:nvSpPr>
+        <p:spPr>
+          <a:xfrm>
+            <a:off x="838200" y="1929384"/>
+            <a:ext cx="10515600" cy="4654526"/>
+          </a:xfrm>
+        </p:spPr>
+        <p:txBody>
+          <a:bodyPr vert="horz" lIns="91440" tIns="45720" rIns="91440" bIns="45720" rtlCol="0" anchor="t">
+            <a:normAutofit/>
+          </a:bodyPr>
+          <a:lstStyle/>
+          <a:p>
+            <a:r>
+              <a:rPr lang="zh-TW" altLang="en-US"/>
+              <a:t>動詞＋</a:t>
+            </a:r>
+            <a:r>
+              <a:rPr lang="zh-TW" altLang="en-US">
+                <a:solidFill>
+                  <a:srgbClr val="FF0000"/>
+                </a:solidFill>
+              </a:rPr>
+              <a:t>ませんか</a:t>
+            </a:r>
+            <a:r>
+              <a:rPr lang="zh-TW" altLang="en-US"/>
+              <a:t>（邀請、邀約、勸誘）</a:t>
+            </a:r>
+            <a:endParaRPr lang="zh-TW" altLang="en-US" dirty="0"/>
+          </a:p>
+          <a:p>
+            <a:endParaRPr lang="zh-TW" altLang="en-US" sz="2200" dirty="0"/>
+          </a:p>
+          <a:p>
+            <a:r>
+              <a:rPr lang="zh-TW" altLang="en-US" sz="2200"/>
+              <a:t>一緒に映画を見</a:t>
+            </a:r>
+            <a:r>
+              <a:rPr lang="zh-TW" altLang="en-US" sz="2200">
+                <a:solidFill>
+                  <a:srgbClr val="FF0000"/>
+                </a:solidFill>
+              </a:rPr>
+              <a:t>ませんか</a:t>
+            </a:r>
+            <a:r>
+              <a:rPr lang="zh-TW" altLang="en-US" sz="2200"/>
+              <a:t>。</a:t>
+            </a:r>
+            <a:endParaRPr lang="zh-TW" altLang="en-US" sz="2200" dirty="0"/>
+          </a:p>
+          <a:p>
+            <a:r>
+              <a:rPr lang="zh-TW" altLang="en-US" sz="2200"/>
+              <a:t>一緒に映画を見ないか。（男用）</a:t>
+            </a:r>
+            <a:endParaRPr lang="zh-TW" altLang="en-US" sz="2200" dirty="0"/>
+          </a:p>
+          <a:p>
+            <a:r>
+              <a:rPr lang="zh-TW" altLang="en-US" sz="2200"/>
+              <a:t>一緒に映画を見ない？</a:t>
+            </a:r>
+            <a:endParaRPr lang="zh-TW" altLang="en-US" sz="2200" dirty="0"/>
+          </a:p>
+          <a:p>
+            <a:r>
+              <a:rPr lang="zh-TW" altLang="en-US" sz="2200"/>
+              <a:t>この週末、食事に行き</a:t>
+            </a:r>
+            <a:r>
+              <a:rPr lang="zh-TW" altLang="en-US" sz="2200">
+                <a:solidFill>
+                  <a:srgbClr val="FF0000"/>
+                </a:solidFill>
+              </a:rPr>
+              <a:t>ませんか</a:t>
+            </a:r>
+            <a:r>
+              <a:rPr lang="zh-TW" altLang="en-US" sz="2200"/>
+              <a:t>。</a:t>
+            </a:r>
+            <a:endParaRPr lang="zh-TW" altLang="en-US" sz="2200" dirty="0"/>
+          </a:p>
+          <a:p>
+            <a:r>
+              <a:rPr lang="zh-TW" altLang="en-US" sz="2200"/>
+              <a:t>この週末、食事に行きましょう。</a:t>
+            </a:r>
+            <a:endParaRPr lang="zh-TW" altLang="en-US" sz="2200" dirty="0"/>
+          </a:p>
+          <a:p>
+            <a:r>
+              <a:rPr lang="zh-TW" altLang="en-US" sz="2200"/>
+              <a:t>時間ですね。じゃ、十分休み</a:t>
+            </a:r>
+            <a:r>
+              <a:rPr lang="zh-TW" altLang="en-US" sz="2200">
+                <a:solidFill>
+                  <a:srgbClr val="FF0000"/>
+                </a:solidFill>
+              </a:rPr>
+              <a:t>ませんか</a:t>
+            </a:r>
+            <a:r>
+              <a:rPr lang="zh-TW" altLang="en-US" sz="2200"/>
+              <a:t>。</a:t>
+            </a:r>
+            <a:endParaRPr lang="zh-TW" altLang="en-US" sz="2200" dirty="0"/>
+          </a:p>
+          <a:p>
+            <a:r>
+              <a:rPr lang="zh-TW" altLang="en-US" sz="2200"/>
+              <a:t>時間ですね。じゃ、十分休みましょう。</a:t>
+            </a:r>
+            <a:endParaRPr lang="zh-TW" altLang="en-US" sz="2600" dirty="0"/>
+          </a:p>
+          <a:p>
+            <a:endParaRPr lang="zh-TW" altLang="en-US" dirty="0"/>
+          </a:p>
+        </p:txBody>
+      </p:sp>
+      <p:sp>
+        <p:nvSpPr>
+          <p:cNvPr id="2" name="標題 1">
+            <a:extLst>
+              <a:ext uri="{FF2B5EF4-FFF2-40B4-BE49-F238E27FC236}">
+                <a16:creationId xmlns:a16="http://schemas.microsoft.com/office/drawing/2014/main" id="{37A17A5C-282D-9A06-2BB9-7608E2DA7C30}"/>
+              </a:ext>
+            </a:extLst>
+          </p:cNvPr>
+          <p:cNvSpPr>
+            <a:spLocks noGrp="1"/>
+          </p:cNvSpPr>
+          <p:nvPr>
+            <p:ph type="title"/>
+          </p:nvPr>
+        </p:nvSpPr>
+        <p:spPr>
+          <a:xfrm>
+            <a:off x="838200" y="365125"/>
+            <a:ext cx="10903788" cy="1339940"/>
+          </a:xfrm>
+        </p:spPr>
+        <p:txBody>
+          <a:bodyPr>
+            <a:noAutofit/>
+          </a:bodyPr>
+          <a:lstStyle/>
+          <a:p>
+            <a:r>
+              <a:rPr lang="zh-TW" altLang="en-US" sz="3600"/>
+              <a:t>〜ませんか（邀請）</a:t>
+            </a:r>
+          </a:p>
+        </p:txBody>
+      </p:sp>
+      <p:sp>
+        <p:nvSpPr>
+          <p:cNvPr id="6" name="內容版面配置區 2">
+            <a:extLst>
+              <a:ext uri="{FF2B5EF4-FFF2-40B4-BE49-F238E27FC236}">
+                <a16:creationId xmlns:a16="http://schemas.microsoft.com/office/drawing/2014/main" id="{48C6A82B-2859-6441-1E05-E4BBBEF4F87D}"/>
+              </a:ext>
+            </a:extLst>
+          </p:cNvPr>
+          <p:cNvSpPr txBox="1">
+            <a:spLocks/>
+          </p:cNvSpPr>
+          <p:nvPr/>
+        </p:nvSpPr>
+        <p:spPr>
+          <a:xfrm>
+            <a:off x="5536789" y="3079884"/>
+            <a:ext cx="6852492" cy="2819768"/>
+          </a:xfrm>
+          <a:prstGeom prst="rect">
+            <a:avLst/>
+          </a:prstGeom>
+        </p:spPr>
+        <p:txBody>
+          <a:bodyPr vert="horz" lIns="91440" tIns="45720" rIns="91440" bIns="45720" rtlCol="0" anchor="t">
+            <a:noAutofit/>
+          </a:bodyPr>
+          <a:lstStyle>
+            <a:lvl1pPr marL="228600" indent="-228600" algn="l" defTabSz="914400" rtl="0" eaLnBrk="1" latinLnBrk="0" hangingPunct="1">
+              <a:lnSpc>
+                <a:spcPct val="110000"/>
+              </a:lnSpc>
+              <a:spcBef>
+                <a:spcPts val="1000"/>
+              </a:spcBef>
+              <a:buFont typeface="Arial" panose="020B0604020202020204" pitchFamily="34" charset="0"/>
+              <a:buChar char="•"/>
+              <a:defRPr sz="2800" kern="1200">
+                <a:solidFill>
+                  <a:schemeClr val="tx1"/>
+                </a:solidFill>
+                <a:latin typeface="+mn-lt"/>
+                <a:ea typeface="+mn-ea"/>
+                <a:cs typeface="+mn-cs"/>
+              </a:defRPr>
+            </a:lvl1pPr>
+            <a:lvl2pPr marL="685800" indent="-228600" algn="l" defTabSz="914400" rtl="0" eaLnBrk="1" latinLnBrk="0" hangingPunct="1">
+              <a:lnSpc>
+                <a:spcPct val="110000"/>
+              </a:lnSpc>
+              <a:spcBef>
+                <a:spcPts val="500"/>
+              </a:spcBef>
+              <a:buFont typeface="Arial" panose="020B0604020202020204" pitchFamily="34" charset="0"/>
+              <a:buChar char="•"/>
+              <a:defRPr sz="2400" kern="1200">
+                <a:solidFill>
+                  <a:schemeClr val="tx1"/>
+                </a:solidFill>
+                <a:latin typeface="+mn-lt"/>
+                <a:ea typeface="+mn-ea"/>
+                <a:cs typeface="+mn-cs"/>
+              </a:defRPr>
+            </a:lvl2pPr>
+            <a:lvl3pPr marL="1143000" indent="-228600" algn="l" defTabSz="914400" rtl="0" eaLnBrk="1" latinLnBrk="0" hangingPunct="1">
+              <a:lnSpc>
+                <a:spcPct val="110000"/>
+              </a:lnSpc>
+              <a:spcBef>
+                <a:spcPts val="500"/>
+              </a:spcBef>
+              <a:buFont typeface="Arial" panose="020B0604020202020204" pitchFamily="34" charset="0"/>
+              <a:buChar char="•"/>
+              <a:defRPr sz="2000" kern="1200">
+                <a:solidFill>
+                  <a:schemeClr val="tx1"/>
+                </a:solidFill>
+                <a:latin typeface="+mn-lt"/>
+                <a:ea typeface="+mn-ea"/>
+                <a:cs typeface="+mn-cs"/>
+              </a:defRPr>
+            </a:lvl3pPr>
+            <a:lvl4pPr marL="1600200" indent="-228600" algn="l" defTabSz="914400" rtl="0" eaLnBrk="1" latinLnBrk="0" hangingPunct="1">
+              <a:lnSpc>
+                <a:spcPct val="110000"/>
+              </a:lnSpc>
+              <a:spcBef>
+                <a:spcPts val="500"/>
+              </a:spcBef>
+              <a:buFont typeface="Arial" panose="020B0604020202020204" pitchFamily="34" charset="0"/>
+              <a:buChar char="•"/>
+              <a:defRPr sz="1800" kern="1200">
+                <a:solidFill>
+                  <a:schemeClr val="tx1"/>
+                </a:solidFill>
+                <a:latin typeface="+mn-lt"/>
+                <a:ea typeface="+mn-ea"/>
+                <a:cs typeface="+mn-cs"/>
+              </a:defRPr>
+            </a:lvl4pPr>
+            <a:lvl5pPr marL="2057400" indent="-228600" algn="l" defTabSz="914400" rtl="0" eaLnBrk="1" latinLnBrk="0" hangingPunct="1">
+              <a:lnSpc>
+                <a:spcPct val="110000"/>
+              </a:lnSpc>
+              <a:spcBef>
+                <a:spcPts val="500"/>
+              </a:spcBef>
+              <a:buFont typeface="Arial" panose="020B0604020202020204" pitchFamily="34" charset="0"/>
+              <a:buChar char="•"/>
+              <a:defRPr sz="1800" kern="1200">
+                <a:solidFill>
+                  <a:schemeClr val="tx1"/>
+                </a:solidFill>
+                <a:latin typeface="+mn-lt"/>
+                <a:ea typeface="+mn-ea"/>
+                <a:cs typeface="+mn-cs"/>
+              </a:defRPr>
+            </a:lvl5pPr>
+            <a:lvl6pPr marL="2514600" indent="-228600" algn="l" defTabSz="914400" rtl="0" eaLnBrk="1" latinLnBrk="0" hangingPunct="1">
+              <a:lnSpc>
+                <a:spcPct val="90000"/>
+              </a:lnSpc>
+              <a:spcBef>
+                <a:spcPts val="500"/>
+              </a:spcBef>
+              <a:buFont typeface="Arial" panose="020B0604020202020204" pitchFamily="34" charset="0"/>
+              <a:buChar char="•"/>
+              <a:defRPr sz="1800" kern="1200">
+                <a:solidFill>
+                  <a:schemeClr val="tx1"/>
+                </a:solidFill>
+                <a:latin typeface="+mn-lt"/>
+                <a:ea typeface="+mn-ea"/>
+                <a:cs typeface="+mn-cs"/>
+              </a:defRPr>
+            </a:lvl6pPr>
+            <a:lvl7pPr marL="2971800" indent="-228600" algn="l" defTabSz="914400" rtl="0" eaLnBrk="1" latinLnBrk="0" hangingPunct="1">
+              <a:lnSpc>
+                <a:spcPct val="90000"/>
+              </a:lnSpc>
+              <a:spcBef>
+                <a:spcPts val="500"/>
+              </a:spcBef>
+              <a:buFont typeface="Arial" panose="020B0604020202020204" pitchFamily="34" charset="0"/>
+              <a:buChar char="•"/>
+              <a:defRPr sz="1800" kern="1200">
+                <a:solidFill>
+                  <a:schemeClr val="tx1"/>
+                </a:solidFill>
+                <a:latin typeface="+mn-lt"/>
+                <a:ea typeface="+mn-ea"/>
+                <a:cs typeface="+mn-cs"/>
+              </a:defRPr>
+            </a:lvl7pPr>
+            <a:lvl8pPr marL="3429000" indent="-228600" algn="l" defTabSz="914400" rtl="0" eaLnBrk="1" latinLnBrk="0" hangingPunct="1">
+              <a:lnSpc>
+                <a:spcPct val="90000"/>
+              </a:lnSpc>
+              <a:spcBef>
+                <a:spcPts val="500"/>
+              </a:spcBef>
+              <a:buFont typeface="Arial" panose="020B0604020202020204" pitchFamily="34" charset="0"/>
+              <a:buChar char="•"/>
+              <a:defRPr sz="1800" kern="1200">
+                <a:solidFill>
+                  <a:schemeClr val="tx1"/>
+                </a:solidFill>
+                <a:latin typeface="+mn-lt"/>
+                <a:ea typeface="+mn-ea"/>
+                <a:cs typeface="+mn-cs"/>
+              </a:defRPr>
+            </a:lvl8pPr>
+            <a:lvl9pPr marL="3886200" indent="-228600" algn="l" defTabSz="914400" rtl="0" eaLnBrk="1" latinLnBrk="0" hangingPunct="1">
+              <a:lnSpc>
+                <a:spcPct val="90000"/>
+              </a:lnSpc>
+              <a:spcBef>
+                <a:spcPts val="500"/>
+              </a:spcBef>
+              <a:buFont typeface="Arial" panose="020B0604020202020204" pitchFamily="34" charset="0"/>
+              <a:buChar char="•"/>
+              <a:defRPr sz="1800" kern="1200">
+                <a:solidFill>
+                  <a:schemeClr val="tx1"/>
+                </a:solidFill>
+                <a:latin typeface="+mn-lt"/>
+                <a:ea typeface="+mn-ea"/>
+                <a:cs typeface="+mn-cs"/>
+              </a:defRPr>
+            </a:lvl9pPr>
+          </a:lstStyle>
+          <a:p>
+            <a:r>
+              <a:rPr lang="zh-TW" altLang="en-US" sz="2600"/>
+              <a:t>例文</a:t>
+            </a:r>
+          </a:p>
+          <a:p>
+            <a:pPr lvl="1">
+              <a:buFont typeface="Arial"/>
+            </a:pPr>
+            <a:r>
+              <a:rPr lang="zh-TW" altLang="en-US" sz="2200"/>
+              <a:t>一緒に映画を見ませんか。</a:t>
+            </a:r>
+            <a:endParaRPr lang="zh-TW" altLang="en-US" sz="2200" dirty="0"/>
+          </a:p>
+          <a:p>
+            <a:pPr lvl="1">
+              <a:buFont typeface="Arial"/>
+            </a:pPr>
+            <a:r>
+              <a:rPr lang="zh-TW" altLang="en-US" sz="2200"/>
+              <a:t>昼ご飯を食べに行きませんか。</a:t>
+            </a:r>
+            <a:endParaRPr lang="zh-TW" altLang="en-US" sz="2200" dirty="0"/>
+          </a:p>
+          <a:p>
+            <a:pPr lvl="1">
+              <a:buFont typeface="Arial"/>
+            </a:pPr>
+            <a:r>
+              <a:rPr lang="zh-TW" altLang="en-US" sz="2200"/>
+              <a:t>今晩、一杯飲みませんか。</a:t>
+            </a:r>
+            <a:endParaRPr lang="zh-TW" altLang="en-US" sz="2200" dirty="0"/>
+          </a:p>
+          <a:p>
+            <a:pPr lvl="1">
+              <a:buFont typeface="Arial"/>
+            </a:pPr>
+            <a:r>
+              <a:rPr lang="zh-TW" altLang="en-US" sz="2200"/>
+              <a:t>疲れましたね。ちょっと休みませんか。</a:t>
+            </a:r>
+            <a:endParaRPr lang="zh-TW" altLang="en-US" sz="2200" dirty="0"/>
+          </a:p>
+          <a:p>
+            <a:pPr lvl="1"/>
+            <a:endParaRPr lang="zh-TW" altLang="en-US" sz="2600"/>
+          </a:p>
+        </p:txBody>
+      </p:sp>
+    </p:spTree>
+    <p:extLst>
+      <p:ext uri="{BB962C8B-B14F-4D97-AF65-F5344CB8AC3E}">
+        <p14:creationId xmlns:p14="http://schemas.microsoft.com/office/powerpoint/2010/main" val="3913876290"/>
+      </p:ext>
+    </p:extLst>
+  </p:cSld>
+  <p:clrMapOvr>
+    <a:masterClrMapping/>
+  </p:clrMapOvr>
+</p:sld>
+</file>
+
+<file path=ppt/slides/slide17.xml><?xml version="1.0" encoding="utf-8"?>
+<p:sld xmlns:a="http://schemas.openxmlformats.org/drawingml/2006/main" xmlns:r="http://schemas.openxmlformats.org/officeDocument/2006/relationships" xmlns:p="http://schemas.openxmlformats.org/presentationml/2006/main">
+  <p:cSld>
+    <p:spTree>
+      <p:nvGrpSpPr>
+        <p:cNvPr id="1" name=""/>
+        <p:cNvGrpSpPr/>
+        <p:nvPr/>
+      </p:nvGrpSpPr>
+      <p:grpSpPr>
+        <a:xfrm>
+          <a:off x="0" y="0"/>
+          <a:ext cx="0" cy="0"/>
+          <a:chOff x="0" y="0"/>
+          <a:chExt cx="0" cy="0"/>
+        </a:xfrm>
+      </p:grpSpPr>
+      <p:sp>
+        <p:nvSpPr>
+          <p:cNvPr id="10" name="內容版面配置區 2">
+            <a:extLst>
+              <a:ext uri="{FF2B5EF4-FFF2-40B4-BE49-F238E27FC236}">
+                <a16:creationId xmlns:a16="http://schemas.microsoft.com/office/drawing/2014/main" id="{84288266-7418-F062-C7F6-61460431B37A}"/>
+              </a:ext>
+            </a:extLst>
+          </p:cNvPr>
+          <p:cNvSpPr>
+            <a:spLocks noGrp="1"/>
+          </p:cNvSpPr>
+          <p:nvPr>
+            <p:ph idx="1"/>
+          </p:nvPr>
+        </p:nvSpPr>
+        <p:spPr>
+          <a:xfrm>
+            <a:off x="838200" y="1929384"/>
+            <a:ext cx="10515600" cy="4654526"/>
+          </a:xfrm>
+        </p:spPr>
+        <p:txBody>
+          <a:bodyPr vert="horz" lIns="91440" tIns="45720" rIns="91440" bIns="45720" rtlCol="0" anchor="t">
+            <a:normAutofit/>
+          </a:bodyPr>
+          <a:lstStyle/>
+          <a:p>
+            <a:r>
+              <a:rPr lang="zh-TW" altLang="en-US"/>
+              <a:t>い形容詞＋</a:t>
+            </a:r>
+            <a:r>
+              <a:rPr lang="zh-TW" altLang="en-US">
+                <a:solidFill>
+                  <a:srgbClr val="FF0000"/>
+                </a:solidFill>
+              </a:rPr>
+              <a:t>くなります</a:t>
+            </a:r>
+            <a:endParaRPr lang="zh-TW" altLang="en-US" dirty="0">
+              <a:solidFill>
+                <a:srgbClr val="FF0000"/>
+              </a:solidFill>
+            </a:endParaRPr>
+          </a:p>
+          <a:p>
+            <a:r>
+              <a:rPr lang="zh-TW" altLang="en-US"/>
+              <a:t>な形容詞＋</a:t>
+            </a:r>
+            <a:r>
+              <a:rPr lang="zh-TW" altLang="en-US">
+                <a:solidFill>
+                  <a:srgbClr val="FF0000"/>
+                </a:solidFill>
+              </a:rPr>
+              <a:t>になります</a:t>
+            </a:r>
+          </a:p>
+          <a:p>
+            <a:r>
+              <a:rPr lang="zh-TW" altLang="en-US"/>
+              <a:t>名詞＋</a:t>
+            </a:r>
+            <a:r>
+              <a:rPr lang="zh-TW" altLang="en-US">
+                <a:solidFill>
+                  <a:srgbClr val="FF0000"/>
+                </a:solidFill>
+              </a:rPr>
+              <a:t>になります</a:t>
+            </a:r>
+          </a:p>
+          <a:p>
+            <a:endParaRPr lang="zh-TW" altLang="en-US" dirty="0"/>
+          </a:p>
+          <a:p>
+            <a:r>
+              <a:rPr lang="zh-TW" altLang="en-US"/>
+              <a:t>10時</a:t>
+            </a:r>
+            <a:r>
+              <a:rPr lang="zh-TW" altLang="en-US">
+                <a:solidFill>
+                  <a:srgbClr val="FF0000"/>
+                </a:solidFill>
+              </a:rPr>
+              <a:t>になりました</a:t>
+            </a:r>
+            <a:r>
+              <a:rPr lang="zh-TW" altLang="en-US"/>
+              <a:t>。</a:t>
+            </a:r>
+            <a:endParaRPr lang="zh-TW" altLang="en-US" dirty="0"/>
+          </a:p>
+          <a:p>
+            <a:r>
+              <a:rPr lang="zh-TW" altLang="en-US"/>
+              <a:t>春</a:t>
+            </a:r>
+            <a:r>
+              <a:rPr lang="zh-TW" altLang="en-US">
+                <a:solidFill>
+                  <a:srgbClr val="FF0000"/>
+                </a:solidFill>
+              </a:rPr>
+              <a:t>になりました</a:t>
+            </a:r>
+            <a:r>
+              <a:rPr lang="zh-TW" altLang="en-US"/>
+              <a:t>。</a:t>
+            </a:r>
+            <a:endParaRPr lang="zh-TW" altLang="en-US" dirty="0"/>
+          </a:p>
+          <a:p>
+            <a:r>
+              <a:rPr lang="zh-TW" altLang="en-US"/>
+              <a:t>来月18歳</a:t>
+            </a:r>
+            <a:r>
+              <a:rPr lang="zh-TW" altLang="en-US">
+                <a:solidFill>
+                  <a:srgbClr val="FF0000"/>
+                </a:solidFill>
+              </a:rPr>
+              <a:t>になります</a:t>
+            </a:r>
+            <a:r>
+              <a:rPr lang="zh-TW" altLang="en-US"/>
+              <a:t>。</a:t>
+            </a:r>
+            <a:endParaRPr lang="zh-TW" altLang="en-US" dirty="0"/>
+          </a:p>
+          <a:p>
+            <a:endParaRPr lang="zh-TW" altLang="en-US" sz="2600" dirty="0"/>
+          </a:p>
+        </p:txBody>
+      </p:sp>
+      <p:sp>
+        <p:nvSpPr>
+          <p:cNvPr id="2" name="標題 1">
+            <a:extLst>
+              <a:ext uri="{FF2B5EF4-FFF2-40B4-BE49-F238E27FC236}">
+                <a16:creationId xmlns:a16="http://schemas.microsoft.com/office/drawing/2014/main" id="{37A17A5C-282D-9A06-2BB9-7608E2DA7C30}"/>
+              </a:ext>
+            </a:extLst>
+          </p:cNvPr>
+          <p:cNvSpPr>
+            <a:spLocks noGrp="1"/>
+          </p:cNvSpPr>
+          <p:nvPr>
+            <p:ph type="title"/>
+          </p:nvPr>
+        </p:nvSpPr>
+        <p:spPr>
+          <a:xfrm>
+            <a:off x="838200" y="365125"/>
+            <a:ext cx="10903788" cy="1339940"/>
+          </a:xfrm>
+        </p:spPr>
+        <p:txBody>
+          <a:bodyPr>
+            <a:noAutofit/>
+          </a:bodyPr>
+          <a:lstStyle/>
+          <a:p>
+            <a:r>
+              <a:rPr lang="zh-TW" altLang="en-US" sz="3600"/>
+              <a:t>〜くなります、になります（變得～、變成～）</a:t>
+            </a:r>
+          </a:p>
+        </p:txBody>
+      </p:sp>
+      <p:sp>
+        <p:nvSpPr>
+          <p:cNvPr id="6" name="內容版面配置區 2">
+            <a:extLst>
+              <a:ext uri="{FF2B5EF4-FFF2-40B4-BE49-F238E27FC236}">
+                <a16:creationId xmlns:a16="http://schemas.microsoft.com/office/drawing/2014/main" id="{48C6A82B-2859-6441-1E05-E4BBBEF4F87D}"/>
+              </a:ext>
+            </a:extLst>
+          </p:cNvPr>
+          <p:cNvSpPr txBox="1">
+            <a:spLocks/>
+          </p:cNvSpPr>
+          <p:nvPr/>
+        </p:nvSpPr>
+        <p:spPr>
+          <a:xfrm>
+            <a:off x="5536789" y="3079884"/>
+            <a:ext cx="6852492" cy="2819768"/>
+          </a:xfrm>
+          <a:prstGeom prst="rect">
+            <a:avLst/>
+          </a:prstGeom>
+        </p:spPr>
+        <p:txBody>
+          <a:bodyPr vert="horz" lIns="91440" tIns="45720" rIns="91440" bIns="45720" rtlCol="0" anchor="t">
+            <a:noAutofit/>
+          </a:bodyPr>
+          <a:lstStyle>
+            <a:lvl1pPr marL="228600" indent="-228600" algn="l" defTabSz="914400" rtl="0" eaLnBrk="1" latinLnBrk="0" hangingPunct="1">
+              <a:lnSpc>
+                <a:spcPct val="110000"/>
+              </a:lnSpc>
+              <a:spcBef>
+                <a:spcPts val="1000"/>
+              </a:spcBef>
+              <a:buFont typeface="Arial" panose="020B0604020202020204" pitchFamily="34" charset="0"/>
+              <a:buChar char="•"/>
+              <a:defRPr sz="2800" kern="1200">
+                <a:solidFill>
+                  <a:schemeClr val="tx1"/>
+                </a:solidFill>
+                <a:latin typeface="+mn-lt"/>
+                <a:ea typeface="+mn-ea"/>
+                <a:cs typeface="+mn-cs"/>
+              </a:defRPr>
+            </a:lvl1pPr>
+            <a:lvl2pPr marL="685800" indent="-228600" algn="l" defTabSz="914400" rtl="0" eaLnBrk="1" latinLnBrk="0" hangingPunct="1">
+              <a:lnSpc>
+                <a:spcPct val="110000"/>
+              </a:lnSpc>
+              <a:spcBef>
+                <a:spcPts val="500"/>
+              </a:spcBef>
+              <a:buFont typeface="Arial" panose="020B0604020202020204" pitchFamily="34" charset="0"/>
+              <a:buChar char="•"/>
+              <a:defRPr sz="2400" kern="1200">
+                <a:solidFill>
+                  <a:schemeClr val="tx1"/>
+                </a:solidFill>
+                <a:latin typeface="+mn-lt"/>
+                <a:ea typeface="+mn-ea"/>
+                <a:cs typeface="+mn-cs"/>
+              </a:defRPr>
+            </a:lvl2pPr>
+            <a:lvl3pPr marL="1143000" indent="-228600" algn="l" defTabSz="914400" rtl="0" eaLnBrk="1" latinLnBrk="0" hangingPunct="1">
+              <a:lnSpc>
+                <a:spcPct val="110000"/>
+              </a:lnSpc>
+              <a:spcBef>
+                <a:spcPts val="500"/>
+              </a:spcBef>
+              <a:buFont typeface="Arial" panose="020B0604020202020204" pitchFamily="34" charset="0"/>
+              <a:buChar char="•"/>
+              <a:defRPr sz="2000" kern="1200">
+                <a:solidFill>
+                  <a:schemeClr val="tx1"/>
+                </a:solidFill>
+                <a:latin typeface="+mn-lt"/>
+                <a:ea typeface="+mn-ea"/>
+                <a:cs typeface="+mn-cs"/>
+              </a:defRPr>
+            </a:lvl3pPr>
+            <a:lvl4pPr marL="1600200" indent="-228600" algn="l" defTabSz="914400" rtl="0" eaLnBrk="1" latinLnBrk="0" hangingPunct="1">
+              <a:lnSpc>
+                <a:spcPct val="110000"/>
+              </a:lnSpc>
+              <a:spcBef>
+                <a:spcPts val="500"/>
+              </a:spcBef>
+              <a:buFont typeface="Arial" panose="020B0604020202020204" pitchFamily="34" charset="0"/>
+              <a:buChar char="•"/>
+              <a:defRPr sz="1800" kern="1200">
+                <a:solidFill>
+                  <a:schemeClr val="tx1"/>
+                </a:solidFill>
+                <a:latin typeface="+mn-lt"/>
+                <a:ea typeface="+mn-ea"/>
+                <a:cs typeface="+mn-cs"/>
+              </a:defRPr>
+            </a:lvl4pPr>
+            <a:lvl5pPr marL="2057400" indent="-228600" algn="l" defTabSz="914400" rtl="0" eaLnBrk="1" latinLnBrk="0" hangingPunct="1">
+              <a:lnSpc>
+                <a:spcPct val="110000"/>
+              </a:lnSpc>
+              <a:spcBef>
+                <a:spcPts val="500"/>
+              </a:spcBef>
+              <a:buFont typeface="Arial" panose="020B0604020202020204" pitchFamily="34" charset="0"/>
+              <a:buChar char="•"/>
+              <a:defRPr sz="1800" kern="1200">
+                <a:solidFill>
+                  <a:schemeClr val="tx1"/>
+                </a:solidFill>
+                <a:latin typeface="+mn-lt"/>
+                <a:ea typeface="+mn-ea"/>
+                <a:cs typeface="+mn-cs"/>
+              </a:defRPr>
+            </a:lvl5pPr>
+            <a:lvl6pPr marL="2514600" indent="-228600" algn="l" defTabSz="914400" rtl="0" eaLnBrk="1" latinLnBrk="0" hangingPunct="1">
+              <a:lnSpc>
+                <a:spcPct val="90000"/>
+              </a:lnSpc>
+              <a:spcBef>
+                <a:spcPts val="500"/>
+              </a:spcBef>
+              <a:buFont typeface="Arial" panose="020B0604020202020204" pitchFamily="34" charset="0"/>
+              <a:buChar char="•"/>
+              <a:defRPr sz="1800" kern="1200">
+                <a:solidFill>
+                  <a:schemeClr val="tx1"/>
+                </a:solidFill>
+                <a:latin typeface="+mn-lt"/>
+                <a:ea typeface="+mn-ea"/>
+                <a:cs typeface="+mn-cs"/>
+              </a:defRPr>
+            </a:lvl6pPr>
+            <a:lvl7pPr marL="2971800" indent="-228600" algn="l" defTabSz="914400" rtl="0" eaLnBrk="1" latinLnBrk="0" hangingPunct="1">
+              <a:lnSpc>
+                <a:spcPct val="90000"/>
+              </a:lnSpc>
+              <a:spcBef>
+                <a:spcPts val="500"/>
+              </a:spcBef>
+              <a:buFont typeface="Arial" panose="020B0604020202020204" pitchFamily="34" charset="0"/>
+              <a:buChar char="•"/>
+              <a:defRPr sz="1800" kern="1200">
+                <a:solidFill>
+                  <a:schemeClr val="tx1"/>
+                </a:solidFill>
+                <a:latin typeface="+mn-lt"/>
+                <a:ea typeface="+mn-ea"/>
+                <a:cs typeface="+mn-cs"/>
+              </a:defRPr>
+            </a:lvl7pPr>
+            <a:lvl8pPr marL="3429000" indent="-228600" algn="l" defTabSz="914400" rtl="0" eaLnBrk="1" latinLnBrk="0" hangingPunct="1">
+              <a:lnSpc>
+                <a:spcPct val="90000"/>
+              </a:lnSpc>
+              <a:spcBef>
+                <a:spcPts val="500"/>
+              </a:spcBef>
+              <a:buFont typeface="Arial" panose="020B0604020202020204" pitchFamily="34" charset="0"/>
+              <a:buChar char="•"/>
+              <a:defRPr sz="1800" kern="1200">
+                <a:solidFill>
+                  <a:schemeClr val="tx1"/>
+                </a:solidFill>
+                <a:latin typeface="+mn-lt"/>
+                <a:ea typeface="+mn-ea"/>
+                <a:cs typeface="+mn-cs"/>
+              </a:defRPr>
+            </a:lvl8pPr>
+            <a:lvl9pPr marL="3886200" indent="-228600" algn="l" defTabSz="914400" rtl="0" eaLnBrk="1" latinLnBrk="0" hangingPunct="1">
+              <a:lnSpc>
+                <a:spcPct val="90000"/>
+              </a:lnSpc>
+              <a:spcBef>
+                <a:spcPts val="500"/>
+              </a:spcBef>
+              <a:buFont typeface="Arial" panose="020B0604020202020204" pitchFamily="34" charset="0"/>
+              <a:buChar char="•"/>
+              <a:defRPr sz="1800" kern="1200">
+                <a:solidFill>
+                  <a:schemeClr val="tx1"/>
+                </a:solidFill>
+                <a:latin typeface="+mn-lt"/>
+                <a:ea typeface="+mn-ea"/>
+                <a:cs typeface="+mn-cs"/>
+              </a:defRPr>
+            </a:lvl9pPr>
+          </a:lstStyle>
+          <a:p>
+            <a:r>
+              <a:rPr lang="zh-TW" altLang="en-US" sz="2600"/>
+              <a:t>例文</a:t>
+            </a:r>
+          </a:p>
+          <a:p>
+            <a:pPr lvl="1">
+              <a:buFont typeface="Arial"/>
+            </a:pPr>
+            <a:r>
+              <a:rPr lang="zh-TW" altLang="en-US" sz="2200"/>
+              <a:t>最近、涼しくなりました。</a:t>
+            </a:r>
+          </a:p>
+          <a:p>
+            <a:pPr lvl="1">
+              <a:buFont typeface="Arial"/>
+            </a:pPr>
+            <a:r>
+              <a:rPr lang="zh-TW" altLang="en-US" sz="2200"/>
+              <a:t>仕事を辞めて、暇になりました。</a:t>
+            </a:r>
+            <a:endParaRPr lang="zh-TW" altLang="en-US" sz="2200" dirty="0"/>
+          </a:p>
+          <a:p>
+            <a:pPr lvl="1">
+              <a:buFont typeface="Arial"/>
+            </a:pPr>
+            <a:r>
+              <a:rPr lang="zh-TW" altLang="en-US" sz="2200"/>
+              <a:t>来年、太郎君は中学生になります。</a:t>
+            </a:r>
+            <a:endParaRPr lang="zh-TW" altLang="en-US" sz="2200" dirty="0"/>
+          </a:p>
+          <a:p>
+            <a:pPr lvl="1">
+              <a:buFont typeface="Arial"/>
+            </a:pPr>
+            <a:r>
+              <a:rPr lang="zh-TW" altLang="en-US" sz="2200"/>
+              <a:t>将来は医者になりたいです。</a:t>
+            </a:r>
+            <a:endParaRPr lang="zh-TW" altLang="en-US" sz="2200" dirty="0"/>
+          </a:p>
+          <a:p>
+            <a:pPr lvl="1"/>
+            <a:endParaRPr lang="zh-TW" altLang="en-US" sz="2600"/>
+          </a:p>
+        </p:txBody>
+      </p:sp>
+    </p:spTree>
+    <p:extLst>
+      <p:ext uri="{BB962C8B-B14F-4D97-AF65-F5344CB8AC3E}">
+        <p14:creationId xmlns:p14="http://schemas.microsoft.com/office/powerpoint/2010/main" val="2933205202"/>
+      </p:ext>
+    </p:extLst>
+  </p:cSld>
+  <p:clrMapOvr>
+    <a:masterClrMapping/>
+  </p:clrMapOvr>
+</p:sld>
+</file>
+
+<file path=ppt/slides/slide18.xml><?xml version="1.0" encoding="utf-8"?>
+<p:sld xmlns:a="http://schemas.openxmlformats.org/drawingml/2006/main" xmlns:r="http://schemas.openxmlformats.org/officeDocument/2006/relationships" xmlns:p="http://schemas.openxmlformats.org/presentationml/2006/main">
+  <p:cSld>
+    <p:spTree>
+      <p:nvGrpSpPr>
+        <p:cNvPr id="1" name=""/>
+        <p:cNvGrpSpPr/>
+        <p:nvPr/>
+      </p:nvGrpSpPr>
+      <p:grpSpPr>
+        <a:xfrm>
+          <a:off x="0" y="0"/>
+          <a:ext cx="0" cy="0"/>
+          <a:chOff x="0" y="0"/>
+          <a:chExt cx="0" cy="0"/>
+        </a:xfrm>
+      </p:grpSpPr>
+      <p:sp>
+        <p:nvSpPr>
+          <p:cNvPr id="10" name="內容版面配置區 2">
+            <a:extLst>
+              <a:ext uri="{FF2B5EF4-FFF2-40B4-BE49-F238E27FC236}">
+                <a16:creationId xmlns:a16="http://schemas.microsoft.com/office/drawing/2014/main" id="{84288266-7418-F062-C7F6-61460431B37A}"/>
+              </a:ext>
+            </a:extLst>
+          </p:cNvPr>
+          <p:cNvSpPr>
+            <a:spLocks noGrp="1"/>
+          </p:cNvSpPr>
+          <p:nvPr>
+            <p:ph idx="1"/>
+          </p:nvPr>
+        </p:nvSpPr>
+        <p:spPr>
+          <a:xfrm>
+            <a:off x="838200" y="1929384"/>
+            <a:ext cx="10515600" cy="4654526"/>
+          </a:xfrm>
+        </p:spPr>
+        <p:txBody>
+          <a:bodyPr vert="horz" lIns="91440" tIns="45720" rIns="91440" bIns="45720" rtlCol="0" anchor="t">
+            <a:normAutofit/>
+          </a:bodyPr>
+          <a:lstStyle/>
+          <a:p>
+            <a:r>
+              <a:rPr lang="zh-TW" altLang="en-US"/>
+              <a:t>い形容詞＋</a:t>
+            </a:r>
+            <a:r>
+              <a:rPr lang="zh-TW" altLang="en-US">
+                <a:solidFill>
+                  <a:srgbClr val="FF0000"/>
+                </a:solidFill>
+              </a:rPr>
+              <a:t>くします</a:t>
+            </a:r>
+            <a:endParaRPr lang="zh-TW" altLang="en-US" dirty="0">
+              <a:solidFill>
+                <a:srgbClr val="FF0000"/>
+              </a:solidFill>
+            </a:endParaRPr>
+          </a:p>
+          <a:p>
+            <a:r>
+              <a:rPr lang="zh-TW" altLang="en-US"/>
+              <a:t>な形容詞＋</a:t>
+            </a:r>
+            <a:r>
+              <a:rPr lang="zh-TW" altLang="en-US">
+                <a:solidFill>
+                  <a:srgbClr val="FF0000"/>
+                </a:solidFill>
+              </a:rPr>
+              <a:t>にします</a:t>
+            </a:r>
+          </a:p>
+          <a:p>
+            <a:r>
+              <a:rPr lang="zh-TW" altLang="en-US"/>
+              <a:t>名詞＋</a:t>
+            </a:r>
+            <a:r>
+              <a:rPr lang="zh-TW" altLang="en-US">
+                <a:solidFill>
+                  <a:srgbClr val="FF0000"/>
+                </a:solidFill>
+              </a:rPr>
+              <a:t>にします</a:t>
+            </a:r>
+          </a:p>
+          <a:p>
+            <a:endParaRPr lang="zh-TW" altLang="en-US" dirty="0"/>
+          </a:p>
+          <a:p>
+            <a:r>
+              <a:rPr lang="zh-TW" altLang="en-US"/>
+              <a:t>ご飯の量を半分</a:t>
+            </a:r>
+            <a:r>
+              <a:rPr lang="zh-TW" altLang="en-US">
+                <a:solidFill>
+                  <a:srgbClr val="FF0000"/>
+                </a:solidFill>
+              </a:rPr>
+              <a:t>にします</a:t>
+            </a:r>
+            <a:r>
+              <a:rPr lang="zh-TW" altLang="en-US"/>
+              <a:t>。</a:t>
+            </a:r>
+            <a:endParaRPr lang="zh-TW" altLang="en-US" dirty="0"/>
+          </a:p>
+          <a:p>
+            <a:r>
+              <a:rPr lang="zh-TW" altLang="en-US"/>
+              <a:t>次の会議は火曜日</a:t>
+            </a:r>
+            <a:r>
+              <a:rPr lang="zh-TW" altLang="en-US">
+                <a:solidFill>
+                  <a:srgbClr val="FF0000"/>
+                </a:solidFill>
+              </a:rPr>
+              <a:t>にします</a:t>
+            </a:r>
+            <a:r>
+              <a:rPr lang="zh-TW" altLang="en-US"/>
+              <a:t>。</a:t>
+            </a:r>
+            <a:endParaRPr lang="zh-TW" altLang="en-US" dirty="0"/>
+          </a:p>
+          <a:p>
+            <a:endParaRPr lang="zh-TW" altLang="en-US" dirty="0"/>
+          </a:p>
+          <a:p>
+            <a:endParaRPr lang="zh-TW" altLang="en-US" sz="2600" dirty="0"/>
+          </a:p>
+        </p:txBody>
+      </p:sp>
+      <p:sp>
+        <p:nvSpPr>
+          <p:cNvPr id="2" name="標題 1">
+            <a:extLst>
+              <a:ext uri="{FF2B5EF4-FFF2-40B4-BE49-F238E27FC236}">
+                <a16:creationId xmlns:a16="http://schemas.microsoft.com/office/drawing/2014/main" id="{37A17A5C-282D-9A06-2BB9-7608E2DA7C30}"/>
+              </a:ext>
+            </a:extLst>
+          </p:cNvPr>
+          <p:cNvSpPr>
+            <a:spLocks noGrp="1"/>
+          </p:cNvSpPr>
+          <p:nvPr>
+            <p:ph type="title"/>
+          </p:nvPr>
+        </p:nvSpPr>
+        <p:spPr>
+          <a:xfrm>
+            <a:off x="838200" y="365125"/>
+            <a:ext cx="11176957" cy="1339940"/>
+          </a:xfrm>
+        </p:spPr>
+        <p:txBody>
+          <a:bodyPr>
+            <a:noAutofit/>
+          </a:bodyPr>
+          <a:lstStyle/>
+          <a:p>
+            <a:r>
+              <a:rPr lang="zh-TW" altLang="en-US" sz="3600"/>
+              <a:t>〜くします、にします（弄成～、作成～、決定要～）</a:t>
+            </a:r>
+          </a:p>
+        </p:txBody>
+      </p:sp>
+      <p:sp>
+        <p:nvSpPr>
+          <p:cNvPr id="6" name="內容版面配置區 2">
+            <a:extLst>
+              <a:ext uri="{FF2B5EF4-FFF2-40B4-BE49-F238E27FC236}">
+                <a16:creationId xmlns:a16="http://schemas.microsoft.com/office/drawing/2014/main" id="{48C6A82B-2859-6441-1E05-E4BBBEF4F87D}"/>
+              </a:ext>
+            </a:extLst>
+          </p:cNvPr>
+          <p:cNvSpPr txBox="1">
+            <a:spLocks/>
+          </p:cNvSpPr>
+          <p:nvPr/>
+        </p:nvSpPr>
+        <p:spPr>
+          <a:xfrm>
+            <a:off x="5536789" y="3079884"/>
+            <a:ext cx="6852492" cy="2819768"/>
+          </a:xfrm>
+          <a:prstGeom prst="rect">
+            <a:avLst/>
+          </a:prstGeom>
+        </p:spPr>
+        <p:txBody>
+          <a:bodyPr vert="horz" lIns="91440" tIns="45720" rIns="91440" bIns="45720" rtlCol="0" anchor="t">
+            <a:noAutofit/>
+          </a:bodyPr>
+          <a:lstStyle>
+            <a:lvl1pPr marL="228600" indent="-228600" algn="l" defTabSz="914400" rtl="0" eaLnBrk="1" latinLnBrk="0" hangingPunct="1">
+              <a:lnSpc>
+                <a:spcPct val="110000"/>
+              </a:lnSpc>
+              <a:spcBef>
+                <a:spcPts val="1000"/>
+              </a:spcBef>
+              <a:buFont typeface="Arial" panose="020B0604020202020204" pitchFamily="34" charset="0"/>
+              <a:buChar char="•"/>
+              <a:defRPr sz="2800" kern="1200">
+                <a:solidFill>
+                  <a:schemeClr val="tx1"/>
+                </a:solidFill>
+                <a:latin typeface="+mn-lt"/>
+                <a:ea typeface="+mn-ea"/>
+                <a:cs typeface="+mn-cs"/>
+              </a:defRPr>
+            </a:lvl1pPr>
+            <a:lvl2pPr marL="685800" indent="-228600" algn="l" defTabSz="914400" rtl="0" eaLnBrk="1" latinLnBrk="0" hangingPunct="1">
+              <a:lnSpc>
+                <a:spcPct val="110000"/>
+              </a:lnSpc>
+              <a:spcBef>
+                <a:spcPts val="500"/>
+              </a:spcBef>
+              <a:buFont typeface="Arial" panose="020B0604020202020204" pitchFamily="34" charset="0"/>
+              <a:buChar char="•"/>
+              <a:defRPr sz="2400" kern="1200">
+                <a:solidFill>
+                  <a:schemeClr val="tx1"/>
+                </a:solidFill>
+                <a:latin typeface="+mn-lt"/>
+                <a:ea typeface="+mn-ea"/>
+                <a:cs typeface="+mn-cs"/>
+              </a:defRPr>
+            </a:lvl2pPr>
+            <a:lvl3pPr marL="1143000" indent="-228600" algn="l" defTabSz="914400" rtl="0" eaLnBrk="1" latinLnBrk="0" hangingPunct="1">
+              <a:lnSpc>
+                <a:spcPct val="110000"/>
+              </a:lnSpc>
+              <a:spcBef>
+                <a:spcPts val="500"/>
+              </a:spcBef>
+              <a:buFont typeface="Arial" panose="020B0604020202020204" pitchFamily="34" charset="0"/>
+              <a:buChar char="•"/>
+              <a:defRPr sz="2000" kern="1200">
+                <a:solidFill>
+                  <a:schemeClr val="tx1"/>
+                </a:solidFill>
+                <a:latin typeface="+mn-lt"/>
+                <a:ea typeface="+mn-ea"/>
+                <a:cs typeface="+mn-cs"/>
+              </a:defRPr>
+            </a:lvl3pPr>
+            <a:lvl4pPr marL="1600200" indent="-228600" algn="l" defTabSz="914400" rtl="0" eaLnBrk="1" latinLnBrk="0" hangingPunct="1">
+              <a:lnSpc>
+                <a:spcPct val="110000"/>
+              </a:lnSpc>
+              <a:spcBef>
+                <a:spcPts val="500"/>
+              </a:spcBef>
+              <a:buFont typeface="Arial" panose="020B0604020202020204" pitchFamily="34" charset="0"/>
+              <a:buChar char="•"/>
+              <a:defRPr sz="1800" kern="1200">
+                <a:solidFill>
+                  <a:schemeClr val="tx1"/>
+                </a:solidFill>
+                <a:latin typeface="+mn-lt"/>
+                <a:ea typeface="+mn-ea"/>
+                <a:cs typeface="+mn-cs"/>
+              </a:defRPr>
+            </a:lvl4pPr>
+            <a:lvl5pPr marL="2057400" indent="-228600" algn="l" defTabSz="914400" rtl="0" eaLnBrk="1" latinLnBrk="0" hangingPunct="1">
+              <a:lnSpc>
+                <a:spcPct val="110000"/>
+              </a:lnSpc>
+              <a:spcBef>
+                <a:spcPts val="500"/>
+              </a:spcBef>
+              <a:buFont typeface="Arial" panose="020B0604020202020204" pitchFamily="34" charset="0"/>
+              <a:buChar char="•"/>
+              <a:defRPr sz="1800" kern="1200">
+                <a:solidFill>
+                  <a:schemeClr val="tx1"/>
+                </a:solidFill>
+                <a:latin typeface="+mn-lt"/>
+                <a:ea typeface="+mn-ea"/>
+                <a:cs typeface="+mn-cs"/>
+              </a:defRPr>
+            </a:lvl5pPr>
+            <a:lvl6pPr marL="2514600" indent="-228600" algn="l" defTabSz="914400" rtl="0" eaLnBrk="1" latinLnBrk="0" hangingPunct="1">
+              <a:lnSpc>
+                <a:spcPct val="90000"/>
+              </a:lnSpc>
+              <a:spcBef>
+                <a:spcPts val="500"/>
+              </a:spcBef>
+              <a:buFont typeface="Arial" panose="020B0604020202020204" pitchFamily="34" charset="0"/>
+              <a:buChar char="•"/>
+              <a:defRPr sz="1800" kern="1200">
+                <a:solidFill>
+                  <a:schemeClr val="tx1"/>
+                </a:solidFill>
+                <a:latin typeface="+mn-lt"/>
+                <a:ea typeface="+mn-ea"/>
+                <a:cs typeface="+mn-cs"/>
+              </a:defRPr>
+            </a:lvl6pPr>
+            <a:lvl7pPr marL="2971800" indent="-228600" algn="l" defTabSz="914400" rtl="0" eaLnBrk="1" latinLnBrk="0" hangingPunct="1">
+              <a:lnSpc>
+                <a:spcPct val="90000"/>
+              </a:lnSpc>
+              <a:spcBef>
+                <a:spcPts val="500"/>
+              </a:spcBef>
+              <a:buFont typeface="Arial" panose="020B0604020202020204" pitchFamily="34" charset="0"/>
+              <a:buChar char="•"/>
+              <a:defRPr sz="1800" kern="1200">
+                <a:solidFill>
+                  <a:schemeClr val="tx1"/>
+                </a:solidFill>
+                <a:latin typeface="+mn-lt"/>
+                <a:ea typeface="+mn-ea"/>
+                <a:cs typeface="+mn-cs"/>
+              </a:defRPr>
+            </a:lvl7pPr>
+            <a:lvl8pPr marL="3429000" indent="-228600" algn="l" defTabSz="914400" rtl="0" eaLnBrk="1" latinLnBrk="0" hangingPunct="1">
+              <a:lnSpc>
+                <a:spcPct val="90000"/>
+              </a:lnSpc>
+              <a:spcBef>
+                <a:spcPts val="500"/>
+              </a:spcBef>
+              <a:buFont typeface="Arial" panose="020B0604020202020204" pitchFamily="34" charset="0"/>
+              <a:buChar char="•"/>
+              <a:defRPr sz="1800" kern="1200">
+                <a:solidFill>
+                  <a:schemeClr val="tx1"/>
+                </a:solidFill>
+                <a:latin typeface="+mn-lt"/>
+                <a:ea typeface="+mn-ea"/>
+                <a:cs typeface="+mn-cs"/>
+              </a:defRPr>
+            </a:lvl8pPr>
+            <a:lvl9pPr marL="3886200" indent="-228600" algn="l" defTabSz="914400" rtl="0" eaLnBrk="1" latinLnBrk="0" hangingPunct="1">
+              <a:lnSpc>
+                <a:spcPct val="90000"/>
+              </a:lnSpc>
+              <a:spcBef>
+                <a:spcPts val="500"/>
+              </a:spcBef>
+              <a:buFont typeface="Arial" panose="020B0604020202020204" pitchFamily="34" charset="0"/>
+              <a:buChar char="•"/>
+              <a:defRPr sz="1800" kern="1200">
+                <a:solidFill>
+                  <a:schemeClr val="tx1"/>
+                </a:solidFill>
+                <a:latin typeface="+mn-lt"/>
+                <a:ea typeface="+mn-ea"/>
+                <a:cs typeface="+mn-cs"/>
+              </a:defRPr>
+            </a:lvl9pPr>
+          </a:lstStyle>
+          <a:p>
+            <a:r>
+              <a:rPr lang="zh-TW" altLang="en-US" sz="2600"/>
+              <a:t>例文</a:t>
+            </a:r>
+          </a:p>
+          <a:p>
+            <a:pPr lvl="1">
+              <a:buFont typeface="Arial"/>
+            </a:pPr>
+            <a:r>
+              <a:rPr lang="zh-TW" altLang="en-US" sz="2200"/>
+              <a:t>美容院へ行って髪を短くします。</a:t>
+            </a:r>
+            <a:endParaRPr lang="zh-TW" altLang="en-US" sz="2200" dirty="0"/>
+          </a:p>
+          <a:p>
+            <a:pPr lvl="1">
+              <a:buFont typeface="Arial"/>
+            </a:pPr>
+            <a:r>
+              <a:rPr lang="zh-TW" altLang="en-US" sz="2200"/>
+              <a:t>図書館では静かにしましょう。</a:t>
+            </a:r>
+            <a:endParaRPr lang="zh-TW" altLang="en-US" sz="2200" dirty="0"/>
+          </a:p>
+          <a:p>
+            <a:pPr lvl="1">
+              <a:buFont typeface="Arial"/>
+            </a:pPr>
+            <a:r>
+              <a:rPr lang="zh-TW" altLang="en-US" sz="2200"/>
+              <a:t>砂糖は半分にしてください。</a:t>
+            </a:r>
+            <a:endParaRPr lang="zh-TW" altLang="en-US" sz="2200" dirty="0"/>
+          </a:p>
+          <a:p>
+            <a:pPr lvl="1">
+              <a:buFont typeface="Arial"/>
+            </a:pPr>
+            <a:r>
+              <a:rPr lang="zh-TW" altLang="en-US" sz="2200"/>
+              <a:t>晩ご飯はカレーライスにします。</a:t>
+            </a:r>
+            <a:endParaRPr lang="zh-TW" altLang="en-US" sz="2200" dirty="0"/>
+          </a:p>
+          <a:p>
+            <a:pPr lvl="1"/>
+            <a:endParaRPr lang="zh-TW" altLang="en-US" sz="2600"/>
+          </a:p>
+        </p:txBody>
+      </p:sp>
+    </p:spTree>
+    <p:extLst>
+      <p:ext uri="{BB962C8B-B14F-4D97-AF65-F5344CB8AC3E}">
+        <p14:creationId xmlns:p14="http://schemas.microsoft.com/office/powerpoint/2010/main" val="749644887"/>
+      </p:ext>
+    </p:extLst>
+  </p:cSld>
+  <p:clrMapOvr>
+    <a:masterClrMapping/>
+  </p:clrMapOvr>
+</p:sld>
+</file>
+
+<file path=ppt/slides/slide19.xml><?xml version="1.0" encoding="utf-8"?>
+<p:sld xmlns:a="http://schemas.openxmlformats.org/drawingml/2006/main" xmlns:r="http://schemas.openxmlformats.org/officeDocument/2006/relationships" xmlns:p="http://schemas.openxmlformats.org/presentationml/2006/main">
+  <p:cSld>
+    <p:spTree>
+      <p:nvGrpSpPr>
+        <p:cNvPr id="1" name=""/>
+        <p:cNvGrpSpPr/>
+        <p:nvPr/>
+      </p:nvGrpSpPr>
+      <p:grpSpPr>
+        <a:xfrm>
+          <a:off x="0" y="0"/>
+          <a:ext cx="0" cy="0"/>
+          <a:chOff x="0" y="0"/>
+          <a:chExt cx="0" cy="0"/>
+        </a:xfrm>
+      </p:grpSpPr>
+      <p:sp>
+        <p:nvSpPr>
+          <p:cNvPr id="10" name="內容版面配置區 2">
+            <a:extLst>
+              <a:ext uri="{FF2B5EF4-FFF2-40B4-BE49-F238E27FC236}">
+                <a16:creationId xmlns:a16="http://schemas.microsoft.com/office/drawing/2014/main" id="{84288266-7418-F062-C7F6-61460431B37A}"/>
+              </a:ext>
+            </a:extLst>
+          </p:cNvPr>
+          <p:cNvSpPr>
+            <a:spLocks noGrp="1"/>
+          </p:cNvSpPr>
+          <p:nvPr>
+            <p:ph idx="1"/>
+          </p:nvPr>
+        </p:nvSpPr>
+        <p:spPr>
+          <a:xfrm>
+            <a:off x="838200" y="1929384"/>
+            <a:ext cx="10515600" cy="4654526"/>
+          </a:xfrm>
+        </p:spPr>
+        <p:txBody>
+          <a:bodyPr vert="horz" lIns="91440" tIns="45720" rIns="91440" bIns="45720" rtlCol="0" anchor="t">
+            <a:normAutofit/>
+          </a:bodyPr>
+          <a:lstStyle/>
+          <a:p>
+            <a:r>
+              <a:rPr lang="zh-TW" altLang="en-US"/>
+              <a:t>動詞＋</a:t>
+            </a:r>
+            <a:r>
+              <a:rPr lang="zh-TW" altLang="en-US">
+                <a:solidFill>
+                  <a:srgbClr val="FF0000"/>
+                </a:solidFill>
+              </a:rPr>
+              <a:t>ましょう</a:t>
+            </a:r>
+            <a:endParaRPr lang="zh-TW" altLang="en-US" dirty="0">
+              <a:solidFill>
+                <a:srgbClr val="000000"/>
+              </a:solidFill>
+            </a:endParaRPr>
+          </a:p>
+          <a:p>
+            <a:endParaRPr lang="zh-TW" altLang="en-US" sz="2000" dirty="0"/>
+          </a:p>
+          <a:p>
+            <a:r>
+              <a:rPr lang="zh-TW" altLang="en-US" sz="2000"/>
+              <a:t>明日の夜、一緒に映画を見ませんか。</a:t>
+            </a:r>
+            <a:endParaRPr lang="zh-TW" altLang="en-US" sz="2000" dirty="0"/>
+          </a:p>
+          <a:p>
+            <a:r>
+              <a:rPr lang="zh-TW" altLang="en-US" sz="2000"/>
+              <a:t>いいですね。何時ですか。</a:t>
+            </a:r>
+            <a:endParaRPr lang="zh-TW" altLang="en-US" sz="2000" dirty="0"/>
+          </a:p>
+          <a:p>
+            <a:r>
+              <a:rPr lang="zh-TW" altLang="en-US" sz="2000"/>
+              <a:t>じゃあ、夜7時に新宿駅で会い</a:t>
+            </a:r>
+            <a:r>
+              <a:rPr lang="zh-TW" altLang="en-US" sz="2000">
+                <a:solidFill>
+                  <a:srgbClr val="FF0000"/>
+                </a:solidFill>
+              </a:rPr>
+              <a:t>ましょう</a:t>
+            </a:r>
+            <a:r>
+              <a:rPr lang="zh-TW" altLang="en-US" sz="2000"/>
+              <a:t>。</a:t>
+            </a:r>
+            <a:endParaRPr lang="zh-TW" altLang="en-US" sz="2400" dirty="0"/>
+          </a:p>
+          <a:p>
+            <a:endParaRPr lang="zh-TW" altLang="en-US" dirty="0"/>
+          </a:p>
+          <a:p>
+            <a:endParaRPr lang="zh-TW" altLang="en-US" sz="2600" dirty="0"/>
+          </a:p>
+        </p:txBody>
+      </p:sp>
+      <p:sp>
+        <p:nvSpPr>
+          <p:cNvPr id="2" name="標題 1">
+            <a:extLst>
+              <a:ext uri="{FF2B5EF4-FFF2-40B4-BE49-F238E27FC236}">
+                <a16:creationId xmlns:a16="http://schemas.microsoft.com/office/drawing/2014/main" id="{37A17A5C-282D-9A06-2BB9-7608E2DA7C30}"/>
+              </a:ext>
+            </a:extLst>
+          </p:cNvPr>
+          <p:cNvSpPr>
+            <a:spLocks noGrp="1"/>
+          </p:cNvSpPr>
+          <p:nvPr>
+            <p:ph type="title"/>
+          </p:nvPr>
+        </p:nvSpPr>
+        <p:spPr>
+          <a:xfrm>
+            <a:off x="838200" y="365125"/>
+            <a:ext cx="11176957" cy="1339940"/>
+          </a:xfrm>
+        </p:spPr>
+        <p:txBody>
+          <a:bodyPr>
+            <a:noAutofit/>
+          </a:bodyPr>
+          <a:lstStyle/>
+          <a:p>
+            <a:r>
+              <a:rPr lang="zh-TW" altLang="en-US" sz="3600"/>
+              <a:t>〜ましょう（做～吧）</a:t>
+            </a:r>
+          </a:p>
+        </p:txBody>
+      </p:sp>
+      <p:sp>
+        <p:nvSpPr>
+          <p:cNvPr id="6" name="內容版面配置區 2">
+            <a:extLst>
+              <a:ext uri="{FF2B5EF4-FFF2-40B4-BE49-F238E27FC236}">
+                <a16:creationId xmlns:a16="http://schemas.microsoft.com/office/drawing/2014/main" id="{48C6A82B-2859-6441-1E05-E4BBBEF4F87D}"/>
+              </a:ext>
+            </a:extLst>
+          </p:cNvPr>
+          <p:cNvSpPr txBox="1">
+            <a:spLocks/>
+          </p:cNvSpPr>
+          <p:nvPr/>
+        </p:nvSpPr>
+        <p:spPr>
+          <a:xfrm>
+            <a:off x="5536789" y="3079884"/>
+            <a:ext cx="6852492" cy="2819768"/>
+          </a:xfrm>
+          <a:prstGeom prst="rect">
+            <a:avLst/>
+          </a:prstGeom>
+        </p:spPr>
+        <p:txBody>
+          <a:bodyPr vert="horz" lIns="91440" tIns="45720" rIns="91440" bIns="45720" rtlCol="0" anchor="t">
+            <a:noAutofit/>
+          </a:bodyPr>
+          <a:lstStyle>
+            <a:lvl1pPr marL="228600" indent="-228600" algn="l" defTabSz="914400" rtl="0" eaLnBrk="1" latinLnBrk="0" hangingPunct="1">
+              <a:lnSpc>
+                <a:spcPct val="110000"/>
+              </a:lnSpc>
+              <a:spcBef>
+                <a:spcPts val="1000"/>
+              </a:spcBef>
+              <a:buFont typeface="Arial" panose="020B0604020202020204" pitchFamily="34" charset="0"/>
+              <a:buChar char="•"/>
+              <a:defRPr sz="2800" kern="1200">
+                <a:solidFill>
+                  <a:schemeClr val="tx1"/>
+                </a:solidFill>
+                <a:latin typeface="+mn-lt"/>
+                <a:ea typeface="+mn-ea"/>
+                <a:cs typeface="+mn-cs"/>
+              </a:defRPr>
+            </a:lvl1pPr>
+            <a:lvl2pPr marL="685800" indent="-228600" algn="l" defTabSz="914400" rtl="0" eaLnBrk="1" latinLnBrk="0" hangingPunct="1">
+              <a:lnSpc>
+                <a:spcPct val="110000"/>
+              </a:lnSpc>
+              <a:spcBef>
+                <a:spcPts val="500"/>
+              </a:spcBef>
+              <a:buFont typeface="Arial" panose="020B0604020202020204" pitchFamily="34" charset="0"/>
+              <a:buChar char="•"/>
+              <a:defRPr sz="2400" kern="1200">
+                <a:solidFill>
+                  <a:schemeClr val="tx1"/>
+                </a:solidFill>
+                <a:latin typeface="+mn-lt"/>
+                <a:ea typeface="+mn-ea"/>
+                <a:cs typeface="+mn-cs"/>
+              </a:defRPr>
+            </a:lvl2pPr>
+            <a:lvl3pPr marL="1143000" indent="-228600" algn="l" defTabSz="914400" rtl="0" eaLnBrk="1" latinLnBrk="0" hangingPunct="1">
+              <a:lnSpc>
+                <a:spcPct val="110000"/>
+              </a:lnSpc>
+              <a:spcBef>
+                <a:spcPts val="500"/>
+              </a:spcBef>
+              <a:buFont typeface="Arial" panose="020B0604020202020204" pitchFamily="34" charset="0"/>
+              <a:buChar char="•"/>
+              <a:defRPr sz="2000" kern="1200">
+                <a:solidFill>
+                  <a:schemeClr val="tx1"/>
+                </a:solidFill>
+                <a:latin typeface="+mn-lt"/>
+                <a:ea typeface="+mn-ea"/>
+                <a:cs typeface="+mn-cs"/>
+              </a:defRPr>
+            </a:lvl3pPr>
+            <a:lvl4pPr marL="1600200" indent="-228600" algn="l" defTabSz="914400" rtl="0" eaLnBrk="1" latinLnBrk="0" hangingPunct="1">
+              <a:lnSpc>
+                <a:spcPct val="110000"/>
+              </a:lnSpc>
+              <a:spcBef>
+                <a:spcPts val="500"/>
+              </a:spcBef>
+              <a:buFont typeface="Arial" panose="020B0604020202020204" pitchFamily="34" charset="0"/>
+              <a:buChar char="•"/>
+              <a:defRPr sz="1800" kern="1200">
+                <a:solidFill>
+                  <a:schemeClr val="tx1"/>
+                </a:solidFill>
+                <a:latin typeface="+mn-lt"/>
+                <a:ea typeface="+mn-ea"/>
+                <a:cs typeface="+mn-cs"/>
+              </a:defRPr>
+            </a:lvl4pPr>
+            <a:lvl5pPr marL="2057400" indent="-228600" algn="l" defTabSz="914400" rtl="0" eaLnBrk="1" latinLnBrk="0" hangingPunct="1">
+              <a:lnSpc>
+                <a:spcPct val="110000"/>
+              </a:lnSpc>
+              <a:spcBef>
+                <a:spcPts val="500"/>
+              </a:spcBef>
+              <a:buFont typeface="Arial" panose="020B0604020202020204" pitchFamily="34" charset="0"/>
+              <a:buChar char="•"/>
+              <a:defRPr sz="1800" kern="1200">
+                <a:solidFill>
+                  <a:schemeClr val="tx1"/>
+                </a:solidFill>
+                <a:latin typeface="+mn-lt"/>
+                <a:ea typeface="+mn-ea"/>
+                <a:cs typeface="+mn-cs"/>
+              </a:defRPr>
+            </a:lvl5pPr>
+            <a:lvl6pPr marL="2514600" indent="-228600" algn="l" defTabSz="914400" rtl="0" eaLnBrk="1" latinLnBrk="0" hangingPunct="1">
+              <a:lnSpc>
+                <a:spcPct val="90000"/>
+              </a:lnSpc>
+              <a:spcBef>
+                <a:spcPts val="500"/>
+              </a:spcBef>
+              <a:buFont typeface="Arial" panose="020B0604020202020204" pitchFamily="34" charset="0"/>
+              <a:buChar char="•"/>
+              <a:defRPr sz="1800" kern="1200">
+                <a:solidFill>
+                  <a:schemeClr val="tx1"/>
+                </a:solidFill>
+                <a:latin typeface="+mn-lt"/>
+                <a:ea typeface="+mn-ea"/>
+                <a:cs typeface="+mn-cs"/>
+              </a:defRPr>
+            </a:lvl6pPr>
+            <a:lvl7pPr marL="2971800" indent="-228600" algn="l" defTabSz="914400" rtl="0" eaLnBrk="1" latinLnBrk="0" hangingPunct="1">
+              <a:lnSpc>
+                <a:spcPct val="90000"/>
+              </a:lnSpc>
+              <a:spcBef>
+                <a:spcPts val="500"/>
+              </a:spcBef>
+              <a:buFont typeface="Arial" panose="020B0604020202020204" pitchFamily="34" charset="0"/>
+              <a:buChar char="•"/>
+              <a:defRPr sz="1800" kern="1200">
+                <a:solidFill>
+                  <a:schemeClr val="tx1"/>
+                </a:solidFill>
+                <a:latin typeface="+mn-lt"/>
+                <a:ea typeface="+mn-ea"/>
+                <a:cs typeface="+mn-cs"/>
+              </a:defRPr>
+            </a:lvl7pPr>
+            <a:lvl8pPr marL="3429000" indent="-228600" algn="l" defTabSz="914400" rtl="0" eaLnBrk="1" latinLnBrk="0" hangingPunct="1">
+              <a:lnSpc>
+                <a:spcPct val="90000"/>
+              </a:lnSpc>
+              <a:spcBef>
+                <a:spcPts val="500"/>
+              </a:spcBef>
+              <a:buFont typeface="Arial" panose="020B0604020202020204" pitchFamily="34" charset="0"/>
+              <a:buChar char="•"/>
+              <a:defRPr sz="1800" kern="1200">
+                <a:solidFill>
+                  <a:schemeClr val="tx1"/>
+                </a:solidFill>
+                <a:latin typeface="+mn-lt"/>
+                <a:ea typeface="+mn-ea"/>
+                <a:cs typeface="+mn-cs"/>
+              </a:defRPr>
+            </a:lvl8pPr>
+            <a:lvl9pPr marL="3886200" indent="-228600" algn="l" defTabSz="914400" rtl="0" eaLnBrk="1" latinLnBrk="0" hangingPunct="1">
+              <a:lnSpc>
+                <a:spcPct val="90000"/>
+              </a:lnSpc>
+              <a:spcBef>
+                <a:spcPts val="500"/>
+              </a:spcBef>
+              <a:buFont typeface="Arial" panose="020B0604020202020204" pitchFamily="34" charset="0"/>
+              <a:buChar char="•"/>
+              <a:defRPr sz="1800" kern="1200">
+                <a:solidFill>
+                  <a:schemeClr val="tx1"/>
+                </a:solidFill>
+                <a:latin typeface="+mn-lt"/>
+                <a:ea typeface="+mn-ea"/>
+                <a:cs typeface="+mn-cs"/>
+              </a:defRPr>
+            </a:lvl9pPr>
+          </a:lstStyle>
+          <a:p>
+            <a:r>
+              <a:rPr lang="zh-TW" altLang="en-US" sz="2600"/>
+              <a:t>例文</a:t>
+            </a:r>
+          </a:p>
+          <a:p>
+            <a:pPr lvl="1">
+              <a:buFont typeface="Arial"/>
+            </a:pPr>
+            <a:r>
+              <a:rPr lang="zh-TW" altLang="en-US" sz="2200"/>
+              <a:t>もう遅いですから、帰りましょう。</a:t>
+            </a:r>
+            <a:endParaRPr lang="zh-TW" altLang="en-US" sz="2200" dirty="0"/>
+          </a:p>
+          <a:p>
+            <a:pPr lvl="1">
+              <a:buFont typeface="Arial"/>
+            </a:pPr>
+            <a:r>
+              <a:rPr lang="zh-TW" altLang="en-US" sz="2200"/>
+              <a:t>ご飯を食べる前に手を洗いましょう。</a:t>
+            </a:r>
+            <a:endParaRPr lang="zh-TW" altLang="en-US" sz="2200" dirty="0"/>
+          </a:p>
+          <a:p>
+            <a:pPr lvl="1">
+              <a:buFont typeface="Arial"/>
+            </a:pPr>
+            <a:r>
+              <a:rPr lang="zh-TW" altLang="en-US" sz="2200"/>
+              <a:t>バスや電車の中では小さい声で話しましょう。</a:t>
+            </a:r>
+            <a:endParaRPr lang="zh-TW" altLang="en-US" sz="2200" dirty="0"/>
+          </a:p>
+          <a:p>
+            <a:pPr lvl="1">
+              <a:buFont typeface="Arial"/>
+            </a:pPr>
+            <a:r>
+              <a:rPr lang="zh-TW" altLang="en-US" sz="2200"/>
+              <a:t>今日の授業はこれで終わりましょう。</a:t>
+            </a:r>
+            <a:endParaRPr lang="zh-TW" altLang="en-US" sz="2200" dirty="0"/>
+          </a:p>
+          <a:p>
+            <a:pPr lvl="1"/>
+            <a:endParaRPr lang="zh-TW" altLang="en-US" sz="2600"/>
+          </a:p>
+        </p:txBody>
+      </p:sp>
+    </p:spTree>
+    <p:extLst>
+      <p:ext uri="{BB962C8B-B14F-4D97-AF65-F5344CB8AC3E}">
+        <p14:creationId xmlns:p14="http://schemas.microsoft.com/office/powerpoint/2010/main" val="3288332770"/>
       </p:ext>
     </p:extLst>
   </p:cSld>
@@ -8271,10 +12757,15 @@
         </p:nvSpPr>
         <p:spPr/>
         <p:txBody>
-          <a:bodyPr/>
+          <a:bodyPr>
+            <a:noAutofit/>
+          </a:bodyPr>
           <a:lstStyle/>
           <a:p>
-            <a:endParaRPr lang="zh-TW" altLang="en-US"/>
+            <a:r>
+              <a:rPr lang="zh-TW" altLang="en-US" sz="3600"/>
+              <a:t>〜です、じゃありません（名詞肯定、否定)</a:t>
+            </a:r>
           </a:p>
         </p:txBody>
       </p:sp>
@@ -8296,10 +12787,396 @@
         </p:nvSpPr>
         <p:spPr/>
         <p:txBody>
-          <a:bodyPr/>
+          <a:bodyPr vert="horz" lIns="91440" tIns="45720" rIns="91440" bIns="45720" rtlCol="0" anchor="t">
+            <a:normAutofit fontScale="92500" lnSpcReduction="10000"/>
+          </a:bodyPr>
           <a:lstStyle/>
           <a:p>
-            <a:endParaRPr lang="zh-TW" altLang="en-US"/>
+            <a:r>
+              <a:rPr lang="zh-TW" altLang="en-US"/>
+              <a:t>名詞＋</a:t>
+            </a:r>
+            <a:r>
+              <a:rPr lang="zh-TW" altLang="en-US">
+                <a:solidFill>
+                  <a:srgbClr val="FF0000"/>
+                </a:solidFill>
+              </a:rPr>
+              <a:t>です</a:t>
+            </a:r>
+            <a:r>
+              <a:rPr lang="zh-TW" altLang="en-US"/>
+              <a:t>（是）</a:t>
+            </a:r>
+          </a:p>
+          <a:p>
+            <a:r>
+              <a:rPr lang="zh-TW" altLang="en-US"/>
+              <a:t>名詞＋</a:t>
+            </a:r>
+            <a:r>
+              <a:rPr lang="zh-TW" altLang="en-US">
+                <a:solidFill>
+                  <a:srgbClr val="FF0000"/>
+                </a:solidFill>
+              </a:rPr>
+              <a:t>じゃありません</a:t>
+            </a:r>
+            <a:r>
+              <a:rPr lang="zh-TW" altLang="en-US"/>
+              <a:t>（不是），</a:t>
+            </a:r>
+            <a:r>
+              <a:rPr lang="zh-TW" altLang="en-US">
+                <a:solidFill>
+                  <a:srgbClr val="FF0000"/>
+                </a:solidFill>
+              </a:rPr>
+              <a:t>じゃ</a:t>
+            </a:r>
+            <a:r>
+              <a:rPr lang="zh-TW" altLang="en-US"/>
+              <a:t>可以替換成</a:t>
+            </a:r>
+            <a:r>
+              <a:rPr lang="zh-TW" altLang="en-US">
+                <a:solidFill>
+                  <a:srgbClr val="FF0000"/>
+                </a:solidFill>
+              </a:rPr>
+              <a:t>では</a:t>
+            </a:r>
+          </a:p>
+          <a:p>
+            <a:endParaRPr lang="zh-TW" altLang="en-US">
+              <a:solidFill>
+                <a:srgbClr val="FF0000"/>
+              </a:solidFill>
+            </a:endParaRPr>
+          </a:p>
+          <a:p>
+            <a:r>
+              <a:rPr lang="zh-TW" altLang="en-US"/>
+              <a:t>叮嚀體</a:t>
+            </a:r>
+          </a:p>
+          <a:p>
+            <a:pPr lvl="1"/>
+            <a:r>
+              <a:rPr lang="zh-TW" altLang="en-US"/>
+              <a:t>私は学生</a:t>
+            </a:r>
+            <a:r>
+              <a:rPr lang="zh-TW" altLang="en-US">
+                <a:solidFill>
+                  <a:srgbClr val="FF0000"/>
+                </a:solidFill>
+              </a:rPr>
+              <a:t>です</a:t>
+            </a:r>
+            <a:r>
+              <a:rPr lang="zh-TW" altLang="en-US"/>
+              <a:t>。</a:t>
+            </a:r>
+            <a:endParaRPr lang="zh-TW"/>
+          </a:p>
+          <a:p>
+            <a:pPr lvl="1"/>
+            <a:r>
+              <a:rPr lang="zh-TW" altLang="en-US"/>
+              <a:t>私は会社員</a:t>
+            </a:r>
+            <a:r>
+              <a:rPr lang="zh-TW" altLang="en-US">
+                <a:solidFill>
+                  <a:srgbClr val="FF0000"/>
+                </a:solidFill>
+              </a:rPr>
+              <a:t>じゃありません</a:t>
+            </a:r>
+            <a:r>
+              <a:rPr lang="zh-TW" altLang="en-US"/>
+              <a:t>。</a:t>
+            </a:r>
+          </a:p>
+          <a:p>
+            <a:r>
+              <a:rPr lang="zh-TW" altLang="en-US"/>
+              <a:t>普通體</a:t>
+            </a:r>
+          </a:p>
+          <a:p>
+            <a:pPr lvl="1"/>
+            <a:r>
+              <a:rPr lang="zh-TW" altLang="en-US"/>
+              <a:t>私は学生</a:t>
+            </a:r>
+            <a:r>
+              <a:rPr lang="zh-TW" altLang="en-US">
+                <a:solidFill>
+                  <a:srgbClr val="FF0000"/>
+                </a:solidFill>
+              </a:rPr>
+              <a:t>だ</a:t>
+            </a:r>
+            <a:r>
+              <a:rPr lang="zh-TW" altLang="en-US"/>
+              <a:t>。</a:t>
+            </a:r>
+          </a:p>
+          <a:p>
+            <a:pPr lvl="1"/>
+            <a:r>
+              <a:rPr lang="zh-TW" altLang="en-US"/>
+              <a:t>私は会社員</a:t>
+            </a:r>
+            <a:r>
+              <a:rPr lang="zh-TW" altLang="en-US">
+                <a:solidFill>
+                  <a:srgbClr val="FF0000"/>
+                </a:solidFill>
+              </a:rPr>
+              <a:t>じゃない</a:t>
+            </a:r>
+            <a:r>
+              <a:rPr lang="zh-TW" altLang="en-US"/>
+              <a:t>。</a:t>
+            </a:r>
+          </a:p>
+        </p:txBody>
+      </p:sp>
+      <p:sp>
+        <p:nvSpPr>
+          <p:cNvPr id="5" name="內容版面配置區 2">
+            <a:extLst>
+              <a:ext uri="{FF2B5EF4-FFF2-40B4-BE49-F238E27FC236}">
+                <a16:creationId xmlns:a16="http://schemas.microsoft.com/office/drawing/2014/main" id="{83C2A1A3-3EBB-1B73-7832-CD23C12809D1}"/>
+              </a:ext>
+            </a:extLst>
+          </p:cNvPr>
+          <p:cNvSpPr txBox="1">
+            <a:spLocks/>
+          </p:cNvSpPr>
+          <p:nvPr/>
+        </p:nvSpPr>
+        <p:spPr>
+          <a:xfrm>
+            <a:off x="5277997" y="3468073"/>
+            <a:ext cx="6852492" cy="2819768"/>
+          </a:xfrm>
+          <a:prstGeom prst="rect">
+            <a:avLst/>
+          </a:prstGeom>
+        </p:spPr>
+        <p:txBody>
+          <a:bodyPr vert="horz" lIns="91440" tIns="45720" rIns="91440" bIns="45720" rtlCol="0" anchor="t">
+            <a:noAutofit/>
+          </a:bodyPr>
+          <a:lstStyle>
+            <a:lvl1pPr marL="228600" indent="-228600" algn="l" defTabSz="914400" rtl="0" eaLnBrk="1" latinLnBrk="0" hangingPunct="1">
+              <a:lnSpc>
+                <a:spcPct val="110000"/>
+              </a:lnSpc>
+              <a:spcBef>
+                <a:spcPts val="1000"/>
+              </a:spcBef>
+              <a:buFont typeface="Arial" panose="020B0604020202020204" pitchFamily="34" charset="0"/>
+              <a:buChar char="•"/>
+              <a:defRPr sz="2800" kern="1200">
+                <a:solidFill>
+                  <a:schemeClr val="tx1"/>
+                </a:solidFill>
+                <a:latin typeface="+mn-lt"/>
+                <a:ea typeface="+mn-ea"/>
+                <a:cs typeface="+mn-cs"/>
+              </a:defRPr>
+            </a:lvl1pPr>
+            <a:lvl2pPr marL="685800" indent="-228600" algn="l" defTabSz="914400" rtl="0" eaLnBrk="1" latinLnBrk="0" hangingPunct="1">
+              <a:lnSpc>
+                <a:spcPct val="110000"/>
+              </a:lnSpc>
+              <a:spcBef>
+                <a:spcPts val="500"/>
+              </a:spcBef>
+              <a:buFont typeface="Arial" panose="020B0604020202020204" pitchFamily="34" charset="0"/>
+              <a:buChar char="•"/>
+              <a:defRPr sz="2400" kern="1200">
+                <a:solidFill>
+                  <a:schemeClr val="tx1"/>
+                </a:solidFill>
+                <a:latin typeface="+mn-lt"/>
+                <a:ea typeface="+mn-ea"/>
+                <a:cs typeface="+mn-cs"/>
+              </a:defRPr>
+            </a:lvl2pPr>
+            <a:lvl3pPr marL="1143000" indent="-228600" algn="l" defTabSz="914400" rtl="0" eaLnBrk="1" latinLnBrk="0" hangingPunct="1">
+              <a:lnSpc>
+                <a:spcPct val="110000"/>
+              </a:lnSpc>
+              <a:spcBef>
+                <a:spcPts val="500"/>
+              </a:spcBef>
+              <a:buFont typeface="Arial" panose="020B0604020202020204" pitchFamily="34" charset="0"/>
+              <a:buChar char="•"/>
+              <a:defRPr sz="2000" kern="1200">
+                <a:solidFill>
+                  <a:schemeClr val="tx1"/>
+                </a:solidFill>
+                <a:latin typeface="+mn-lt"/>
+                <a:ea typeface="+mn-ea"/>
+                <a:cs typeface="+mn-cs"/>
+              </a:defRPr>
+            </a:lvl3pPr>
+            <a:lvl4pPr marL="1600200" indent="-228600" algn="l" defTabSz="914400" rtl="0" eaLnBrk="1" latinLnBrk="0" hangingPunct="1">
+              <a:lnSpc>
+                <a:spcPct val="110000"/>
+              </a:lnSpc>
+              <a:spcBef>
+                <a:spcPts val="500"/>
+              </a:spcBef>
+              <a:buFont typeface="Arial" panose="020B0604020202020204" pitchFamily="34" charset="0"/>
+              <a:buChar char="•"/>
+              <a:defRPr sz="1800" kern="1200">
+                <a:solidFill>
+                  <a:schemeClr val="tx1"/>
+                </a:solidFill>
+                <a:latin typeface="+mn-lt"/>
+                <a:ea typeface="+mn-ea"/>
+                <a:cs typeface="+mn-cs"/>
+              </a:defRPr>
+            </a:lvl4pPr>
+            <a:lvl5pPr marL="2057400" indent="-228600" algn="l" defTabSz="914400" rtl="0" eaLnBrk="1" latinLnBrk="0" hangingPunct="1">
+              <a:lnSpc>
+                <a:spcPct val="110000"/>
+              </a:lnSpc>
+              <a:spcBef>
+                <a:spcPts val="500"/>
+              </a:spcBef>
+              <a:buFont typeface="Arial" panose="020B0604020202020204" pitchFamily="34" charset="0"/>
+              <a:buChar char="•"/>
+              <a:defRPr sz="1800" kern="1200">
+                <a:solidFill>
+                  <a:schemeClr val="tx1"/>
+                </a:solidFill>
+                <a:latin typeface="+mn-lt"/>
+                <a:ea typeface="+mn-ea"/>
+                <a:cs typeface="+mn-cs"/>
+              </a:defRPr>
+            </a:lvl5pPr>
+            <a:lvl6pPr marL="2514600" indent="-228600" algn="l" defTabSz="914400" rtl="0" eaLnBrk="1" latinLnBrk="0" hangingPunct="1">
+              <a:lnSpc>
+                <a:spcPct val="90000"/>
+              </a:lnSpc>
+              <a:spcBef>
+                <a:spcPts val="500"/>
+              </a:spcBef>
+              <a:buFont typeface="Arial" panose="020B0604020202020204" pitchFamily="34" charset="0"/>
+              <a:buChar char="•"/>
+              <a:defRPr sz="1800" kern="1200">
+                <a:solidFill>
+                  <a:schemeClr val="tx1"/>
+                </a:solidFill>
+                <a:latin typeface="+mn-lt"/>
+                <a:ea typeface="+mn-ea"/>
+                <a:cs typeface="+mn-cs"/>
+              </a:defRPr>
+            </a:lvl6pPr>
+            <a:lvl7pPr marL="2971800" indent="-228600" algn="l" defTabSz="914400" rtl="0" eaLnBrk="1" latinLnBrk="0" hangingPunct="1">
+              <a:lnSpc>
+                <a:spcPct val="90000"/>
+              </a:lnSpc>
+              <a:spcBef>
+                <a:spcPts val="500"/>
+              </a:spcBef>
+              <a:buFont typeface="Arial" panose="020B0604020202020204" pitchFamily="34" charset="0"/>
+              <a:buChar char="•"/>
+              <a:defRPr sz="1800" kern="1200">
+                <a:solidFill>
+                  <a:schemeClr val="tx1"/>
+                </a:solidFill>
+                <a:latin typeface="+mn-lt"/>
+                <a:ea typeface="+mn-ea"/>
+                <a:cs typeface="+mn-cs"/>
+              </a:defRPr>
+            </a:lvl7pPr>
+            <a:lvl8pPr marL="3429000" indent="-228600" algn="l" defTabSz="914400" rtl="0" eaLnBrk="1" latinLnBrk="0" hangingPunct="1">
+              <a:lnSpc>
+                <a:spcPct val="90000"/>
+              </a:lnSpc>
+              <a:spcBef>
+                <a:spcPts val="500"/>
+              </a:spcBef>
+              <a:buFont typeface="Arial" panose="020B0604020202020204" pitchFamily="34" charset="0"/>
+              <a:buChar char="•"/>
+              <a:defRPr sz="1800" kern="1200">
+                <a:solidFill>
+                  <a:schemeClr val="tx1"/>
+                </a:solidFill>
+                <a:latin typeface="+mn-lt"/>
+                <a:ea typeface="+mn-ea"/>
+                <a:cs typeface="+mn-cs"/>
+              </a:defRPr>
+            </a:lvl8pPr>
+            <a:lvl9pPr marL="3886200" indent="-228600" algn="l" defTabSz="914400" rtl="0" eaLnBrk="1" latinLnBrk="0" hangingPunct="1">
+              <a:lnSpc>
+                <a:spcPct val="90000"/>
+              </a:lnSpc>
+              <a:spcBef>
+                <a:spcPts val="500"/>
+              </a:spcBef>
+              <a:buFont typeface="Arial" panose="020B0604020202020204" pitchFamily="34" charset="0"/>
+              <a:buChar char="•"/>
+              <a:defRPr sz="1800" kern="1200">
+                <a:solidFill>
+                  <a:schemeClr val="tx1"/>
+                </a:solidFill>
+                <a:latin typeface="+mn-lt"/>
+                <a:ea typeface="+mn-ea"/>
+                <a:cs typeface="+mn-cs"/>
+              </a:defRPr>
+            </a:lvl9pPr>
+          </a:lstStyle>
+          <a:p>
+            <a:r>
+              <a:rPr lang="zh-TW" altLang="en-US" sz="2600"/>
+              <a:t>例文</a:t>
+            </a:r>
+          </a:p>
+          <a:p>
+            <a:pPr lvl="1"/>
+            <a:r>
+              <a:rPr lang="zh-TW" altLang="en-US" sz="2200"/>
+              <a:t>私は教師です。</a:t>
+            </a:r>
+          </a:p>
+          <a:p>
+            <a:pPr lvl="1"/>
+            <a:r>
+              <a:rPr lang="zh-TW" altLang="en-US" sz="2200"/>
+              <a:t>佐藤さんは会社員です。</a:t>
+            </a:r>
+          </a:p>
+          <a:p>
+            <a:pPr lvl="1"/>
+            <a:r>
+              <a:rPr lang="zh-TW" altLang="en-US" sz="2200"/>
+              <a:t>鈴木さんは学生じゃありません。会社人です。</a:t>
+            </a:r>
+          </a:p>
+          <a:p>
+            <a:pPr lvl="1"/>
+            <a:r>
+              <a:rPr lang="zh-TW" altLang="en-US" sz="2200"/>
+              <a:t>黃さんは留学生です。林さんも留学生です。</a:t>
+            </a:r>
+          </a:p>
+          <a:p>
+            <a:pPr lvl="1"/>
+            <a:endParaRPr lang="zh-TW" altLang="en-US" sz="2200"/>
+          </a:p>
+          <a:p>
+            <a:pPr lvl="1"/>
+            <a:endParaRPr lang="zh-TW" altLang="en-US" sz="2600"/>
           </a:p>
         </p:txBody>
       </p:sp>
@@ -8307,6 +13184,4298 @@
     <p:extLst>
       <p:ext uri="{BB962C8B-B14F-4D97-AF65-F5344CB8AC3E}">
         <p14:creationId xmlns:p14="http://schemas.microsoft.com/office/powerpoint/2010/main" val="1652700996"/>
+      </p:ext>
+    </p:extLst>
+  </p:cSld>
+  <p:clrMapOvr>
+    <a:masterClrMapping/>
+  </p:clrMapOvr>
+</p:sld>
+</file>
+
+<file path=ppt/slides/slide20.xml><?xml version="1.0" encoding="utf-8"?>
+<p:sld xmlns:a="http://schemas.openxmlformats.org/drawingml/2006/main" xmlns:r="http://schemas.openxmlformats.org/officeDocument/2006/relationships" xmlns:p="http://schemas.openxmlformats.org/presentationml/2006/main">
+  <p:cSld>
+    <p:spTree>
+      <p:nvGrpSpPr>
+        <p:cNvPr id="1" name=""/>
+        <p:cNvGrpSpPr/>
+        <p:nvPr/>
+      </p:nvGrpSpPr>
+      <p:grpSpPr>
+        <a:xfrm>
+          <a:off x="0" y="0"/>
+          <a:ext cx="0" cy="0"/>
+          <a:chOff x="0" y="0"/>
+          <a:chExt cx="0" cy="0"/>
+        </a:xfrm>
+      </p:grpSpPr>
+      <p:sp>
+        <p:nvSpPr>
+          <p:cNvPr id="10" name="內容版面配置區 2">
+            <a:extLst>
+              <a:ext uri="{FF2B5EF4-FFF2-40B4-BE49-F238E27FC236}">
+                <a16:creationId xmlns:a16="http://schemas.microsoft.com/office/drawing/2014/main" id="{84288266-7418-F062-C7F6-61460431B37A}"/>
+              </a:ext>
+            </a:extLst>
+          </p:cNvPr>
+          <p:cNvSpPr>
+            <a:spLocks noGrp="1"/>
+          </p:cNvSpPr>
+          <p:nvPr>
+            <p:ph idx="1"/>
+          </p:nvPr>
+        </p:nvSpPr>
+        <p:spPr>
+          <a:xfrm>
+            <a:off x="838200" y="1929384"/>
+            <a:ext cx="10515600" cy="4654526"/>
+          </a:xfrm>
+        </p:spPr>
+        <p:txBody>
+          <a:bodyPr vert="horz" lIns="91440" tIns="45720" rIns="91440" bIns="45720" rtlCol="0" anchor="t">
+            <a:normAutofit lnSpcReduction="10000"/>
+          </a:bodyPr>
+          <a:lstStyle/>
+          <a:p>
+            <a:r>
+              <a:rPr lang="zh-TW" altLang="en-US"/>
+              <a:t>名詞＋</a:t>
+            </a:r>
+            <a:r>
+              <a:rPr lang="zh-TW" altLang="en-US">
+                <a:solidFill>
+                  <a:srgbClr val="FF0000"/>
+                </a:solidFill>
+              </a:rPr>
+              <a:t>を</a:t>
+            </a:r>
+            <a:r>
+              <a:rPr lang="zh-TW">
+                <a:ea typeface="+mn-lt"/>
+                <a:cs typeface="+mn-lt"/>
+              </a:rPr>
+              <a:t>＋</a:t>
+            </a:r>
+            <a:r>
+              <a:rPr lang="zh-TW" altLang="en-US">
+                <a:ea typeface="+mn-lt"/>
+                <a:cs typeface="+mn-lt"/>
+              </a:rPr>
+              <a:t>動作</a:t>
+            </a:r>
+            <a:endParaRPr lang="zh-TW" altLang="en-US" dirty="0">
+              <a:ea typeface="+mn-lt"/>
+              <a:cs typeface="+mn-lt"/>
+            </a:endParaRPr>
+          </a:p>
+          <a:p>
+            <a:endParaRPr lang="zh-TW" altLang="en-US" dirty="0"/>
+          </a:p>
+          <a:p>
+            <a:r>
+              <a:rPr lang="zh-TW" altLang="en-US"/>
+              <a:t>ご飯</a:t>
+            </a:r>
+            <a:r>
+              <a:rPr lang="zh-TW" altLang="en-US">
+                <a:solidFill>
+                  <a:srgbClr val="FF0000"/>
+                </a:solidFill>
+              </a:rPr>
+              <a:t>を</a:t>
+            </a:r>
+            <a:r>
+              <a:rPr lang="zh-TW" altLang="en-US"/>
+              <a:t>食べます。</a:t>
+            </a:r>
+            <a:endParaRPr lang="zh-TW" altLang="en-US" dirty="0"/>
+          </a:p>
+          <a:p>
+            <a:r>
+              <a:rPr lang="zh-TW" altLang="en-US"/>
+              <a:t>ビール</a:t>
+            </a:r>
+            <a:r>
+              <a:rPr lang="zh-TW" altLang="en-US">
+                <a:solidFill>
+                  <a:srgbClr val="FF0000"/>
+                </a:solidFill>
+              </a:rPr>
+              <a:t>を</a:t>
+            </a:r>
+            <a:r>
+              <a:rPr lang="zh-TW" altLang="en-US"/>
+              <a:t>飲みます。</a:t>
+            </a:r>
+            <a:endParaRPr lang="zh-TW" altLang="en-US" dirty="0"/>
+          </a:p>
+          <a:p>
+            <a:r>
+              <a:rPr lang="zh-TW" altLang="en-US"/>
+              <a:t>穴</a:t>
+            </a:r>
+            <a:r>
+              <a:rPr lang="zh-TW" altLang="en-US">
+                <a:solidFill>
+                  <a:srgbClr val="FF0000"/>
+                </a:solidFill>
+              </a:rPr>
+              <a:t>を</a:t>
+            </a:r>
+            <a:r>
+              <a:rPr lang="zh-TW" altLang="en-US"/>
+              <a:t>掘ります</a:t>
+            </a:r>
+            <a:endParaRPr lang="zh-TW" altLang="en-US" dirty="0"/>
+          </a:p>
+          <a:p>
+            <a:r>
+              <a:rPr lang="zh-TW" altLang="en-US"/>
+              <a:t>お湯</a:t>
+            </a:r>
+            <a:r>
+              <a:rPr lang="zh-TW" altLang="en-US">
+                <a:solidFill>
+                  <a:srgbClr val="FF0000"/>
+                </a:solidFill>
+              </a:rPr>
+              <a:t>を</a:t>
+            </a:r>
+            <a:r>
+              <a:rPr lang="zh-TW" altLang="en-US"/>
+              <a:t>沸かします。</a:t>
+            </a:r>
+            <a:endParaRPr lang="zh-TW" altLang="en-US" dirty="0"/>
+          </a:p>
+          <a:p>
+            <a:r>
+              <a:rPr lang="zh-TW" altLang="en-US"/>
+              <a:t>橋</a:t>
+            </a:r>
+            <a:r>
+              <a:rPr lang="zh-TW" altLang="en-US">
+                <a:solidFill>
+                  <a:srgbClr val="FF0000"/>
+                </a:solidFill>
+              </a:rPr>
+              <a:t>を</a:t>
+            </a:r>
+            <a:r>
+              <a:rPr lang="zh-TW" altLang="en-US"/>
+              <a:t>渡ります。</a:t>
+            </a:r>
+            <a:endParaRPr lang="zh-TW" altLang="en-US" dirty="0"/>
+          </a:p>
+          <a:p>
+            <a:r>
+              <a:rPr lang="zh-TW" altLang="en-US"/>
+              <a:t>教室</a:t>
+            </a:r>
+            <a:r>
+              <a:rPr lang="zh-TW" altLang="en-US">
+                <a:solidFill>
+                  <a:srgbClr val="FF0000"/>
+                </a:solidFill>
+              </a:rPr>
+              <a:t>を</a:t>
+            </a:r>
+            <a:r>
+              <a:rPr lang="zh-TW" altLang="en-US"/>
+              <a:t>出ます。</a:t>
+            </a:r>
+            <a:endParaRPr lang="zh-TW" altLang="en-US" dirty="0"/>
+          </a:p>
+          <a:p>
+            <a:endParaRPr lang="zh-TW" altLang="en-US" dirty="0"/>
+          </a:p>
+          <a:p>
+            <a:endParaRPr lang="zh-TW" altLang="en-US" sz="2600" dirty="0"/>
+          </a:p>
+          <a:p>
+            <a:endParaRPr lang="zh-TW" altLang="en-US" sz="2400" dirty="0"/>
+          </a:p>
+        </p:txBody>
+      </p:sp>
+      <p:sp>
+        <p:nvSpPr>
+          <p:cNvPr id="2" name="標題 1">
+            <a:extLst>
+              <a:ext uri="{FF2B5EF4-FFF2-40B4-BE49-F238E27FC236}">
+                <a16:creationId xmlns:a16="http://schemas.microsoft.com/office/drawing/2014/main" id="{37A17A5C-282D-9A06-2BB9-7608E2DA7C30}"/>
+              </a:ext>
+            </a:extLst>
+          </p:cNvPr>
+          <p:cNvSpPr>
+            <a:spLocks noGrp="1"/>
+          </p:cNvSpPr>
+          <p:nvPr>
+            <p:ph type="title"/>
+          </p:nvPr>
+        </p:nvSpPr>
+        <p:spPr>
+          <a:xfrm>
+            <a:off x="838200" y="365125"/>
+            <a:ext cx="11176957" cy="1339940"/>
+          </a:xfrm>
+        </p:spPr>
+        <p:txBody>
+          <a:bodyPr>
+            <a:noAutofit/>
+          </a:bodyPr>
+          <a:lstStyle/>
+          <a:p>
+            <a:r>
+              <a:rPr lang="zh-TW" altLang="en-US" sz="3600"/>
+              <a:t>動作作用對象「を」</a:t>
+            </a:r>
+          </a:p>
+        </p:txBody>
+      </p:sp>
+      <p:sp>
+        <p:nvSpPr>
+          <p:cNvPr id="6" name="內容版面配置區 2">
+            <a:extLst>
+              <a:ext uri="{FF2B5EF4-FFF2-40B4-BE49-F238E27FC236}">
+                <a16:creationId xmlns:a16="http://schemas.microsoft.com/office/drawing/2014/main" id="{48C6A82B-2859-6441-1E05-E4BBBEF4F87D}"/>
+              </a:ext>
+            </a:extLst>
+          </p:cNvPr>
+          <p:cNvSpPr txBox="1">
+            <a:spLocks/>
+          </p:cNvSpPr>
+          <p:nvPr/>
+        </p:nvSpPr>
+        <p:spPr>
+          <a:xfrm>
+            <a:off x="4961695" y="3065507"/>
+            <a:ext cx="6852492" cy="2819768"/>
+          </a:xfrm>
+          <a:prstGeom prst="rect">
+            <a:avLst/>
+          </a:prstGeom>
+        </p:spPr>
+        <p:txBody>
+          <a:bodyPr vert="horz" lIns="91440" tIns="45720" rIns="91440" bIns="45720" rtlCol="0" anchor="t">
+            <a:noAutofit/>
+          </a:bodyPr>
+          <a:lstStyle>
+            <a:lvl1pPr marL="228600" indent="-228600" algn="l" defTabSz="914400" rtl="0" eaLnBrk="1" latinLnBrk="0" hangingPunct="1">
+              <a:lnSpc>
+                <a:spcPct val="110000"/>
+              </a:lnSpc>
+              <a:spcBef>
+                <a:spcPts val="1000"/>
+              </a:spcBef>
+              <a:buFont typeface="Arial" panose="020B0604020202020204" pitchFamily="34" charset="0"/>
+              <a:buChar char="•"/>
+              <a:defRPr sz="2800" kern="1200">
+                <a:solidFill>
+                  <a:schemeClr val="tx1"/>
+                </a:solidFill>
+                <a:latin typeface="+mn-lt"/>
+                <a:ea typeface="+mn-ea"/>
+                <a:cs typeface="+mn-cs"/>
+              </a:defRPr>
+            </a:lvl1pPr>
+            <a:lvl2pPr marL="685800" indent="-228600" algn="l" defTabSz="914400" rtl="0" eaLnBrk="1" latinLnBrk="0" hangingPunct="1">
+              <a:lnSpc>
+                <a:spcPct val="110000"/>
+              </a:lnSpc>
+              <a:spcBef>
+                <a:spcPts val="500"/>
+              </a:spcBef>
+              <a:buFont typeface="Arial" panose="020B0604020202020204" pitchFamily="34" charset="0"/>
+              <a:buChar char="•"/>
+              <a:defRPr sz="2400" kern="1200">
+                <a:solidFill>
+                  <a:schemeClr val="tx1"/>
+                </a:solidFill>
+                <a:latin typeface="+mn-lt"/>
+                <a:ea typeface="+mn-ea"/>
+                <a:cs typeface="+mn-cs"/>
+              </a:defRPr>
+            </a:lvl2pPr>
+            <a:lvl3pPr marL="1143000" indent="-228600" algn="l" defTabSz="914400" rtl="0" eaLnBrk="1" latinLnBrk="0" hangingPunct="1">
+              <a:lnSpc>
+                <a:spcPct val="110000"/>
+              </a:lnSpc>
+              <a:spcBef>
+                <a:spcPts val="500"/>
+              </a:spcBef>
+              <a:buFont typeface="Arial" panose="020B0604020202020204" pitchFamily="34" charset="0"/>
+              <a:buChar char="•"/>
+              <a:defRPr sz="2000" kern="1200">
+                <a:solidFill>
+                  <a:schemeClr val="tx1"/>
+                </a:solidFill>
+                <a:latin typeface="+mn-lt"/>
+                <a:ea typeface="+mn-ea"/>
+                <a:cs typeface="+mn-cs"/>
+              </a:defRPr>
+            </a:lvl3pPr>
+            <a:lvl4pPr marL="1600200" indent="-228600" algn="l" defTabSz="914400" rtl="0" eaLnBrk="1" latinLnBrk="0" hangingPunct="1">
+              <a:lnSpc>
+                <a:spcPct val="110000"/>
+              </a:lnSpc>
+              <a:spcBef>
+                <a:spcPts val="500"/>
+              </a:spcBef>
+              <a:buFont typeface="Arial" panose="020B0604020202020204" pitchFamily="34" charset="0"/>
+              <a:buChar char="•"/>
+              <a:defRPr sz="1800" kern="1200">
+                <a:solidFill>
+                  <a:schemeClr val="tx1"/>
+                </a:solidFill>
+                <a:latin typeface="+mn-lt"/>
+                <a:ea typeface="+mn-ea"/>
+                <a:cs typeface="+mn-cs"/>
+              </a:defRPr>
+            </a:lvl4pPr>
+            <a:lvl5pPr marL="2057400" indent="-228600" algn="l" defTabSz="914400" rtl="0" eaLnBrk="1" latinLnBrk="0" hangingPunct="1">
+              <a:lnSpc>
+                <a:spcPct val="110000"/>
+              </a:lnSpc>
+              <a:spcBef>
+                <a:spcPts val="500"/>
+              </a:spcBef>
+              <a:buFont typeface="Arial" panose="020B0604020202020204" pitchFamily="34" charset="0"/>
+              <a:buChar char="•"/>
+              <a:defRPr sz="1800" kern="1200">
+                <a:solidFill>
+                  <a:schemeClr val="tx1"/>
+                </a:solidFill>
+                <a:latin typeface="+mn-lt"/>
+                <a:ea typeface="+mn-ea"/>
+                <a:cs typeface="+mn-cs"/>
+              </a:defRPr>
+            </a:lvl5pPr>
+            <a:lvl6pPr marL="2514600" indent="-228600" algn="l" defTabSz="914400" rtl="0" eaLnBrk="1" latinLnBrk="0" hangingPunct="1">
+              <a:lnSpc>
+                <a:spcPct val="90000"/>
+              </a:lnSpc>
+              <a:spcBef>
+                <a:spcPts val="500"/>
+              </a:spcBef>
+              <a:buFont typeface="Arial" panose="020B0604020202020204" pitchFamily="34" charset="0"/>
+              <a:buChar char="•"/>
+              <a:defRPr sz="1800" kern="1200">
+                <a:solidFill>
+                  <a:schemeClr val="tx1"/>
+                </a:solidFill>
+                <a:latin typeface="+mn-lt"/>
+                <a:ea typeface="+mn-ea"/>
+                <a:cs typeface="+mn-cs"/>
+              </a:defRPr>
+            </a:lvl6pPr>
+            <a:lvl7pPr marL="2971800" indent="-228600" algn="l" defTabSz="914400" rtl="0" eaLnBrk="1" latinLnBrk="0" hangingPunct="1">
+              <a:lnSpc>
+                <a:spcPct val="90000"/>
+              </a:lnSpc>
+              <a:spcBef>
+                <a:spcPts val="500"/>
+              </a:spcBef>
+              <a:buFont typeface="Arial" panose="020B0604020202020204" pitchFamily="34" charset="0"/>
+              <a:buChar char="•"/>
+              <a:defRPr sz="1800" kern="1200">
+                <a:solidFill>
+                  <a:schemeClr val="tx1"/>
+                </a:solidFill>
+                <a:latin typeface="+mn-lt"/>
+                <a:ea typeface="+mn-ea"/>
+                <a:cs typeface="+mn-cs"/>
+              </a:defRPr>
+            </a:lvl7pPr>
+            <a:lvl8pPr marL="3429000" indent="-228600" algn="l" defTabSz="914400" rtl="0" eaLnBrk="1" latinLnBrk="0" hangingPunct="1">
+              <a:lnSpc>
+                <a:spcPct val="90000"/>
+              </a:lnSpc>
+              <a:spcBef>
+                <a:spcPts val="500"/>
+              </a:spcBef>
+              <a:buFont typeface="Arial" panose="020B0604020202020204" pitchFamily="34" charset="0"/>
+              <a:buChar char="•"/>
+              <a:defRPr sz="1800" kern="1200">
+                <a:solidFill>
+                  <a:schemeClr val="tx1"/>
+                </a:solidFill>
+                <a:latin typeface="+mn-lt"/>
+                <a:ea typeface="+mn-ea"/>
+                <a:cs typeface="+mn-cs"/>
+              </a:defRPr>
+            </a:lvl8pPr>
+            <a:lvl9pPr marL="3886200" indent="-228600" algn="l" defTabSz="914400" rtl="0" eaLnBrk="1" latinLnBrk="0" hangingPunct="1">
+              <a:lnSpc>
+                <a:spcPct val="90000"/>
+              </a:lnSpc>
+              <a:spcBef>
+                <a:spcPts val="500"/>
+              </a:spcBef>
+              <a:buFont typeface="Arial" panose="020B0604020202020204" pitchFamily="34" charset="0"/>
+              <a:buChar char="•"/>
+              <a:defRPr sz="1800" kern="1200">
+                <a:solidFill>
+                  <a:schemeClr val="tx1"/>
+                </a:solidFill>
+                <a:latin typeface="+mn-lt"/>
+                <a:ea typeface="+mn-ea"/>
+                <a:cs typeface="+mn-cs"/>
+              </a:defRPr>
+            </a:lvl9pPr>
+          </a:lstStyle>
+          <a:p>
+            <a:r>
+              <a:rPr lang="zh-TW" altLang="en-US" sz="2600"/>
+              <a:t>例文</a:t>
+            </a:r>
+          </a:p>
+          <a:p>
+            <a:pPr lvl="1"/>
+            <a:r>
+              <a:rPr lang="zh-TW" altLang="en-US" sz="2600"/>
+              <a:t>日本人は箸でご飯を食べます。</a:t>
+            </a:r>
+          </a:p>
+          <a:p>
+            <a:pPr lvl="1"/>
+            <a:r>
+              <a:rPr lang="zh-TW" altLang="en-US" sz="2600"/>
+              <a:t>昨日、たくさんお酒を飲みました。</a:t>
+            </a:r>
+            <a:endParaRPr lang="zh-TW" altLang="en-US" sz="2600" dirty="0"/>
+          </a:p>
+          <a:p>
+            <a:pPr lvl="1"/>
+            <a:r>
+              <a:rPr lang="zh-TW" altLang="en-US" sz="2600"/>
+              <a:t>ここに名前と住所を書いてください。</a:t>
+            </a:r>
+            <a:endParaRPr lang="zh-TW" altLang="en-US" sz="2600" dirty="0"/>
+          </a:p>
+          <a:p>
+            <a:pPr lvl="1"/>
+            <a:r>
+              <a:rPr lang="zh-TW" altLang="en-US" sz="2600"/>
+              <a:t>週に三回、学校で日本号を勉強します。</a:t>
+            </a:r>
+            <a:endParaRPr lang="zh-TW" altLang="en-US" sz="2600" dirty="0"/>
+          </a:p>
+          <a:p>
+            <a:pPr lvl="1"/>
+            <a:endParaRPr lang="zh-TW" altLang="en-US" sz="2600" dirty="0"/>
+          </a:p>
+        </p:txBody>
+      </p:sp>
+    </p:spTree>
+    <p:extLst>
+      <p:ext uri="{BB962C8B-B14F-4D97-AF65-F5344CB8AC3E}">
+        <p14:creationId xmlns:p14="http://schemas.microsoft.com/office/powerpoint/2010/main" val="1581681036"/>
+      </p:ext>
+    </p:extLst>
+  </p:cSld>
+  <p:clrMapOvr>
+    <a:masterClrMapping/>
+  </p:clrMapOvr>
+</p:sld>
+</file>
+
+<file path=ppt/slides/slide21.xml><?xml version="1.0" encoding="utf-8"?>
+<p:sld xmlns:a="http://schemas.openxmlformats.org/drawingml/2006/main" xmlns:r="http://schemas.openxmlformats.org/officeDocument/2006/relationships" xmlns:p="http://schemas.openxmlformats.org/presentationml/2006/main">
+  <p:cSld>
+    <p:spTree>
+      <p:nvGrpSpPr>
+        <p:cNvPr id="1" name=""/>
+        <p:cNvGrpSpPr/>
+        <p:nvPr/>
+      </p:nvGrpSpPr>
+      <p:grpSpPr>
+        <a:xfrm>
+          <a:off x="0" y="0"/>
+          <a:ext cx="0" cy="0"/>
+          <a:chOff x="0" y="0"/>
+          <a:chExt cx="0" cy="0"/>
+        </a:xfrm>
+      </p:grpSpPr>
+      <p:sp>
+        <p:nvSpPr>
+          <p:cNvPr id="10" name="內容版面配置區 2">
+            <a:extLst>
+              <a:ext uri="{FF2B5EF4-FFF2-40B4-BE49-F238E27FC236}">
+                <a16:creationId xmlns:a16="http://schemas.microsoft.com/office/drawing/2014/main" id="{84288266-7418-F062-C7F6-61460431B37A}"/>
+              </a:ext>
+            </a:extLst>
+          </p:cNvPr>
+          <p:cNvSpPr>
+            <a:spLocks noGrp="1"/>
+          </p:cNvSpPr>
+          <p:nvPr>
+            <p:ph idx="1"/>
+          </p:nvPr>
+        </p:nvSpPr>
+        <p:spPr>
+          <a:xfrm>
+            <a:off x="378125" y="1986893"/>
+            <a:ext cx="10515600" cy="4654526"/>
+          </a:xfrm>
+        </p:spPr>
+        <p:txBody>
+          <a:bodyPr vert="horz" lIns="91440" tIns="45720" rIns="91440" bIns="45720" rtlCol="0" anchor="t">
+            <a:normAutofit/>
+          </a:bodyPr>
+          <a:lstStyle/>
+          <a:p>
+            <a:r>
+              <a:rPr lang="zh-TW" altLang="en-US" sz="2300"/>
+              <a:t>名詞＋</a:t>
+            </a:r>
+            <a:r>
+              <a:rPr lang="zh-TW" altLang="en-US" sz="2300">
+                <a:solidFill>
+                  <a:srgbClr val="FF0000"/>
+                </a:solidFill>
+                <a:ea typeface="+mn-lt"/>
+                <a:cs typeface="+mn-lt"/>
+              </a:rPr>
+              <a:t>で</a:t>
+            </a:r>
+            <a:r>
+              <a:rPr lang="zh-TW" sz="2300">
+                <a:ea typeface="+mn-lt"/>
+                <a:cs typeface="+mn-lt"/>
+              </a:rPr>
+              <a:t>＋</a:t>
+            </a:r>
+            <a:r>
+              <a:rPr lang="zh-TW" altLang="en-US" sz="2300">
+                <a:ea typeface="+mn-lt"/>
+                <a:cs typeface="+mn-lt"/>
+              </a:rPr>
+              <a:t>動作</a:t>
+            </a:r>
+            <a:endParaRPr lang="zh-TW" altLang="en-US" sz="2300" dirty="0">
+              <a:ea typeface="+mn-lt"/>
+              <a:cs typeface="+mn-lt"/>
+            </a:endParaRPr>
+          </a:p>
+          <a:p>
+            <a:endParaRPr lang="zh-TW" altLang="en-US" sz="2300" dirty="0"/>
+          </a:p>
+          <a:p>
+            <a:r>
+              <a:rPr lang="zh-TW" altLang="en-US" sz="2200"/>
+              <a:t>図書館</a:t>
+            </a:r>
+            <a:r>
+              <a:rPr lang="zh-TW" altLang="en-US" sz="2200">
+                <a:solidFill>
+                  <a:srgbClr val="FF0000"/>
+                </a:solidFill>
+              </a:rPr>
+              <a:t>で</a:t>
+            </a:r>
+            <a:r>
+              <a:rPr lang="zh-TW" altLang="en-US" sz="2200"/>
+              <a:t>勉強します。</a:t>
+            </a:r>
+            <a:endParaRPr lang="zh-TW" altLang="en-US" sz="2200" dirty="0"/>
+          </a:p>
+          <a:p>
+            <a:r>
+              <a:rPr lang="zh-TW" altLang="en-US" sz="2200"/>
+              <a:t>公園</a:t>
+            </a:r>
+            <a:r>
+              <a:rPr lang="zh-TW" altLang="en-US" sz="2200">
+                <a:solidFill>
+                  <a:srgbClr val="FF0000"/>
+                </a:solidFill>
+              </a:rPr>
+              <a:t>で</a:t>
+            </a:r>
+            <a:r>
+              <a:rPr lang="zh-TW" altLang="en-US" sz="2200"/>
+              <a:t>友達と遊びます。</a:t>
+            </a:r>
+            <a:endParaRPr lang="zh-TW" altLang="en-US" sz="2200" dirty="0"/>
+          </a:p>
+          <a:p>
+            <a:r>
+              <a:rPr lang="zh-TW" altLang="en-US" sz="2200"/>
+              <a:t>公園</a:t>
+            </a:r>
+            <a:r>
+              <a:rPr lang="zh-TW" altLang="en-US" sz="2200">
+                <a:solidFill>
+                  <a:srgbClr val="FF0000"/>
+                </a:solidFill>
+              </a:rPr>
+              <a:t>を</a:t>
+            </a:r>
+            <a:r>
+              <a:rPr lang="zh-TW" altLang="en-US" sz="2200"/>
+              <a:t>散歩します。</a:t>
+            </a:r>
+            <a:endParaRPr lang="zh-TW" altLang="en-US" sz="2200" dirty="0"/>
+          </a:p>
+          <a:p>
+            <a:r>
+              <a:rPr lang="zh-TW" altLang="en-US" sz="2200"/>
+              <a:t>この紙</a:t>
+            </a:r>
+            <a:r>
+              <a:rPr lang="zh-TW" altLang="en-US" sz="2200">
+                <a:solidFill>
+                  <a:srgbClr val="FF0000"/>
+                </a:solidFill>
+              </a:rPr>
+              <a:t>に</a:t>
+            </a:r>
+            <a:r>
+              <a:rPr lang="zh-TW" altLang="en-US" sz="2200"/>
+              <a:t>名前と電話番号を書いてください。</a:t>
+            </a:r>
+            <a:endParaRPr lang="zh-TW" altLang="en-US" sz="2200" dirty="0"/>
+          </a:p>
+          <a:p>
+            <a:r>
+              <a:rPr lang="zh-TW" altLang="en-US" sz="2200"/>
+              <a:t>ここ</a:t>
+            </a:r>
+            <a:r>
+              <a:rPr lang="zh-TW" altLang="en-US" sz="2200">
+                <a:solidFill>
+                  <a:srgbClr val="FF0000"/>
+                </a:solidFill>
+              </a:rPr>
+              <a:t>に</a:t>
+            </a:r>
+            <a:r>
+              <a:rPr lang="zh-TW" altLang="en-US" sz="2200"/>
+              <a:t>車を止めてください。</a:t>
+            </a:r>
+            <a:endParaRPr lang="zh-TW" altLang="en-US" sz="2200" dirty="0"/>
+          </a:p>
+          <a:p>
+            <a:r>
+              <a:rPr lang="zh-TW" altLang="en-US" sz="2200"/>
+              <a:t>ここ</a:t>
+            </a:r>
+            <a:r>
+              <a:rPr lang="zh-TW" altLang="en-US" sz="2200">
+                <a:solidFill>
+                  <a:srgbClr val="FF0000"/>
+                </a:solidFill>
+              </a:rPr>
+              <a:t>で</a:t>
+            </a:r>
+            <a:r>
+              <a:rPr lang="zh-TW" altLang="en-US" sz="2200"/>
+              <a:t>車を止めてください。</a:t>
+            </a:r>
+            <a:endParaRPr lang="zh-TW" altLang="en-US" sz="2200" dirty="0"/>
+          </a:p>
+          <a:p>
+            <a:endParaRPr lang="zh-TW" altLang="en-US" sz="2200" dirty="0"/>
+          </a:p>
+          <a:p>
+            <a:endParaRPr lang="zh-TW" altLang="en-US" sz="2200" dirty="0"/>
+          </a:p>
+          <a:p>
+            <a:endParaRPr lang="zh-TW" altLang="en-US" sz="2200" dirty="0"/>
+          </a:p>
+        </p:txBody>
+      </p:sp>
+      <p:sp>
+        <p:nvSpPr>
+          <p:cNvPr id="2" name="標題 1">
+            <a:extLst>
+              <a:ext uri="{FF2B5EF4-FFF2-40B4-BE49-F238E27FC236}">
+                <a16:creationId xmlns:a16="http://schemas.microsoft.com/office/drawing/2014/main" id="{37A17A5C-282D-9A06-2BB9-7608E2DA7C30}"/>
+              </a:ext>
+            </a:extLst>
+          </p:cNvPr>
+          <p:cNvSpPr>
+            <a:spLocks noGrp="1"/>
+          </p:cNvSpPr>
+          <p:nvPr>
+            <p:ph type="title"/>
+          </p:nvPr>
+        </p:nvSpPr>
+        <p:spPr>
+          <a:xfrm>
+            <a:off x="838200" y="365125"/>
+            <a:ext cx="11176957" cy="1339940"/>
+          </a:xfrm>
+        </p:spPr>
+        <p:txBody>
+          <a:bodyPr>
+            <a:noAutofit/>
+          </a:bodyPr>
+          <a:lstStyle/>
+          <a:p>
+            <a:r>
+              <a:rPr lang="zh-TW" altLang="en-US" sz="3600"/>
+              <a:t>助詞：動作進行地點「で」（在～）</a:t>
+            </a:r>
+            <a:endParaRPr lang="zh-TW" altLang="en-US" sz="3600" dirty="0"/>
+          </a:p>
+        </p:txBody>
+      </p:sp>
+      <p:sp>
+        <p:nvSpPr>
+          <p:cNvPr id="6" name="內容版面配置區 2">
+            <a:extLst>
+              <a:ext uri="{FF2B5EF4-FFF2-40B4-BE49-F238E27FC236}">
+                <a16:creationId xmlns:a16="http://schemas.microsoft.com/office/drawing/2014/main" id="{48C6A82B-2859-6441-1E05-E4BBBEF4F87D}"/>
+              </a:ext>
+            </a:extLst>
+          </p:cNvPr>
+          <p:cNvSpPr txBox="1">
+            <a:spLocks/>
+          </p:cNvSpPr>
+          <p:nvPr/>
+        </p:nvSpPr>
+        <p:spPr>
+          <a:xfrm>
+            <a:off x="5910601" y="3079884"/>
+            <a:ext cx="6277398" cy="3581768"/>
+          </a:xfrm>
+          <a:prstGeom prst="rect">
+            <a:avLst/>
+          </a:prstGeom>
+        </p:spPr>
+        <p:txBody>
+          <a:bodyPr vert="horz" lIns="91440" tIns="45720" rIns="91440" bIns="45720" rtlCol="0" anchor="t">
+            <a:noAutofit/>
+          </a:bodyPr>
+          <a:lstStyle>
+            <a:lvl1pPr marL="228600" indent="-228600" algn="l" defTabSz="914400" rtl="0" eaLnBrk="1" latinLnBrk="0" hangingPunct="1">
+              <a:lnSpc>
+                <a:spcPct val="110000"/>
+              </a:lnSpc>
+              <a:spcBef>
+                <a:spcPts val="1000"/>
+              </a:spcBef>
+              <a:buFont typeface="Arial" panose="020B0604020202020204" pitchFamily="34" charset="0"/>
+              <a:buChar char="•"/>
+              <a:defRPr sz="2800" kern="1200">
+                <a:solidFill>
+                  <a:schemeClr val="tx1"/>
+                </a:solidFill>
+                <a:latin typeface="+mn-lt"/>
+                <a:ea typeface="+mn-ea"/>
+                <a:cs typeface="+mn-cs"/>
+              </a:defRPr>
+            </a:lvl1pPr>
+            <a:lvl2pPr marL="685800" indent="-228600" algn="l" defTabSz="914400" rtl="0" eaLnBrk="1" latinLnBrk="0" hangingPunct="1">
+              <a:lnSpc>
+                <a:spcPct val="110000"/>
+              </a:lnSpc>
+              <a:spcBef>
+                <a:spcPts val="500"/>
+              </a:spcBef>
+              <a:buFont typeface="Arial" panose="020B0604020202020204" pitchFamily="34" charset="0"/>
+              <a:buChar char="•"/>
+              <a:defRPr sz="2400" kern="1200">
+                <a:solidFill>
+                  <a:schemeClr val="tx1"/>
+                </a:solidFill>
+                <a:latin typeface="+mn-lt"/>
+                <a:ea typeface="+mn-ea"/>
+                <a:cs typeface="+mn-cs"/>
+              </a:defRPr>
+            </a:lvl2pPr>
+            <a:lvl3pPr marL="1143000" indent="-228600" algn="l" defTabSz="914400" rtl="0" eaLnBrk="1" latinLnBrk="0" hangingPunct="1">
+              <a:lnSpc>
+                <a:spcPct val="110000"/>
+              </a:lnSpc>
+              <a:spcBef>
+                <a:spcPts val="500"/>
+              </a:spcBef>
+              <a:buFont typeface="Arial" panose="020B0604020202020204" pitchFamily="34" charset="0"/>
+              <a:buChar char="•"/>
+              <a:defRPr sz="2000" kern="1200">
+                <a:solidFill>
+                  <a:schemeClr val="tx1"/>
+                </a:solidFill>
+                <a:latin typeface="+mn-lt"/>
+                <a:ea typeface="+mn-ea"/>
+                <a:cs typeface="+mn-cs"/>
+              </a:defRPr>
+            </a:lvl3pPr>
+            <a:lvl4pPr marL="1600200" indent="-228600" algn="l" defTabSz="914400" rtl="0" eaLnBrk="1" latinLnBrk="0" hangingPunct="1">
+              <a:lnSpc>
+                <a:spcPct val="110000"/>
+              </a:lnSpc>
+              <a:spcBef>
+                <a:spcPts val="500"/>
+              </a:spcBef>
+              <a:buFont typeface="Arial" panose="020B0604020202020204" pitchFamily="34" charset="0"/>
+              <a:buChar char="•"/>
+              <a:defRPr sz="1800" kern="1200">
+                <a:solidFill>
+                  <a:schemeClr val="tx1"/>
+                </a:solidFill>
+                <a:latin typeface="+mn-lt"/>
+                <a:ea typeface="+mn-ea"/>
+                <a:cs typeface="+mn-cs"/>
+              </a:defRPr>
+            </a:lvl4pPr>
+            <a:lvl5pPr marL="2057400" indent="-228600" algn="l" defTabSz="914400" rtl="0" eaLnBrk="1" latinLnBrk="0" hangingPunct="1">
+              <a:lnSpc>
+                <a:spcPct val="110000"/>
+              </a:lnSpc>
+              <a:spcBef>
+                <a:spcPts val="500"/>
+              </a:spcBef>
+              <a:buFont typeface="Arial" panose="020B0604020202020204" pitchFamily="34" charset="0"/>
+              <a:buChar char="•"/>
+              <a:defRPr sz="1800" kern="1200">
+                <a:solidFill>
+                  <a:schemeClr val="tx1"/>
+                </a:solidFill>
+                <a:latin typeface="+mn-lt"/>
+                <a:ea typeface="+mn-ea"/>
+                <a:cs typeface="+mn-cs"/>
+              </a:defRPr>
+            </a:lvl5pPr>
+            <a:lvl6pPr marL="2514600" indent="-228600" algn="l" defTabSz="914400" rtl="0" eaLnBrk="1" latinLnBrk="0" hangingPunct="1">
+              <a:lnSpc>
+                <a:spcPct val="90000"/>
+              </a:lnSpc>
+              <a:spcBef>
+                <a:spcPts val="500"/>
+              </a:spcBef>
+              <a:buFont typeface="Arial" panose="020B0604020202020204" pitchFamily="34" charset="0"/>
+              <a:buChar char="•"/>
+              <a:defRPr sz="1800" kern="1200">
+                <a:solidFill>
+                  <a:schemeClr val="tx1"/>
+                </a:solidFill>
+                <a:latin typeface="+mn-lt"/>
+                <a:ea typeface="+mn-ea"/>
+                <a:cs typeface="+mn-cs"/>
+              </a:defRPr>
+            </a:lvl6pPr>
+            <a:lvl7pPr marL="2971800" indent="-228600" algn="l" defTabSz="914400" rtl="0" eaLnBrk="1" latinLnBrk="0" hangingPunct="1">
+              <a:lnSpc>
+                <a:spcPct val="90000"/>
+              </a:lnSpc>
+              <a:spcBef>
+                <a:spcPts val="500"/>
+              </a:spcBef>
+              <a:buFont typeface="Arial" panose="020B0604020202020204" pitchFamily="34" charset="0"/>
+              <a:buChar char="•"/>
+              <a:defRPr sz="1800" kern="1200">
+                <a:solidFill>
+                  <a:schemeClr val="tx1"/>
+                </a:solidFill>
+                <a:latin typeface="+mn-lt"/>
+                <a:ea typeface="+mn-ea"/>
+                <a:cs typeface="+mn-cs"/>
+              </a:defRPr>
+            </a:lvl7pPr>
+            <a:lvl8pPr marL="3429000" indent="-228600" algn="l" defTabSz="914400" rtl="0" eaLnBrk="1" latinLnBrk="0" hangingPunct="1">
+              <a:lnSpc>
+                <a:spcPct val="90000"/>
+              </a:lnSpc>
+              <a:spcBef>
+                <a:spcPts val="500"/>
+              </a:spcBef>
+              <a:buFont typeface="Arial" panose="020B0604020202020204" pitchFamily="34" charset="0"/>
+              <a:buChar char="•"/>
+              <a:defRPr sz="1800" kern="1200">
+                <a:solidFill>
+                  <a:schemeClr val="tx1"/>
+                </a:solidFill>
+                <a:latin typeface="+mn-lt"/>
+                <a:ea typeface="+mn-ea"/>
+                <a:cs typeface="+mn-cs"/>
+              </a:defRPr>
+            </a:lvl8pPr>
+            <a:lvl9pPr marL="3886200" indent="-228600" algn="l" defTabSz="914400" rtl="0" eaLnBrk="1" latinLnBrk="0" hangingPunct="1">
+              <a:lnSpc>
+                <a:spcPct val="90000"/>
+              </a:lnSpc>
+              <a:spcBef>
+                <a:spcPts val="500"/>
+              </a:spcBef>
+              <a:buFont typeface="Arial" panose="020B0604020202020204" pitchFamily="34" charset="0"/>
+              <a:buChar char="•"/>
+              <a:defRPr sz="1800" kern="1200">
+                <a:solidFill>
+                  <a:schemeClr val="tx1"/>
+                </a:solidFill>
+                <a:latin typeface="+mn-lt"/>
+                <a:ea typeface="+mn-ea"/>
+                <a:cs typeface="+mn-cs"/>
+              </a:defRPr>
+            </a:lvl9pPr>
+          </a:lstStyle>
+          <a:p>
+            <a:r>
+              <a:rPr lang="zh-TW" altLang="en-US" sz="2600"/>
+              <a:t>例文</a:t>
+            </a:r>
+          </a:p>
+          <a:p>
+            <a:pPr lvl="1"/>
+            <a:r>
+              <a:rPr lang="en-US" altLang="en-US" sz="2600" dirty="0" err="1"/>
+              <a:t>図書館で日本語を勉強します</a:t>
+            </a:r>
+            <a:r>
+              <a:rPr lang="en-US" altLang="en-US" sz="2600" dirty="0"/>
+              <a:t>。</a:t>
+            </a:r>
+          </a:p>
+          <a:p>
+            <a:pPr lvl="1"/>
+            <a:r>
+              <a:rPr lang="en-US" altLang="zh-TW" sz="2600" dirty="0" err="1"/>
+              <a:t>どこで昼ご飯を食べますか</a:t>
+            </a:r>
+            <a:r>
+              <a:rPr lang="en-US" altLang="zh-TW" sz="2600" dirty="0"/>
+              <a:t>。</a:t>
+            </a:r>
+          </a:p>
+          <a:p>
+            <a:pPr lvl="1"/>
+            <a:r>
+              <a:rPr lang="en-US" altLang="zh-TW" sz="2600" dirty="0" err="1"/>
+              <a:t>ここでタバコを吸わないでください</a:t>
+            </a:r>
+            <a:r>
+              <a:rPr lang="en-US" altLang="zh-TW" sz="2600" dirty="0"/>
+              <a:t>。</a:t>
+            </a:r>
+          </a:p>
+          <a:p>
+            <a:pPr lvl="1"/>
+            <a:r>
+              <a:rPr lang="en-US" altLang="zh-TW" sz="2600" dirty="0" err="1"/>
+              <a:t>上野公園でお花見をしましょう</a:t>
+            </a:r>
+            <a:r>
+              <a:rPr lang="en-US" altLang="zh-TW" sz="2600" dirty="0"/>
+              <a:t>。</a:t>
+            </a:r>
+          </a:p>
+          <a:p>
+            <a:pPr lvl="1"/>
+            <a:endParaRPr lang="en-US" altLang="zh-TW" sz="2600" dirty="0"/>
+          </a:p>
+          <a:p>
+            <a:pPr lvl="1"/>
+            <a:endParaRPr lang="zh-TW" altLang="en-US" sz="2600" dirty="0"/>
+          </a:p>
+        </p:txBody>
+      </p:sp>
+    </p:spTree>
+    <p:extLst>
+      <p:ext uri="{BB962C8B-B14F-4D97-AF65-F5344CB8AC3E}">
+        <p14:creationId xmlns:p14="http://schemas.microsoft.com/office/powerpoint/2010/main" val="707510506"/>
+      </p:ext>
+    </p:extLst>
+  </p:cSld>
+  <p:clrMapOvr>
+    <a:masterClrMapping/>
+  </p:clrMapOvr>
+</p:sld>
+</file>
+
+<file path=ppt/slides/slide3.xml><?xml version="1.0" encoding="utf-8"?>
+<p:sld xmlns:a="http://schemas.openxmlformats.org/drawingml/2006/main" xmlns:r="http://schemas.openxmlformats.org/officeDocument/2006/relationships" xmlns:p="http://schemas.openxmlformats.org/presentationml/2006/main">
+  <p:cSld>
+    <p:spTree>
+      <p:nvGrpSpPr>
+        <p:cNvPr id="1" name=""/>
+        <p:cNvGrpSpPr/>
+        <p:nvPr/>
+      </p:nvGrpSpPr>
+      <p:grpSpPr>
+        <a:xfrm>
+          <a:off x="0" y="0"/>
+          <a:ext cx="0" cy="0"/>
+          <a:chOff x="0" y="0"/>
+          <a:chExt cx="0" cy="0"/>
+        </a:xfrm>
+      </p:grpSpPr>
+      <p:sp>
+        <p:nvSpPr>
+          <p:cNvPr id="2" name="標題 1">
+            <a:extLst>
+              <a:ext uri="{FF2B5EF4-FFF2-40B4-BE49-F238E27FC236}">
+                <a16:creationId xmlns:a16="http://schemas.microsoft.com/office/drawing/2014/main" id="{37A17A5C-282D-9A06-2BB9-7608E2DA7C30}"/>
+              </a:ext>
+            </a:extLst>
+          </p:cNvPr>
+          <p:cNvSpPr>
+            <a:spLocks noGrp="1"/>
+          </p:cNvSpPr>
+          <p:nvPr>
+            <p:ph type="title"/>
+          </p:nvPr>
+        </p:nvSpPr>
+        <p:spPr/>
+        <p:txBody>
+          <a:bodyPr>
+            <a:noAutofit/>
+          </a:bodyPr>
+          <a:lstStyle/>
+          <a:p>
+            <a:r>
+              <a:rPr lang="zh-TW" altLang="en-US" sz="3600"/>
+              <a:t>〜ます、ません（動詞文肯定、否定）</a:t>
+            </a:r>
+          </a:p>
+        </p:txBody>
+      </p:sp>
+      <p:sp>
+        <p:nvSpPr>
+          <p:cNvPr id="3" name="內容版面配置區 2">
+            <a:extLst>
+              <a:ext uri="{FF2B5EF4-FFF2-40B4-BE49-F238E27FC236}">
+                <a16:creationId xmlns:a16="http://schemas.microsoft.com/office/drawing/2014/main" id="{1EE82732-1F5A-20AC-9707-24B2A32B3AB7}"/>
+              </a:ext>
+            </a:extLst>
+          </p:cNvPr>
+          <p:cNvSpPr>
+            <a:spLocks noGrp="1"/>
+          </p:cNvSpPr>
+          <p:nvPr>
+            <p:ph idx="1"/>
+          </p:nvPr>
+        </p:nvSpPr>
+        <p:spPr/>
+        <p:txBody>
+          <a:bodyPr vert="horz" lIns="91440" tIns="45720" rIns="91440" bIns="45720" rtlCol="0" anchor="t">
+            <a:normAutofit fontScale="92500" lnSpcReduction="10000"/>
+          </a:bodyPr>
+          <a:lstStyle/>
+          <a:p>
+            <a:r>
+              <a:rPr lang="zh-TW" altLang="en-US"/>
+              <a:t>動詞＋</a:t>
+            </a:r>
+            <a:r>
+              <a:rPr lang="zh-TW" altLang="en-US">
+                <a:solidFill>
+                  <a:srgbClr val="FF0000"/>
+                </a:solidFill>
+              </a:rPr>
+              <a:t>ます</a:t>
+            </a:r>
+            <a:r>
+              <a:rPr lang="zh-TW" altLang="en-US"/>
+              <a:t>（做）</a:t>
+            </a:r>
+            <a:endParaRPr lang="zh-TW"/>
+          </a:p>
+          <a:p>
+            <a:r>
+              <a:rPr lang="zh-TW" altLang="en-US"/>
+              <a:t>動詞＋</a:t>
+            </a:r>
+            <a:r>
+              <a:rPr lang="zh-TW" altLang="en-US">
+                <a:solidFill>
+                  <a:srgbClr val="FF0000"/>
+                </a:solidFill>
+              </a:rPr>
+              <a:t>ません</a:t>
+            </a:r>
+            <a:r>
+              <a:rPr lang="zh-TW" altLang="en-US"/>
+              <a:t>（不做）</a:t>
+            </a:r>
+            <a:endParaRPr lang="zh-TW" altLang="en-US">
+              <a:solidFill>
+                <a:srgbClr val="FF0000"/>
+              </a:solidFill>
+            </a:endParaRPr>
+          </a:p>
+          <a:p>
+            <a:endParaRPr lang="zh-TW" altLang="en-US"/>
+          </a:p>
+          <a:p>
+            <a:r>
+              <a:rPr lang="zh-TW" altLang="en-US"/>
+              <a:t>叮嚀體</a:t>
+            </a:r>
+          </a:p>
+          <a:p>
+            <a:pPr lvl="1"/>
+            <a:r>
+              <a:rPr lang="zh-TW" altLang="en-US"/>
+              <a:t>食べ</a:t>
+            </a:r>
+            <a:r>
+              <a:rPr lang="zh-TW" altLang="en-US">
+                <a:solidFill>
+                  <a:srgbClr val="FF0000"/>
+                </a:solidFill>
+              </a:rPr>
+              <a:t>ます</a:t>
+            </a:r>
+            <a:r>
+              <a:rPr lang="zh-TW" altLang="en-US"/>
+              <a:t>。</a:t>
+            </a:r>
+          </a:p>
+          <a:p>
+            <a:pPr lvl="1"/>
+            <a:r>
+              <a:rPr lang="zh-TW" altLang="en-US"/>
+              <a:t>飲み</a:t>
+            </a:r>
+            <a:r>
+              <a:rPr lang="zh-TW" altLang="en-US">
+                <a:solidFill>
+                  <a:srgbClr val="FF0000"/>
+                </a:solidFill>
+              </a:rPr>
+              <a:t>ません</a:t>
+            </a:r>
+            <a:r>
+              <a:rPr lang="zh-TW" altLang="en-US"/>
+              <a:t>。</a:t>
+            </a:r>
+          </a:p>
+          <a:p>
+            <a:r>
+              <a:rPr lang="zh-TW" altLang="en-US"/>
+              <a:t>普通體</a:t>
+            </a:r>
+          </a:p>
+          <a:p>
+            <a:pPr lvl="1"/>
+            <a:r>
+              <a:rPr lang="zh-TW" altLang="en-US"/>
+              <a:t>食べ</a:t>
+            </a:r>
+            <a:r>
+              <a:rPr lang="zh-TW" altLang="en-US">
+                <a:solidFill>
+                  <a:srgbClr val="FF0000"/>
+                </a:solidFill>
+              </a:rPr>
+              <a:t>る</a:t>
+            </a:r>
+            <a:r>
+              <a:rPr lang="zh-TW" altLang="en-US"/>
+              <a:t>。</a:t>
+            </a:r>
+          </a:p>
+          <a:p>
+            <a:pPr lvl="1"/>
+            <a:r>
+              <a:rPr lang="zh-TW" altLang="en-US"/>
+              <a:t>飲み</a:t>
+            </a:r>
+            <a:r>
+              <a:rPr lang="zh-TW" altLang="en-US">
+                <a:solidFill>
+                  <a:srgbClr val="FF0000"/>
+                </a:solidFill>
+              </a:rPr>
+              <a:t>ない</a:t>
+            </a:r>
+            <a:r>
+              <a:rPr lang="zh-TW" altLang="en-US"/>
+              <a:t>。</a:t>
+            </a:r>
+          </a:p>
+        </p:txBody>
+      </p:sp>
+      <p:sp>
+        <p:nvSpPr>
+          <p:cNvPr id="5" name="內容版面配置區 2">
+            <a:extLst>
+              <a:ext uri="{FF2B5EF4-FFF2-40B4-BE49-F238E27FC236}">
+                <a16:creationId xmlns:a16="http://schemas.microsoft.com/office/drawing/2014/main" id="{83C2A1A3-3EBB-1B73-7832-CD23C12809D1}"/>
+              </a:ext>
+            </a:extLst>
+          </p:cNvPr>
+          <p:cNvSpPr txBox="1">
+            <a:spLocks/>
+          </p:cNvSpPr>
+          <p:nvPr/>
+        </p:nvSpPr>
+        <p:spPr>
+          <a:xfrm>
+            <a:off x="5277997" y="3468073"/>
+            <a:ext cx="6852492" cy="2819768"/>
+          </a:xfrm>
+          <a:prstGeom prst="rect">
+            <a:avLst/>
+          </a:prstGeom>
+        </p:spPr>
+        <p:txBody>
+          <a:bodyPr vert="horz" lIns="91440" tIns="45720" rIns="91440" bIns="45720" rtlCol="0" anchor="t">
+            <a:noAutofit/>
+          </a:bodyPr>
+          <a:lstStyle>
+            <a:lvl1pPr marL="228600" indent="-228600" algn="l" defTabSz="914400" rtl="0" eaLnBrk="1" latinLnBrk="0" hangingPunct="1">
+              <a:lnSpc>
+                <a:spcPct val="110000"/>
+              </a:lnSpc>
+              <a:spcBef>
+                <a:spcPts val="1000"/>
+              </a:spcBef>
+              <a:buFont typeface="Arial" panose="020B0604020202020204" pitchFamily="34" charset="0"/>
+              <a:buChar char="•"/>
+              <a:defRPr sz="2800" kern="1200">
+                <a:solidFill>
+                  <a:schemeClr val="tx1"/>
+                </a:solidFill>
+                <a:latin typeface="+mn-lt"/>
+                <a:ea typeface="+mn-ea"/>
+                <a:cs typeface="+mn-cs"/>
+              </a:defRPr>
+            </a:lvl1pPr>
+            <a:lvl2pPr marL="685800" indent="-228600" algn="l" defTabSz="914400" rtl="0" eaLnBrk="1" latinLnBrk="0" hangingPunct="1">
+              <a:lnSpc>
+                <a:spcPct val="110000"/>
+              </a:lnSpc>
+              <a:spcBef>
+                <a:spcPts val="500"/>
+              </a:spcBef>
+              <a:buFont typeface="Arial" panose="020B0604020202020204" pitchFamily="34" charset="0"/>
+              <a:buChar char="•"/>
+              <a:defRPr sz="2400" kern="1200">
+                <a:solidFill>
+                  <a:schemeClr val="tx1"/>
+                </a:solidFill>
+                <a:latin typeface="+mn-lt"/>
+                <a:ea typeface="+mn-ea"/>
+                <a:cs typeface="+mn-cs"/>
+              </a:defRPr>
+            </a:lvl2pPr>
+            <a:lvl3pPr marL="1143000" indent="-228600" algn="l" defTabSz="914400" rtl="0" eaLnBrk="1" latinLnBrk="0" hangingPunct="1">
+              <a:lnSpc>
+                <a:spcPct val="110000"/>
+              </a:lnSpc>
+              <a:spcBef>
+                <a:spcPts val="500"/>
+              </a:spcBef>
+              <a:buFont typeface="Arial" panose="020B0604020202020204" pitchFamily="34" charset="0"/>
+              <a:buChar char="•"/>
+              <a:defRPr sz="2000" kern="1200">
+                <a:solidFill>
+                  <a:schemeClr val="tx1"/>
+                </a:solidFill>
+                <a:latin typeface="+mn-lt"/>
+                <a:ea typeface="+mn-ea"/>
+                <a:cs typeface="+mn-cs"/>
+              </a:defRPr>
+            </a:lvl3pPr>
+            <a:lvl4pPr marL="1600200" indent="-228600" algn="l" defTabSz="914400" rtl="0" eaLnBrk="1" latinLnBrk="0" hangingPunct="1">
+              <a:lnSpc>
+                <a:spcPct val="110000"/>
+              </a:lnSpc>
+              <a:spcBef>
+                <a:spcPts val="500"/>
+              </a:spcBef>
+              <a:buFont typeface="Arial" panose="020B0604020202020204" pitchFamily="34" charset="0"/>
+              <a:buChar char="•"/>
+              <a:defRPr sz="1800" kern="1200">
+                <a:solidFill>
+                  <a:schemeClr val="tx1"/>
+                </a:solidFill>
+                <a:latin typeface="+mn-lt"/>
+                <a:ea typeface="+mn-ea"/>
+                <a:cs typeface="+mn-cs"/>
+              </a:defRPr>
+            </a:lvl4pPr>
+            <a:lvl5pPr marL="2057400" indent="-228600" algn="l" defTabSz="914400" rtl="0" eaLnBrk="1" latinLnBrk="0" hangingPunct="1">
+              <a:lnSpc>
+                <a:spcPct val="110000"/>
+              </a:lnSpc>
+              <a:spcBef>
+                <a:spcPts val="500"/>
+              </a:spcBef>
+              <a:buFont typeface="Arial" panose="020B0604020202020204" pitchFamily="34" charset="0"/>
+              <a:buChar char="•"/>
+              <a:defRPr sz="1800" kern="1200">
+                <a:solidFill>
+                  <a:schemeClr val="tx1"/>
+                </a:solidFill>
+                <a:latin typeface="+mn-lt"/>
+                <a:ea typeface="+mn-ea"/>
+                <a:cs typeface="+mn-cs"/>
+              </a:defRPr>
+            </a:lvl5pPr>
+            <a:lvl6pPr marL="2514600" indent="-228600" algn="l" defTabSz="914400" rtl="0" eaLnBrk="1" latinLnBrk="0" hangingPunct="1">
+              <a:lnSpc>
+                <a:spcPct val="90000"/>
+              </a:lnSpc>
+              <a:spcBef>
+                <a:spcPts val="500"/>
+              </a:spcBef>
+              <a:buFont typeface="Arial" panose="020B0604020202020204" pitchFamily="34" charset="0"/>
+              <a:buChar char="•"/>
+              <a:defRPr sz="1800" kern="1200">
+                <a:solidFill>
+                  <a:schemeClr val="tx1"/>
+                </a:solidFill>
+                <a:latin typeface="+mn-lt"/>
+                <a:ea typeface="+mn-ea"/>
+                <a:cs typeface="+mn-cs"/>
+              </a:defRPr>
+            </a:lvl6pPr>
+            <a:lvl7pPr marL="2971800" indent="-228600" algn="l" defTabSz="914400" rtl="0" eaLnBrk="1" latinLnBrk="0" hangingPunct="1">
+              <a:lnSpc>
+                <a:spcPct val="90000"/>
+              </a:lnSpc>
+              <a:spcBef>
+                <a:spcPts val="500"/>
+              </a:spcBef>
+              <a:buFont typeface="Arial" panose="020B0604020202020204" pitchFamily="34" charset="0"/>
+              <a:buChar char="•"/>
+              <a:defRPr sz="1800" kern="1200">
+                <a:solidFill>
+                  <a:schemeClr val="tx1"/>
+                </a:solidFill>
+                <a:latin typeface="+mn-lt"/>
+                <a:ea typeface="+mn-ea"/>
+                <a:cs typeface="+mn-cs"/>
+              </a:defRPr>
+            </a:lvl7pPr>
+            <a:lvl8pPr marL="3429000" indent="-228600" algn="l" defTabSz="914400" rtl="0" eaLnBrk="1" latinLnBrk="0" hangingPunct="1">
+              <a:lnSpc>
+                <a:spcPct val="90000"/>
+              </a:lnSpc>
+              <a:spcBef>
+                <a:spcPts val="500"/>
+              </a:spcBef>
+              <a:buFont typeface="Arial" panose="020B0604020202020204" pitchFamily="34" charset="0"/>
+              <a:buChar char="•"/>
+              <a:defRPr sz="1800" kern="1200">
+                <a:solidFill>
+                  <a:schemeClr val="tx1"/>
+                </a:solidFill>
+                <a:latin typeface="+mn-lt"/>
+                <a:ea typeface="+mn-ea"/>
+                <a:cs typeface="+mn-cs"/>
+              </a:defRPr>
+            </a:lvl8pPr>
+            <a:lvl9pPr marL="3886200" indent="-228600" algn="l" defTabSz="914400" rtl="0" eaLnBrk="1" latinLnBrk="0" hangingPunct="1">
+              <a:lnSpc>
+                <a:spcPct val="90000"/>
+              </a:lnSpc>
+              <a:spcBef>
+                <a:spcPts val="500"/>
+              </a:spcBef>
+              <a:buFont typeface="Arial" panose="020B0604020202020204" pitchFamily="34" charset="0"/>
+              <a:buChar char="•"/>
+              <a:defRPr sz="1800" kern="1200">
+                <a:solidFill>
+                  <a:schemeClr val="tx1"/>
+                </a:solidFill>
+                <a:latin typeface="+mn-lt"/>
+                <a:ea typeface="+mn-ea"/>
+                <a:cs typeface="+mn-cs"/>
+              </a:defRPr>
+            </a:lvl9pPr>
+          </a:lstStyle>
+          <a:p>
+            <a:r>
+              <a:rPr lang="zh-TW" altLang="en-US" sz="2600"/>
+              <a:t>例文</a:t>
+            </a:r>
+          </a:p>
+          <a:p>
+            <a:pPr lvl="1"/>
+            <a:r>
+              <a:rPr lang="zh-TW" altLang="en-US" sz="2200"/>
+              <a:t>明日、私は働きます。</a:t>
+            </a:r>
+          </a:p>
+          <a:p>
+            <a:pPr lvl="1"/>
+            <a:r>
+              <a:rPr lang="zh-TW" altLang="en-US" sz="2200"/>
+              <a:t>あなたはお酒を飲みますか。</a:t>
+            </a:r>
+          </a:p>
+          <a:p>
+            <a:pPr lvl="1"/>
+            <a:r>
+              <a:rPr lang="zh-TW" altLang="en-US" sz="2200"/>
+              <a:t>高橋部長はタバコを吸いません。</a:t>
+            </a:r>
+          </a:p>
+          <a:p>
+            <a:pPr lvl="1"/>
+            <a:r>
+              <a:rPr lang="zh-TW" altLang="en-US" sz="2200"/>
+              <a:t>夜八時から九時まで勉強します。</a:t>
+            </a:r>
+          </a:p>
+          <a:p>
+            <a:pPr lvl="1"/>
+            <a:endParaRPr lang="zh-TW" altLang="en-US" sz="2200"/>
+          </a:p>
+          <a:p>
+            <a:pPr lvl="1"/>
+            <a:endParaRPr lang="zh-TW" altLang="en-US" sz="2600"/>
+          </a:p>
+        </p:txBody>
+      </p:sp>
+    </p:spTree>
+    <p:extLst>
+      <p:ext uri="{BB962C8B-B14F-4D97-AF65-F5344CB8AC3E}">
+        <p14:creationId xmlns:p14="http://schemas.microsoft.com/office/powerpoint/2010/main" val="623757574"/>
+      </p:ext>
+    </p:extLst>
+  </p:cSld>
+  <p:clrMapOvr>
+    <a:masterClrMapping/>
+  </p:clrMapOvr>
+</p:sld>
+</file>
+
+<file path=ppt/slides/slide4.xml><?xml version="1.0" encoding="utf-8"?>
+<p:sld xmlns:a="http://schemas.openxmlformats.org/drawingml/2006/main" xmlns:r="http://schemas.openxmlformats.org/officeDocument/2006/relationships" xmlns:p="http://schemas.openxmlformats.org/presentationml/2006/main">
+  <p:cSld>
+    <p:spTree>
+      <p:nvGrpSpPr>
+        <p:cNvPr id="1" name=""/>
+        <p:cNvGrpSpPr/>
+        <p:nvPr/>
+      </p:nvGrpSpPr>
+      <p:grpSpPr>
+        <a:xfrm>
+          <a:off x="0" y="0"/>
+          <a:ext cx="0" cy="0"/>
+          <a:chOff x="0" y="0"/>
+          <a:chExt cx="0" cy="0"/>
+        </a:xfrm>
+      </p:grpSpPr>
+      <p:sp>
+        <p:nvSpPr>
+          <p:cNvPr id="2" name="標題 1">
+            <a:extLst>
+              <a:ext uri="{FF2B5EF4-FFF2-40B4-BE49-F238E27FC236}">
+                <a16:creationId xmlns:a16="http://schemas.microsoft.com/office/drawing/2014/main" id="{37A17A5C-282D-9A06-2BB9-7608E2DA7C30}"/>
+              </a:ext>
+            </a:extLst>
+          </p:cNvPr>
+          <p:cNvSpPr>
+            <a:spLocks noGrp="1"/>
+          </p:cNvSpPr>
+          <p:nvPr>
+            <p:ph type="title"/>
+          </p:nvPr>
+        </p:nvSpPr>
+        <p:spPr/>
+        <p:txBody>
+          <a:bodyPr>
+            <a:noAutofit/>
+          </a:bodyPr>
+          <a:lstStyle/>
+          <a:p>
+            <a:r>
+              <a:rPr lang="zh-TW" altLang="en-US" sz="3600"/>
+              <a:t>〜です、じゃありません（な形容詞肯定、否定）</a:t>
+            </a:r>
+          </a:p>
+        </p:txBody>
+      </p:sp>
+      <p:sp>
+        <p:nvSpPr>
+          <p:cNvPr id="3" name="內容版面配置區 2">
+            <a:extLst>
+              <a:ext uri="{FF2B5EF4-FFF2-40B4-BE49-F238E27FC236}">
+                <a16:creationId xmlns:a16="http://schemas.microsoft.com/office/drawing/2014/main" id="{1EE82732-1F5A-20AC-9707-24B2A32B3AB7}"/>
+              </a:ext>
+            </a:extLst>
+          </p:cNvPr>
+          <p:cNvSpPr>
+            <a:spLocks noGrp="1"/>
+          </p:cNvSpPr>
+          <p:nvPr>
+            <p:ph idx="1"/>
+          </p:nvPr>
+        </p:nvSpPr>
+        <p:spPr/>
+        <p:txBody>
+          <a:bodyPr vert="horz" lIns="91440" tIns="45720" rIns="91440" bIns="45720" rtlCol="0" anchor="t">
+            <a:normAutofit fontScale="92500" lnSpcReduction="10000"/>
+          </a:bodyPr>
+          <a:lstStyle/>
+          <a:p>
+            <a:r>
+              <a:rPr lang="zh-TW" altLang="en-US"/>
+              <a:t>な形容詞＋</a:t>
+            </a:r>
+            <a:r>
+              <a:rPr lang="zh-TW" altLang="en-US">
+                <a:solidFill>
+                  <a:srgbClr val="FF0000"/>
+                </a:solidFill>
+              </a:rPr>
+              <a:t>です</a:t>
+            </a:r>
+            <a:r>
+              <a:rPr lang="zh-TW" altLang="en-US"/>
+              <a:t>（很～）</a:t>
+            </a:r>
+            <a:endParaRPr lang="zh-TW"/>
+          </a:p>
+          <a:p>
+            <a:r>
+              <a:rPr lang="zh-TW" altLang="en-US"/>
+              <a:t>な形容詞＋</a:t>
+            </a:r>
+            <a:r>
+              <a:rPr lang="zh-TW" altLang="en-US">
+                <a:solidFill>
+                  <a:srgbClr val="FF0000"/>
+                </a:solidFill>
+              </a:rPr>
+              <a:t>じゃありません</a:t>
+            </a:r>
+            <a:r>
+              <a:rPr lang="zh-TW" altLang="en-US"/>
+              <a:t>（不～）</a:t>
+            </a:r>
+            <a:endParaRPr lang="zh-TW" altLang="en-US">
+              <a:solidFill>
+                <a:srgbClr val="FF0000"/>
+              </a:solidFill>
+            </a:endParaRPr>
+          </a:p>
+          <a:p>
+            <a:endParaRPr lang="zh-TW" altLang="en-US"/>
+          </a:p>
+          <a:p>
+            <a:r>
+              <a:rPr lang="zh-TW" altLang="en-US"/>
+              <a:t>名詞</a:t>
+            </a:r>
+          </a:p>
+          <a:p>
+            <a:pPr lvl="1"/>
+            <a:r>
+              <a:rPr lang="zh-TW" altLang="en-US"/>
+              <a:t>日本人</a:t>
+            </a:r>
+            <a:r>
+              <a:rPr lang="zh-TW" altLang="en-US">
+                <a:solidFill>
+                  <a:srgbClr val="FF0000"/>
+                </a:solidFill>
+              </a:rPr>
+              <a:t>です</a:t>
+            </a:r>
+            <a:r>
+              <a:rPr lang="zh-TW" altLang="en-US"/>
+              <a:t>。</a:t>
+            </a:r>
+          </a:p>
+          <a:p>
+            <a:pPr lvl="1"/>
+            <a:r>
+              <a:rPr lang="zh-TW" altLang="en-US"/>
+              <a:t>日本人</a:t>
+            </a:r>
+            <a:r>
+              <a:rPr lang="zh-TW" altLang="en-US">
+                <a:solidFill>
+                  <a:srgbClr val="FF0000"/>
+                </a:solidFill>
+              </a:rPr>
+              <a:t>じゃありません</a:t>
+            </a:r>
+            <a:r>
+              <a:rPr lang="zh-TW" altLang="en-US"/>
+              <a:t>。</a:t>
+            </a:r>
+          </a:p>
+          <a:p>
+            <a:r>
+              <a:rPr lang="zh-TW" altLang="en-US"/>
+              <a:t>な形容詞</a:t>
+            </a:r>
+          </a:p>
+          <a:p>
+            <a:pPr lvl="1"/>
+            <a:r>
+              <a:rPr lang="zh-TW" altLang="en-US"/>
+              <a:t>元気</a:t>
+            </a:r>
+            <a:r>
+              <a:rPr lang="zh-TW" altLang="en-US">
+                <a:solidFill>
+                  <a:srgbClr val="FF0000"/>
+                </a:solidFill>
+              </a:rPr>
+              <a:t>です</a:t>
+            </a:r>
+            <a:r>
+              <a:rPr lang="zh-TW" altLang="en-US"/>
+              <a:t>。</a:t>
+            </a:r>
+          </a:p>
+          <a:p>
+            <a:pPr lvl="1"/>
+            <a:r>
+              <a:rPr lang="zh-TW" altLang="en-US"/>
+              <a:t>元気</a:t>
+            </a:r>
+            <a:r>
+              <a:rPr lang="zh-TW" altLang="en-US">
+                <a:solidFill>
+                  <a:srgbClr val="FF0000"/>
+                </a:solidFill>
+              </a:rPr>
+              <a:t>じゃありません</a:t>
+            </a:r>
+            <a:r>
+              <a:rPr lang="zh-TW" altLang="en-US"/>
+              <a:t>。</a:t>
+            </a:r>
+          </a:p>
+        </p:txBody>
+      </p:sp>
+      <p:sp>
+        <p:nvSpPr>
+          <p:cNvPr id="5" name="內容版面配置區 2">
+            <a:extLst>
+              <a:ext uri="{FF2B5EF4-FFF2-40B4-BE49-F238E27FC236}">
+                <a16:creationId xmlns:a16="http://schemas.microsoft.com/office/drawing/2014/main" id="{83C2A1A3-3EBB-1B73-7832-CD23C12809D1}"/>
+              </a:ext>
+            </a:extLst>
+          </p:cNvPr>
+          <p:cNvSpPr txBox="1">
+            <a:spLocks/>
+          </p:cNvSpPr>
+          <p:nvPr/>
+        </p:nvSpPr>
+        <p:spPr>
+          <a:xfrm>
+            <a:off x="5277997" y="3468073"/>
+            <a:ext cx="6852492" cy="2819768"/>
+          </a:xfrm>
+          <a:prstGeom prst="rect">
+            <a:avLst/>
+          </a:prstGeom>
+        </p:spPr>
+        <p:txBody>
+          <a:bodyPr vert="horz" lIns="91440" tIns="45720" rIns="91440" bIns="45720" rtlCol="0" anchor="t">
+            <a:noAutofit/>
+          </a:bodyPr>
+          <a:lstStyle>
+            <a:lvl1pPr marL="228600" indent="-228600" algn="l" defTabSz="914400" rtl="0" eaLnBrk="1" latinLnBrk="0" hangingPunct="1">
+              <a:lnSpc>
+                <a:spcPct val="110000"/>
+              </a:lnSpc>
+              <a:spcBef>
+                <a:spcPts val="1000"/>
+              </a:spcBef>
+              <a:buFont typeface="Arial" panose="020B0604020202020204" pitchFamily="34" charset="0"/>
+              <a:buChar char="•"/>
+              <a:defRPr sz="2800" kern="1200">
+                <a:solidFill>
+                  <a:schemeClr val="tx1"/>
+                </a:solidFill>
+                <a:latin typeface="+mn-lt"/>
+                <a:ea typeface="+mn-ea"/>
+                <a:cs typeface="+mn-cs"/>
+              </a:defRPr>
+            </a:lvl1pPr>
+            <a:lvl2pPr marL="685800" indent="-228600" algn="l" defTabSz="914400" rtl="0" eaLnBrk="1" latinLnBrk="0" hangingPunct="1">
+              <a:lnSpc>
+                <a:spcPct val="110000"/>
+              </a:lnSpc>
+              <a:spcBef>
+                <a:spcPts val="500"/>
+              </a:spcBef>
+              <a:buFont typeface="Arial" panose="020B0604020202020204" pitchFamily="34" charset="0"/>
+              <a:buChar char="•"/>
+              <a:defRPr sz="2400" kern="1200">
+                <a:solidFill>
+                  <a:schemeClr val="tx1"/>
+                </a:solidFill>
+                <a:latin typeface="+mn-lt"/>
+                <a:ea typeface="+mn-ea"/>
+                <a:cs typeface="+mn-cs"/>
+              </a:defRPr>
+            </a:lvl2pPr>
+            <a:lvl3pPr marL="1143000" indent="-228600" algn="l" defTabSz="914400" rtl="0" eaLnBrk="1" latinLnBrk="0" hangingPunct="1">
+              <a:lnSpc>
+                <a:spcPct val="110000"/>
+              </a:lnSpc>
+              <a:spcBef>
+                <a:spcPts val="500"/>
+              </a:spcBef>
+              <a:buFont typeface="Arial" panose="020B0604020202020204" pitchFamily="34" charset="0"/>
+              <a:buChar char="•"/>
+              <a:defRPr sz="2000" kern="1200">
+                <a:solidFill>
+                  <a:schemeClr val="tx1"/>
+                </a:solidFill>
+                <a:latin typeface="+mn-lt"/>
+                <a:ea typeface="+mn-ea"/>
+                <a:cs typeface="+mn-cs"/>
+              </a:defRPr>
+            </a:lvl3pPr>
+            <a:lvl4pPr marL="1600200" indent="-228600" algn="l" defTabSz="914400" rtl="0" eaLnBrk="1" latinLnBrk="0" hangingPunct="1">
+              <a:lnSpc>
+                <a:spcPct val="110000"/>
+              </a:lnSpc>
+              <a:spcBef>
+                <a:spcPts val="500"/>
+              </a:spcBef>
+              <a:buFont typeface="Arial" panose="020B0604020202020204" pitchFamily="34" charset="0"/>
+              <a:buChar char="•"/>
+              <a:defRPr sz="1800" kern="1200">
+                <a:solidFill>
+                  <a:schemeClr val="tx1"/>
+                </a:solidFill>
+                <a:latin typeface="+mn-lt"/>
+                <a:ea typeface="+mn-ea"/>
+                <a:cs typeface="+mn-cs"/>
+              </a:defRPr>
+            </a:lvl4pPr>
+            <a:lvl5pPr marL="2057400" indent="-228600" algn="l" defTabSz="914400" rtl="0" eaLnBrk="1" latinLnBrk="0" hangingPunct="1">
+              <a:lnSpc>
+                <a:spcPct val="110000"/>
+              </a:lnSpc>
+              <a:spcBef>
+                <a:spcPts val="500"/>
+              </a:spcBef>
+              <a:buFont typeface="Arial" panose="020B0604020202020204" pitchFamily="34" charset="0"/>
+              <a:buChar char="•"/>
+              <a:defRPr sz="1800" kern="1200">
+                <a:solidFill>
+                  <a:schemeClr val="tx1"/>
+                </a:solidFill>
+                <a:latin typeface="+mn-lt"/>
+                <a:ea typeface="+mn-ea"/>
+                <a:cs typeface="+mn-cs"/>
+              </a:defRPr>
+            </a:lvl5pPr>
+            <a:lvl6pPr marL="2514600" indent="-228600" algn="l" defTabSz="914400" rtl="0" eaLnBrk="1" latinLnBrk="0" hangingPunct="1">
+              <a:lnSpc>
+                <a:spcPct val="90000"/>
+              </a:lnSpc>
+              <a:spcBef>
+                <a:spcPts val="500"/>
+              </a:spcBef>
+              <a:buFont typeface="Arial" panose="020B0604020202020204" pitchFamily="34" charset="0"/>
+              <a:buChar char="•"/>
+              <a:defRPr sz="1800" kern="1200">
+                <a:solidFill>
+                  <a:schemeClr val="tx1"/>
+                </a:solidFill>
+                <a:latin typeface="+mn-lt"/>
+                <a:ea typeface="+mn-ea"/>
+                <a:cs typeface="+mn-cs"/>
+              </a:defRPr>
+            </a:lvl6pPr>
+            <a:lvl7pPr marL="2971800" indent="-228600" algn="l" defTabSz="914400" rtl="0" eaLnBrk="1" latinLnBrk="0" hangingPunct="1">
+              <a:lnSpc>
+                <a:spcPct val="90000"/>
+              </a:lnSpc>
+              <a:spcBef>
+                <a:spcPts val="500"/>
+              </a:spcBef>
+              <a:buFont typeface="Arial" panose="020B0604020202020204" pitchFamily="34" charset="0"/>
+              <a:buChar char="•"/>
+              <a:defRPr sz="1800" kern="1200">
+                <a:solidFill>
+                  <a:schemeClr val="tx1"/>
+                </a:solidFill>
+                <a:latin typeface="+mn-lt"/>
+                <a:ea typeface="+mn-ea"/>
+                <a:cs typeface="+mn-cs"/>
+              </a:defRPr>
+            </a:lvl7pPr>
+            <a:lvl8pPr marL="3429000" indent="-228600" algn="l" defTabSz="914400" rtl="0" eaLnBrk="1" latinLnBrk="0" hangingPunct="1">
+              <a:lnSpc>
+                <a:spcPct val="90000"/>
+              </a:lnSpc>
+              <a:spcBef>
+                <a:spcPts val="500"/>
+              </a:spcBef>
+              <a:buFont typeface="Arial" panose="020B0604020202020204" pitchFamily="34" charset="0"/>
+              <a:buChar char="•"/>
+              <a:defRPr sz="1800" kern="1200">
+                <a:solidFill>
+                  <a:schemeClr val="tx1"/>
+                </a:solidFill>
+                <a:latin typeface="+mn-lt"/>
+                <a:ea typeface="+mn-ea"/>
+                <a:cs typeface="+mn-cs"/>
+              </a:defRPr>
+            </a:lvl8pPr>
+            <a:lvl9pPr marL="3886200" indent="-228600" algn="l" defTabSz="914400" rtl="0" eaLnBrk="1" latinLnBrk="0" hangingPunct="1">
+              <a:lnSpc>
+                <a:spcPct val="90000"/>
+              </a:lnSpc>
+              <a:spcBef>
+                <a:spcPts val="500"/>
+              </a:spcBef>
+              <a:buFont typeface="Arial" panose="020B0604020202020204" pitchFamily="34" charset="0"/>
+              <a:buChar char="•"/>
+              <a:defRPr sz="1800" kern="1200">
+                <a:solidFill>
+                  <a:schemeClr val="tx1"/>
+                </a:solidFill>
+                <a:latin typeface="+mn-lt"/>
+                <a:ea typeface="+mn-ea"/>
+                <a:cs typeface="+mn-cs"/>
+              </a:defRPr>
+            </a:lvl9pPr>
+          </a:lstStyle>
+          <a:p>
+            <a:r>
+              <a:rPr lang="zh-TW" altLang="en-US" sz="2600"/>
+              <a:t>例文</a:t>
+            </a:r>
+          </a:p>
+          <a:p>
+            <a:pPr lvl="1"/>
+            <a:r>
+              <a:rPr lang="zh-TW" altLang="en-US" sz="2200"/>
+              <a:t>この町は静かです。</a:t>
+            </a:r>
+          </a:p>
+          <a:p>
+            <a:pPr lvl="1"/>
+            <a:r>
+              <a:rPr lang="zh-TW" altLang="en-US" sz="2200"/>
+              <a:t>私の大学は有名じゃありません。</a:t>
+            </a:r>
+          </a:p>
+          <a:p>
+            <a:pPr lvl="1"/>
+            <a:r>
+              <a:rPr lang="zh-TW" altLang="en-US" sz="2200"/>
+              <a:t>彼女はとても元気です。</a:t>
+            </a:r>
+          </a:p>
+          <a:p>
+            <a:pPr lvl="1"/>
+            <a:r>
+              <a:rPr lang="zh-TW" altLang="en-US" sz="2200"/>
+              <a:t>この川はあまり綺麗じゃありません。</a:t>
+            </a:r>
+          </a:p>
+          <a:p>
+            <a:pPr lvl="1"/>
+            <a:endParaRPr lang="zh-TW" altLang="en-US" sz="2200"/>
+          </a:p>
+          <a:p>
+            <a:pPr lvl="1"/>
+            <a:endParaRPr lang="zh-TW" altLang="en-US" sz="2600"/>
+          </a:p>
+        </p:txBody>
+      </p:sp>
+    </p:spTree>
+    <p:extLst>
+      <p:ext uri="{BB962C8B-B14F-4D97-AF65-F5344CB8AC3E}">
+        <p14:creationId xmlns:p14="http://schemas.microsoft.com/office/powerpoint/2010/main" val="783343654"/>
+      </p:ext>
+    </p:extLst>
+  </p:cSld>
+  <p:clrMapOvr>
+    <a:masterClrMapping/>
+  </p:clrMapOvr>
+</p:sld>
+</file>
+
+<file path=ppt/slides/slide5.xml><?xml version="1.0" encoding="utf-8"?>
+<p:sld xmlns:a="http://schemas.openxmlformats.org/drawingml/2006/main" xmlns:r="http://schemas.openxmlformats.org/officeDocument/2006/relationships" xmlns:p="http://schemas.openxmlformats.org/presentationml/2006/main">
+  <p:cSld>
+    <p:spTree>
+      <p:nvGrpSpPr>
+        <p:cNvPr id="1" name=""/>
+        <p:cNvGrpSpPr/>
+        <p:nvPr/>
+      </p:nvGrpSpPr>
+      <p:grpSpPr>
+        <a:xfrm>
+          <a:off x="0" y="0"/>
+          <a:ext cx="0" cy="0"/>
+          <a:chOff x="0" y="0"/>
+          <a:chExt cx="0" cy="0"/>
+        </a:xfrm>
+      </p:grpSpPr>
+      <p:sp>
+        <p:nvSpPr>
+          <p:cNvPr id="2" name="標題 1">
+            <a:extLst>
+              <a:ext uri="{FF2B5EF4-FFF2-40B4-BE49-F238E27FC236}">
+                <a16:creationId xmlns:a16="http://schemas.microsoft.com/office/drawing/2014/main" id="{37A17A5C-282D-9A06-2BB9-7608E2DA7C30}"/>
+              </a:ext>
+            </a:extLst>
+          </p:cNvPr>
+          <p:cNvSpPr>
+            <a:spLocks noGrp="1"/>
+          </p:cNvSpPr>
+          <p:nvPr>
+            <p:ph type="title"/>
+          </p:nvPr>
+        </p:nvSpPr>
+        <p:spPr/>
+        <p:txBody>
+          <a:bodyPr>
+            <a:noAutofit/>
+          </a:bodyPr>
+          <a:lstStyle/>
+          <a:p>
+            <a:r>
+              <a:rPr lang="zh-TW" altLang="en-US" sz="3600"/>
+              <a:t>〜いです、くないです（い形容詞肯定、否定）</a:t>
+            </a:r>
+          </a:p>
+        </p:txBody>
+      </p:sp>
+      <p:sp>
+        <p:nvSpPr>
+          <p:cNvPr id="3" name="內容版面配置區 2">
+            <a:extLst>
+              <a:ext uri="{FF2B5EF4-FFF2-40B4-BE49-F238E27FC236}">
+                <a16:creationId xmlns:a16="http://schemas.microsoft.com/office/drawing/2014/main" id="{1EE82732-1F5A-20AC-9707-24B2A32B3AB7}"/>
+              </a:ext>
+            </a:extLst>
+          </p:cNvPr>
+          <p:cNvSpPr>
+            <a:spLocks noGrp="1"/>
+          </p:cNvSpPr>
+          <p:nvPr>
+            <p:ph idx="1"/>
+          </p:nvPr>
+        </p:nvSpPr>
+        <p:spPr/>
+        <p:txBody>
+          <a:bodyPr vert="horz" lIns="91440" tIns="45720" rIns="91440" bIns="45720" rtlCol="0" anchor="t">
+            <a:normAutofit/>
+          </a:bodyPr>
+          <a:lstStyle/>
+          <a:p>
+            <a:r>
+              <a:rPr lang="zh-TW" altLang="en-US"/>
+              <a:t>い形容詞＋</a:t>
+            </a:r>
+            <a:r>
+              <a:rPr lang="zh-TW" altLang="en-US">
+                <a:solidFill>
+                  <a:srgbClr val="FF0000"/>
+                </a:solidFill>
+              </a:rPr>
+              <a:t>いです</a:t>
+            </a:r>
+            <a:r>
+              <a:rPr lang="zh-TW" altLang="en-US"/>
+              <a:t>（很～）</a:t>
+            </a:r>
+            <a:endParaRPr lang="zh-TW"/>
+          </a:p>
+          <a:p>
+            <a:r>
+              <a:rPr lang="zh-TW" altLang="en-US"/>
+              <a:t>い形容詞＋</a:t>
+            </a:r>
+            <a:r>
+              <a:rPr lang="zh-TW" altLang="en-US">
+                <a:solidFill>
+                  <a:srgbClr val="FF0000"/>
+                </a:solidFill>
+              </a:rPr>
+              <a:t>くないです</a:t>
+            </a:r>
+            <a:r>
+              <a:rPr lang="zh-TW" altLang="en-US"/>
+              <a:t>（不～）</a:t>
+            </a:r>
+            <a:endParaRPr lang="zh-TW" altLang="en-US">
+              <a:solidFill>
+                <a:srgbClr val="FF0000"/>
+              </a:solidFill>
+            </a:endParaRPr>
+          </a:p>
+          <a:p>
+            <a:endParaRPr lang="zh-TW" altLang="en-US"/>
+          </a:p>
+          <a:p>
+            <a:r>
+              <a:rPr lang="zh-TW" altLang="en-US" sz="2200"/>
+              <a:t>私は学生</a:t>
+            </a:r>
+            <a:r>
+              <a:rPr lang="zh-TW" altLang="en-US" sz="2200">
+                <a:solidFill>
+                  <a:srgbClr val="FF0000"/>
+                </a:solidFill>
+              </a:rPr>
+              <a:t>です</a:t>
+            </a:r>
+            <a:r>
+              <a:rPr lang="zh-TW" altLang="en-US" sz="2200"/>
+              <a:t>。（名詞）</a:t>
+            </a:r>
+            <a:endParaRPr lang="zh-TW" altLang="en-US"/>
+          </a:p>
+          <a:p>
+            <a:r>
+              <a:rPr lang="zh-TW" altLang="en-US" sz="2200"/>
+              <a:t>明日働き</a:t>
+            </a:r>
+            <a:r>
+              <a:rPr lang="zh-TW" altLang="en-US" sz="2200">
+                <a:solidFill>
+                  <a:srgbClr val="FF0000"/>
+                </a:solidFill>
+              </a:rPr>
+              <a:t>ます</a:t>
+            </a:r>
+            <a:r>
+              <a:rPr lang="zh-TW" altLang="en-US" sz="2200"/>
+              <a:t>。（動詞）</a:t>
+            </a:r>
+          </a:p>
+          <a:p>
+            <a:r>
+              <a:rPr lang="zh-TW" altLang="en-US" sz="2200"/>
+              <a:t>この町は賑やか</a:t>
+            </a:r>
+            <a:r>
+              <a:rPr lang="zh-TW" altLang="en-US" sz="2200">
+                <a:solidFill>
+                  <a:srgbClr val="FF0000"/>
+                </a:solidFill>
+              </a:rPr>
+              <a:t>です</a:t>
+            </a:r>
+            <a:r>
+              <a:rPr lang="zh-TW" altLang="en-US" sz="2200"/>
+              <a:t>。（な形）</a:t>
+            </a:r>
+          </a:p>
+          <a:p>
+            <a:r>
+              <a:rPr lang="zh-TW" altLang="en-US" sz="2200"/>
+              <a:t>台湾料理は美味しい</a:t>
+            </a:r>
+            <a:r>
+              <a:rPr lang="zh-TW" altLang="en-US" sz="2200">
+                <a:solidFill>
+                  <a:srgbClr val="FF0000"/>
+                </a:solidFill>
+              </a:rPr>
+              <a:t>です</a:t>
+            </a:r>
+            <a:r>
+              <a:rPr lang="zh-TW" altLang="en-US" sz="2200"/>
+              <a:t>。（い形）</a:t>
+            </a:r>
+          </a:p>
+        </p:txBody>
+      </p:sp>
+      <p:sp>
+        <p:nvSpPr>
+          <p:cNvPr id="5" name="內容版面配置區 2">
+            <a:extLst>
+              <a:ext uri="{FF2B5EF4-FFF2-40B4-BE49-F238E27FC236}">
+                <a16:creationId xmlns:a16="http://schemas.microsoft.com/office/drawing/2014/main" id="{83C2A1A3-3EBB-1B73-7832-CD23C12809D1}"/>
+              </a:ext>
+            </a:extLst>
+          </p:cNvPr>
+          <p:cNvSpPr txBox="1">
+            <a:spLocks/>
+          </p:cNvSpPr>
+          <p:nvPr/>
+        </p:nvSpPr>
+        <p:spPr>
+          <a:xfrm>
+            <a:off x="5277997" y="3468073"/>
+            <a:ext cx="6852492" cy="2819768"/>
+          </a:xfrm>
+          <a:prstGeom prst="rect">
+            <a:avLst/>
+          </a:prstGeom>
+        </p:spPr>
+        <p:txBody>
+          <a:bodyPr vert="horz" lIns="91440" tIns="45720" rIns="91440" bIns="45720" rtlCol="0" anchor="t">
+            <a:noAutofit/>
+          </a:bodyPr>
+          <a:lstStyle>
+            <a:lvl1pPr marL="228600" indent="-228600" algn="l" defTabSz="914400" rtl="0" eaLnBrk="1" latinLnBrk="0" hangingPunct="1">
+              <a:lnSpc>
+                <a:spcPct val="110000"/>
+              </a:lnSpc>
+              <a:spcBef>
+                <a:spcPts val="1000"/>
+              </a:spcBef>
+              <a:buFont typeface="Arial" panose="020B0604020202020204" pitchFamily="34" charset="0"/>
+              <a:buChar char="•"/>
+              <a:defRPr sz="2800" kern="1200">
+                <a:solidFill>
+                  <a:schemeClr val="tx1"/>
+                </a:solidFill>
+                <a:latin typeface="+mn-lt"/>
+                <a:ea typeface="+mn-ea"/>
+                <a:cs typeface="+mn-cs"/>
+              </a:defRPr>
+            </a:lvl1pPr>
+            <a:lvl2pPr marL="685800" indent="-228600" algn="l" defTabSz="914400" rtl="0" eaLnBrk="1" latinLnBrk="0" hangingPunct="1">
+              <a:lnSpc>
+                <a:spcPct val="110000"/>
+              </a:lnSpc>
+              <a:spcBef>
+                <a:spcPts val="500"/>
+              </a:spcBef>
+              <a:buFont typeface="Arial" panose="020B0604020202020204" pitchFamily="34" charset="0"/>
+              <a:buChar char="•"/>
+              <a:defRPr sz="2400" kern="1200">
+                <a:solidFill>
+                  <a:schemeClr val="tx1"/>
+                </a:solidFill>
+                <a:latin typeface="+mn-lt"/>
+                <a:ea typeface="+mn-ea"/>
+                <a:cs typeface="+mn-cs"/>
+              </a:defRPr>
+            </a:lvl2pPr>
+            <a:lvl3pPr marL="1143000" indent="-228600" algn="l" defTabSz="914400" rtl="0" eaLnBrk="1" latinLnBrk="0" hangingPunct="1">
+              <a:lnSpc>
+                <a:spcPct val="110000"/>
+              </a:lnSpc>
+              <a:spcBef>
+                <a:spcPts val="500"/>
+              </a:spcBef>
+              <a:buFont typeface="Arial" panose="020B0604020202020204" pitchFamily="34" charset="0"/>
+              <a:buChar char="•"/>
+              <a:defRPr sz="2000" kern="1200">
+                <a:solidFill>
+                  <a:schemeClr val="tx1"/>
+                </a:solidFill>
+                <a:latin typeface="+mn-lt"/>
+                <a:ea typeface="+mn-ea"/>
+                <a:cs typeface="+mn-cs"/>
+              </a:defRPr>
+            </a:lvl3pPr>
+            <a:lvl4pPr marL="1600200" indent="-228600" algn="l" defTabSz="914400" rtl="0" eaLnBrk="1" latinLnBrk="0" hangingPunct="1">
+              <a:lnSpc>
+                <a:spcPct val="110000"/>
+              </a:lnSpc>
+              <a:spcBef>
+                <a:spcPts val="500"/>
+              </a:spcBef>
+              <a:buFont typeface="Arial" panose="020B0604020202020204" pitchFamily="34" charset="0"/>
+              <a:buChar char="•"/>
+              <a:defRPr sz="1800" kern="1200">
+                <a:solidFill>
+                  <a:schemeClr val="tx1"/>
+                </a:solidFill>
+                <a:latin typeface="+mn-lt"/>
+                <a:ea typeface="+mn-ea"/>
+                <a:cs typeface="+mn-cs"/>
+              </a:defRPr>
+            </a:lvl4pPr>
+            <a:lvl5pPr marL="2057400" indent="-228600" algn="l" defTabSz="914400" rtl="0" eaLnBrk="1" latinLnBrk="0" hangingPunct="1">
+              <a:lnSpc>
+                <a:spcPct val="110000"/>
+              </a:lnSpc>
+              <a:spcBef>
+                <a:spcPts val="500"/>
+              </a:spcBef>
+              <a:buFont typeface="Arial" panose="020B0604020202020204" pitchFamily="34" charset="0"/>
+              <a:buChar char="•"/>
+              <a:defRPr sz="1800" kern="1200">
+                <a:solidFill>
+                  <a:schemeClr val="tx1"/>
+                </a:solidFill>
+                <a:latin typeface="+mn-lt"/>
+                <a:ea typeface="+mn-ea"/>
+                <a:cs typeface="+mn-cs"/>
+              </a:defRPr>
+            </a:lvl5pPr>
+            <a:lvl6pPr marL="2514600" indent="-228600" algn="l" defTabSz="914400" rtl="0" eaLnBrk="1" latinLnBrk="0" hangingPunct="1">
+              <a:lnSpc>
+                <a:spcPct val="90000"/>
+              </a:lnSpc>
+              <a:spcBef>
+                <a:spcPts val="500"/>
+              </a:spcBef>
+              <a:buFont typeface="Arial" panose="020B0604020202020204" pitchFamily="34" charset="0"/>
+              <a:buChar char="•"/>
+              <a:defRPr sz="1800" kern="1200">
+                <a:solidFill>
+                  <a:schemeClr val="tx1"/>
+                </a:solidFill>
+                <a:latin typeface="+mn-lt"/>
+                <a:ea typeface="+mn-ea"/>
+                <a:cs typeface="+mn-cs"/>
+              </a:defRPr>
+            </a:lvl6pPr>
+            <a:lvl7pPr marL="2971800" indent="-228600" algn="l" defTabSz="914400" rtl="0" eaLnBrk="1" latinLnBrk="0" hangingPunct="1">
+              <a:lnSpc>
+                <a:spcPct val="90000"/>
+              </a:lnSpc>
+              <a:spcBef>
+                <a:spcPts val="500"/>
+              </a:spcBef>
+              <a:buFont typeface="Arial" panose="020B0604020202020204" pitchFamily="34" charset="0"/>
+              <a:buChar char="•"/>
+              <a:defRPr sz="1800" kern="1200">
+                <a:solidFill>
+                  <a:schemeClr val="tx1"/>
+                </a:solidFill>
+                <a:latin typeface="+mn-lt"/>
+                <a:ea typeface="+mn-ea"/>
+                <a:cs typeface="+mn-cs"/>
+              </a:defRPr>
+            </a:lvl7pPr>
+            <a:lvl8pPr marL="3429000" indent="-228600" algn="l" defTabSz="914400" rtl="0" eaLnBrk="1" latinLnBrk="0" hangingPunct="1">
+              <a:lnSpc>
+                <a:spcPct val="90000"/>
+              </a:lnSpc>
+              <a:spcBef>
+                <a:spcPts val="500"/>
+              </a:spcBef>
+              <a:buFont typeface="Arial" panose="020B0604020202020204" pitchFamily="34" charset="0"/>
+              <a:buChar char="•"/>
+              <a:defRPr sz="1800" kern="1200">
+                <a:solidFill>
+                  <a:schemeClr val="tx1"/>
+                </a:solidFill>
+                <a:latin typeface="+mn-lt"/>
+                <a:ea typeface="+mn-ea"/>
+                <a:cs typeface="+mn-cs"/>
+              </a:defRPr>
+            </a:lvl8pPr>
+            <a:lvl9pPr marL="3886200" indent="-228600" algn="l" defTabSz="914400" rtl="0" eaLnBrk="1" latinLnBrk="0" hangingPunct="1">
+              <a:lnSpc>
+                <a:spcPct val="90000"/>
+              </a:lnSpc>
+              <a:spcBef>
+                <a:spcPts val="500"/>
+              </a:spcBef>
+              <a:buFont typeface="Arial" panose="020B0604020202020204" pitchFamily="34" charset="0"/>
+              <a:buChar char="•"/>
+              <a:defRPr sz="1800" kern="1200">
+                <a:solidFill>
+                  <a:schemeClr val="tx1"/>
+                </a:solidFill>
+                <a:latin typeface="+mn-lt"/>
+                <a:ea typeface="+mn-ea"/>
+                <a:cs typeface="+mn-cs"/>
+              </a:defRPr>
+            </a:lvl9pPr>
+          </a:lstStyle>
+          <a:p>
+            <a:r>
+              <a:rPr lang="zh-TW" altLang="en-US" sz="2600"/>
+              <a:t>例文</a:t>
+            </a:r>
+          </a:p>
+          <a:p>
+            <a:pPr lvl="1"/>
+            <a:r>
+              <a:rPr lang="zh-TW" altLang="en-US" sz="2200"/>
+              <a:t>東京の夏はとても暑いです。</a:t>
+            </a:r>
+          </a:p>
+          <a:p>
+            <a:pPr lvl="1"/>
+            <a:r>
+              <a:rPr lang="zh-TW" altLang="en-US" sz="2200"/>
+              <a:t>この店のラーメンは美味しくないです。</a:t>
+            </a:r>
+          </a:p>
+          <a:p>
+            <a:pPr lvl="1"/>
+            <a:r>
+              <a:rPr lang="zh-TW" altLang="en-US" sz="2200"/>
+              <a:t>今、忙しいですか。</a:t>
+            </a:r>
+          </a:p>
+          <a:p>
+            <a:pPr lvl="1"/>
+            <a:r>
+              <a:rPr lang="zh-TW" altLang="en-US" sz="2200"/>
+              <a:t>この漫画は全然面白くないです。</a:t>
+            </a:r>
+          </a:p>
+          <a:p>
+            <a:pPr lvl="1"/>
+            <a:endParaRPr lang="zh-TW" altLang="en-US" sz="2200"/>
+          </a:p>
+          <a:p>
+            <a:pPr lvl="1"/>
+            <a:endParaRPr lang="zh-TW" altLang="en-US" sz="2600"/>
+          </a:p>
+        </p:txBody>
+      </p:sp>
+    </p:spTree>
+    <p:extLst>
+      <p:ext uri="{BB962C8B-B14F-4D97-AF65-F5344CB8AC3E}">
+        <p14:creationId xmlns:p14="http://schemas.microsoft.com/office/powerpoint/2010/main" val="2997693908"/>
+      </p:ext>
+    </p:extLst>
+  </p:cSld>
+  <p:clrMapOvr>
+    <a:masterClrMapping/>
+  </p:clrMapOvr>
+</p:sld>
+</file>
+
+<file path=ppt/slides/slide6.xml><?xml version="1.0" encoding="utf-8"?>
+<p:sld xmlns:a="http://schemas.openxmlformats.org/drawingml/2006/main" xmlns:r="http://schemas.openxmlformats.org/officeDocument/2006/relationships" xmlns:p="http://schemas.openxmlformats.org/presentationml/2006/main">
+  <p:cSld>
+    <p:spTree>
+      <p:nvGrpSpPr>
+        <p:cNvPr id="1" name=""/>
+        <p:cNvGrpSpPr/>
+        <p:nvPr/>
+      </p:nvGrpSpPr>
+      <p:grpSpPr>
+        <a:xfrm>
+          <a:off x="0" y="0"/>
+          <a:ext cx="0" cy="0"/>
+          <a:chOff x="0" y="0"/>
+          <a:chExt cx="0" cy="0"/>
+        </a:xfrm>
+      </p:grpSpPr>
+      <p:sp>
+        <p:nvSpPr>
+          <p:cNvPr id="2" name="標題 1">
+            <a:extLst>
+              <a:ext uri="{FF2B5EF4-FFF2-40B4-BE49-F238E27FC236}">
+                <a16:creationId xmlns:a16="http://schemas.microsoft.com/office/drawing/2014/main" id="{37A17A5C-282D-9A06-2BB9-7608E2DA7C30}"/>
+              </a:ext>
+            </a:extLst>
+          </p:cNvPr>
+          <p:cNvSpPr>
+            <a:spLocks noGrp="1"/>
+          </p:cNvSpPr>
+          <p:nvPr>
+            <p:ph type="title"/>
+          </p:nvPr>
+        </p:nvSpPr>
+        <p:spPr/>
+        <p:txBody>
+          <a:bodyPr>
+            <a:noAutofit/>
+          </a:bodyPr>
+          <a:lstStyle/>
+          <a:p>
+            <a:r>
+              <a:rPr lang="zh-TW" altLang="en-US" sz="3600"/>
+              <a:t>助詞：主題「は」</a:t>
+            </a:r>
+          </a:p>
+        </p:txBody>
+      </p:sp>
+      <p:sp>
+        <p:nvSpPr>
+          <p:cNvPr id="3" name="內容版面配置區 2">
+            <a:extLst>
+              <a:ext uri="{FF2B5EF4-FFF2-40B4-BE49-F238E27FC236}">
+                <a16:creationId xmlns:a16="http://schemas.microsoft.com/office/drawing/2014/main" id="{1EE82732-1F5A-20AC-9707-24B2A32B3AB7}"/>
+              </a:ext>
+            </a:extLst>
+          </p:cNvPr>
+          <p:cNvSpPr>
+            <a:spLocks noGrp="1"/>
+          </p:cNvSpPr>
+          <p:nvPr>
+            <p:ph idx="1"/>
+          </p:nvPr>
+        </p:nvSpPr>
+        <p:spPr>
+          <a:xfrm>
+            <a:off x="838200" y="1929384"/>
+            <a:ext cx="10515600" cy="4654526"/>
+          </a:xfrm>
+        </p:spPr>
+        <p:txBody>
+          <a:bodyPr vert="horz" lIns="91440" tIns="45720" rIns="91440" bIns="45720" rtlCol="0" anchor="t">
+            <a:normAutofit lnSpcReduction="10000"/>
+          </a:bodyPr>
+          <a:lstStyle/>
+          <a:p>
+            <a:r>
+              <a:rPr lang="zh-TW" altLang="en-US">
+                <a:solidFill>
+                  <a:srgbClr val="000000"/>
+                </a:solidFill>
+              </a:rPr>
+              <a:t>名詞</a:t>
+            </a:r>
+            <a:r>
+              <a:rPr lang="zh-TW" altLang="en-US">
+                <a:solidFill>
+                  <a:srgbClr val="FF0000"/>
+                </a:solidFill>
+              </a:rPr>
+              <a:t>は</a:t>
+            </a:r>
+            <a:r>
+              <a:rPr lang="zh-TW" altLang="en-US">
+                <a:solidFill>
+                  <a:srgbClr val="000000"/>
+                </a:solidFill>
+              </a:rPr>
+              <a:t>（表示主題）</a:t>
+            </a:r>
+          </a:p>
+          <a:p>
+            <a:r>
+              <a:rPr lang="zh-TW" altLang="en-US" sz="2200"/>
+              <a:t>私は大学生です。</a:t>
+            </a:r>
+          </a:p>
+          <a:p>
+            <a:r>
+              <a:rPr lang="zh-TW" altLang="en-US" sz="2200"/>
+              <a:t>私が住んでいるアパートの大家さんの子供</a:t>
+            </a:r>
+            <a:r>
+              <a:rPr lang="zh-TW" altLang="en-US" sz="2200">
+                <a:solidFill>
+                  <a:srgbClr val="FF0000"/>
+                </a:solidFill>
+              </a:rPr>
+              <a:t>は</a:t>
+            </a:r>
+            <a:r>
+              <a:rPr lang="zh-TW" altLang="en-US" sz="2200"/>
+              <a:t>小学生です。</a:t>
+            </a:r>
+          </a:p>
+          <a:p>
+            <a:endParaRPr lang="zh-TW" altLang="en-US" sz="2200"/>
+          </a:p>
+          <a:p>
+            <a:r>
+              <a:rPr lang="zh-TW" altLang="en-US" sz="2400"/>
+              <a:t>主題＝主語</a:t>
+            </a:r>
+          </a:p>
+          <a:p>
+            <a:pPr lvl="1"/>
+            <a:r>
+              <a:rPr lang="zh-TW" altLang="en-US" sz="1800"/>
+              <a:t>妻</a:t>
+            </a:r>
+            <a:r>
+              <a:rPr lang="zh-TW" altLang="en-US" sz="1800">
+                <a:solidFill>
+                  <a:srgbClr val="FF0000"/>
+                </a:solidFill>
+              </a:rPr>
+              <a:t>は</a:t>
+            </a:r>
+            <a:r>
+              <a:rPr lang="zh-TW" altLang="en-US" sz="1800"/>
+              <a:t>お弁当を作ります。</a:t>
+            </a:r>
+          </a:p>
+          <a:p>
+            <a:r>
+              <a:rPr lang="zh-TW" altLang="en-US" sz="2400"/>
+              <a:t>主題</a:t>
+            </a:r>
+            <a:r>
+              <a:rPr lang="zh-TW" sz="2400">
+                <a:ea typeface="+mn-lt"/>
+                <a:cs typeface="+mn-lt"/>
+              </a:rPr>
+              <a:t>≠</a:t>
+            </a:r>
+            <a:r>
+              <a:rPr lang="zh-TW" altLang="en-US" sz="2400">
+                <a:ea typeface="+mn-lt"/>
+                <a:cs typeface="+mn-lt"/>
+              </a:rPr>
+              <a:t>主語</a:t>
+            </a:r>
+            <a:endParaRPr lang="zh-TW" altLang="en-US" sz="2400"/>
+          </a:p>
+          <a:p>
+            <a:pPr lvl="1"/>
+            <a:r>
+              <a:rPr lang="zh-TW" altLang="en-US" sz="1800"/>
+              <a:t>このお弁当</a:t>
+            </a:r>
+            <a:r>
+              <a:rPr lang="zh-TW" altLang="en-US" sz="1800">
+                <a:solidFill>
+                  <a:srgbClr val="FF0000"/>
+                </a:solidFill>
+              </a:rPr>
+              <a:t>は</a:t>
+            </a:r>
+            <a:r>
+              <a:rPr lang="zh-TW" altLang="en-US" sz="1800"/>
+              <a:t>妻が作りました。</a:t>
+            </a:r>
+          </a:p>
+          <a:p>
+            <a:r>
+              <a:rPr lang="zh-TW" altLang="en-US" sz="2400"/>
+              <a:t>省略</a:t>
+            </a:r>
+          </a:p>
+          <a:p>
+            <a:pPr lvl="1"/>
+            <a:r>
+              <a:rPr lang="zh-TW" altLang="en-US" sz="2000"/>
+              <a:t>明日、何をしますか。</a:t>
+            </a:r>
+          </a:p>
+          <a:p>
+            <a:endParaRPr lang="zh-TW" altLang="en-US" sz="2200"/>
+          </a:p>
+        </p:txBody>
+      </p:sp>
+      <p:sp>
+        <p:nvSpPr>
+          <p:cNvPr id="5" name="內容版面配置區 2">
+            <a:extLst>
+              <a:ext uri="{FF2B5EF4-FFF2-40B4-BE49-F238E27FC236}">
+                <a16:creationId xmlns:a16="http://schemas.microsoft.com/office/drawing/2014/main" id="{83C2A1A3-3EBB-1B73-7832-CD23C12809D1}"/>
+              </a:ext>
+            </a:extLst>
+          </p:cNvPr>
+          <p:cNvSpPr txBox="1">
+            <a:spLocks/>
+          </p:cNvSpPr>
+          <p:nvPr/>
+        </p:nvSpPr>
+        <p:spPr>
+          <a:xfrm>
+            <a:off x="5277997" y="3468073"/>
+            <a:ext cx="6852492" cy="2819768"/>
+          </a:xfrm>
+          <a:prstGeom prst="rect">
+            <a:avLst/>
+          </a:prstGeom>
+        </p:spPr>
+        <p:txBody>
+          <a:bodyPr vert="horz" lIns="91440" tIns="45720" rIns="91440" bIns="45720" rtlCol="0" anchor="t">
+            <a:noAutofit/>
+          </a:bodyPr>
+          <a:lstStyle>
+            <a:lvl1pPr marL="228600" indent="-228600" algn="l" defTabSz="914400" rtl="0" eaLnBrk="1" latinLnBrk="0" hangingPunct="1">
+              <a:lnSpc>
+                <a:spcPct val="110000"/>
+              </a:lnSpc>
+              <a:spcBef>
+                <a:spcPts val="1000"/>
+              </a:spcBef>
+              <a:buFont typeface="Arial" panose="020B0604020202020204" pitchFamily="34" charset="0"/>
+              <a:buChar char="•"/>
+              <a:defRPr sz="2800" kern="1200">
+                <a:solidFill>
+                  <a:schemeClr val="tx1"/>
+                </a:solidFill>
+                <a:latin typeface="+mn-lt"/>
+                <a:ea typeface="+mn-ea"/>
+                <a:cs typeface="+mn-cs"/>
+              </a:defRPr>
+            </a:lvl1pPr>
+            <a:lvl2pPr marL="685800" indent="-228600" algn="l" defTabSz="914400" rtl="0" eaLnBrk="1" latinLnBrk="0" hangingPunct="1">
+              <a:lnSpc>
+                <a:spcPct val="110000"/>
+              </a:lnSpc>
+              <a:spcBef>
+                <a:spcPts val="500"/>
+              </a:spcBef>
+              <a:buFont typeface="Arial" panose="020B0604020202020204" pitchFamily="34" charset="0"/>
+              <a:buChar char="•"/>
+              <a:defRPr sz="2400" kern="1200">
+                <a:solidFill>
+                  <a:schemeClr val="tx1"/>
+                </a:solidFill>
+                <a:latin typeface="+mn-lt"/>
+                <a:ea typeface="+mn-ea"/>
+                <a:cs typeface="+mn-cs"/>
+              </a:defRPr>
+            </a:lvl2pPr>
+            <a:lvl3pPr marL="1143000" indent="-228600" algn="l" defTabSz="914400" rtl="0" eaLnBrk="1" latinLnBrk="0" hangingPunct="1">
+              <a:lnSpc>
+                <a:spcPct val="110000"/>
+              </a:lnSpc>
+              <a:spcBef>
+                <a:spcPts val="500"/>
+              </a:spcBef>
+              <a:buFont typeface="Arial" panose="020B0604020202020204" pitchFamily="34" charset="0"/>
+              <a:buChar char="•"/>
+              <a:defRPr sz="2000" kern="1200">
+                <a:solidFill>
+                  <a:schemeClr val="tx1"/>
+                </a:solidFill>
+                <a:latin typeface="+mn-lt"/>
+                <a:ea typeface="+mn-ea"/>
+                <a:cs typeface="+mn-cs"/>
+              </a:defRPr>
+            </a:lvl3pPr>
+            <a:lvl4pPr marL="1600200" indent="-228600" algn="l" defTabSz="914400" rtl="0" eaLnBrk="1" latinLnBrk="0" hangingPunct="1">
+              <a:lnSpc>
+                <a:spcPct val="110000"/>
+              </a:lnSpc>
+              <a:spcBef>
+                <a:spcPts val="500"/>
+              </a:spcBef>
+              <a:buFont typeface="Arial" panose="020B0604020202020204" pitchFamily="34" charset="0"/>
+              <a:buChar char="•"/>
+              <a:defRPr sz="1800" kern="1200">
+                <a:solidFill>
+                  <a:schemeClr val="tx1"/>
+                </a:solidFill>
+                <a:latin typeface="+mn-lt"/>
+                <a:ea typeface="+mn-ea"/>
+                <a:cs typeface="+mn-cs"/>
+              </a:defRPr>
+            </a:lvl4pPr>
+            <a:lvl5pPr marL="2057400" indent="-228600" algn="l" defTabSz="914400" rtl="0" eaLnBrk="1" latinLnBrk="0" hangingPunct="1">
+              <a:lnSpc>
+                <a:spcPct val="110000"/>
+              </a:lnSpc>
+              <a:spcBef>
+                <a:spcPts val="500"/>
+              </a:spcBef>
+              <a:buFont typeface="Arial" panose="020B0604020202020204" pitchFamily="34" charset="0"/>
+              <a:buChar char="•"/>
+              <a:defRPr sz="1800" kern="1200">
+                <a:solidFill>
+                  <a:schemeClr val="tx1"/>
+                </a:solidFill>
+                <a:latin typeface="+mn-lt"/>
+                <a:ea typeface="+mn-ea"/>
+                <a:cs typeface="+mn-cs"/>
+              </a:defRPr>
+            </a:lvl5pPr>
+            <a:lvl6pPr marL="2514600" indent="-228600" algn="l" defTabSz="914400" rtl="0" eaLnBrk="1" latinLnBrk="0" hangingPunct="1">
+              <a:lnSpc>
+                <a:spcPct val="90000"/>
+              </a:lnSpc>
+              <a:spcBef>
+                <a:spcPts val="500"/>
+              </a:spcBef>
+              <a:buFont typeface="Arial" panose="020B0604020202020204" pitchFamily="34" charset="0"/>
+              <a:buChar char="•"/>
+              <a:defRPr sz="1800" kern="1200">
+                <a:solidFill>
+                  <a:schemeClr val="tx1"/>
+                </a:solidFill>
+                <a:latin typeface="+mn-lt"/>
+                <a:ea typeface="+mn-ea"/>
+                <a:cs typeface="+mn-cs"/>
+              </a:defRPr>
+            </a:lvl6pPr>
+            <a:lvl7pPr marL="2971800" indent="-228600" algn="l" defTabSz="914400" rtl="0" eaLnBrk="1" latinLnBrk="0" hangingPunct="1">
+              <a:lnSpc>
+                <a:spcPct val="90000"/>
+              </a:lnSpc>
+              <a:spcBef>
+                <a:spcPts val="500"/>
+              </a:spcBef>
+              <a:buFont typeface="Arial" panose="020B0604020202020204" pitchFamily="34" charset="0"/>
+              <a:buChar char="•"/>
+              <a:defRPr sz="1800" kern="1200">
+                <a:solidFill>
+                  <a:schemeClr val="tx1"/>
+                </a:solidFill>
+                <a:latin typeface="+mn-lt"/>
+                <a:ea typeface="+mn-ea"/>
+                <a:cs typeface="+mn-cs"/>
+              </a:defRPr>
+            </a:lvl7pPr>
+            <a:lvl8pPr marL="3429000" indent="-228600" algn="l" defTabSz="914400" rtl="0" eaLnBrk="1" latinLnBrk="0" hangingPunct="1">
+              <a:lnSpc>
+                <a:spcPct val="90000"/>
+              </a:lnSpc>
+              <a:spcBef>
+                <a:spcPts val="500"/>
+              </a:spcBef>
+              <a:buFont typeface="Arial" panose="020B0604020202020204" pitchFamily="34" charset="0"/>
+              <a:buChar char="•"/>
+              <a:defRPr sz="1800" kern="1200">
+                <a:solidFill>
+                  <a:schemeClr val="tx1"/>
+                </a:solidFill>
+                <a:latin typeface="+mn-lt"/>
+                <a:ea typeface="+mn-ea"/>
+                <a:cs typeface="+mn-cs"/>
+              </a:defRPr>
+            </a:lvl8pPr>
+            <a:lvl9pPr marL="3886200" indent="-228600" algn="l" defTabSz="914400" rtl="0" eaLnBrk="1" latinLnBrk="0" hangingPunct="1">
+              <a:lnSpc>
+                <a:spcPct val="90000"/>
+              </a:lnSpc>
+              <a:spcBef>
+                <a:spcPts val="500"/>
+              </a:spcBef>
+              <a:buFont typeface="Arial" panose="020B0604020202020204" pitchFamily="34" charset="0"/>
+              <a:buChar char="•"/>
+              <a:defRPr sz="1800" kern="1200">
+                <a:solidFill>
+                  <a:schemeClr val="tx1"/>
+                </a:solidFill>
+                <a:latin typeface="+mn-lt"/>
+                <a:ea typeface="+mn-ea"/>
+                <a:cs typeface="+mn-cs"/>
+              </a:defRPr>
+            </a:lvl9pPr>
+          </a:lstStyle>
+          <a:p>
+            <a:r>
+              <a:rPr lang="zh-TW" altLang="en-US" sz="2600"/>
+              <a:t>例文</a:t>
+            </a:r>
+          </a:p>
+          <a:p>
+            <a:pPr lvl="1"/>
+            <a:r>
+              <a:rPr lang="zh-TW" altLang="en-US" sz="2200"/>
+              <a:t>私は大学生です。</a:t>
+            </a:r>
+          </a:p>
+          <a:p>
+            <a:pPr lvl="1"/>
+            <a:r>
+              <a:rPr lang="zh-TW" altLang="en-US" sz="2200"/>
+              <a:t>渡辺さんは西新宿小学校の先生です。</a:t>
+            </a:r>
+          </a:p>
+          <a:p>
+            <a:pPr lvl="1"/>
+            <a:r>
+              <a:rPr lang="zh-TW" altLang="en-US" sz="2200"/>
+              <a:t>富士山は日本で一番高い山です。</a:t>
+            </a:r>
+          </a:p>
+          <a:p>
+            <a:pPr lvl="1"/>
+            <a:r>
+              <a:rPr lang="zh-TW" altLang="en-US" sz="2200"/>
+              <a:t>あなたは何時から何時まで働きますか。</a:t>
+            </a:r>
+          </a:p>
+          <a:p>
+            <a:pPr lvl="1"/>
+            <a:endParaRPr lang="zh-TW" altLang="en-US" sz="2200"/>
+          </a:p>
+          <a:p>
+            <a:pPr lvl="1"/>
+            <a:endParaRPr lang="zh-TW" altLang="en-US" sz="2200"/>
+          </a:p>
+          <a:p>
+            <a:pPr lvl="1"/>
+            <a:endParaRPr lang="zh-TW" altLang="en-US" sz="2200"/>
+          </a:p>
+          <a:p>
+            <a:pPr lvl="1"/>
+            <a:endParaRPr lang="zh-TW" altLang="en-US" sz="2600"/>
+          </a:p>
+        </p:txBody>
+      </p:sp>
+    </p:spTree>
+    <p:extLst>
+      <p:ext uri="{BB962C8B-B14F-4D97-AF65-F5344CB8AC3E}">
+        <p14:creationId xmlns:p14="http://schemas.microsoft.com/office/powerpoint/2010/main" val="2534970405"/>
+      </p:ext>
+    </p:extLst>
+  </p:cSld>
+  <p:clrMapOvr>
+    <a:masterClrMapping/>
+  </p:clrMapOvr>
+</p:sld>
+</file>
+
+<file path=ppt/slides/slide7.xml><?xml version="1.0" encoding="utf-8"?>
+<p:sld xmlns:a="http://schemas.openxmlformats.org/drawingml/2006/main" xmlns:r="http://schemas.openxmlformats.org/officeDocument/2006/relationships" xmlns:p="http://schemas.openxmlformats.org/presentationml/2006/main">
+  <p:cSld>
+    <p:spTree>
+      <p:nvGrpSpPr>
+        <p:cNvPr id="1" name=""/>
+        <p:cNvGrpSpPr/>
+        <p:nvPr/>
+      </p:nvGrpSpPr>
+      <p:grpSpPr>
+        <a:xfrm>
+          <a:off x="0" y="0"/>
+          <a:ext cx="0" cy="0"/>
+          <a:chOff x="0" y="0"/>
+          <a:chExt cx="0" cy="0"/>
+        </a:xfrm>
+      </p:grpSpPr>
+      <p:sp>
+        <p:nvSpPr>
+          <p:cNvPr id="2" name="標題 1">
+            <a:extLst>
+              <a:ext uri="{FF2B5EF4-FFF2-40B4-BE49-F238E27FC236}">
+                <a16:creationId xmlns:a16="http://schemas.microsoft.com/office/drawing/2014/main" id="{37A17A5C-282D-9A06-2BB9-7608E2DA7C30}"/>
+              </a:ext>
+            </a:extLst>
+          </p:cNvPr>
+          <p:cNvSpPr>
+            <a:spLocks noGrp="1"/>
+          </p:cNvSpPr>
+          <p:nvPr>
+            <p:ph type="title"/>
+          </p:nvPr>
+        </p:nvSpPr>
+        <p:spPr/>
+        <p:txBody>
+          <a:bodyPr>
+            <a:noAutofit/>
+          </a:bodyPr>
+          <a:lstStyle/>
+          <a:p>
+            <a:r>
+              <a:rPr lang="zh-TW" altLang="en-US" sz="3600"/>
+              <a:t>助詞：同樣「も」</a:t>
+            </a:r>
+          </a:p>
+        </p:txBody>
+      </p:sp>
+      <p:sp>
+        <p:nvSpPr>
+          <p:cNvPr id="3" name="內容版面配置區 2">
+            <a:extLst>
+              <a:ext uri="{FF2B5EF4-FFF2-40B4-BE49-F238E27FC236}">
+                <a16:creationId xmlns:a16="http://schemas.microsoft.com/office/drawing/2014/main" id="{1EE82732-1F5A-20AC-9707-24B2A32B3AB7}"/>
+              </a:ext>
+            </a:extLst>
+          </p:cNvPr>
+          <p:cNvSpPr>
+            <a:spLocks noGrp="1"/>
+          </p:cNvSpPr>
+          <p:nvPr>
+            <p:ph idx="1"/>
+          </p:nvPr>
+        </p:nvSpPr>
+        <p:spPr>
+          <a:xfrm>
+            <a:off x="320616" y="1929384"/>
+            <a:ext cx="11033184" cy="4654526"/>
+          </a:xfrm>
+        </p:spPr>
+        <p:txBody>
+          <a:bodyPr vert="horz" lIns="91440" tIns="45720" rIns="91440" bIns="45720" rtlCol="0" anchor="t">
+            <a:normAutofit fontScale="85000" lnSpcReduction="20000"/>
+          </a:bodyPr>
+          <a:lstStyle/>
+          <a:p>
+            <a:r>
+              <a:rPr lang="zh-TW" altLang="en-US">
+                <a:solidFill>
+                  <a:srgbClr val="000000"/>
+                </a:solidFill>
+              </a:rPr>
+              <a:t>名詞</a:t>
+            </a:r>
+            <a:r>
+              <a:rPr lang="zh-TW" altLang="en-US">
+                <a:solidFill>
+                  <a:srgbClr val="FF0000"/>
+                </a:solidFill>
+              </a:rPr>
+              <a:t>も</a:t>
+            </a:r>
+            <a:r>
+              <a:rPr lang="zh-TW" altLang="en-US">
+                <a:solidFill>
+                  <a:srgbClr val="000000"/>
+                </a:solidFill>
+              </a:rPr>
+              <a:t>（表示同樣，也）</a:t>
+            </a:r>
+          </a:p>
+          <a:p>
+            <a:r>
+              <a:rPr lang="zh-TW" altLang="en-US" sz="2400"/>
+              <a:t>主題「は」</a:t>
+            </a:r>
+          </a:p>
+          <a:p>
+            <a:pPr lvl="1"/>
+            <a:r>
+              <a:rPr lang="zh-TW" altLang="en-US" sz="2000"/>
+              <a:t>高橋さんは学生。山田さん</a:t>
+            </a:r>
+            <a:r>
+              <a:rPr lang="zh-TW" altLang="en-US" sz="2000">
+                <a:solidFill>
+                  <a:srgbClr val="FF0000"/>
+                </a:solidFill>
+              </a:rPr>
+              <a:t>も</a:t>
+            </a:r>
+            <a:r>
+              <a:rPr lang="zh-TW" altLang="en-US" sz="2000"/>
+              <a:t>学生です。</a:t>
+            </a:r>
+          </a:p>
+          <a:p>
+            <a:r>
+              <a:rPr lang="zh-TW" altLang="en-US" sz="2400"/>
+              <a:t>焦點「が」</a:t>
+            </a:r>
+          </a:p>
+          <a:p>
+            <a:pPr lvl="1"/>
+            <a:r>
+              <a:rPr lang="zh-TW" altLang="en-US" sz="2000"/>
+              <a:t>寿司が好きです。ラーメン</a:t>
+            </a:r>
+            <a:r>
+              <a:rPr lang="zh-TW" altLang="en-US" sz="2000">
+                <a:solidFill>
+                  <a:srgbClr val="FF0000"/>
+                </a:solidFill>
+              </a:rPr>
+              <a:t>も</a:t>
+            </a:r>
+            <a:r>
+              <a:rPr lang="zh-TW" altLang="en-US" sz="2000"/>
+              <a:t>好きです。</a:t>
+            </a:r>
+          </a:p>
+          <a:p>
+            <a:r>
+              <a:rPr lang="zh-TW" altLang="en-US" sz="2400"/>
+              <a:t>動作作用對象「を」</a:t>
+            </a:r>
+          </a:p>
+          <a:p>
+            <a:pPr lvl="1"/>
+            <a:r>
+              <a:rPr lang="zh-TW" altLang="en-US" sz="2000"/>
+              <a:t>新聞を買いました。雑誌</a:t>
+            </a:r>
+            <a:r>
+              <a:rPr lang="zh-TW" altLang="en-US" sz="2000">
+                <a:solidFill>
+                  <a:srgbClr val="FF0000"/>
+                </a:solidFill>
+              </a:rPr>
+              <a:t>も</a:t>
+            </a:r>
+            <a:r>
+              <a:rPr lang="zh-TW" altLang="en-US" sz="2000"/>
+              <a:t>買いました。</a:t>
+            </a:r>
+          </a:p>
+          <a:p>
+            <a:r>
+              <a:rPr lang="zh-TW" altLang="en-US" sz="2400"/>
+              <a:t>移動方向「へ」</a:t>
+            </a:r>
+          </a:p>
+          <a:p>
+            <a:pPr lvl="1"/>
+            <a:r>
+              <a:rPr lang="zh-TW" altLang="en-US" sz="2000"/>
+              <a:t>京都へ行きました。奈良[へ]</a:t>
+            </a:r>
+            <a:r>
+              <a:rPr lang="zh-TW" altLang="en-US" sz="2000">
+                <a:solidFill>
+                  <a:srgbClr val="FF0000"/>
+                </a:solidFill>
+              </a:rPr>
+              <a:t>も</a:t>
+            </a:r>
+            <a:r>
+              <a:rPr lang="zh-TW" altLang="en-US" sz="2000"/>
+              <a:t>行きました。</a:t>
+            </a:r>
+          </a:p>
+          <a:p>
+            <a:r>
+              <a:rPr lang="zh-TW" altLang="en-US" sz="2400"/>
+              <a:t>動作對方「に」</a:t>
+            </a:r>
+          </a:p>
+          <a:p>
+            <a:pPr lvl="1"/>
+            <a:r>
+              <a:rPr lang="zh-TW" altLang="en-US" sz="2000"/>
+              <a:t>母はプレゼントをあげました。父に</a:t>
+            </a:r>
+            <a:r>
+              <a:rPr lang="zh-TW" altLang="en-US" sz="2000">
+                <a:solidFill>
+                  <a:srgbClr val="FF0000"/>
+                </a:solidFill>
+              </a:rPr>
+              <a:t>も</a:t>
+            </a:r>
+            <a:r>
+              <a:rPr lang="zh-TW" altLang="en-US" sz="2000"/>
+              <a:t>あげました。</a:t>
+            </a:r>
+          </a:p>
+          <a:p>
+            <a:r>
+              <a:rPr lang="zh-TW" altLang="en-US" sz="2400"/>
+              <a:t>交通工具「て」</a:t>
+            </a:r>
+          </a:p>
+          <a:p>
+            <a:pPr lvl="1"/>
+            <a:r>
+              <a:rPr lang="zh-TW" altLang="en-US" sz="2000"/>
+              <a:t>電車で行くことができます。バスで</a:t>
+            </a:r>
+            <a:r>
+              <a:rPr lang="zh-TW" altLang="en-US" sz="2000">
+                <a:solidFill>
+                  <a:srgbClr val="FF0000"/>
+                </a:solidFill>
+              </a:rPr>
+              <a:t>も</a:t>
+            </a:r>
+            <a:r>
+              <a:rPr lang="zh-TW" altLang="en-US" sz="2000"/>
+              <a:t>行くことができます。</a:t>
+            </a:r>
+          </a:p>
+        </p:txBody>
+      </p:sp>
+      <p:sp>
+        <p:nvSpPr>
+          <p:cNvPr id="5" name="內容版面配置區 2">
+            <a:extLst>
+              <a:ext uri="{FF2B5EF4-FFF2-40B4-BE49-F238E27FC236}">
+                <a16:creationId xmlns:a16="http://schemas.microsoft.com/office/drawing/2014/main" id="{83C2A1A3-3EBB-1B73-7832-CD23C12809D1}"/>
+              </a:ext>
+            </a:extLst>
+          </p:cNvPr>
+          <p:cNvSpPr txBox="1">
+            <a:spLocks/>
+          </p:cNvSpPr>
+          <p:nvPr/>
+        </p:nvSpPr>
+        <p:spPr>
+          <a:xfrm>
+            <a:off x="6327544" y="1814678"/>
+            <a:ext cx="6004226" cy="4041842"/>
+          </a:xfrm>
+          <a:prstGeom prst="rect">
+            <a:avLst/>
+          </a:prstGeom>
+        </p:spPr>
+        <p:txBody>
+          <a:bodyPr vert="horz" lIns="91440" tIns="45720" rIns="91440" bIns="45720" rtlCol="0" anchor="t">
+            <a:noAutofit/>
+          </a:bodyPr>
+          <a:lstStyle>
+            <a:lvl1pPr marL="228600" indent="-228600" algn="l" defTabSz="914400" rtl="0" eaLnBrk="1" latinLnBrk="0" hangingPunct="1">
+              <a:lnSpc>
+                <a:spcPct val="110000"/>
+              </a:lnSpc>
+              <a:spcBef>
+                <a:spcPts val="1000"/>
+              </a:spcBef>
+              <a:buFont typeface="Arial" panose="020B0604020202020204" pitchFamily="34" charset="0"/>
+              <a:buChar char="•"/>
+              <a:defRPr sz="2800" kern="1200">
+                <a:solidFill>
+                  <a:schemeClr val="tx1"/>
+                </a:solidFill>
+                <a:latin typeface="+mn-lt"/>
+                <a:ea typeface="+mn-ea"/>
+                <a:cs typeface="+mn-cs"/>
+              </a:defRPr>
+            </a:lvl1pPr>
+            <a:lvl2pPr marL="685800" indent="-228600" algn="l" defTabSz="914400" rtl="0" eaLnBrk="1" latinLnBrk="0" hangingPunct="1">
+              <a:lnSpc>
+                <a:spcPct val="110000"/>
+              </a:lnSpc>
+              <a:spcBef>
+                <a:spcPts val="500"/>
+              </a:spcBef>
+              <a:buFont typeface="Arial" panose="020B0604020202020204" pitchFamily="34" charset="0"/>
+              <a:buChar char="•"/>
+              <a:defRPr sz="2400" kern="1200">
+                <a:solidFill>
+                  <a:schemeClr val="tx1"/>
+                </a:solidFill>
+                <a:latin typeface="+mn-lt"/>
+                <a:ea typeface="+mn-ea"/>
+                <a:cs typeface="+mn-cs"/>
+              </a:defRPr>
+            </a:lvl2pPr>
+            <a:lvl3pPr marL="1143000" indent="-228600" algn="l" defTabSz="914400" rtl="0" eaLnBrk="1" latinLnBrk="0" hangingPunct="1">
+              <a:lnSpc>
+                <a:spcPct val="110000"/>
+              </a:lnSpc>
+              <a:spcBef>
+                <a:spcPts val="500"/>
+              </a:spcBef>
+              <a:buFont typeface="Arial" panose="020B0604020202020204" pitchFamily="34" charset="0"/>
+              <a:buChar char="•"/>
+              <a:defRPr sz="2000" kern="1200">
+                <a:solidFill>
+                  <a:schemeClr val="tx1"/>
+                </a:solidFill>
+                <a:latin typeface="+mn-lt"/>
+                <a:ea typeface="+mn-ea"/>
+                <a:cs typeface="+mn-cs"/>
+              </a:defRPr>
+            </a:lvl3pPr>
+            <a:lvl4pPr marL="1600200" indent="-228600" algn="l" defTabSz="914400" rtl="0" eaLnBrk="1" latinLnBrk="0" hangingPunct="1">
+              <a:lnSpc>
+                <a:spcPct val="110000"/>
+              </a:lnSpc>
+              <a:spcBef>
+                <a:spcPts val="500"/>
+              </a:spcBef>
+              <a:buFont typeface="Arial" panose="020B0604020202020204" pitchFamily="34" charset="0"/>
+              <a:buChar char="•"/>
+              <a:defRPr sz="1800" kern="1200">
+                <a:solidFill>
+                  <a:schemeClr val="tx1"/>
+                </a:solidFill>
+                <a:latin typeface="+mn-lt"/>
+                <a:ea typeface="+mn-ea"/>
+                <a:cs typeface="+mn-cs"/>
+              </a:defRPr>
+            </a:lvl4pPr>
+            <a:lvl5pPr marL="2057400" indent="-228600" algn="l" defTabSz="914400" rtl="0" eaLnBrk="1" latinLnBrk="0" hangingPunct="1">
+              <a:lnSpc>
+                <a:spcPct val="110000"/>
+              </a:lnSpc>
+              <a:spcBef>
+                <a:spcPts val="500"/>
+              </a:spcBef>
+              <a:buFont typeface="Arial" panose="020B0604020202020204" pitchFamily="34" charset="0"/>
+              <a:buChar char="•"/>
+              <a:defRPr sz="1800" kern="1200">
+                <a:solidFill>
+                  <a:schemeClr val="tx1"/>
+                </a:solidFill>
+                <a:latin typeface="+mn-lt"/>
+                <a:ea typeface="+mn-ea"/>
+                <a:cs typeface="+mn-cs"/>
+              </a:defRPr>
+            </a:lvl5pPr>
+            <a:lvl6pPr marL="2514600" indent="-228600" algn="l" defTabSz="914400" rtl="0" eaLnBrk="1" latinLnBrk="0" hangingPunct="1">
+              <a:lnSpc>
+                <a:spcPct val="90000"/>
+              </a:lnSpc>
+              <a:spcBef>
+                <a:spcPts val="500"/>
+              </a:spcBef>
+              <a:buFont typeface="Arial" panose="020B0604020202020204" pitchFamily="34" charset="0"/>
+              <a:buChar char="•"/>
+              <a:defRPr sz="1800" kern="1200">
+                <a:solidFill>
+                  <a:schemeClr val="tx1"/>
+                </a:solidFill>
+                <a:latin typeface="+mn-lt"/>
+                <a:ea typeface="+mn-ea"/>
+                <a:cs typeface="+mn-cs"/>
+              </a:defRPr>
+            </a:lvl6pPr>
+            <a:lvl7pPr marL="2971800" indent="-228600" algn="l" defTabSz="914400" rtl="0" eaLnBrk="1" latinLnBrk="0" hangingPunct="1">
+              <a:lnSpc>
+                <a:spcPct val="90000"/>
+              </a:lnSpc>
+              <a:spcBef>
+                <a:spcPts val="500"/>
+              </a:spcBef>
+              <a:buFont typeface="Arial" panose="020B0604020202020204" pitchFamily="34" charset="0"/>
+              <a:buChar char="•"/>
+              <a:defRPr sz="1800" kern="1200">
+                <a:solidFill>
+                  <a:schemeClr val="tx1"/>
+                </a:solidFill>
+                <a:latin typeface="+mn-lt"/>
+                <a:ea typeface="+mn-ea"/>
+                <a:cs typeface="+mn-cs"/>
+              </a:defRPr>
+            </a:lvl7pPr>
+            <a:lvl8pPr marL="3429000" indent="-228600" algn="l" defTabSz="914400" rtl="0" eaLnBrk="1" latinLnBrk="0" hangingPunct="1">
+              <a:lnSpc>
+                <a:spcPct val="90000"/>
+              </a:lnSpc>
+              <a:spcBef>
+                <a:spcPts val="500"/>
+              </a:spcBef>
+              <a:buFont typeface="Arial" panose="020B0604020202020204" pitchFamily="34" charset="0"/>
+              <a:buChar char="•"/>
+              <a:defRPr sz="1800" kern="1200">
+                <a:solidFill>
+                  <a:schemeClr val="tx1"/>
+                </a:solidFill>
+                <a:latin typeface="+mn-lt"/>
+                <a:ea typeface="+mn-ea"/>
+                <a:cs typeface="+mn-cs"/>
+              </a:defRPr>
+            </a:lvl8pPr>
+            <a:lvl9pPr marL="3886200" indent="-228600" algn="l" defTabSz="914400" rtl="0" eaLnBrk="1" latinLnBrk="0" hangingPunct="1">
+              <a:lnSpc>
+                <a:spcPct val="90000"/>
+              </a:lnSpc>
+              <a:spcBef>
+                <a:spcPts val="500"/>
+              </a:spcBef>
+              <a:buFont typeface="Arial" panose="020B0604020202020204" pitchFamily="34" charset="0"/>
+              <a:buChar char="•"/>
+              <a:defRPr sz="1800" kern="1200">
+                <a:solidFill>
+                  <a:schemeClr val="tx1"/>
+                </a:solidFill>
+                <a:latin typeface="+mn-lt"/>
+                <a:ea typeface="+mn-ea"/>
+                <a:cs typeface="+mn-cs"/>
+              </a:defRPr>
+            </a:lvl9pPr>
+          </a:lstStyle>
+          <a:p>
+            <a:r>
+              <a:rPr lang="zh-TW" altLang="en-US"/>
+              <a:t>例文</a:t>
+            </a:r>
+          </a:p>
+          <a:p>
+            <a:pPr lvl="1"/>
+            <a:r>
+              <a:rPr lang="zh-TW" altLang="en-US"/>
+              <a:t>李さんは台湾人です。</a:t>
+            </a:r>
+            <a:br>
+              <a:rPr lang="zh-TW" altLang="en-US"/>
+            </a:br>
+            <a:r>
+              <a:rPr lang="zh-TW" altLang="en-US"/>
+              <a:t>林さんも台湾人です。</a:t>
+            </a:r>
+          </a:p>
+          <a:p>
+            <a:pPr lvl="1"/>
+            <a:r>
+              <a:rPr lang="zh-TW" altLang="en-US"/>
+              <a:t>土曜日、働きます。</a:t>
+            </a:r>
+            <a:br>
+              <a:rPr lang="zh-TW" altLang="en-US"/>
+            </a:br>
+            <a:r>
+              <a:rPr lang="zh-TW" altLang="en-US"/>
+              <a:t>日曜日も働きます。</a:t>
+            </a:r>
+          </a:p>
+          <a:p>
+            <a:pPr lvl="1"/>
+            <a:r>
+              <a:rPr lang="zh-TW" altLang="en-US"/>
+              <a:t>私は夏休みに中国へ行きます。</a:t>
+            </a:r>
+            <a:br>
+              <a:rPr lang="zh-TW" altLang="en-US"/>
+            </a:br>
+            <a:r>
+              <a:rPr lang="zh-TW" altLang="en-US"/>
+              <a:t>山田さんも行きます。</a:t>
+            </a:r>
+          </a:p>
+          <a:p>
+            <a:pPr lvl="1"/>
+            <a:r>
+              <a:rPr lang="zh-TW" altLang="en-US"/>
+              <a:t>私はラーメンも寿司も好きです。</a:t>
+            </a:r>
+          </a:p>
+          <a:p>
+            <a:pPr lvl="1"/>
+            <a:endParaRPr lang="zh-TW" altLang="en-US"/>
+          </a:p>
+          <a:p>
+            <a:pPr lvl="1"/>
+            <a:endParaRPr lang="zh-TW" altLang="en-US"/>
+          </a:p>
+          <a:p>
+            <a:pPr lvl="1"/>
+            <a:endParaRPr lang="zh-TW" altLang="en-US" sz="2800"/>
+          </a:p>
+        </p:txBody>
+      </p:sp>
+    </p:spTree>
+    <p:extLst>
+      <p:ext uri="{BB962C8B-B14F-4D97-AF65-F5344CB8AC3E}">
+        <p14:creationId xmlns:p14="http://schemas.microsoft.com/office/powerpoint/2010/main" val="1685802612"/>
+      </p:ext>
+    </p:extLst>
+  </p:cSld>
+  <p:clrMapOvr>
+    <a:masterClrMapping/>
+  </p:clrMapOvr>
+</p:sld>
+</file>
+
+<file path=ppt/slides/slide8.xml><?xml version="1.0" encoding="utf-8"?>
+<p:sld xmlns:a="http://schemas.openxmlformats.org/drawingml/2006/main" xmlns:r="http://schemas.openxmlformats.org/officeDocument/2006/relationships" xmlns:p="http://schemas.openxmlformats.org/presentationml/2006/main">
+  <p:cSld>
+    <p:spTree>
+      <p:nvGrpSpPr>
+        <p:cNvPr id="1" name=""/>
+        <p:cNvGrpSpPr/>
+        <p:nvPr/>
+      </p:nvGrpSpPr>
+      <p:grpSpPr>
+        <a:xfrm>
+          <a:off x="0" y="0"/>
+          <a:ext cx="0" cy="0"/>
+          <a:chOff x="0" y="0"/>
+          <a:chExt cx="0" cy="0"/>
+        </a:xfrm>
+      </p:grpSpPr>
+      <p:sp>
+        <p:nvSpPr>
+          <p:cNvPr id="2" name="標題 1">
+            <a:extLst>
+              <a:ext uri="{FF2B5EF4-FFF2-40B4-BE49-F238E27FC236}">
+                <a16:creationId xmlns:a16="http://schemas.microsoft.com/office/drawing/2014/main" id="{37A17A5C-282D-9A06-2BB9-7608E2DA7C30}"/>
+              </a:ext>
+            </a:extLst>
+          </p:cNvPr>
+          <p:cNvSpPr>
+            <a:spLocks noGrp="1"/>
+          </p:cNvSpPr>
+          <p:nvPr>
+            <p:ph type="title"/>
+          </p:nvPr>
+        </p:nvSpPr>
+        <p:spPr/>
+        <p:txBody>
+          <a:bodyPr>
+            <a:noAutofit/>
+          </a:bodyPr>
+          <a:lstStyle/>
+          <a:p>
+            <a:r>
+              <a:rPr lang="zh-TW" altLang="en-US" sz="3600"/>
+              <a:t>助詞：所屬、所有、所在、所產「の」</a:t>
+            </a:r>
+          </a:p>
+        </p:txBody>
+      </p:sp>
+      <p:sp>
+        <p:nvSpPr>
+          <p:cNvPr id="3" name="內容版面配置區 2">
+            <a:extLst>
+              <a:ext uri="{FF2B5EF4-FFF2-40B4-BE49-F238E27FC236}">
+                <a16:creationId xmlns:a16="http://schemas.microsoft.com/office/drawing/2014/main" id="{1EE82732-1F5A-20AC-9707-24B2A32B3AB7}"/>
+              </a:ext>
+            </a:extLst>
+          </p:cNvPr>
+          <p:cNvSpPr>
+            <a:spLocks noGrp="1"/>
+          </p:cNvSpPr>
+          <p:nvPr>
+            <p:ph idx="1"/>
+          </p:nvPr>
+        </p:nvSpPr>
+        <p:spPr>
+          <a:xfrm>
+            <a:off x="838200" y="1929384"/>
+            <a:ext cx="10515600" cy="4654526"/>
+          </a:xfrm>
+        </p:spPr>
+        <p:txBody>
+          <a:bodyPr vert="horz" lIns="91440" tIns="45720" rIns="91440" bIns="45720" rtlCol="0" anchor="t">
+            <a:normAutofit/>
+          </a:bodyPr>
+          <a:lstStyle/>
+          <a:p>
+            <a:r>
+              <a:rPr lang="zh-TW" altLang="en-US">
+                <a:solidFill>
+                  <a:srgbClr val="000000"/>
+                </a:solidFill>
+              </a:rPr>
+              <a:t>名詞</a:t>
+            </a:r>
+            <a:r>
+              <a:rPr lang="zh-TW" altLang="en-US">
+                <a:solidFill>
+                  <a:srgbClr val="FF0000"/>
+                </a:solidFill>
+              </a:rPr>
+              <a:t>の</a:t>
+            </a:r>
+            <a:r>
+              <a:rPr lang="zh-TW" altLang="en-US">
+                <a:solidFill>
+                  <a:srgbClr val="000000"/>
+                </a:solidFill>
+              </a:rPr>
+              <a:t>名詞（～的～）</a:t>
+            </a:r>
+          </a:p>
+          <a:p>
+            <a:endParaRPr lang="zh-TW" altLang="en-US" sz="2200"/>
+          </a:p>
+          <a:p>
+            <a:r>
+              <a:rPr lang="zh-TW" altLang="en-US" sz="2200"/>
+              <a:t>所屬</a:t>
+            </a:r>
+          </a:p>
+          <a:p>
+            <a:pPr lvl="1"/>
+            <a:r>
+              <a:rPr lang="zh-TW" altLang="en-US" sz="1800"/>
+              <a:t>私はＳＯＮＹ</a:t>
+            </a:r>
+            <a:r>
+              <a:rPr lang="zh-TW" altLang="en-US" sz="1800">
+                <a:solidFill>
+                  <a:srgbClr val="FF0000"/>
+                </a:solidFill>
+              </a:rPr>
+              <a:t>の</a:t>
+            </a:r>
+            <a:r>
+              <a:rPr lang="zh-TW" altLang="en-US" sz="1800"/>
+              <a:t>社員です。</a:t>
+            </a:r>
+            <a:endParaRPr lang="zh-TW" sz="1800"/>
+          </a:p>
+          <a:p>
+            <a:r>
+              <a:rPr lang="zh-TW" altLang="en-US" sz="2200"/>
+              <a:t>所有</a:t>
+            </a:r>
+          </a:p>
+          <a:p>
+            <a:pPr lvl="1"/>
+            <a:r>
+              <a:rPr lang="zh-TW" altLang="en-US" sz="1800"/>
+              <a:t>これは私</a:t>
+            </a:r>
+            <a:r>
+              <a:rPr lang="zh-TW" altLang="en-US" sz="1800">
+                <a:solidFill>
+                  <a:srgbClr val="FF0000"/>
+                </a:solidFill>
+              </a:rPr>
+              <a:t>の</a:t>
+            </a:r>
+            <a:r>
+              <a:rPr lang="zh-TW" altLang="en-US" sz="1800"/>
+              <a:t>傘です。</a:t>
+            </a:r>
+          </a:p>
+          <a:p>
+            <a:r>
+              <a:rPr lang="zh-TW" altLang="en-US" sz="2200"/>
+              <a:t>所在</a:t>
+            </a:r>
+          </a:p>
+          <a:p>
+            <a:pPr lvl="1"/>
+            <a:r>
+              <a:rPr lang="zh-TW" altLang="en-US" sz="1800"/>
+              <a:t>ポストは市役所</a:t>
+            </a:r>
+            <a:r>
+              <a:rPr lang="zh-TW" altLang="en-US" sz="1800">
+                <a:solidFill>
+                  <a:srgbClr val="FF0000"/>
+                </a:solidFill>
+              </a:rPr>
+              <a:t>の</a:t>
+            </a:r>
+            <a:r>
+              <a:rPr lang="zh-TW" altLang="en-US" sz="1800"/>
+              <a:t>前です。</a:t>
+            </a:r>
+          </a:p>
+          <a:p>
+            <a:r>
+              <a:rPr lang="zh-TW" altLang="en-US" sz="2200"/>
+              <a:t>所產</a:t>
+            </a:r>
+          </a:p>
+          <a:p>
+            <a:pPr lvl="1"/>
+            <a:r>
+              <a:rPr lang="zh-TW" altLang="en-US" sz="1800"/>
+              <a:t>これは日本</a:t>
+            </a:r>
+            <a:r>
+              <a:rPr lang="zh-TW" altLang="en-US" sz="1800">
+                <a:solidFill>
+                  <a:srgbClr val="FF0000"/>
+                </a:solidFill>
+              </a:rPr>
+              <a:t>の</a:t>
+            </a:r>
+            <a:r>
+              <a:rPr lang="zh-TW" altLang="en-US" sz="1800"/>
+              <a:t>りんごです。</a:t>
+            </a:r>
+          </a:p>
+          <a:p>
+            <a:endParaRPr lang="zh-TW" altLang="en-US" sz="2200"/>
+          </a:p>
+          <a:p>
+            <a:endParaRPr lang="zh-TW" altLang="en-US" sz="2000"/>
+          </a:p>
+        </p:txBody>
+      </p:sp>
+      <p:sp>
+        <p:nvSpPr>
+          <p:cNvPr id="15" name="內容版面配置區 2">
+            <a:extLst>
+              <a:ext uri="{FF2B5EF4-FFF2-40B4-BE49-F238E27FC236}">
+                <a16:creationId xmlns:a16="http://schemas.microsoft.com/office/drawing/2014/main" id="{D06A0415-1089-A26D-61C6-0BA6108C200A}"/>
+              </a:ext>
+            </a:extLst>
+          </p:cNvPr>
+          <p:cNvSpPr txBox="1">
+            <a:spLocks/>
+          </p:cNvSpPr>
+          <p:nvPr/>
+        </p:nvSpPr>
+        <p:spPr>
+          <a:xfrm>
+            <a:off x="5277997" y="3468073"/>
+            <a:ext cx="6852492" cy="2819768"/>
+          </a:xfrm>
+          <a:prstGeom prst="rect">
+            <a:avLst/>
+          </a:prstGeom>
+        </p:spPr>
+        <p:txBody>
+          <a:bodyPr vert="horz" lIns="91440" tIns="45720" rIns="91440" bIns="45720" rtlCol="0" anchor="t">
+            <a:noAutofit/>
+          </a:bodyPr>
+          <a:lstStyle>
+            <a:lvl1pPr marL="228600" indent="-228600" algn="l" defTabSz="914400" rtl="0" eaLnBrk="1" latinLnBrk="0" hangingPunct="1">
+              <a:lnSpc>
+                <a:spcPct val="110000"/>
+              </a:lnSpc>
+              <a:spcBef>
+                <a:spcPts val="1000"/>
+              </a:spcBef>
+              <a:buFont typeface="Arial" panose="020B0604020202020204" pitchFamily="34" charset="0"/>
+              <a:buChar char="•"/>
+              <a:defRPr sz="2800" kern="1200">
+                <a:solidFill>
+                  <a:schemeClr val="tx1"/>
+                </a:solidFill>
+                <a:latin typeface="+mn-lt"/>
+                <a:ea typeface="+mn-ea"/>
+                <a:cs typeface="+mn-cs"/>
+              </a:defRPr>
+            </a:lvl1pPr>
+            <a:lvl2pPr marL="685800" indent="-228600" algn="l" defTabSz="914400" rtl="0" eaLnBrk="1" latinLnBrk="0" hangingPunct="1">
+              <a:lnSpc>
+                <a:spcPct val="110000"/>
+              </a:lnSpc>
+              <a:spcBef>
+                <a:spcPts val="500"/>
+              </a:spcBef>
+              <a:buFont typeface="Arial" panose="020B0604020202020204" pitchFamily="34" charset="0"/>
+              <a:buChar char="•"/>
+              <a:defRPr sz="2400" kern="1200">
+                <a:solidFill>
+                  <a:schemeClr val="tx1"/>
+                </a:solidFill>
+                <a:latin typeface="+mn-lt"/>
+                <a:ea typeface="+mn-ea"/>
+                <a:cs typeface="+mn-cs"/>
+              </a:defRPr>
+            </a:lvl2pPr>
+            <a:lvl3pPr marL="1143000" indent="-228600" algn="l" defTabSz="914400" rtl="0" eaLnBrk="1" latinLnBrk="0" hangingPunct="1">
+              <a:lnSpc>
+                <a:spcPct val="110000"/>
+              </a:lnSpc>
+              <a:spcBef>
+                <a:spcPts val="500"/>
+              </a:spcBef>
+              <a:buFont typeface="Arial" panose="020B0604020202020204" pitchFamily="34" charset="0"/>
+              <a:buChar char="•"/>
+              <a:defRPr sz="2000" kern="1200">
+                <a:solidFill>
+                  <a:schemeClr val="tx1"/>
+                </a:solidFill>
+                <a:latin typeface="+mn-lt"/>
+                <a:ea typeface="+mn-ea"/>
+                <a:cs typeface="+mn-cs"/>
+              </a:defRPr>
+            </a:lvl3pPr>
+            <a:lvl4pPr marL="1600200" indent="-228600" algn="l" defTabSz="914400" rtl="0" eaLnBrk="1" latinLnBrk="0" hangingPunct="1">
+              <a:lnSpc>
+                <a:spcPct val="110000"/>
+              </a:lnSpc>
+              <a:spcBef>
+                <a:spcPts val="500"/>
+              </a:spcBef>
+              <a:buFont typeface="Arial" panose="020B0604020202020204" pitchFamily="34" charset="0"/>
+              <a:buChar char="•"/>
+              <a:defRPr sz="1800" kern="1200">
+                <a:solidFill>
+                  <a:schemeClr val="tx1"/>
+                </a:solidFill>
+                <a:latin typeface="+mn-lt"/>
+                <a:ea typeface="+mn-ea"/>
+                <a:cs typeface="+mn-cs"/>
+              </a:defRPr>
+            </a:lvl4pPr>
+            <a:lvl5pPr marL="2057400" indent="-228600" algn="l" defTabSz="914400" rtl="0" eaLnBrk="1" latinLnBrk="0" hangingPunct="1">
+              <a:lnSpc>
+                <a:spcPct val="110000"/>
+              </a:lnSpc>
+              <a:spcBef>
+                <a:spcPts val="500"/>
+              </a:spcBef>
+              <a:buFont typeface="Arial" panose="020B0604020202020204" pitchFamily="34" charset="0"/>
+              <a:buChar char="•"/>
+              <a:defRPr sz="1800" kern="1200">
+                <a:solidFill>
+                  <a:schemeClr val="tx1"/>
+                </a:solidFill>
+                <a:latin typeface="+mn-lt"/>
+                <a:ea typeface="+mn-ea"/>
+                <a:cs typeface="+mn-cs"/>
+              </a:defRPr>
+            </a:lvl5pPr>
+            <a:lvl6pPr marL="2514600" indent="-228600" algn="l" defTabSz="914400" rtl="0" eaLnBrk="1" latinLnBrk="0" hangingPunct="1">
+              <a:lnSpc>
+                <a:spcPct val="90000"/>
+              </a:lnSpc>
+              <a:spcBef>
+                <a:spcPts val="500"/>
+              </a:spcBef>
+              <a:buFont typeface="Arial" panose="020B0604020202020204" pitchFamily="34" charset="0"/>
+              <a:buChar char="•"/>
+              <a:defRPr sz="1800" kern="1200">
+                <a:solidFill>
+                  <a:schemeClr val="tx1"/>
+                </a:solidFill>
+                <a:latin typeface="+mn-lt"/>
+                <a:ea typeface="+mn-ea"/>
+                <a:cs typeface="+mn-cs"/>
+              </a:defRPr>
+            </a:lvl6pPr>
+            <a:lvl7pPr marL="2971800" indent="-228600" algn="l" defTabSz="914400" rtl="0" eaLnBrk="1" latinLnBrk="0" hangingPunct="1">
+              <a:lnSpc>
+                <a:spcPct val="90000"/>
+              </a:lnSpc>
+              <a:spcBef>
+                <a:spcPts val="500"/>
+              </a:spcBef>
+              <a:buFont typeface="Arial" panose="020B0604020202020204" pitchFamily="34" charset="0"/>
+              <a:buChar char="•"/>
+              <a:defRPr sz="1800" kern="1200">
+                <a:solidFill>
+                  <a:schemeClr val="tx1"/>
+                </a:solidFill>
+                <a:latin typeface="+mn-lt"/>
+                <a:ea typeface="+mn-ea"/>
+                <a:cs typeface="+mn-cs"/>
+              </a:defRPr>
+            </a:lvl7pPr>
+            <a:lvl8pPr marL="3429000" indent="-228600" algn="l" defTabSz="914400" rtl="0" eaLnBrk="1" latinLnBrk="0" hangingPunct="1">
+              <a:lnSpc>
+                <a:spcPct val="90000"/>
+              </a:lnSpc>
+              <a:spcBef>
+                <a:spcPts val="500"/>
+              </a:spcBef>
+              <a:buFont typeface="Arial" panose="020B0604020202020204" pitchFamily="34" charset="0"/>
+              <a:buChar char="•"/>
+              <a:defRPr sz="1800" kern="1200">
+                <a:solidFill>
+                  <a:schemeClr val="tx1"/>
+                </a:solidFill>
+                <a:latin typeface="+mn-lt"/>
+                <a:ea typeface="+mn-ea"/>
+                <a:cs typeface="+mn-cs"/>
+              </a:defRPr>
+            </a:lvl8pPr>
+            <a:lvl9pPr marL="3886200" indent="-228600" algn="l" defTabSz="914400" rtl="0" eaLnBrk="1" latinLnBrk="0" hangingPunct="1">
+              <a:lnSpc>
+                <a:spcPct val="90000"/>
+              </a:lnSpc>
+              <a:spcBef>
+                <a:spcPts val="500"/>
+              </a:spcBef>
+              <a:buFont typeface="Arial" panose="020B0604020202020204" pitchFamily="34" charset="0"/>
+              <a:buChar char="•"/>
+              <a:defRPr sz="1800" kern="1200">
+                <a:solidFill>
+                  <a:schemeClr val="tx1"/>
+                </a:solidFill>
+                <a:latin typeface="+mn-lt"/>
+                <a:ea typeface="+mn-ea"/>
+                <a:cs typeface="+mn-cs"/>
+              </a:defRPr>
+            </a:lvl9pPr>
+          </a:lstStyle>
+          <a:p>
+            <a:r>
+              <a:rPr lang="zh-TW" altLang="en-US" sz="2600"/>
+              <a:t>例文</a:t>
+            </a:r>
+          </a:p>
+          <a:p>
+            <a:pPr lvl="1"/>
+            <a:r>
+              <a:rPr lang="zh-TW" altLang="en-US" sz="2200"/>
+              <a:t>これは母の絵です。</a:t>
+            </a:r>
+          </a:p>
+          <a:p>
+            <a:pPr lvl="1"/>
+            <a:r>
+              <a:rPr lang="zh-TW" altLang="en-US" sz="2200"/>
+              <a:t>私は</a:t>
+            </a:r>
+            <a:r>
+              <a:rPr lang="zh-TW" sz="2200">
+                <a:ea typeface="+mn-lt"/>
+                <a:cs typeface="+mn-lt"/>
+              </a:rPr>
+              <a:t>筑波大学の学生です。</a:t>
+            </a:r>
+          </a:p>
+          <a:p>
+            <a:pPr lvl="1"/>
+            <a:r>
+              <a:rPr lang="zh-TW" sz="2200"/>
+              <a:t>これは英語の辞書です。</a:t>
+            </a:r>
+            <a:endParaRPr lang="zh-TW" altLang="en-US" sz="2200"/>
+          </a:p>
+          <a:p>
+            <a:pPr lvl="1"/>
+            <a:r>
+              <a:rPr lang="zh-TW" altLang="en-US" sz="2200"/>
+              <a:t>それは誰のかばんですか。</a:t>
+            </a:r>
+            <a:endParaRPr lang="en-US" altLang="zh-TW" sz="2200"/>
+          </a:p>
+          <a:p>
+            <a:pPr lvl="1"/>
+            <a:r>
+              <a:rPr lang="zh-TW" altLang="en-US" sz="2200"/>
+              <a:t>これはどこのワインですか。</a:t>
+            </a:r>
+            <a:endParaRPr lang="zh-TW" altLang="en-US" sz="2200" dirty="0"/>
+          </a:p>
+          <a:p>
+            <a:pPr lvl="1"/>
+            <a:endParaRPr lang="zh-TW" altLang="en-US" sz="2200"/>
+          </a:p>
+          <a:p>
+            <a:pPr lvl="1"/>
+            <a:endParaRPr lang="zh-TW" altLang="en-US" sz="2200"/>
+          </a:p>
+          <a:p>
+            <a:pPr lvl="1"/>
+            <a:endParaRPr lang="zh-TW" altLang="en-US" sz="2200"/>
+          </a:p>
+          <a:p>
+            <a:pPr lvl="1"/>
+            <a:endParaRPr lang="zh-TW" altLang="en-US" sz="2600"/>
+          </a:p>
+        </p:txBody>
+      </p:sp>
+    </p:spTree>
+    <p:extLst>
+      <p:ext uri="{BB962C8B-B14F-4D97-AF65-F5344CB8AC3E}">
+        <p14:creationId xmlns:p14="http://schemas.microsoft.com/office/powerpoint/2010/main" val="2355807408"/>
+      </p:ext>
+    </p:extLst>
+  </p:cSld>
+  <p:clrMapOvr>
+    <a:masterClrMapping/>
+  </p:clrMapOvr>
+</p:sld>
+</file>
+
+<file path=ppt/slides/slide9.xml><?xml version="1.0" encoding="utf-8"?>
+<p:sld xmlns:a="http://schemas.openxmlformats.org/drawingml/2006/main" xmlns:r="http://schemas.openxmlformats.org/officeDocument/2006/relationships" xmlns:p="http://schemas.openxmlformats.org/presentationml/2006/main">
+  <p:cSld>
+    <p:spTree>
+      <p:nvGrpSpPr>
+        <p:cNvPr id="1" name=""/>
+        <p:cNvGrpSpPr/>
+        <p:nvPr/>
+      </p:nvGrpSpPr>
+      <p:grpSpPr>
+        <a:xfrm>
+          <a:off x="0" y="0"/>
+          <a:ext cx="0" cy="0"/>
+          <a:chOff x="0" y="0"/>
+          <a:chExt cx="0" cy="0"/>
+        </a:xfrm>
+      </p:grpSpPr>
+      <p:sp>
+        <p:nvSpPr>
+          <p:cNvPr id="2" name="標題 1">
+            <a:extLst>
+              <a:ext uri="{FF2B5EF4-FFF2-40B4-BE49-F238E27FC236}">
+                <a16:creationId xmlns:a16="http://schemas.microsoft.com/office/drawing/2014/main" id="{37A17A5C-282D-9A06-2BB9-7608E2DA7C30}"/>
+              </a:ext>
+            </a:extLst>
+          </p:cNvPr>
+          <p:cNvSpPr>
+            <a:spLocks noGrp="1"/>
+          </p:cNvSpPr>
+          <p:nvPr>
+            <p:ph type="title"/>
+          </p:nvPr>
+        </p:nvSpPr>
+        <p:spPr/>
+        <p:txBody>
+          <a:bodyPr>
+            <a:noAutofit/>
+          </a:bodyPr>
+          <a:lstStyle/>
+          <a:p>
+            <a:r>
+              <a:rPr lang="zh-TW" altLang="en-US" sz="3600"/>
+              <a:t>助詞：疑問「か」</a:t>
+            </a:r>
+            <a:endParaRPr lang="zh-TW" altLang="en-US" sz="3600" dirty="0"/>
+          </a:p>
+        </p:txBody>
+      </p:sp>
+      <p:sp>
+        <p:nvSpPr>
+          <p:cNvPr id="3" name="內容版面配置區 2">
+            <a:extLst>
+              <a:ext uri="{FF2B5EF4-FFF2-40B4-BE49-F238E27FC236}">
+                <a16:creationId xmlns:a16="http://schemas.microsoft.com/office/drawing/2014/main" id="{1EE82732-1F5A-20AC-9707-24B2A32B3AB7}"/>
+              </a:ext>
+            </a:extLst>
+          </p:cNvPr>
+          <p:cNvSpPr>
+            <a:spLocks noGrp="1"/>
+          </p:cNvSpPr>
+          <p:nvPr>
+            <p:ph idx="1"/>
+          </p:nvPr>
+        </p:nvSpPr>
+        <p:spPr>
+          <a:xfrm>
+            <a:off x="838200" y="1929384"/>
+            <a:ext cx="10515600" cy="4654526"/>
+          </a:xfrm>
+        </p:spPr>
+        <p:txBody>
+          <a:bodyPr vert="horz" lIns="91440" tIns="45720" rIns="91440" bIns="45720" rtlCol="0" anchor="t">
+            <a:normAutofit fontScale="92500" lnSpcReduction="20000"/>
+          </a:bodyPr>
+          <a:lstStyle/>
+          <a:p>
+            <a:r>
+              <a:rPr lang="zh-TW" altLang="en-US">
+                <a:solidFill>
+                  <a:srgbClr val="000000"/>
+                </a:solidFill>
+              </a:rPr>
+              <a:t>〜</a:t>
+            </a:r>
+            <a:r>
+              <a:rPr lang="zh-TW" altLang="en-US">
+                <a:solidFill>
+                  <a:srgbClr val="FF0000"/>
+                </a:solidFill>
+              </a:rPr>
+              <a:t>か</a:t>
+            </a:r>
+            <a:r>
+              <a:rPr lang="zh-TW" altLang="en-US">
+                <a:solidFill>
+                  <a:srgbClr val="000000"/>
+                </a:solidFill>
+              </a:rPr>
+              <a:t>（〜嗎？〜呢？）</a:t>
+            </a:r>
+            <a:endParaRPr lang="zh-TW" altLang="en-US"/>
+          </a:p>
+          <a:p>
+            <a:endParaRPr lang="zh-TW" altLang="en-US" sz="2200"/>
+          </a:p>
+          <a:p>
+            <a:r>
+              <a:rPr lang="zh-TW" altLang="en-US" sz="2600"/>
+              <a:t>是否疑問句</a:t>
+            </a:r>
+            <a:endParaRPr lang="zh-TW" altLang="en-US" sz="2600" dirty="0"/>
+          </a:p>
+          <a:p>
+            <a:pPr lvl="1"/>
+            <a:r>
+              <a:rPr lang="zh-TW" altLang="en-US" sz="2200"/>
+              <a:t>あなたは学生です</a:t>
+            </a:r>
+            <a:r>
+              <a:rPr lang="zh-TW" altLang="en-US" sz="2200">
+                <a:solidFill>
+                  <a:srgbClr val="FF0000"/>
+                </a:solidFill>
+              </a:rPr>
+              <a:t>か</a:t>
+            </a:r>
+            <a:r>
+              <a:rPr lang="zh-TW" altLang="en-US" sz="2200"/>
+              <a:t>。</a:t>
+            </a:r>
+            <a:endParaRPr lang="zh-TW" altLang="en-US" sz="2200" dirty="0"/>
+          </a:p>
+          <a:p>
+            <a:pPr lvl="1"/>
+            <a:r>
+              <a:rPr lang="zh-TW" altLang="en-US" sz="2200"/>
+              <a:t>はい、学生です。</a:t>
+            </a:r>
+            <a:endParaRPr lang="zh-TW" altLang="en-US" sz="2200" dirty="0"/>
+          </a:p>
+          <a:p>
+            <a:pPr lvl="1"/>
+            <a:r>
+              <a:rPr lang="zh-TW" altLang="en-US" sz="2200"/>
+              <a:t>いええ、学生じゃありません。</a:t>
+            </a:r>
+            <a:endParaRPr lang="zh-TW" altLang="en-US" sz="2200" dirty="0"/>
+          </a:p>
+          <a:p>
+            <a:r>
+              <a:rPr lang="zh-TW" altLang="en-US" sz="2600"/>
+              <a:t>疑問詞疑問句</a:t>
+            </a:r>
+            <a:endParaRPr lang="zh-TW" altLang="en-US" sz="2600" dirty="0"/>
+          </a:p>
+          <a:p>
+            <a:pPr lvl="1"/>
+            <a:r>
+              <a:rPr lang="zh-TW" altLang="en-US" sz="2200"/>
+              <a:t>お仕事は何です</a:t>
+            </a:r>
+            <a:r>
+              <a:rPr lang="zh-TW" altLang="en-US" sz="2200">
+                <a:solidFill>
+                  <a:srgbClr val="FF0000"/>
+                </a:solidFill>
+              </a:rPr>
+              <a:t>か</a:t>
+            </a:r>
+            <a:r>
+              <a:rPr lang="zh-TW" altLang="en-US" sz="2200"/>
+              <a:t>。</a:t>
+            </a:r>
+            <a:endParaRPr lang="zh-TW" altLang="en-US" sz="2200" dirty="0"/>
+          </a:p>
+          <a:p>
+            <a:pPr lvl="1"/>
+            <a:r>
+              <a:rPr lang="zh-TW" altLang="en-US" sz="2200"/>
+              <a:t>高校の教師です。</a:t>
+            </a:r>
+            <a:endParaRPr lang="zh-TW" altLang="en-US" sz="2200" dirty="0"/>
+          </a:p>
+          <a:p>
+            <a:r>
+              <a:rPr lang="zh-TW" altLang="en-US" sz="2600"/>
+              <a:t>選擇疑問句</a:t>
+            </a:r>
+            <a:endParaRPr lang="zh-TW" altLang="en-US" sz="2600" dirty="0"/>
+          </a:p>
+          <a:p>
+            <a:pPr lvl="1"/>
+            <a:r>
+              <a:rPr lang="zh-TW" altLang="en-US" sz="2200"/>
+              <a:t>これはノートですか。手帳です</a:t>
+            </a:r>
+            <a:r>
+              <a:rPr lang="zh-TW" altLang="en-US" sz="2200">
+                <a:solidFill>
+                  <a:srgbClr val="FF0000"/>
+                </a:solidFill>
+              </a:rPr>
+              <a:t>か</a:t>
+            </a:r>
+            <a:r>
+              <a:rPr lang="zh-TW" altLang="en-US" sz="2200"/>
+              <a:t>。</a:t>
+            </a:r>
+            <a:endParaRPr lang="zh-TW" altLang="en-US" sz="2200" dirty="0"/>
+          </a:p>
+          <a:p>
+            <a:pPr lvl="1"/>
+            <a:r>
+              <a:rPr lang="zh-TW" altLang="en-US" sz="2200"/>
+              <a:t>手帳です。</a:t>
+            </a:r>
+            <a:endParaRPr lang="zh-TW" altLang="en-US" sz="2200" dirty="0"/>
+          </a:p>
+          <a:p>
+            <a:pPr lvl="1"/>
+            <a:endParaRPr lang="zh-TW" altLang="en-US" sz="2200" dirty="0"/>
+          </a:p>
+          <a:p>
+            <a:endParaRPr lang="zh-TW" altLang="en-US" sz="2000"/>
+          </a:p>
+        </p:txBody>
+      </p:sp>
+      <p:sp>
+        <p:nvSpPr>
+          <p:cNvPr id="6" name="內容版面配置區 2">
+            <a:extLst>
+              <a:ext uri="{FF2B5EF4-FFF2-40B4-BE49-F238E27FC236}">
+                <a16:creationId xmlns:a16="http://schemas.microsoft.com/office/drawing/2014/main" id="{48C6A82B-2859-6441-1E05-E4BBBEF4F87D}"/>
+              </a:ext>
+            </a:extLst>
+          </p:cNvPr>
+          <p:cNvSpPr txBox="1">
+            <a:spLocks/>
+          </p:cNvSpPr>
+          <p:nvPr/>
+        </p:nvSpPr>
+        <p:spPr>
+          <a:xfrm>
+            <a:off x="5277997" y="3468073"/>
+            <a:ext cx="6852492" cy="2819768"/>
+          </a:xfrm>
+          <a:prstGeom prst="rect">
+            <a:avLst/>
+          </a:prstGeom>
+        </p:spPr>
+        <p:txBody>
+          <a:bodyPr vert="horz" lIns="91440" tIns="45720" rIns="91440" bIns="45720" rtlCol="0" anchor="t">
+            <a:noAutofit/>
+          </a:bodyPr>
+          <a:lstStyle>
+            <a:lvl1pPr marL="228600" indent="-228600" algn="l" defTabSz="914400" rtl="0" eaLnBrk="1" latinLnBrk="0" hangingPunct="1">
+              <a:lnSpc>
+                <a:spcPct val="110000"/>
+              </a:lnSpc>
+              <a:spcBef>
+                <a:spcPts val="1000"/>
+              </a:spcBef>
+              <a:buFont typeface="Arial" panose="020B0604020202020204" pitchFamily="34" charset="0"/>
+              <a:buChar char="•"/>
+              <a:defRPr sz="2800" kern="1200">
+                <a:solidFill>
+                  <a:schemeClr val="tx1"/>
+                </a:solidFill>
+                <a:latin typeface="+mn-lt"/>
+                <a:ea typeface="+mn-ea"/>
+                <a:cs typeface="+mn-cs"/>
+              </a:defRPr>
+            </a:lvl1pPr>
+            <a:lvl2pPr marL="685800" indent="-228600" algn="l" defTabSz="914400" rtl="0" eaLnBrk="1" latinLnBrk="0" hangingPunct="1">
+              <a:lnSpc>
+                <a:spcPct val="110000"/>
+              </a:lnSpc>
+              <a:spcBef>
+                <a:spcPts val="500"/>
+              </a:spcBef>
+              <a:buFont typeface="Arial" panose="020B0604020202020204" pitchFamily="34" charset="0"/>
+              <a:buChar char="•"/>
+              <a:defRPr sz="2400" kern="1200">
+                <a:solidFill>
+                  <a:schemeClr val="tx1"/>
+                </a:solidFill>
+                <a:latin typeface="+mn-lt"/>
+                <a:ea typeface="+mn-ea"/>
+                <a:cs typeface="+mn-cs"/>
+              </a:defRPr>
+            </a:lvl2pPr>
+            <a:lvl3pPr marL="1143000" indent="-228600" algn="l" defTabSz="914400" rtl="0" eaLnBrk="1" latinLnBrk="0" hangingPunct="1">
+              <a:lnSpc>
+                <a:spcPct val="110000"/>
+              </a:lnSpc>
+              <a:spcBef>
+                <a:spcPts val="500"/>
+              </a:spcBef>
+              <a:buFont typeface="Arial" panose="020B0604020202020204" pitchFamily="34" charset="0"/>
+              <a:buChar char="•"/>
+              <a:defRPr sz="2000" kern="1200">
+                <a:solidFill>
+                  <a:schemeClr val="tx1"/>
+                </a:solidFill>
+                <a:latin typeface="+mn-lt"/>
+                <a:ea typeface="+mn-ea"/>
+                <a:cs typeface="+mn-cs"/>
+              </a:defRPr>
+            </a:lvl3pPr>
+            <a:lvl4pPr marL="1600200" indent="-228600" algn="l" defTabSz="914400" rtl="0" eaLnBrk="1" latinLnBrk="0" hangingPunct="1">
+              <a:lnSpc>
+                <a:spcPct val="110000"/>
+              </a:lnSpc>
+              <a:spcBef>
+                <a:spcPts val="500"/>
+              </a:spcBef>
+              <a:buFont typeface="Arial" panose="020B0604020202020204" pitchFamily="34" charset="0"/>
+              <a:buChar char="•"/>
+              <a:defRPr sz="1800" kern="1200">
+                <a:solidFill>
+                  <a:schemeClr val="tx1"/>
+                </a:solidFill>
+                <a:latin typeface="+mn-lt"/>
+                <a:ea typeface="+mn-ea"/>
+                <a:cs typeface="+mn-cs"/>
+              </a:defRPr>
+            </a:lvl4pPr>
+            <a:lvl5pPr marL="2057400" indent="-228600" algn="l" defTabSz="914400" rtl="0" eaLnBrk="1" latinLnBrk="0" hangingPunct="1">
+              <a:lnSpc>
+                <a:spcPct val="110000"/>
+              </a:lnSpc>
+              <a:spcBef>
+                <a:spcPts val="500"/>
+              </a:spcBef>
+              <a:buFont typeface="Arial" panose="020B0604020202020204" pitchFamily="34" charset="0"/>
+              <a:buChar char="•"/>
+              <a:defRPr sz="1800" kern="1200">
+                <a:solidFill>
+                  <a:schemeClr val="tx1"/>
+                </a:solidFill>
+                <a:latin typeface="+mn-lt"/>
+                <a:ea typeface="+mn-ea"/>
+                <a:cs typeface="+mn-cs"/>
+              </a:defRPr>
+            </a:lvl5pPr>
+            <a:lvl6pPr marL="2514600" indent="-228600" algn="l" defTabSz="914400" rtl="0" eaLnBrk="1" latinLnBrk="0" hangingPunct="1">
+              <a:lnSpc>
+                <a:spcPct val="90000"/>
+              </a:lnSpc>
+              <a:spcBef>
+                <a:spcPts val="500"/>
+              </a:spcBef>
+              <a:buFont typeface="Arial" panose="020B0604020202020204" pitchFamily="34" charset="0"/>
+              <a:buChar char="•"/>
+              <a:defRPr sz="1800" kern="1200">
+                <a:solidFill>
+                  <a:schemeClr val="tx1"/>
+                </a:solidFill>
+                <a:latin typeface="+mn-lt"/>
+                <a:ea typeface="+mn-ea"/>
+                <a:cs typeface="+mn-cs"/>
+              </a:defRPr>
+            </a:lvl6pPr>
+            <a:lvl7pPr marL="2971800" indent="-228600" algn="l" defTabSz="914400" rtl="0" eaLnBrk="1" latinLnBrk="0" hangingPunct="1">
+              <a:lnSpc>
+                <a:spcPct val="90000"/>
+              </a:lnSpc>
+              <a:spcBef>
+                <a:spcPts val="500"/>
+              </a:spcBef>
+              <a:buFont typeface="Arial" panose="020B0604020202020204" pitchFamily="34" charset="0"/>
+              <a:buChar char="•"/>
+              <a:defRPr sz="1800" kern="1200">
+                <a:solidFill>
+                  <a:schemeClr val="tx1"/>
+                </a:solidFill>
+                <a:latin typeface="+mn-lt"/>
+                <a:ea typeface="+mn-ea"/>
+                <a:cs typeface="+mn-cs"/>
+              </a:defRPr>
+            </a:lvl7pPr>
+            <a:lvl8pPr marL="3429000" indent="-228600" algn="l" defTabSz="914400" rtl="0" eaLnBrk="1" latinLnBrk="0" hangingPunct="1">
+              <a:lnSpc>
+                <a:spcPct val="90000"/>
+              </a:lnSpc>
+              <a:spcBef>
+                <a:spcPts val="500"/>
+              </a:spcBef>
+              <a:buFont typeface="Arial" panose="020B0604020202020204" pitchFamily="34" charset="0"/>
+              <a:buChar char="•"/>
+              <a:defRPr sz="1800" kern="1200">
+                <a:solidFill>
+                  <a:schemeClr val="tx1"/>
+                </a:solidFill>
+                <a:latin typeface="+mn-lt"/>
+                <a:ea typeface="+mn-ea"/>
+                <a:cs typeface="+mn-cs"/>
+              </a:defRPr>
+            </a:lvl8pPr>
+            <a:lvl9pPr marL="3886200" indent="-228600" algn="l" defTabSz="914400" rtl="0" eaLnBrk="1" latinLnBrk="0" hangingPunct="1">
+              <a:lnSpc>
+                <a:spcPct val="90000"/>
+              </a:lnSpc>
+              <a:spcBef>
+                <a:spcPts val="500"/>
+              </a:spcBef>
+              <a:buFont typeface="Arial" panose="020B0604020202020204" pitchFamily="34" charset="0"/>
+              <a:buChar char="•"/>
+              <a:defRPr sz="1800" kern="1200">
+                <a:solidFill>
+                  <a:schemeClr val="tx1"/>
+                </a:solidFill>
+                <a:latin typeface="+mn-lt"/>
+                <a:ea typeface="+mn-ea"/>
+                <a:cs typeface="+mn-cs"/>
+              </a:defRPr>
+            </a:lvl9pPr>
+          </a:lstStyle>
+          <a:p>
+            <a:r>
+              <a:rPr lang="zh-TW" altLang="en-US" sz="2600"/>
+              <a:t>例文</a:t>
+            </a:r>
+          </a:p>
+          <a:p>
+            <a:pPr lvl="1"/>
+            <a:r>
+              <a:rPr lang="zh-TW" altLang="en-US" sz="2200"/>
+              <a:t>それはあなたの傘ですか。</a:t>
+            </a:r>
+          </a:p>
+          <a:p>
+            <a:pPr lvl="1"/>
+            <a:r>
+              <a:rPr lang="zh-TW" altLang="en-US" sz="2200"/>
+              <a:t>その映画は面白いですか。</a:t>
+            </a:r>
+          </a:p>
+          <a:p>
+            <a:pPr lvl="1"/>
+            <a:r>
+              <a:rPr lang="zh-TW" altLang="en-US" sz="2200"/>
+              <a:t>昨日、何をしましたか。</a:t>
+            </a:r>
+          </a:p>
+          <a:p>
+            <a:pPr lvl="1"/>
+            <a:r>
+              <a:rPr lang="zh-TW" altLang="en-US" sz="2200"/>
+              <a:t>鄭さんは学生ですか。会社員ですか。</a:t>
+            </a:r>
+          </a:p>
+          <a:p>
+            <a:pPr lvl="1"/>
+            <a:endParaRPr lang="zh-TW" altLang="en-US" sz="2200"/>
+          </a:p>
+          <a:p>
+            <a:pPr lvl="1"/>
+            <a:endParaRPr lang="zh-TW" altLang="en-US" sz="2200"/>
+          </a:p>
+          <a:p>
+            <a:pPr lvl="1"/>
+            <a:endParaRPr lang="zh-TW" altLang="en-US" sz="2200"/>
+          </a:p>
+          <a:p>
+            <a:pPr lvl="1"/>
+            <a:endParaRPr lang="zh-TW" altLang="en-US" sz="2600"/>
+          </a:p>
+        </p:txBody>
+      </p:sp>
+    </p:spTree>
+    <p:extLst>
+      <p:ext uri="{BB962C8B-B14F-4D97-AF65-F5344CB8AC3E}">
+        <p14:creationId xmlns:p14="http://schemas.microsoft.com/office/powerpoint/2010/main" val="775457979"/>
       </p:ext>
     </p:extLst>
   </p:cSld>
